--- a/cancergenomics/1610/slides/cancer_genomics.pptx
+++ b/cancergenomics/1610/slides/cancer_genomics.pptx
@@ -5,16 +5,16 @@
     <p:sldMasterId id="2147483841" r:id="rId1"/>
   </p:sldMasterIdLst>
   <p:notesMasterIdLst>
-    <p:notesMasterId r:id="rId43"/>
+    <p:notesMasterId r:id="rId44"/>
   </p:notesMasterIdLst>
   <p:sldIdLst>
     <p:sldId id="256" r:id="rId2"/>
     <p:sldId id="258" r:id="rId3"/>
     <p:sldId id="259" r:id="rId4"/>
-    <p:sldId id="290" r:id="rId5"/>
-    <p:sldId id="272" r:id="rId6"/>
-    <p:sldId id="285" r:id="rId7"/>
-    <p:sldId id="261" r:id="rId8"/>
+    <p:sldId id="272" r:id="rId5"/>
+    <p:sldId id="261" r:id="rId6"/>
+    <p:sldId id="290" r:id="rId7"/>
+    <p:sldId id="285" r:id="rId8"/>
     <p:sldId id="269" r:id="rId9"/>
     <p:sldId id="279" r:id="rId10"/>
     <p:sldId id="280" r:id="rId11"/>
@@ -26,29 +26,30 @@
     <p:sldId id="283" r:id="rId17"/>
     <p:sldId id="289" r:id="rId18"/>
     <p:sldId id="297" r:id="rId19"/>
-    <p:sldId id="313" r:id="rId20"/>
-    <p:sldId id="314" r:id="rId21"/>
-    <p:sldId id="317" r:id="rId22"/>
-    <p:sldId id="295" r:id="rId23"/>
-    <p:sldId id="318" r:id="rId24"/>
-    <p:sldId id="257" r:id="rId25"/>
-    <p:sldId id="298" r:id="rId26"/>
-    <p:sldId id="299" r:id="rId27"/>
-    <p:sldId id="304" r:id="rId28"/>
-    <p:sldId id="301" r:id="rId29"/>
-    <p:sldId id="303" r:id="rId30"/>
-    <p:sldId id="305" r:id="rId31"/>
-    <p:sldId id="306" r:id="rId32"/>
-    <p:sldId id="307" r:id="rId33"/>
-    <p:sldId id="308" r:id="rId34"/>
-    <p:sldId id="315" r:id="rId35"/>
-    <p:sldId id="316" r:id="rId36"/>
-    <p:sldId id="309" r:id="rId37"/>
-    <p:sldId id="310" r:id="rId38"/>
-    <p:sldId id="311" r:id="rId39"/>
-    <p:sldId id="312" r:id="rId40"/>
-    <p:sldId id="319" r:id="rId41"/>
-    <p:sldId id="281" r:id="rId42"/>
+    <p:sldId id="321" r:id="rId20"/>
+    <p:sldId id="322" r:id="rId21"/>
+    <p:sldId id="314" r:id="rId22"/>
+    <p:sldId id="317" r:id="rId23"/>
+    <p:sldId id="295" r:id="rId24"/>
+    <p:sldId id="318" r:id="rId25"/>
+    <p:sldId id="257" r:id="rId26"/>
+    <p:sldId id="298" r:id="rId27"/>
+    <p:sldId id="299" r:id="rId28"/>
+    <p:sldId id="304" r:id="rId29"/>
+    <p:sldId id="301" r:id="rId30"/>
+    <p:sldId id="303" r:id="rId31"/>
+    <p:sldId id="305" r:id="rId32"/>
+    <p:sldId id="306" r:id="rId33"/>
+    <p:sldId id="307" r:id="rId34"/>
+    <p:sldId id="308" r:id="rId35"/>
+    <p:sldId id="315" r:id="rId36"/>
+    <p:sldId id="316" r:id="rId37"/>
+    <p:sldId id="309" r:id="rId38"/>
+    <p:sldId id="310" r:id="rId39"/>
+    <p:sldId id="320" r:id="rId40"/>
+    <p:sldId id="311" r:id="rId41"/>
+    <p:sldId id="312" r:id="rId42"/>
+    <p:sldId id="319" r:id="rId43"/>
   </p:sldIdLst>
   <p:sldSz cx="9144000" cy="6858000" type="screen4x3"/>
   <p:notesSz cx="7010400" cy="9296400"/>
@@ -232,7 +233,7 @@
           <a:p>
             <a:fld id="{4DBCBD28-F41A-4E4D-A023-F37FB5E11D60}" type="datetimeFigureOut">
               <a:rPr lang="en-US" smtClean="0"/>
-              <a:t>21/10/2015</a:t>
+              <a:t>17/10/16</a:t>
             </a:fld>
             <a:endParaRPr lang="en-US"/>
           </a:p>
@@ -1663,7 +1664,7 @@
           <a:p>
             <a:fld id="{AB3A4CA0-194C-D041-A754-07EAE8CC2F9A}" type="slidenum">
               <a:rPr lang="en-US" smtClean="0"/>
-              <a:t>33</a:t>
+              <a:t>34</a:t>
             </a:fld>
             <a:endParaRPr lang="en-US"/>
           </a:p>
@@ -1788,7 +1789,7 @@
           <a:p>
             <a:fld id="{AB3A4CA0-194C-D041-A754-07EAE8CC2F9A}" type="slidenum">
               <a:rPr lang="en-US" smtClean="0"/>
-              <a:t>36</a:t>
+              <a:t>37</a:t>
             </a:fld>
             <a:endParaRPr lang="en-US"/>
           </a:p>
@@ -1800,473 +1801,6 @@
         <p14:creationId xmlns:p14="http://schemas.microsoft.com/office/powerpoint/2010/main" val="671338767"/>
       </p:ext>
     </p:extLst>
-  </p:cSld>
-  <p:clrMapOvr>
-    <a:masterClrMapping/>
-  </p:clrMapOvr>
-</p:notes>
-</file>
-
-<file path=ppt/notesSlides/notesSlide7.xml><?xml version="1.0" encoding="utf-8"?>
-<p:notes xmlns:a="http://schemas.openxmlformats.org/drawingml/2006/main" xmlns:r="http://schemas.openxmlformats.org/officeDocument/2006/relationships" xmlns:p="http://schemas.openxmlformats.org/presentationml/2006/main">
-  <p:cSld>
-    <p:bg>
-      <p:bgPr>
-        <a:solidFill>
-          <a:srgbClr val="FFFFFF"/>
-        </a:solidFill>
-        <a:effectLst/>
-      </p:bgPr>
-    </p:bg>
-    <p:spTree>
-      <p:nvGrpSpPr>
-        <p:cNvPr id="1" name=""/>
-        <p:cNvGrpSpPr/>
-        <p:nvPr/>
-      </p:nvGrpSpPr>
-      <p:grpSpPr>
-        <a:xfrm>
-          <a:off x="0" y="0"/>
-          <a:ext cx="0" cy="0"/>
-          <a:chOff x="0" y="0"/>
-          <a:chExt cx="0" cy="0"/>
-        </a:xfrm>
-      </p:grpSpPr>
-      <p:sp>
-        <p:nvSpPr>
-          <p:cNvPr id="4097" name="Text Box 1"/>
-          <p:cNvSpPr txBox="1">
-            <a:spLocks noChangeArrowheads="1"/>
-          </p:cNvSpPr>
-          <p:nvPr/>
-        </p:nvSpPr>
-        <p:spPr bwMode="auto">
-          <a:xfrm>
-            <a:off x="1431863" y="930227"/>
-            <a:ext cx="4145243" cy="3186834"/>
-          </a:xfrm>
-          <a:prstGeom prst="rect">
-            <a:avLst/>
-          </a:prstGeom>
-          <a:solidFill>
-            <a:srgbClr val="FFFFFF"/>
-          </a:solidFill>
-          <a:ln w="9525">
-            <a:solidFill>
-              <a:srgbClr val="000000"/>
-            </a:solidFill>
-            <a:miter lim="800000"/>
-            <a:headEnd/>
-            <a:tailEnd/>
-          </a:ln>
-          <a:effectLst/>
-          <a:extLst>
-            <a:ext uri="{AF507438-7753-43e0-B8FC-AC1667EBCBE1}">
-              <a14:hiddenEffects xmlns:a14="http://schemas.microsoft.com/office/drawing/2010/main">
-                <a:effectLst>
-                  <a:outerShdw blurRad="63500" dist="38099" dir="2700000" algn="ctr" rotWithShape="0">
-                    <a:srgbClr val="000000">
-                      <a:alpha val="74998"/>
-                    </a:srgbClr>
-                  </a:outerShdw>
-                </a:effectLst>
-              </a14:hiddenEffects>
-            </a:ext>
-          </a:extLst>
-        </p:spPr>
-        <p:txBody>
-          <a:bodyPr wrap="none" lIns="83622" tIns="41811" rIns="83622" bIns="41811" anchor="ctr"/>
-          <a:lstStyle/>
-          <a:p>
-            <a:endParaRPr lang="en-US"/>
-          </a:p>
-        </p:txBody>
-      </p:sp>
-      <p:sp>
-        <p:nvSpPr>
-          <p:cNvPr id="4098" name="Text Box 2"/>
-          <p:cNvSpPr txBox="1">
-            <a:spLocks noGrp="1" noChangeArrowheads="1"/>
-          </p:cNvSpPr>
-          <p:nvPr>
-            <p:ph type="body"/>
-          </p:nvPr>
-        </p:nvSpPr>
-        <p:spPr bwMode="auto">
-          <a:xfrm>
-            <a:off x="1069602" y="4425181"/>
-            <a:ext cx="4876925" cy="3536036"/>
-          </a:xfrm>
-          <a:prstGeom prst="rect">
-            <a:avLst/>
-          </a:prstGeom>
-          <a:noFill/>
-          <a:ln/>
-          <a:extLst>
-            <a:ext uri="{909E8E84-426E-40dd-AFC4-6F175D3DCCD1}">
-              <a14:hiddenFill xmlns:a14="http://schemas.microsoft.com/office/drawing/2010/main">
-                <a:solidFill>
-                  <a:srgbClr val="FFFFFF"/>
-                </a:solidFill>
-              </a14:hiddenFill>
-            </a:ext>
-            <a:ext uri="{91240B29-F687-4f45-9708-019B960494DF}">
-              <a14:hiddenLine xmlns:a14="http://schemas.microsoft.com/office/drawing/2010/main" w="9525">
-                <a:solidFill>
-                  <a:srgbClr val="000000"/>
-                </a:solidFill>
-                <a:round/>
-                <a:headEnd/>
-                <a:tailEnd/>
-              </a14:hiddenLine>
-            </a:ext>
-            <a:ext uri="{AF507438-7753-43e0-B8FC-AC1667EBCBE1}">
-              <a14:hiddenEffects xmlns:a14="http://schemas.microsoft.com/office/drawing/2010/main">
-                <a:effectLst>
-                  <a:outerShdw blurRad="63500" dist="38099" dir="2700000" algn="ctr" rotWithShape="0">
-                    <a:srgbClr val="000000">
-                      <a:alpha val="74998"/>
-                    </a:srgbClr>
-                  </a:outerShdw>
-                </a:effectLst>
-              </a14:hiddenEffects>
-            </a:ext>
-          </a:extLst>
-        </p:spPr>
-        <p:txBody>
-          <a:bodyPr lIns="0" tIns="0" rIns="0" bIns="0"/>
-          <a:lstStyle>
-            <a:lvl1pPr marL="85725" indent="-85725">
-              <a:tabLst>
-                <a:tab pos="723900" algn="l"/>
-                <a:tab pos="1447800" algn="l"/>
-                <a:tab pos="2171700" algn="l"/>
-                <a:tab pos="2895600" algn="l"/>
-                <a:tab pos="3619500" algn="l"/>
-                <a:tab pos="4343400" algn="l"/>
-                <a:tab pos="5067300" algn="l"/>
-              </a:tabLst>
-              <a:defRPr sz="1200">
-                <a:solidFill>
-                  <a:srgbClr val="000000"/>
-                </a:solidFill>
-                <a:latin typeface="Times New Roman" charset="0"/>
-                <a:ea typeface="ＭＳ Ｐゴシック" charset="0"/>
-              </a:defRPr>
-            </a:lvl1pPr>
-            <a:lvl2pPr>
-              <a:tabLst>
-                <a:tab pos="723900" algn="l"/>
-                <a:tab pos="1447800" algn="l"/>
-                <a:tab pos="2171700" algn="l"/>
-                <a:tab pos="2895600" algn="l"/>
-                <a:tab pos="3619500" algn="l"/>
-                <a:tab pos="4343400" algn="l"/>
-                <a:tab pos="5067300" algn="l"/>
-              </a:tabLst>
-              <a:defRPr sz="1200">
-                <a:solidFill>
-                  <a:srgbClr val="000000"/>
-                </a:solidFill>
-                <a:latin typeface="Times New Roman" charset="0"/>
-                <a:ea typeface="ＭＳ Ｐゴシック" charset="0"/>
-              </a:defRPr>
-            </a:lvl2pPr>
-            <a:lvl3pPr>
-              <a:tabLst>
-                <a:tab pos="723900" algn="l"/>
-                <a:tab pos="1447800" algn="l"/>
-                <a:tab pos="2171700" algn="l"/>
-                <a:tab pos="2895600" algn="l"/>
-                <a:tab pos="3619500" algn="l"/>
-                <a:tab pos="4343400" algn="l"/>
-                <a:tab pos="5067300" algn="l"/>
-              </a:tabLst>
-              <a:defRPr sz="1200">
-                <a:solidFill>
-                  <a:srgbClr val="000000"/>
-                </a:solidFill>
-                <a:latin typeface="Times New Roman" charset="0"/>
-                <a:ea typeface="ＭＳ Ｐゴシック" charset="0"/>
-              </a:defRPr>
-            </a:lvl3pPr>
-            <a:lvl4pPr>
-              <a:tabLst>
-                <a:tab pos="723900" algn="l"/>
-                <a:tab pos="1447800" algn="l"/>
-                <a:tab pos="2171700" algn="l"/>
-                <a:tab pos="2895600" algn="l"/>
-                <a:tab pos="3619500" algn="l"/>
-                <a:tab pos="4343400" algn="l"/>
-                <a:tab pos="5067300" algn="l"/>
-              </a:tabLst>
-              <a:defRPr sz="1200">
-                <a:solidFill>
-                  <a:srgbClr val="000000"/>
-                </a:solidFill>
-                <a:latin typeface="Times New Roman" charset="0"/>
-                <a:ea typeface="ＭＳ Ｐゴシック" charset="0"/>
-              </a:defRPr>
-            </a:lvl4pPr>
-            <a:lvl5pPr>
-              <a:tabLst>
-                <a:tab pos="723900" algn="l"/>
-                <a:tab pos="1447800" algn="l"/>
-                <a:tab pos="2171700" algn="l"/>
-                <a:tab pos="2895600" algn="l"/>
-                <a:tab pos="3619500" algn="l"/>
-                <a:tab pos="4343400" algn="l"/>
-                <a:tab pos="5067300" algn="l"/>
-              </a:tabLst>
-              <a:defRPr sz="1200">
-                <a:solidFill>
-                  <a:srgbClr val="000000"/>
-                </a:solidFill>
-                <a:latin typeface="Times New Roman" charset="0"/>
-                <a:ea typeface="ＭＳ Ｐゴシック" charset="0"/>
-              </a:defRPr>
-            </a:lvl5pPr>
-            <a:lvl6pPr marL="2514600" indent="-228600" eaLnBrk="0" fontAlgn="base" hangingPunct="0">
-              <a:spcBef>
-                <a:spcPct val="30000"/>
-              </a:spcBef>
-              <a:spcAft>
-                <a:spcPct val="0"/>
-              </a:spcAft>
-              <a:buClr>
-                <a:srgbClr val="000000"/>
-              </a:buClr>
-              <a:buSzPct val="100000"/>
-              <a:buFont typeface="Times New Roman" charset="0"/>
-              <a:tabLst>
-                <a:tab pos="723900" algn="l"/>
-                <a:tab pos="1447800" algn="l"/>
-                <a:tab pos="2171700" algn="l"/>
-                <a:tab pos="2895600" algn="l"/>
-                <a:tab pos="3619500" algn="l"/>
-                <a:tab pos="4343400" algn="l"/>
-                <a:tab pos="5067300" algn="l"/>
-              </a:tabLst>
-              <a:defRPr sz="1200">
-                <a:solidFill>
-                  <a:srgbClr val="000000"/>
-                </a:solidFill>
-                <a:latin typeface="Times New Roman" charset="0"/>
-                <a:ea typeface="ＭＳ Ｐゴシック" charset="0"/>
-              </a:defRPr>
-            </a:lvl6pPr>
-            <a:lvl7pPr marL="2971800" indent="-228600" eaLnBrk="0" fontAlgn="base" hangingPunct="0">
-              <a:spcBef>
-                <a:spcPct val="30000"/>
-              </a:spcBef>
-              <a:spcAft>
-                <a:spcPct val="0"/>
-              </a:spcAft>
-              <a:buClr>
-                <a:srgbClr val="000000"/>
-              </a:buClr>
-              <a:buSzPct val="100000"/>
-              <a:buFont typeface="Times New Roman" charset="0"/>
-              <a:tabLst>
-                <a:tab pos="723900" algn="l"/>
-                <a:tab pos="1447800" algn="l"/>
-                <a:tab pos="2171700" algn="l"/>
-                <a:tab pos="2895600" algn="l"/>
-                <a:tab pos="3619500" algn="l"/>
-                <a:tab pos="4343400" algn="l"/>
-                <a:tab pos="5067300" algn="l"/>
-              </a:tabLst>
-              <a:defRPr sz="1200">
-                <a:solidFill>
-                  <a:srgbClr val="000000"/>
-                </a:solidFill>
-                <a:latin typeface="Times New Roman" charset="0"/>
-                <a:ea typeface="ＭＳ Ｐゴシック" charset="0"/>
-              </a:defRPr>
-            </a:lvl7pPr>
-            <a:lvl8pPr marL="3429000" indent="-228600" eaLnBrk="0" fontAlgn="base" hangingPunct="0">
-              <a:spcBef>
-                <a:spcPct val="30000"/>
-              </a:spcBef>
-              <a:spcAft>
-                <a:spcPct val="0"/>
-              </a:spcAft>
-              <a:buClr>
-                <a:srgbClr val="000000"/>
-              </a:buClr>
-              <a:buSzPct val="100000"/>
-              <a:buFont typeface="Times New Roman" charset="0"/>
-              <a:tabLst>
-                <a:tab pos="723900" algn="l"/>
-                <a:tab pos="1447800" algn="l"/>
-                <a:tab pos="2171700" algn="l"/>
-                <a:tab pos="2895600" algn="l"/>
-                <a:tab pos="3619500" algn="l"/>
-                <a:tab pos="4343400" algn="l"/>
-                <a:tab pos="5067300" algn="l"/>
-              </a:tabLst>
-              <a:defRPr sz="1200">
-                <a:solidFill>
-                  <a:srgbClr val="000000"/>
-                </a:solidFill>
-                <a:latin typeface="Times New Roman" charset="0"/>
-                <a:ea typeface="ＭＳ Ｐゴシック" charset="0"/>
-              </a:defRPr>
-            </a:lvl8pPr>
-            <a:lvl9pPr marL="3886200" indent="-228600" eaLnBrk="0" fontAlgn="base" hangingPunct="0">
-              <a:spcBef>
-                <a:spcPct val="30000"/>
-              </a:spcBef>
-              <a:spcAft>
-                <a:spcPct val="0"/>
-              </a:spcAft>
-              <a:buClr>
-                <a:srgbClr val="000000"/>
-              </a:buClr>
-              <a:buSzPct val="100000"/>
-              <a:buFont typeface="Times New Roman" charset="0"/>
-              <a:tabLst>
-                <a:tab pos="723900" algn="l"/>
-                <a:tab pos="1447800" algn="l"/>
-                <a:tab pos="2171700" algn="l"/>
-                <a:tab pos="2895600" algn="l"/>
-                <a:tab pos="3619500" algn="l"/>
-                <a:tab pos="4343400" algn="l"/>
-                <a:tab pos="5067300" algn="l"/>
-              </a:tabLst>
-              <a:defRPr sz="1200">
-                <a:solidFill>
-                  <a:srgbClr val="000000"/>
-                </a:solidFill>
-                <a:latin typeface="Times New Roman" charset="0"/>
-                <a:ea typeface="ＭＳ Ｐゴシック" charset="0"/>
-              </a:defRPr>
-            </a:lvl9pPr>
-          </a:lstStyle>
-          <a:p>
-            <a:pPr eaLnBrk="1">
-              <a:lnSpc>
-                <a:spcPct val="93000"/>
-              </a:lnSpc>
-              <a:spcBef>
-                <a:spcPct val="0"/>
-              </a:spcBef>
-              <a:buSzPct val="45000"/>
-              <a:buFont typeface="Wingdings" charset="0"/>
-              <a:buNone/>
-            </a:pPr>
-            <a:r>
-              <a:rPr lang="en-GB" sz="1300" b="1" dirty="0">
-                <a:latin typeface="Arial" charset="0"/>
-                <a:cs typeface="msgothic" charset="0"/>
-              </a:rPr>
-              <a:t>Total alterations affecting protein-coding genes in selected </a:t>
-            </a:r>
-            <a:r>
-              <a:rPr lang="en-GB" sz="1300" b="1" dirty="0" err="1">
-                <a:latin typeface="Arial" charset="0"/>
-                <a:cs typeface="msgothic" charset="0"/>
-              </a:rPr>
-              <a:t>tumors</a:t>
-            </a:r>
-            <a:r>
-              <a:rPr lang="en-GB" sz="1300" b="1" dirty="0">
-                <a:latin typeface="Arial" charset="0"/>
-                <a:cs typeface="msgothic" charset="0"/>
-              </a:rPr>
-              <a:t>.</a:t>
-            </a:r>
-            <a:r>
-              <a:rPr lang="en-GB" dirty="0">
-                <a:latin typeface="Arial" charset="0"/>
-                <a:cs typeface="msgothic" charset="0"/>
-              </a:rPr>
-              <a:t> Average number and types of genomic alterations per </a:t>
-            </a:r>
-            <a:r>
-              <a:rPr lang="en-GB" dirty="0" err="1">
-                <a:latin typeface="Arial" charset="0"/>
-                <a:cs typeface="msgothic" charset="0"/>
-              </a:rPr>
-              <a:t>tumor</a:t>
-            </a:r>
-            <a:r>
-              <a:rPr lang="en-GB" dirty="0">
-                <a:latin typeface="Arial" charset="0"/>
-                <a:cs typeface="msgothic" charset="0"/>
-              </a:rPr>
-              <a:t>, including single-base substitutions (SBS), small insertions and deletions (</a:t>
-            </a:r>
-            <a:r>
-              <a:rPr lang="en-GB" dirty="0" err="1">
-                <a:latin typeface="Arial" charset="0"/>
-                <a:cs typeface="msgothic" charset="0"/>
-              </a:rPr>
-              <a:t>indels</a:t>
-            </a:r>
-            <a:r>
-              <a:rPr lang="en-GB" dirty="0">
-                <a:latin typeface="Arial" charset="0"/>
-                <a:cs typeface="msgothic" charset="0"/>
-              </a:rPr>
-              <a:t>), amplifications, and homozygous deletions, as determined by genome-wide sequencing studies. For colorectal, breast, and pancreatic ductal cancer, and </a:t>
-            </a:r>
-            <a:r>
-              <a:rPr lang="en-GB" dirty="0" err="1">
-                <a:latin typeface="Arial" charset="0"/>
-                <a:cs typeface="msgothic" charset="0"/>
-              </a:rPr>
-              <a:t>medulloblastomas</a:t>
-            </a:r>
-            <a:r>
-              <a:rPr lang="en-GB" dirty="0">
-                <a:latin typeface="Arial" charset="0"/>
-                <a:cs typeface="msgothic" charset="0"/>
-              </a:rPr>
-              <a:t>, translocations are also included. The published data on which this figure is based are provided in table S1D</a:t>
-            </a:r>
-            <a:r>
-              <a:rPr lang="en-GB" dirty="0" smtClean="0">
-                <a:latin typeface="Arial" charset="0"/>
-                <a:cs typeface="msgothic" charset="0"/>
-              </a:rPr>
-              <a:t>.</a:t>
-            </a:r>
-          </a:p>
-          <a:p>
-            <a:pPr eaLnBrk="1">
-              <a:lnSpc>
-                <a:spcPct val="93000"/>
-              </a:lnSpc>
-              <a:spcBef>
-                <a:spcPct val="0"/>
-              </a:spcBef>
-              <a:buSzPct val="45000"/>
-              <a:buFont typeface="Wingdings" charset="0"/>
-              <a:buNone/>
-            </a:pPr>
-            <a:r>
-              <a:rPr lang="en-GB" dirty="0" smtClean="0">
-                <a:latin typeface="Arial" charset="0"/>
-                <a:cs typeface="msgothic" charset="0"/>
-              </a:rPr>
-              <a:t>There are roughly 10 times</a:t>
-            </a:r>
-            <a:r>
-              <a:rPr lang="en-GB" baseline="0" dirty="0" smtClean="0">
-                <a:latin typeface="Arial" charset="0"/>
-                <a:cs typeface="msgothic" charset="0"/>
-              </a:rPr>
-              <a:t> fewer genes affected by chromosomal changes than by point mutations. </a:t>
-            </a:r>
-            <a:endParaRPr lang="en-GB" dirty="0">
-              <a:latin typeface="Arial" charset="0"/>
-              <a:cs typeface="msgothic" charset="0"/>
-            </a:endParaRPr>
-          </a:p>
-        </p:txBody>
-      </p:sp>
-    </p:spTree>
   </p:cSld>
   <p:clrMapOvr>
     <a:masterClrMapping/>
@@ -2456,7 +1990,7 @@
             <a:fld id="{6AD8D91A-A2EE-4B54-B3C6-F6C67903BA9C}" type="datetime1">
               <a:rPr lang="en-US" smtClean="0"/>
               <a:pPr/>
-              <a:t>21/10/2015</a:t>
+              <a:t>17/10/16</a:t>
             </a:fld>
             <a:endParaRPr lang="en-US" dirty="0"/>
           </a:p>
@@ -2628,7 +2162,7 @@
             <a:fld id="{B19785C6-EBAF-49D5-AD4D-BABF4DFAAD59}" type="datetime1">
               <a:rPr lang="en-US" smtClean="0"/>
               <a:pPr/>
-              <a:t>21/10/2015</a:t>
+              <a:t>17/10/16</a:t>
             </a:fld>
             <a:endParaRPr lang="en-US"/>
           </a:p>
@@ -2810,7 +2344,7 @@
             <a:fld id="{6A404122-9A3A-4FD8-98B8-22631F32846C}" type="datetime1">
               <a:rPr lang="en-US" smtClean="0"/>
               <a:pPr/>
-              <a:t>21/10/2015</a:t>
+              <a:t>17/10/16</a:t>
             </a:fld>
             <a:endParaRPr lang="en-US" dirty="0"/>
           </a:p>
@@ -2982,7 +2516,7 @@
             <a:fld id="{C259A7B8-0EC4-44C9-AFEF-25E144F11C06}" type="datetime1">
               <a:rPr lang="en-US" smtClean="0"/>
               <a:pPr/>
-              <a:t>21/10/2015</a:t>
+              <a:t>17/10/16</a:t>
             </a:fld>
             <a:endParaRPr lang="en-US"/>
           </a:p>
@@ -3230,7 +2764,7 @@
             <a:fld id="{82BB47B5-C739-4DAE-AACD-CC58CA843AC4}" type="datetime1">
               <a:rPr lang="en-US" smtClean="0"/>
               <a:pPr/>
-              <a:t>21/10/2015</a:t>
+              <a:t>17/10/16</a:t>
             </a:fld>
             <a:endParaRPr lang="en-US" dirty="0"/>
           </a:p>
@@ -3520,7 +3054,7 @@
             <a:fld id="{3E72AE48-94E6-46E0-BE32-5F0716DE9115}" type="datetime1">
               <a:rPr lang="en-US" smtClean="0"/>
               <a:pPr/>
-              <a:t>21/10/2015</a:t>
+              <a:t>17/10/16</a:t>
             </a:fld>
             <a:endParaRPr lang="en-US"/>
           </a:p>
@@ -3944,7 +3478,7 @@
             <a:fld id="{0884C285-8BCE-48FC-97D9-E2837AF38351}" type="datetime1">
               <a:rPr lang="en-US" smtClean="0"/>
               <a:pPr/>
-              <a:t>21/10/2015</a:t>
+              <a:t>17/10/16</a:t>
             </a:fld>
             <a:endParaRPr lang="en-US"/>
           </a:p>
@@ -4064,7 +3598,7 @@
             <a:fld id="{0E70D3E6-EF16-4488-94A4-211508FE4682}" type="datetime1">
               <a:rPr lang="en-US" smtClean="0"/>
               <a:pPr/>
-              <a:t>21/10/2015</a:t>
+              <a:t>17/10/16</a:t>
             </a:fld>
             <a:endParaRPr lang="en-US"/>
           </a:p>
@@ -4161,7 +3695,7 @@
             <a:fld id="{7077FB3B-20DA-4D0E-BF16-8262B7156612}" type="datetime1">
               <a:rPr lang="en-US" smtClean="0"/>
               <a:pPr/>
-              <a:t>21/10/2015</a:t>
+              <a:t>17/10/16</a:t>
             </a:fld>
             <a:endParaRPr lang="en-US"/>
           </a:p>
@@ -4440,7 +3974,7 @@
             <a:fld id="{8C273C2C-6BD0-40EC-8D8D-4D51F089C5EB}" type="datetime1">
               <a:rPr lang="en-US" smtClean="0"/>
               <a:pPr/>
-              <a:t>21/10/2015</a:t>
+              <a:t>17/10/16</a:t>
             </a:fld>
             <a:endParaRPr lang="en-US"/>
           </a:p>
@@ -4695,7 +4229,7 @@
             <a:fld id="{2D377F5C-EDA7-4864-9756-35769B0E62CF}" type="datetime1">
               <a:rPr lang="en-US" smtClean="0"/>
               <a:pPr/>
-              <a:t>21/10/2015</a:t>
+              <a:t>17/10/16</a:t>
             </a:fld>
             <a:endParaRPr lang="en-US"/>
           </a:p>
@@ -4910,7 +4444,7 @@
             <a:fld id="{88B99C93-F56F-46AB-9EB8-53614A95B15F}" type="datetime1">
               <a:rPr lang="en-US" smtClean="0"/>
               <a:pPr/>
-              <a:t>21/10/2015</a:t>
+              <a:t>17/10/16</a:t>
             </a:fld>
             <a:endParaRPr lang="en-US" dirty="0"/>
           </a:p>
@@ -8088,7 +7622,12 @@
             <p:ph type="title"/>
           </p:nvPr>
         </p:nvSpPr>
-        <p:spPr/>
+        <p:spPr>
+          <a:xfrm>
+            <a:off x="457200" y="0"/>
+            <a:ext cx="8229600" cy="1143000"/>
+          </a:xfrm>
+        </p:spPr>
         <p:txBody>
           <a:bodyPr>
             <a:normAutofit fontScale="90000"/>
@@ -8099,33 +7638,28 @@
               <a:rPr lang="en-US" dirty="0"/>
               <a:t>Tumor samples are often impure due to a mixture of tumor and normal cells</a:t>
             </a:r>
+            <a:endParaRPr lang="en-US" dirty="0"/>
           </a:p>
         </p:txBody>
       </p:sp>
       <p:pic>
         <p:nvPicPr>
-          <p:cNvPr id="4" name="Picture 3" descr="normal contamination.gif"/>
+          <p:cNvPr id="4" name="Picture 3"/>
           <p:cNvPicPr>
             <a:picLocks noChangeAspect="1"/>
           </p:cNvPicPr>
           <p:nvPr/>
         </p:nvPicPr>
         <p:blipFill>
-          <a:blip r:embed="rId2">
-            <a:extLst>
-              <a:ext uri="{28A0092B-C50C-407E-A947-70E740481C1C}">
-                <a14:useLocalDpi xmlns:a14="http://schemas.microsoft.com/office/drawing/2010/main" val="0"/>
-              </a:ext>
-            </a:extLst>
-          </a:blip>
+          <a:blip r:embed="rId2"/>
           <a:stretch>
             <a:fillRect/>
           </a:stretch>
         </p:blipFill>
         <p:spPr>
           <a:xfrm>
-            <a:off x="1306979" y="2166688"/>
-            <a:ext cx="6096000" cy="3505200"/>
+            <a:off x="1950630" y="1562099"/>
+            <a:ext cx="5413211" cy="4846443"/>
           </a:xfrm>
           <a:prstGeom prst="rect">
             <a:avLst/>
@@ -8140,8 +7674,8 @@
         </p:nvSpPr>
         <p:spPr>
           <a:xfrm>
-            <a:off x="2175973" y="6190073"/>
-            <a:ext cx="4852610" cy="276999"/>
+            <a:off x="1013373" y="6488668"/>
+            <a:ext cx="7427597" cy="369332"/>
           </a:xfrm>
           <a:prstGeom prst="rect">
             <a:avLst/>
@@ -8155,24 +7689,21 @@
           <a:lstStyle/>
           <a:p>
             <a:r>
-              <a:rPr lang="en-US" sz="1200" dirty="0"/>
-              <a:t>http://</a:t>
-            </a:r>
-            <a:r>
-              <a:rPr lang="en-US" sz="1200" dirty="0" err="1"/>
-              <a:t>scienceblogs.com</a:t>
-            </a:r>
-            <a:r>
-              <a:rPr lang="en-US" sz="1200" dirty="0"/>
-              <a:t>/insolence/2011/08/23/the-complexity-of-cancer/</a:t>
-            </a:r>
+              <a:rPr lang="en-US" dirty="0" err="1" smtClean="0"/>
+              <a:t>Hanahan</a:t>
+            </a:r>
+            <a:r>
+              <a:rPr lang="en-US" dirty="0" smtClean="0"/>
+              <a:t> and Weinberg, Hallmarks of Cancer: The Next Generation, Cell 2011</a:t>
+            </a:r>
+            <a:endParaRPr lang="en-US" dirty="0"/>
           </a:p>
         </p:txBody>
       </p:sp>
     </p:spTree>
     <p:extLst>
       <p:ext uri="{BB962C8B-B14F-4D97-AF65-F5344CB8AC3E}">
-        <p14:creationId xmlns:p14="http://schemas.microsoft.com/office/powerpoint/2010/main" val="2070534472"/>
+        <p14:creationId xmlns:p14="http://schemas.microsoft.com/office/powerpoint/2010/main" val="1994361026"/>
       </p:ext>
     </p:extLst>
   </p:cSld>
@@ -8323,6 +7854,90 @@
 </file>
 
 <file path=ppt/slides/slide20.xml><?xml version="1.0" encoding="utf-8"?>
+<p:sld xmlns:a="http://schemas.openxmlformats.org/drawingml/2006/main" xmlns:r="http://schemas.openxmlformats.org/officeDocument/2006/relationships" xmlns:p="http://schemas.openxmlformats.org/presentationml/2006/main">
+  <p:cSld>
+    <p:spTree>
+      <p:nvGrpSpPr>
+        <p:cNvPr id="1" name=""/>
+        <p:cNvGrpSpPr/>
+        <p:nvPr/>
+      </p:nvGrpSpPr>
+      <p:grpSpPr>
+        <a:xfrm>
+          <a:off x="0" y="0"/>
+          <a:ext cx="0" cy="0"/>
+          <a:chOff x="0" y="0"/>
+          <a:chExt cx="0" cy="0"/>
+        </a:xfrm>
+      </p:grpSpPr>
+      <p:sp>
+        <p:nvSpPr>
+          <p:cNvPr id="2" name="Title 1"/>
+          <p:cNvSpPr>
+            <a:spLocks noGrp="1"/>
+          </p:cNvSpPr>
+          <p:nvPr>
+            <p:ph type="title"/>
+          </p:nvPr>
+        </p:nvSpPr>
+        <p:spPr/>
+        <p:txBody>
+          <a:bodyPr/>
+          <a:lstStyle/>
+          <a:p>
+            <a:r>
+              <a:rPr lang="en-US" dirty="0"/>
+              <a:t>Aneuploidy</a:t>
+            </a:r>
+            <a:endParaRPr lang="en-US" dirty="0"/>
+          </a:p>
+        </p:txBody>
+      </p:sp>
+      <p:pic>
+        <p:nvPicPr>
+          <p:cNvPr id="4" name="Picture 3"/>
+          <p:cNvPicPr>
+            <a:picLocks noChangeAspect="1"/>
+          </p:cNvPicPr>
+          <p:nvPr/>
+        </p:nvPicPr>
+        <p:blipFill>
+          <a:blip r:embed="rId2"/>
+          <a:stretch>
+            <a:fillRect/>
+          </a:stretch>
+        </p:blipFill>
+        <p:spPr>
+          <a:xfrm>
+            <a:off x="1451140" y="1580666"/>
+            <a:ext cx="6995768" cy="4607213"/>
+          </a:xfrm>
+          <a:prstGeom prst="rect">
+            <a:avLst/>
+          </a:prstGeom>
+        </p:spPr>
+      </p:pic>
+    </p:spTree>
+    <p:extLst>
+      <p:ext uri="{BB962C8B-B14F-4D97-AF65-F5344CB8AC3E}">
+        <p14:creationId xmlns:p14="http://schemas.microsoft.com/office/powerpoint/2010/main" val="2647798566"/>
+      </p:ext>
+    </p:extLst>
+  </p:cSld>
+  <p:clrMapOvr>
+    <a:masterClrMapping/>
+  </p:clrMapOvr>
+  <p:timing>
+    <p:tnLst>
+      <p:par>
+        <p:cTn xmlns:p14="http://schemas.microsoft.com/office/powerpoint/2010/main" id="1" dur="indefinite" restart="never" nodeType="tmRoot"/>
+      </p:par>
+    </p:tnLst>
+  </p:timing>
+</p:sld>
+</file>
+
+<file path=ppt/slides/slide21.xml><?xml version="1.0" encoding="utf-8"?>
 <p:sld xmlns:a="http://schemas.openxmlformats.org/drawingml/2006/main" xmlns:r="http://schemas.openxmlformats.org/officeDocument/2006/relationships" xmlns:p="http://schemas.openxmlformats.org/presentationml/2006/main">
   <p:cSld>
     <p:spTree>
@@ -8483,7 +8098,7 @@
 </p:sld>
 </file>
 
-<file path=ppt/slides/slide21.xml><?xml version="1.0" encoding="utf-8"?>
+<file path=ppt/slides/slide22.xml><?xml version="1.0" encoding="utf-8"?>
 <p:sld xmlns:a="http://schemas.openxmlformats.org/drawingml/2006/main" xmlns:r="http://schemas.openxmlformats.org/officeDocument/2006/relationships" xmlns:p="http://schemas.openxmlformats.org/presentationml/2006/main">
   <p:cSld>
     <p:spTree>
@@ -8512,8 +8127,8 @@
         </p:nvSpPr>
         <p:spPr>
           <a:xfrm>
-            <a:off x="457200" y="2687638"/>
-            <a:ext cx="8229600" cy="1143000"/>
+            <a:off x="1168400" y="2687638"/>
+            <a:ext cx="6807200" cy="1143000"/>
           </a:xfrm>
         </p:spPr>
         <p:txBody>
@@ -8524,21 +8139,10 @@
           <a:p>
             <a:r>
               <a:rPr lang="en-US" dirty="0" smtClean="0"/>
-              <a:t>Also,</a:t>
+              <a:t>So, detection algorithms must handle this!</a:t>
             </a:r>
             <a:br>
               <a:rPr lang="en-US" dirty="0" smtClean="0"/>
-            </a:br>
-            <a:r>
-              <a:rPr lang="en-US" dirty="0" smtClean="0"/>
-              <a:t>Tumors </a:t>
-            </a:r>
-            <a:r>
-              <a:rPr lang="en-US" dirty="0"/>
-              <a:t>are not completely diploid due to copy number aberrations</a:t>
-            </a:r>
-            <a:br>
-              <a:rPr lang="en-US" dirty="0"/>
             </a:br>
             <a:endParaRPr lang="en-US" dirty="0"/>
           </a:p>
@@ -8548,201 +8152,6 @@
     <p:extLst>
       <p:ext uri="{BB962C8B-B14F-4D97-AF65-F5344CB8AC3E}">
         <p14:creationId xmlns:p14="http://schemas.microsoft.com/office/powerpoint/2010/main" val="3264216187"/>
-      </p:ext>
-    </p:extLst>
-  </p:cSld>
-  <p:clrMapOvr>
-    <a:masterClrMapping/>
-  </p:clrMapOvr>
-  <p:timing>
-    <p:tnLst>
-      <p:par>
-        <p:cTn xmlns:p14="http://schemas.microsoft.com/office/powerpoint/2010/main" id="1" dur="indefinite" restart="never" nodeType="tmRoot"/>
-      </p:par>
-    </p:tnLst>
-  </p:timing>
-</p:sld>
-</file>
-
-<file path=ppt/slides/slide22.xml><?xml version="1.0" encoding="utf-8"?>
-<p:sld xmlns:a="http://schemas.openxmlformats.org/drawingml/2006/main" xmlns:r="http://schemas.openxmlformats.org/officeDocument/2006/relationships" xmlns:p="http://schemas.openxmlformats.org/presentationml/2006/main">
-  <p:cSld>
-    <p:spTree>
-      <p:nvGrpSpPr>
-        <p:cNvPr id="1" name=""/>
-        <p:cNvGrpSpPr/>
-        <p:nvPr/>
-      </p:nvGrpSpPr>
-      <p:grpSpPr>
-        <a:xfrm>
-          <a:off x="0" y="0"/>
-          <a:ext cx="0" cy="0"/>
-          <a:chOff x="0" y="0"/>
-          <a:chExt cx="0" cy="0"/>
-        </a:xfrm>
-      </p:grpSpPr>
-      <p:sp>
-        <p:nvSpPr>
-          <p:cNvPr id="2" name="Title 1"/>
-          <p:cNvSpPr>
-            <a:spLocks noGrp="1"/>
-          </p:cNvSpPr>
-          <p:nvPr>
-            <p:ph type="title"/>
-          </p:nvPr>
-        </p:nvSpPr>
-        <p:spPr/>
-        <p:txBody>
-          <a:bodyPr/>
-          <a:lstStyle/>
-          <a:p>
-            <a:r>
-              <a:rPr lang="en-US" dirty="0" smtClean="0"/>
-              <a:t>Many tools available</a:t>
-            </a:r>
-            <a:endParaRPr lang="en-US" dirty="0"/>
-          </a:p>
-        </p:txBody>
-      </p:sp>
-      <p:sp>
-        <p:nvSpPr>
-          <p:cNvPr id="3" name="Content Placeholder 2"/>
-          <p:cNvSpPr>
-            <a:spLocks noGrp="1"/>
-          </p:cNvSpPr>
-          <p:nvPr>
-            <p:ph idx="1"/>
-          </p:nvPr>
-        </p:nvSpPr>
-        <p:spPr>
-          <a:xfrm>
-            <a:off x="1390540" y="1696650"/>
-            <a:ext cx="7169716" cy="4525963"/>
-          </a:xfrm>
-        </p:spPr>
-        <p:txBody>
-          <a:bodyPr>
-            <a:normAutofit lnSpcReduction="10000"/>
-          </a:bodyPr>
-          <a:lstStyle/>
-          <a:p>
-            <a:r>
-              <a:rPr lang="en-US" dirty="0"/>
-              <a:t>single nucleotide variants (SNVs)</a:t>
-            </a:r>
-          </a:p>
-          <a:p>
-            <a:pPr marL="0" indent="0">
-              <a:buNone/>
-            </a:pPr>
-            <a:r>
-              <a:rPr lang="en-US" dirty="0"/>
-              <a:t>	</a:t>
-            </a:r>
-            <a:r>
-              <a:rPr lang="en-US" dirty="0" err="1"/>
-              <a:t>MuTect</a:t>
-            </a:r>
-            <a:r>
-              <a:rPr lang="en-US" dirty="0"/>
-              <a:t>, </a:t>
-            </a:r>
-            <a:r>
-              <a:rPr lang="en-US" dirty="0" err="1" smtClean="0"/>
-              <a:t>FreeBayes</a:t>
-            </a:r>
-            <a:endParaRPr lang="en-US" dirty="0" smtClean="0"/>
-          </a:p>
-          <a:p>
-            <a:pPr marL="0" indent="0">
-              <a:buNone/>
-            </a:pPr>
-            <a:endParaRPr lang="en-US" dirty="0"/>
-          </a:p>
-          <a:p>
-            <a:r>
-              <a:rPr lang="en-US" dirty="0"/>
-              <a:t>structural variants (SVs) </a:t>
-            </a:r>
-          </a:p>
-          <a:p>
-            <a:pPr marL="0" indent="0">
-              <a:buNone/>
-            </a:pPr>
-            <a:r>
-              <a:rPr lang="en-US" dirty="0"/>
-              <a:t>	</a:t>
-            </a:r>
-            <a:r>
-              <a:rPr lang="en-US" dirty="0" err="1"/>
-              <a:t>Delly</a:t>
-            </a:r>
-            <a:r>
-              <a:rPr lang="en-US" dirty="0"/>
-              <a:t>, </a:t>
-            </a:r>
-            <a:r>
-              <a:rPr lang="en-US" dirty="0" err="1"/>
-              <a:t>novoBreak</a:t>
-            </a:r>
-            <a:r>
-              <a:rPr lang="en-US" dirty="0"/>
-              <a:t> and </a:t>
-            </a:r>
-            <a:r>
-              <a:rPr lang="en-US" dirty="0" smtClean="0"/>
-              <a:t>Manta</a:t>
-            </a:r>
-          </a:p>
-          <a:p>
-            <a:pPr marL="0" indent="0">
-              <a:buNone/>
-            </a:pPr>
-            <a:endParaRPr lang="en-US" dirty="0"/>
-          </a:p>
-          <a:p>
-            <a:r>
-              <a:rPr lang="en-US" dirty="0"/>
-              <a:t>and copy number variants (CNVs)</a:t>
-            </a:r>
-          </a:p>
-          <a:p>
-            <a:pPr marL="0" indent="0">
-              <a:buNone/>
-            </a:pPr>
-            <a:r>
-              <a:rPr lang="en-US" dirty="0"/>
-              <a:t>	</a:t>
-            </a:r>
-            <a:r>
-              <a:rPr lang="en-US" dirty="0" err="1"/>
-              <a:t>QDNAseq</a:t>
-            </a:r>
-            <a:r>
-              <a:rPr lang="en-US" dirty="0"/>
-              <a:t>, </a:t>
-            </a:r>
-            <a:r>
-              <a:rPr lang="en-US" dirty="0" err="1"/>
-              <a:t>CNAnorm</a:t>
-            </a:r>
-            <a:r>
-              <a:rPr lang="en-US" dirty="0"/>
-              <a:t> and Patchwork</a:t>
-            </a:r>
-          </a:p>
-          <a:p>
-            <a:pPr marL="0" indent="0">
-              <a:buNone/>
-            </a:pPr>
-            <a:endParaRPr lang="en-US" dirty="0"/>
-          </a:p>
-        </p:txBody>
-      </p:sp>
-    </p:spTree>
-    <p:extLst>
-      <p:ext uri="{BB962C8B-B14F-4D97-AF65-F5344CB8AC3E}">
-        <p14:creationId xmlns:p14="http://schemas.microsoft.com/office/powerpoint/2010/main" val="2719668052"/>
       </p:ext>
     </p:extLst>
   </p:cSld>
@@ -8793,7 +8202,7 @@
           <a:p>
             <a:r>
               <a:rPr lang="en-US" dirty="0" smtClean="0"/>
-              <a:t>Keep updated!</a:t>
+              <a:t>Many tools available</a:t>
             </a:r>
             <a:endParaRPr lang="en-US" dirty="0"/>
           </a:p>
@@ -8811,76 +8220,107 @@
         </p:nvSpPr>
         <p:spPr>
           <a:xfrm>
-            <a:off x="1003300" y="1587500"/>
-            <a:ext cx="7683500" cy="4525963"/>
+            <a:off x="1390540" y="1696650"/>
+            <a:ext cx="7169716" cy="4525963"/>
           </a:xfrm>
         </p:spPr>
         <p:txBody>
-          <a:bodyPr/>
+          <a:bodyPr>
+            <a:normAutofit lnSpcReduction="10000"/>
+          </a:bodyPr>
           <a:lstStyle/>
+          <a:p>
+            <a:r>
+              <a:rPr lang="en-US" dirty="0"/>
+              <a:t>single nucleotide variants (SNVs)</a:t>
+            </a:r>
+          </a:p>
           <a:p>
             <a:pPr marL="0" indent="0">
               <a:buNone/>
             </a:pPr>
             <a:r>
+              <a:rPr lang="en-US" dirty="0"/>
+              <a:t>	</a:t>
+            </a:r>
+            <a:r>
+              <a:rPr lang="en-US" dirty="0" smtClean="0"/>
+              <a:t>MuTect1, </a:t>
+            </a:r>
+            <a:r>
               <a:rPr lang="en-US" dirty="0" err="1" smtClean="0"/>
-              <a:t>SciLifeLab</a:t>
+              <a:t>Strelka</a:t>
             </a:r>
             <a:r>
               <a:rPr lang="en-US" dirty="0" smtClean="0"/>
-              <a:t> WGS toolbox group:</a:t>
-            </a:r>
+              <a:t>, MuTect2</a:t>
+            </a:r>
+            <a:endParaRPr lang="en-US" dirty="0" smtClean="0"/>
           </a:p>
           <a:p>
             <a:pPr marL="0" indent="0">
               <a:buNone/>
             </a:pPr>
-            <a:r>
-              <a:rPr lang="en-US" dirty="0" smtClean="0">
-                <a:hlinkClick r:id="rId2"/>
-              </a:rPr>
-              <a:t>https</a:t>
-            </a:r>
-            <a:r>
-              <a:rPr lang="en-US" dirty="0">
-                <a:hlinkClick r:id="rId2"/>
-              </a:rPr>
-              <a:t>://</a:t>
-            </a:r>
-            <a:r>
-              <a:rPr lang="en-US" dirty="0" err="1">
-                <a:hlinkClick r:id="rId2"/>
-              </a:rPr>
-              <a:t>wabi-wiki.scilifelab.se</a:t>
-            </a:r>
-            <a:r>
-              <a:rPr lang="en-US" dirty="0">
-                <a:hlinkClick r:id="rId2"/>
-              </a:rPr>
-              <a:t>/display/SHGATG/</a:t>
-            </a:r>
-            <a:r>
-              <a:rPr lang="en-US" dirty="0" err="1">
-                <a:hlinkClick r:id="rId2"/>
-              </a:rPr>
-              <a:t>SciLifeLab+human+genome+analysis+toolbox+group</a:t>
-            </a:r>
             <a:endParaRPr lang="en-US" dirty="0"/>
+          </a:p>
+          <a:p>
+            <a:r>
+              <a:rPr lang="en-US" dirty="0"/>
+              <a:t>structural variants (SVs) </a:t>
+            </a:r>
           </a:p>
           <a:p>
             <a:pPr marL="0" indent="0">
               <a:buNone/>
             </a:pPr>
+            <a:r>
+              <a:rPr lang="en-US" dirty="0"/>
+              <a:t>	</a:t>
+            </a:r>
+            <a:r>
+              <a:rPr lang="en-US" dirty="0" smtClean="0"/>
+              <a:t>Manta, </a:t>
+            </a:r>
+            <a:r>
+              <a:rPr lang="en-US" dirty="0" err="1" smtClean="0"/>
+              <a:t>Delly</a:t>
+            </a:r>
             <a:endParaRPr lang="en-US" dirty="0" smtClean="0"/>
           </a:p>
           <a:p>
             <a:pPr marL="0" indent="0">
               <a:buNone/>
             </a:pPr>
+            <a:endParaRPr lang="en-US" dirty="0"/>
+          </a:p>
+          <a:p>
             <a:r>
               <a:rPr lang="en-US" dirty="0" smtClean="0"/>
-              <a:t>Recommended tools and workflow for somatic variant calling (and other things)</a:t>
-            </a:r>
+              <a:t>copy </a:t>
+            </a:r>
+            <a:r>
+              <a:rPr lang="en-US" dirty="0"/>
+              <a:t>number variants (CNVs)</a:t>
+            </a:r>
+          </a:p>
+          <a:p>
+            <a:pPr marL="0" indent="0">
+              <a:buNone/>
+            </a:pPr>
+            <a:r>
+              <a:rPr lang="en-US" dirty="0"/>
+              <a:t>	</a:t>
+            </a:r>
+            <a:r>
+              <a:rPr lang="en-US" dirty="0" smtClean="0"/>
+              <a:t>ASCAT, Patchwork, FACETS</a:t>
+            </a:r>
+            <a:endParaRPr lang="en-US" dirty="0"/>
+          </a:p>
+          <a:p>
+            <a:pPr marL="0" indent="0">
+              <a:buNone/>
+            </a:pPr>
             <a:endParaRPr lang="en-US" dirty="0"/>
           </a:p>
         </p:txBody>
@@ -8888,7 +8328,7 @@
     </p:spTree>
     <p:extLst>
       <p:ext uri="{BB962C8B-B14F-4D97-AF65-F5344CB8AC3E}">
-        <p14:creationId xmlns:p14="http://schemas.microsoft.com/office/powerpoint/2010/main" val="145540266"/>
+        <p14:creationId xmlns:p14="http://schemas.microsoft.com/office/powerpoint/2010/main" val="2719668052"/>
       </p:ext>
     </p:extLst>
   </p:cSld>
@@ -8932,40 +8372,109 @@
             <p:ph type="title"/>
           </p:nvPr>
         </p:nvSpPr>
+        <p:spPr/>
+        <p:txBody>
+          <a:bodyPr/>
+          <a:lstStyle/>
+          <a:p>
+            <a:r>
+              <a:rPr lang="en-US" dirty="0" smtClean="0"/>
+              <a:t>Keep updated!</a:t>
+            </a:r>
+            <a:endParaRPr lang="en-US" dirty="0"/>
+          </a:p>
+        </p:txBody>
+      </p:sp>
+      <p:sp>
+        <p:nvSpPr>
+          <p:cNvPr id="3" name="Content Placeholder 2"/>
+          <p:cNvSpPr>
+            <a:spLocks noGrp="1"/>
+          </p:cNvSpPr>
+          <p:nvPr>
+            <p:ph idx="1"/>
+          </p:nvPr>
+        </p:nvSpPr>
         <p:spPr>
           <a:xfrm>
-            <a:off x="617956" y="2219713"/>
-            <a:ext cx="8229600" cy="1143000"/>
+            <a:off x="1003300" y="1587500"/>
+            <a:ext cx="7683500" cy="4525963"/>
           </a:xfrm>
         </p:spPr>
         <p:txBody>
-          <a:bodyPr>
-            <a:normAutofit fontScale="90000"/>
-          </a:bodyPr>
+          <a:bodyPr/>
           <a:lstStyle/>
           <a:p>
+            <a:pPr marL="0" indent="0">
+              <a:buNone/>
+            </a:pPr>
+            <a:r>
+              <a:rPr lang="en-US" dirty="0" err="1" smtClean="0"/>
+              <a:t>SciLifeLab</a:t>
+            </a:r>
             <a:r>
               <a:rPr lang="en-US" dirty="0" smtClean="0"/>
-              <a:t>Somatic variant </a:t>
-            </a:r>
-            <a:r>
-              <a:rPr lang="en-US" dirty="0"/>
-              <a:t>calling </a:t>
-            </a:r>
-            <a:br>
-              <a:rPr lang="en-US" dirty="0"/>
-            </a:br>
-            <a:r>
-              <a:rPr lang="en-US" dirty="0"/>
-              <a:t>Workflow</a:t>
-            </a:r>
+              <a:t> WGS toolbox group:</a:t>
+            </a:r>
+          </a:p>
+          <a:p>
+            <a:pPr marL="0" indent="0">
+              <a:buNone/>
+            </a:pPr>
+            <a:r>
+              <a:rPr lang="en-US" dirty="0" smtClean="0">
+                <a:hlinkClick r:id="rId2"/>
+              </a:rPr>
+              <a:t>https</a:t>
+            </a:r>
+            <a:r>
+              <a:rPr lang="en-US" dirty="0">
+                <a:hlinkClick r:id="rId2"/>
+              </a:rPr>
+              <a:t>://</a:t>
+            </a:r>
+            <a:r>
+              <a:rPr lang="en-US" dirty="0" err="1">
+                <a:hlinkClick r:id="rId2"/>
+              </a:rPr>
+              <a:t>wabi-wiki.scilifelab.se</a:t>
+            </a:r>
+            <a:r>
+              <a:rPr lang="en-US" dirty="0">
+                <a:hlinkClick r:id="rId2"/>
+              </a:rPr>
+              <a:t>/display/SHGATG/</a:t>
+            </a:r>
+            <a:r>
+              <a:rPr lang="en-US" dirty="0" err="1">
+                <a:hlinkClick r:id="rId2"/>
+              </a:rPr>
+              <a:t>SciLifeLab+human+genome+analysis+toolbox+group</a:t>
+            </a:r>
+            <a:endParaRPr lang="en-US" dirty="0"/>
+          </a:p>
+          <a:p>
+            <a:pPr marL="0" indent="0">
+              <a:buNone/>
+            </a:pPr>
+            <a:endParaRPr lang="en-US" dirty="0" smtClean="0"/>
+          </a:p>
+          <a:p>
+            <a:pPr marL="0" indent="0">
+              <a:buNone/>
+            </a:pPr>
+            <a:r>
+              <a:rPr lang="en-US" dirty="0" smtClean="0"/>
+              <a:t>Recommended tools and workflow for somatic variant calling (and other things)</a:t>
+            </a:r>
+            <a:endParaRPr lang="en-US" dirty="0"/>
           </a:p>
         </p:txBody>
       </p:sp>
     </p:spTree>
     <p:extLst>
       <p:ext uri="{BB962C8B-B14F-4D97-AF65-F5344CB8AC3E}">
-        <p14:creationId xmlns:p14="http://schemas.microsoft.com/office/powerpoint/2010/main" val="2577380534"/>
+        <p14:creationId xmlns:p14="http://schemas.microsoft.com/office/powerpoint/2010/main" val="145540266"/>
       </p:ext>
     </p:extLst>
   </p:cSld>
@@ -9011,7 +8520,7 @@
         </p:nvSpPr>
         <p:spPr>
           <a:xfrm>
-            <a:off x="457200" y="2026813"/>
+            <a:off x="617956" y="2219713"/>
             <a:ext cx="8229600" cy="1143000"/>
           </a:xfrm>
         </p:spPr>
@@ -9023,31 +8532,26 @@
           <a:p>
             <a:r>
               <a:rPr lang="en-US" dirty="0" smtClean="0"/>
-              <a:t>First…</a:t>
+              <a:t>Somatic variant </a:t>
+            </a:r>
+            <a:r>
+              <a:rPr lang="en-US" dirty="0"/>
+              <a:t>calling </a:t>
             </a:r>
             <a:br>
-              <a:rPr lang="en-US" dirty="0" smtClean="0"/>
+              <a:rPr lang="en-US" dirty="0"/>
             </a:br>
             <a:r>
-              <a:rPr lang="en-US" dirty="0" smtClean="0"/>
-              <a:t>recap of </a:t>
-            </a:r>
-            <a:r>
-              <a:rPr lang="en-US" dirty="0" err="1" smtClean="0"/>
-              <a:t>germline</a:t>
-            </a:r>
-            <a:r>
-              <a:rPr lang="en-US" dirty="0" smtClean="0"/>
-              <a:t> variant calling workflow</a:t>
-            </a:r>
-            <a:endParaRPr lang="en-US" dirty="0"/>
+              <a:rPr lang="en-US" dirty="0"/>
+              <a:t>Workflow</a:t>
+            </a:r>
           </a:p>
         </p:txBody>
       </p:sp>
     </p:spTree>
     <p:extLst>
       <p:ext uri="{BB962C8B-B14F-4D97-AF65-F5344CB8AC3E}">
-        <p14:creationId xmlns:p14="http://schemas.microsoft.com/office/powerpoint/2010/main" val="3439845388"/>
+        <p14:creationId xmlns:p14="http://schemas.microsoft.com/office/powerpoint/2010/main" val="2577380534"/>
       </p:ext>
     </p:extLst>
   </p:cSld>
@@ -9093,338 +8597,49 @@
         </p:nvSpPr>
         <p:spPr>
           <a:xfrm>
-            <a:off x="467544" y="404664"/>
-            <a:ext cx="8229600" cy="657550"/>
+            <a:off x="457200" y="2026813"/>
+            <a:ext cx="8229600" cy="1143000"/>
           </a:xfrm>
         </p:spPr>
         <p:txBody>
-          <a:bodyPr lIns="82945" tIns="41473" rIns="82945" bIns="41473"/>
-          <a:lstStyle/>
-          <a:p>
-            <a:r>
-              <a:rPr lang="en-GB" sz="3600" noProof="0" dirty="0" err="1" smtClean="0"/>
-              <a:t>FastQ</a:t>
-            </a:r>
-            <a:r>
-              <a:rPr lang="en-GB" sz="3600" noProof="0" dirty="0" smtClean="0"/>
-              <a:t> format</a:t>
-            </a:r>
-            <a:endParaRPr lang="en-GB" sz="3600" noProof="0" dirty="0"/>
-          </a:p>
-        </p:txBody>
-      </p:sp>
-      <p:sp>
-        <p:nvSpPr>
-          <p:cNvPr id="3" name="Content Placeholder 2"/>
-          <p:cNvSpPr>
-            <a:spLocks noGrp="1"/>
-          </p:cNvSpPr>
-          <p:nvPr>
-            <p:ph idx="1"/>
-          </p:nvPr>
-        </p:nvSpPr>
-        <p:spPr>
-          <a:xfrm>
-            <a:off x="755576" y="1484784"/>
-            <a:ext cx="7678080" cy="4234342"/>
-          </a:xfrm>
-        </p:spPr>
-        <p:txBody>
-          <a:bodyPr lIns="82945" tIns="41473" rIns="82945" bIns="41473">
-            <a:normAutofit fontScale="85000" lnSpcReduction="10000"/>
+          <a:bodyPr>
+            <a:normAutofit fontScale="90000"/>
           </a:bodyPr>
           <a:lstStyle/>
           <a:p>
-            <a:pPr marL="65298" indent="0">
-              <a:buNone/>
-            </a:pPr>
-            <a:r>
-              <a:rPr lang="en-GB" sz="1900" dirty="0"/>
-              <a:t>FASTQ format is a text-based format for storing both a nucleotide sequence and its corresponding quality scores. </a:t>
-            </a:r>
-            <a:endParaRPr lang="en-GB" sz="1900" dirty="0">
-              <a:solidFill>
-                <a:srgbClr val="FF0000"/>
-              </a:solidFill>
-            </a:endParaRPr>
-          </a:p>
-          <a:p>
-            <a:pPr marL="0" indent="0">
-              <a:spcBef>
-                <a:spcPts val="0"/>
-              </a:spcBef>
-              <a:buNone/>
-            </a:pPr>
-            <a:endParaRPr lang="en-GB" sz="1900" dirty="0">
-              <a:solidFill>
-                <a:srgbClr val="FF0000"/>
-              </a:solidFill>
-              <a:latin typeface="Courier New"/>
-              <a:cs typeface="Courier New"/>
-            </a:endParaRPr>
-          </a:p>
-          <a:p>
-            <a:pPr marL="0" indent="0">
-              <a:spcBef>
-                <a:spcPts val="0"/>
-              </a:spcBef>
-              <a:buNone/>
-            </a:pPr>
-            <a:r>
-              <a:rPr lang="en-GB" sz="1900" dirty="0">
-                <a:solidFill>
-                  <a:srgbClr val="FF0000"/>
-                </a:solidFill>
-                <a:latin typeface="Courier New"/>
-                <a:cs typeface="Courier New"/>
-              </a:rPr>
-              <a:t>@HWUSI-EAS100R:6:73:941:1973#0/1</a:t>
-            </a:r>
-          </a:p>
-          <a:p>
-            <a:pPr marL="0" indent="0">
-              <a:spcBef>
-                <a:spcPts val="0"/>
-              </a:spcBef>
-              <a:buNone/>
-            </a:pPr>
-            <a:r>
-              <a:rPr lang="en-GB" sz="1900" dirty="0">
-                <a:solidFill>
-                  <a:srgbClr val="FF0000"/>
-                </a:solidFill>
-                <a:latin typeface="Courier New"/>
-                <a:cs typeface="Courier New"/>
-              </a:rPr>
-              <a:t>GATTTGGGGTTCAAAGCAGTATCGATCAAATAGTAAATCCATTTGTTCAACTCACAGTTT</a:t>
-            </a:r>
-          </a:p>
-          <a:p>
-            <a:pPr marL="0" indent="0">
-              <a:spcBef>
-                <a:spcPts val="0"/>
-              </a:spcBef>
-              <a:buNone/>
-            </a:pPr>
-            <a:r>
-              <a:rPr lang="en-GB" sz="1900" dirty="0">
-                <a:solidFill>
-                  <a:srgbClr val="FF0000"/>
-                </a:solidFill>
-                <a:latin typeface="Courier New"/>
-                <a:cs typeface="Courier New"/>
-              </a:rPr>
-              <a:t>+</a:t>
-            </a:r>
-          </a:p>
-          <a:p>
-            <a:pPr marL="0" indent="0">
-              <a:spcBef>
-                <a:spcPts val="0"/>
-              </a:spcBef>
-              <a:buNone/>
-            </a:pPr>
-            <a:r>
-              <a:rPr lang="en-GB" sz="1900" dirty="0">
-                <a:solidFill>
-                  <a:srgbClr val="FF0000"/>
-                </a:solidFill>
-                <a:latin typeface="Courier New"/>
-                <a:cs typeface="Courier New"/>
-              </a:rPr>
-              <a:t>!''*((((***+))%%%++)(%%%%).1***-+*''))**55CCF&gt;&gt;&gt;&gt;&gt;&gt;CCCCCCC65</a:t>
-            </a:r>
-          </a:p>
-          <a:p>
-            <a:pPr marL="0" indent="0">
-              <a:spcBef>
-                <a:spcPts val="0"/>
-              </a:spcBef>
-              <a:spcAft>
-                <a:spcPts val="544"/>
-              </a:spcAft>
-              <a:buNone/>
-            </a:pPr>
-            <a:endParaRPr lang="en-GB" sz="1900" dirty="0">
-              <a:latin typeface="Courier New"/>
-              <a:cs typeface="Courier New"/>
-            </a:endParaRPr>
-          </a:p>
-          <a:p>
-            <a:pPr marL="65298" indent="0">
-              <a:spcBef>
-                <a:spcPts val="454"/>
-              </a:spcBef>
-              <a:spcAft>
-                <a:spcPts val="544"/>
-              </a:spcAft>
-              <a:buNone/>
-            </a:pPr>
-            <a:r>
-              <a:rPr lang="en-GB" sz="1900" dirty="0"/>
-              <a:t>1</a:t>
-            </a:r>
-            <a:r>
-              <a:rPr lang="en-GB" sz="1900" baseline="30000" dirty="0"/>
-              <a:t>st</a:t>
-            </a:r>
-            <a:r>
-              <a:rPr lang="en-GB" sz="1900" dirty="0"/>
-              <a:t> row: sequence identifier (machine ID, x-y coordinates, additional info)</a:t>
-            </a:r>
-          </a:p>
-          <a:p>
-            <a:pPr marL="65298" indent="0">
-              <a:spcBef>
-                <a:spcPts val="454"/>
-              </a:spcBef>
-              <a:spcAft>
-                <a:spcPts val="544"/>
-              </a:spcAft>
-              <a:buNone/>
-            </a:pPr>
-            <a:r>
-              <a:rPr lang="en-GB" sz="1900" dirty="0"/>
-              <a:t>2</a:t>
-            </a:r>
-            <a:r>
-              <a:rPr lang="en-GB" sz="1900" baseline="30000" dirty="0"/>
-              <a:t>nd</a:t>
-            </a:r>
-            <a:r>
-              <a:rPr lang="en-GB" sz="1900" dirty="0"/>
-              <a:t> row: The actual sequence</a:t>
-            </a:r>
-          </a:p>
-          <a:p>
-            <a:pPr marL="65298" indent="0">
-              <a:spcBef>
-                <a:spcPts val="454"/>
-              </a:spcBef>
-              <a:spcAft>
-                <a:spcPts val="544"/>
-              </a:spcAft>
-              <a:buNone/>
-            </a:pPr>
-            <a:r>
-              <a:rPr lang="en-GB" sz="1900" dirty="0"/>
-              <a:t>3</a:t>
-            </a:r>
-            <a:r>
-              <a:rPr lang="en-GB" sz="1900" baseline="30000" dirty="0"/>
-              <a:t>rd</a:t>
-            </a:r>
-            <a:r>
-              <a:rPr lang="en-GB" sz="1900" dirty="0"/>
-              <a:t> row: starts with “+” and optionally the same identifier as in the 1</a:t>
-            </a:r>
-            <a:r>
-              <a:rPr lang="en-GB" sz="1900" baseline="30000" dirty="0"/>
-              <a:t>st</a:t>
-            </a:r>
-            <a:r>
-              <a:rPr lang="en-GB" sz="1900" dirty="0"/>
-              <a:t> row</a:t>
-            </a:r>
-          </a:p>
-          <a:p>
-            <a:pPr marL="65298" indent="0">
-              <a:spcBef>
-                <a:spcPts val="454"/>
-              </a:spcBef>
-              <a:spcAft>
-                <a:spcPts val="544"/>
-              </a:spcAft>
-              <a:buNone/>
-            </a:pPr>
-            <a:r>
-              <a:rPr lang="en-GB" sz="1900" dirty="0"/>
-              <a:t>4</a:t>
-            </a:r>
-            <a:r>
-              <a:rPr lang="en-GB" sz="1900" baseline="30000" dirty="0"/>
-              <a:t>th</a:t>
-            </a:r>
-            <a:r>
-              <a:rPr lang="en-GB" sz="1900" dirty="0"/>
-              <a:t> row: Quality score for each base in read	</a:t>
-            </a:r>
-          </a:p>
-          <a:p>
-            <a:pPr marL="65298" indent="0">
-              <a:spcBef>
-                <a:spcPts val="454"/>
-              </a:spcBef>
-              <a:spcAft>
-                <a:spcPts val="544"/>
-              </a:spcAft>
-              <a:buNone/>
-            </a:pPr>
-            <a:r>
-              <a:rPr lang="en-GB" sz="1900" dirty="0"/>
-              <a:t>Quality score: ASCII representation of score for each base (i.e. the probability that the corresponding base call is incorrect.) Platform specific scaling!</a:t>
-            </a:r>
-          </a:p>
-          <a:p>
-            <a:pPr marL="65298" indent="0">
-              <a:spcBef>
-                <a:spcPts val="454"/>
-              </a:spcBef>
-              <a:spcAft>
-                <a:spcPts val="544"/>
-              </a:spcAft>
-              <a:buNone/>
-            </a:pPr>
-            <a:r>
-              <a:rPr lang="en-GB" sz="1900" dirty="0"/>
-              <a:t>For more info: http://</a:t>
-            </a:r>
-            <a:r>
-              <a:rPr lang="en-GB" sz="1900" dirty="0" err="1"/>
-              <a:t>en.wikipedia.org</a:t>
-            </a:r>
-            <a:r>
-              <a:rPr lang="en-GB" sz="1900" dirty="0"/>
-              <a:t>/wiki/</a:t>
-            </a:r>
-            <a:r>
-              <a:rPr lang="en-GB" sz="1900" dirty="0" err="1"/>
-              <a:t>FASTQ_format</a:t>
-            </a:r>
-            <a:endParaRPr lang="en-GB" sz="1900" dirty="0"/>
-          </a:p>
-          <a:p>
-            <a:pPr marL="65298" indent="0">
-              <a:buNone/>
-            </a:pPr>
-            <a:endParaRPr lang="en-GB" sz="1900" dirty="0"/>
-          </a:p>
-          <a:p>
-            <a:pPr marL="65298" indent="0">
-              <a:buNone/>
-            </a:pPr>
-            <a:endParaRPr lang="en-GB" sz="1600" dirty="0"/>
+            <a:r>
+              <a:rPr lang="en-US" dirty="0" smtClean="0"/>
+              <a:t>First…</a:t>
+            </a:r>
+            <a:br>
+              <a:rPr lang="en-US" dirty="0" smtClean="0"/>
+            </a:br>
+            <a:r>
+              <a:rPr lang="en-US" dirty="0" smtClean="0"/>
+              <a:t>recap of </a:t>
+            </a:r>
+            <a:r>
+              <a:rPr lang="en-US" dirty="0" err="1" smtClean="0"/>
+              <a:t>germline</a:t>
+            </a:r>
+            <a:r>
+              <a:rPr lang="en-US" dirty="0" smtClean="0"/>
+              <a:t> variant calling workflow</a:t>
+            </a:r>
+            <a:endParaRPr lang="en-US" dirty="0"/>
           </a:p>
         </p:txBody>
       </p:sp>
     </p:spTree>
     <p:extLst>
       <p:ext uri="{BB962C8B-B14F-4D97-AF65-F5344CB8AC3E}">
-        <p14:creationId xmlns:p14="http://schemas.microsoft.com/office/powerpoint/2010/main" val="1324641791"/>
+        <p14:creationId xmlns:p14="http://schemas.microsoft.com/office/powerpoint/2010/main" val="3439845388"/>
       </p:ext>
     </p:extLst>
   </p:cSld>
   <p:clrMapOvr>
     <a:masterClrMapping/>
   </p:clrMapOvr>
-  <mc:AlternateContent xmlns:mc="http://schemas.openxmlformats.org/markup-compatibility/2006" xmlns:p14="http://schemas.microsoft.com/office/powerpoint/2010/main">
-    <mc:Choice Requires="p14">
-      <p:transition spd="slow" p14:dur="2000"/>
-    </mc:Choice>
-    <mc:Fallback xmlns="">
-      <p:transition xmlns:p14="http://schemas.microsoft.com/office/powerpoint/2010/main" spd="slow"/>
-    </mc:Fallback>
-  </mc:AlternateContent>
   <p:timing>
     <p:tnLst>
       <p:par>
@@ -9462,6 +8677,377 @@
             <p:ph type="title"/>
           </p:nvPr>
         </p:nvSpPr>
+        <p:spPr>
+          <a:xfrm>
+            <a:off x="467544" y="404664"/>
+            <a:ext cx="8229600" cy="657550"/>
+          </a:xfrm>
+        </p:spPr>
+        <p:txBody>
+          <a:bodyPr lIns="82945" tIns="41473" rIns="82945" bIns="41473"/>
+          <a:lstStyle/>
+          <a:p>
+            <a:r>
+              <a:rPr lang="en-GB" sz="3600" noProof="0" dirty="0" err="1" smtClean="0"/>
+              <a:t>FastQ</a:t>
+            </a:r>
+            <a:r>
+              <a:rPr lang="en-GB" sz="3600" noProof="0" dirty="0" smtClean="0"/>
+              <a:t> format</a:t>
+            </a:r>
+            <a:endParaRPr lang="en-GB" sz="3600" noProof="0" dirty="0"/>
+          </a:p>
+        </p:txBody>
+      </p:sp>
+      <p:sp>
+        <p:nvSpPr>
+          <p:cNvPr id="3" name="Content Placeholder 2"/>
+          <p:cNvSpPr>
+            <a:spLocks noGrp="1"/>
+          </p:cNvSpPr>
+          <p:nvPr>
+            <p:ph idx="1"/>
+          </p:nvPr>
+        </p:nvSpPr>
+        <p:spPr>
+          <a:xfrm>
+            <a:off x="755576" y="1484784"/>
+            <a:ext cx="7678080" cy="4234342"/>
+          </a:xfrm>
+        </p:spPr>
+        <p:txBody>
+          <a:bodyPr lIns="82945" tIns="41473" rIns="82945" bIns="41473">
+            <a:normAutofit fontScale="85000" lnSpcReduction="10000"/>
+          </a:bodyPr>
+          <a:lstStyle/>
+          <a:p>
+            <a:pPr marL="65298" indent="0">
+              <a:buNone/>
+            </a:pPr>
+            <a:r>
+              <a:rPr lang="en-GB" sz="1900" dirty="0"/>
+              <a:t>FASTQ format is a text-based format for storing both a nucleotide sequence and its corresponding quality scores. </a:t>
+            </a:r>
+            <a:endParaRPr lang="en-GB" sz="1900" dirty="0">
+              <a:solidFill>
+                <a:srgbClr val="FF0000"/>
+              </a:solidFill>
+            </a:endParaRPr>
+          </a:p>
+          <a:p>
+            <a:pPr marL="0" indent="0">
+              <a:spcBef>
+                <a:spcPts val="0"/>
+              </a:spcBef>
+              <a:buNone/>
+            </a:pPr>
+            <a:endParaRPr lang="en-GB" sz="1900" dirty="0">
+              <a:solidFill>
+                <a:srgbClr val="FF0000"/>
+              </a:solidFill>
+              <a:latin typeface="Courier New"/>
+              <a:cs typeface="Courier New"/>
+            </a:endParaRPr>
+          </a:p>
+          <a:p>
+            <a:pPr marL="0" indent="0">
+              <a:spcBef>
+                <a:spcPts val="0"/>
+              </a:spcBef>
+              <a:buNone/>
+            </a:pPr>
+            <a:r>
+              <a:rPr lang="en-GB" sz="1900" dirty="0">
+                <a:solidFill>
+                  <a:srgbClr val="FF0000"/>
+                </a:solidFill>
+                <a:latin typeface="Courier New"/>
+                <a:cs typeface="Courier New"/>
+              </a:rPr>
+              <a:t>@HWUSI-EAS100R:6:73:941:1973#0/1</a:t>
+            </a:r>
+          </a:p>
+          <a:p>
+            <a:pPr marL="0" indent="0">
+              <a:spcBef>
+                <a:spcPts val="0"/>
+              </a:spcBef>
+              <a:buNone/>
+            </a:pPr>
+            <a:r>
+              <a:rPr lang="en-GB" sz="1900" dirty="0">
+                <a:solidFill>
+                  <a:srgbClr val="FF0000"/>
+                </a:solidFill>
+                <a:latin typeface="Courier New"/>
+                <a:cs typeface="Courier New"/>
+              </a:rPr>
+              <a:t>GATTTGGGGTTCAAAGCAGTATCGATCAAATAGTAAATCCATTTGTTCAACTCACAGTTT</a:t>
+            </a:r>
+          </a:p>
+          <a:p>
+            <a:pPr marL="0" indent="0">
+              <a:spcBef>
+                <a:spcPts val="0"/>
+              </a:spcBef>
+              <a:buNone/>
+            </a:pPr>
+            <a:r>
+              <a:rPr lang="en-GB" sz="1900" dirty="0">
+                <a:solidFill>
+                  <a:srgbClr val="FF0000"/>
+                </a:solidFill>
+                <a:latin typeface="Courier New"/>
+                <a:cs typeface="Courier New"/>
+              </a:rPr>
+              <a:t>+</a:t>
+            </a:r>
+          </a:p>
+          <a:p>
+            <a:pPr marL="0" indent="0">
+              <a:spcBef>
+                <a:spcPts val="0"/>
+              </a:spcBef>
+              <a:buNone/>
+            </a:pPr>
+            <a:r>
+              <a:rPr lang="en-GB" sz="1900" dirty="0">
+                <a:solidFill>
+                  <a:srgbClr val="FF0000"/>
+                </a:solidFill>
+                <a:latin typeface="Courier New"/>
+                <a:cs typeface="Courier New"/>
+              </a:rPr>
+              <a:t>!''*((((***+))%%%++)(%%%%).1***-+*''))**55CCF&gt;&gt;&gt;&gt;&gt;&gt;CCCCCCC65</a:t>
+            </a:r>
+          </a:p>
+          <a:p>
+            <a:pPr marL="0" indent="0">
+              <a:spcBef>
+                <a:spcPts val="0"/>
+              </a:spcBef>
+              <a:spcAft>
+                <a:spcPts val="544"/>
+              </a:spcAft>
+              <a:buNone/>
+            </a:pPr>
+            <a:endParaRPr lang="en-GB" sz="1900" dirty="0">
+              <a:latin typeface="Courier New"/>
+              <a:cs typeface="Courier New"/>
+            </a:endParaRPr>
+          </a:p>
+          <a:p>
+            <a:pPr marL="65298" indent="0">
+              <a:spcBef>
+                <a:spcPts val="454"/>
+              </a:spcBef>
+              <a:spcAft>
+                <a:spcPts val="544"/>
+              </a:spcAft>
+              <a:buNone/>
+            </a:pPr>
+            <a:r>
+              <a:rPr lang="en-GB" sz="1900" dirty="0"/>
+              <a:t>1</a:t>
+            </a:r>
+            <a:r>
+              <a:rPr lang="en-GB" sz="1900" baseline="30000" dirty="0"/>
+              <a:t>st</a:t>
+            </a:r>
+            <a:r>
+              <a:rPr lang="en-GB" sz="1900" dirty="0"/>
+              <a:t> row: sequence identifier (machine ID, x-y coordinates, additional info)</a:t>
+            </a:r>
+          </a:p>
+          <a:p>
+            <a:pPr marL="65298" indent="0">
+              <a:spcBef>
+                <a:spcPts val="454"/>
+              </a:spcBef>
+              <a:spcAft>
+                <a:spcPts val="544"/>
+              </a:spcAft>
+              <a:buNone/>
+            </a:pPr>
+            <a:r>
+              <a:rPr lang="en-GB" sz="1900" dirty="0"/>
+              <a:t>2</a:t>
+            </a:r>
+            <a:r>
+              <a:rPr lang="en-GB" sz="1900" baseline="30000" dirty="0"/>
+              <a:t>nd</a:t>
+            </a:r>
+            <a:r>
+              <a:rPr lang="en-GB" sz="1900" dirty="0"/>
+              <a:t> row: The actual sequence</a:t>
+            </a:r>
+          </a:p>
+          <a:p>
+            <a:pPr marL="65298" indent="0">
+              <a:spcBef>
+                <a:spcPts val="454"/>
+              </a:spcBef>
+              <a:spcAft>
+                <a:spcPts val="544"/>
+              </a:spcAft>
+              <a:buNone/>
+            </a:pPr>
+            <a:r>
+              <a:rPr lang="en-GB" sz="1900" dirty="0"/>
+              <a:t>3</a:t>
+            </a:r>
+            <a:r>
+              <a:rPr lang="en-GB" sz="1900" baseline="30000" dirty="0"/>
+              <a:t>rd</a:t>
+            </a:r>
+            <a:r>
+              <a:rPr lang="en-GB" sz="1900" dirty="0"/>
+              <a:t> row: starts with “+” and optionally the same identifier as in the 1</a:t>
+            </a:r>
+            <a:r>
+              <a:rPr lang="en-GB" sz="1900" baseline="30000" dirty="0"/>
+              <a:t>st</a:t>
+            </a:r>
+            <a:r>
+              <a:rPr lang="en-GB" sz="1900" dirty="0"/>
+              <a:t> row</a:t>
+            </a:r>
+          </a:p>
+          <a:p>
+            <a:pPr marL="65298" indent="0">
+              <a:spcBef>
+                <a:spcPts val="454"/>
+              </a:spcBef>
+              <a:spcAft>
+                <a:spcPts val="544"/>
+              </a:spcAft>
+              <a:buNone/>
+            </a:pPr>
+            <a:r>
+              <a:rPr lang="en-GB" sz="1900" dirty="0"/>
+              <a:t>4</a:t>
+            </a:r>
+            <a:r>
+              <a:rPr lang="en-GB" sz="1900" baseline="30000" dirty="0"/>
+              <a:t>th</a:t>
+            </a:r>
+            <a:r>
+              <a:rPr lang="en-GB" sz="1900" dirty="0"/>
+              <a:t> row: Quality score for each base in read	</a:t>
+            </a:r>
+          </a:p>
+          <a:p>
+            <a:pPr marL="65298" indent="0">
+              <a:spcBef>
+                <a:spcPts val="454"/>
+              </a:spcBef>
+              <a:spcAft>
+                <a:spcPts val="544"/>
+              </a:spcAft>
+              <a:buNone/>
+            </a:pPr>
+            <a:r>
+              <a:rPr lang="en-GB" sz="1900" dirty="0"/>
+              <a:t>Quality score: ASCII representation of score for each base (i.e. the probability that the corresponding base call is incorrect.) Platform specific scaling!</a:t>
+            </a:r>
+          </a:p>
+          <a:p>
+            <a:pPr marL="65298" indent="0">
+              <a:spcBef>
+                <a:spcPts val="454"/>
+              </a:spcBef>
+              <a:spcAft>
+                <a:spcPts val="544"/>
+              </a:spcAft>
+              <a:buNone/>
+            </a:pPr>
+            <a:r>
+              <a:rPr lang="en-GB" sz="1900" dirty="0"/>
+              <a:t>For more info: http://</a:t>
+            </a:r>
+            <a:r>
+              <a:rPr lang="en-GB" sz="1900" dirty="0" err="1"/>
+              <a:t>en.wikipedia.org</a:t>
+            </a:r>
+            <a:r>
+              <a:rPr lang="en-GB" sz="1900" dirty="0"/>
+              <a:t>/wiki/</a:t>
+            </a:r>
+            <a:r>
+              <a:rPr lang="en-GB" sz="1900" dirty="0" err="1"/>
+              <a:t>FASTQ_format</a:t>
+            </a:r>
+            <a:endParaRPr lang="en-GB" sz="1900" dirty="0"/>
+          </a:p>
+          <a:p>
+            <a:pPr marL="65298" indent="0">
+              <a:buNone/>
+            </a:pPr>
+            <a:endParaRPr lang="en-GB" sz="1900" dirty="0"/>
+          </a:p>
+          <a:p>
+            <a:pPr marL="65298" indent="0">
+              <a:buNone/>
+            </a:pPr>
+            <a:endParaRPr lang="en-GB" sz="1600" dirty="0"/>
+          </a:p>
+        </p:txBody>
+      </p:sp>
+    </p:spTree>
+    <p:extLst>
+      <p:ext uri="{BB962C8B-B14F-4D97-AF65-F5344CB8AC3E}">
+        <p14:creationId xmlns:p14="http://schemas.microsoft.com/office/powerpoint/2010/main" val="1324641791"/>
+      </p:ext>
+    </p:extLst>
+  </p:cSld>
+  <p:clrMapOvr>
+    <a:masterClrMapping/>
+  </p:clrMapOvr>
+  <mc:AlternateContent xmlns:mc="http://schemas.openxmlformats.org/markup-compatibility/2006" xmlns:p14="http://schemas.microsoft.com/office/powerpoint/2010/main">
+    <mc:Choice Requires="p14">
+      <p:transition spd="slow" p14:dur="2000"/>
+    </mc:Choice>
+    <mc:Fallback xmlns="">
+      <p:transition xmlns:p14="http://schemas.microsoft.com/office/powerpoint/2010/main" spd="slow"/>
+    </mc:Fallback>
+  </mc:AlternateContent>
+  <p:timing>
+    <p:tnLst>
+      <p:par>
+        <p:cTn xmlns:p14="http://schemas.microsoft.com/office/powerpoint/2010/main" id="1" dur="indefinite" restart="never" nodeType="tmRoot"/>
+      </p:par>
+    </p:tnLst>
+  </p:timing>
+</p:sld>
+</file>
+
+<file path=ppt/slides/slide28.xml><?xml version="1.0" encoding="utf-8"?>
+<p:sld xmlns:a="http://schemas.openxmlformats.org/drawingml/2006/main" xmlns:r="http://schemas.openxmlformats.org/officeDocument/2006/relationships" xmlns:p="http://schemas.openxmlformats.org/presentationml/2006/main">
+  <p:cSld>
+    <p:spTree>
+      <p:nvGrpSpPr>
+        <p:cNvPr id="1" name=""/>
+        <p:cNvGrpSpPr/>
+        <p:nvPr/>
+      </p:nvGrpSpPr>
+      <p:grpSpPr>
+        <a:xfrm>
+          <a:off x="0" y="0"/>
+          <a:ext cx="0" cy="0"/>
+          <a:chOff x="0" y="0"/>
+          <a:chExt cx="0" cy="0"/>
+        </a:xfrm>
+      </p:grpSpPr>
+      <p:sp>
+        <p:nvSpPr>
+          <p:cNvPr id="2" name="Title 1"/>
+          <p:cNvSpPr>
+            <a:spLocks noGrp="1"/>
+          </p:cNvSpPr>
+          <p:nvPr>
+            <p:ph type="title"/>
+          </p:nvPr>
+        </p:nvSpPr>
         <p:spPr/>
         <p:txBody>
           <a:bodyPr/>
@@ -10011,7 +9597,7 @@
             <a:fld id="{EF15D6EA-EBF7-4C2E-A1CC-C279B7E6D53A}" type="slidenum">
               <a:rPr lang="en-GB" smtClean="0"/>
               <a:pPr/>
-              <a:t>27</a:t>
+              <a:t>28</a:t>
             </a:fld>
             <a:endParaRPr lang="en-GB" dirty="0"/>
           </a:p>
@@ -10089,7 +9675,7 @@
 </p:sld>
 </file>
 
-<file path=ppt/slides/slide28.xml><?xml version="1.0" encoding="utf-8"?>
+<file path=ppt/slides/slide29.xml><?xml version="1.0" encoding="utf-8"?>
 <p:sld xmlns:a="http://schemas.openxmlformats.org/drawingml/2006/main" xmlns:r="http://schemas.openxmlformats.org/officeDocument/2006/relationships" xmlns:p="http://schemas.openxmlformats.org/presentationml/2006/main">
   <p:cSld>
     <p:spTree>
@@ -10178,90 +9764,6 @@
 </p:sld>
 </file>
 
-<file path=ppt/slides/slide29.xml><?xml version="1.0" encoding="utf-8"?>
-<p:sld xmlns:a="http://schemas.openxmlformats.org/drawingml/2006/main" xmlns:r="http://schemas.openxmlformats.org/officeDocument/2006/relationships" xmlns:p="http://schemas.openxmlformats.org/presentationml/2006/main">
-  <p:cSld>
-    <p:spTree>
-      <p:nvGrpSpPr>
-        <p:cNvPr id="1" name=""/>
-        <p:cNvGrpSpPr/>
-        <p:nvPr/>
-      </p:nvGrpSpPr>
-      <p:grpSpPr>
-        <a:xfrm>
-          <a:off x="0" y="0"/>
-          <a:ext cx="0" cy="0"/>
-          <a:chOff x="0" y="0"/>
-          <a:chExt cx="0" cy="0"/>
-        </a:xfrm>
-      </p:grpSpPr>
-      <p:sp>
-        <p:nvSpPr>
-          <p:cNvPr id="2" name="Title 1"/>
-          <p:cNvSpPr>
-            <a:spLocks noGrp="1"/>
-          </p:cNvSpPr>
-          <p:nvPr>
-            <p:ph type="title"/>
-          </p:nvPr>
-        </p:nvSpPr>
-        <p:spPr/>
-        <p:txBody>
-          <a:bodyPr/>
-          <a:lstStyle/>
-          <a:p>
-            <a:r>
-              <a:rPr lang="en-US" sz="3600" dirty="0" smtClean="0"/>
-              <a:t>Genome Analysis Tool Kit (GATK)</a:t>
-            </a:r>
-            <a:endParaRPr lang="en-US" sz="3600" dirty="0"/>
-          </a:p>
-        </p:txBody>
-      </p:sp>
-      <p:pic>
-        <p:nvPicPr>
-          <p:cNvPr id="4" name="Picture 3"/>
-          <p:cNvPicPr>
-            <a:picLocks noChangeAspect="1"/>
-          </p:cNvPicPr>
-          <p:nvPr/>
-        </p:nvPicPr>
-        <p:blipFill>
-          <a:blip r:embed="rId2"/>
-          <a:stretch>
-            <a:fillRect/>
-          </a:stretch>
-        </p:blipFill>
-        <p:spPr>
-          <a:xfrm>
-            <a:off x="0" y="1279164"/>
-            <a:ext cx="9144000" cy="4741333"/>
-          </a:xfrm>
-          <a:prstGeom prst="rect">
-            <a:avLst/>
-          </a:prstGeom>
-        </p:spPr>
-      </p:pic>
-    </p:spTree>
-    <p:extLst>
-      <p:ext uri="{BB962C8B-B14F-4D97-AF65-F5344CB8AC3E}">
-        <p14:creationId xmlns:p14="http://schemas.microsoft.com/office/powerpoint/2010/main" val="1170899048"/>
-      </p:ext>
-    </p:extLst>
-  </p:cSld>
-  <p:clrMapOvr>
-    <a:masterClrMapping/>
-  </p:clrMapOvr>
-  <p:timing>
-    <p:tnLst>
-      <p:par>
-        <p:cTn xmlns:p14="http://schemas.microsoft.com/office/powerpoint/2010/main" id="1" dur="indefinite" restart="never" nodeType="tmRoot"/>
-      </p:par>
-    </p:tnLst>
-  </p:timing>
-</p:sld>
-</file>
-
 <file path=ppt/slides/slide3.xml><?xml version="1.0" encoding="utf-8"?>
 <p:sld xmlns:a="http://schemas.openxmlformats.org/drawingml/2006/main" xmlns:r="http://schemas.openxmlformats.org/officeDocument/2006/relationships" xmlns:p="http://schemas.openxmlformats.org/presentationml/2006/main">
   <p:cSld>
@@ -10354,6 +9856,90 @@
             <p:ph type="title"/>
           </p:nvPr>
         </p:nvSpPr>
+        <p:spPr/>
+        <p:txBody>
+          <a:bodyPr/>
+          <a:lstStyle/>
+          <a:p>
+            <a:r>
+              <a:rPr lang="en-US" sz="3600" dirty="0" smtClean="0"/>
+              <a:t>Genome Analysis Tool Kit (GATK)</a:t>
+            </a:r>
+            <a:endParaRPr lang="en-US" sz="3600" dirty="0"/>
+          </a:p>
+        </p:txBody>
+      </p:sp>
+      <p:pic>
+        <p:nvPicPr>
+          <p:cNvPr id="4" name="Picture 3"/>
+          <p:cNvPicPr>
+            <a:picLocks noChangeAspect="1"/>
+          </p:cNvPicPr>
+          <p:nvPr/>
+        </p:nvPicPr>
+        <p:blipFill>
+          <a:blip r:embed="rId2"/>
+          <a:stretch>
+            <a:fillRect/>
+          </a:stretch>
+        </p:blipFill>
+        <p:spPr>
+          <a:xfrm>
+            <a:off x="0" y="1279164"/>
+            <a:ext cx="9144000" cy="4741333"/>
+          </a:xfrm>
+          <a:prstGeom prst="rect">
+            <a:avLst/>
+          </a:prstGeom>
+        </p:spPr>
+      </p:pic>
+    </p:spTree>
+    <p:extLst>
+      <p:ext uri="{BB962C8B-B14F-4D97-AF65-F5344CB8AC3E}">
+        <p14:creationId xmlns:p14="http://schemas.microsoft.com/office/powerpoint/2010/main" val="1170899048"/>
+      </p:ext>
+    </p:extLst>
+  </p:cSld>
+  <p:clrMapOvr>
+    <a:masterClrMapping/>
+  </p:clrMapOvr>
+  <p:timing>
+    <p:tnLst>
+      <p:par>
+        <p:cTn xmlns:p14="http://schemas.microsoft.com/office/powerpoint/2010/main" id="1" dur="indefinite" restart="never" nodeType="tmRoot"/>
+      </p:par>
+    </p:tnLst>
+  </p:timing>
+</p:sld>
+</file>
+
+<file path=ppt/slides/slide31.xml><?xml version="1.0" encoding="utf-8"?>
+<p:sld xmlns:a="http://schemas.openxmlformats.org/drawingml/2006/main" xmlns:r="http://schemas.openxmlformats.org/officeDocument/2006/relationships" xmlns:p="http://schemas.openxmlformats.org/presentationml/2006/main">
+  <p:cSld>
+    <p:spTree>
+      <p:nvGrpSpPr>
+        <p:cNvPr id="1" name=""/>
+        <p:cNvGrpSpPr/>
+        <p:nvPr/>
+      </p:nvGrpSpPr>
+      <p:grpSpPr>
+        <a:xfrm>
+          <a:off x="0" y="0"/>
+          <a:ext cx="0" cy="0"/>
+          <a:chOff x="0" y="0"/>
+          <a:chExt cx="0" cy="0"/>
+        </a:xfrm>
+      </p:grpSpPr>
+      <p:sp>
+        <p:nvSpPr>
+          <p:cNvPr id="2" name="Title 1"/>
+          <p:cNvSpPr>
+            <a:spLocks noGrp="1"/>
+          </p:cNvSpPr>
+          <p:nvPr>
+            <p:ph type="title"/>
+          </p:nvPr>
+        </p:nvSpPr>
         <p:spPr>
           <a:xfrm>
             <a:off x="457200" y="2292051"/>
@@ -10401,7 +9987,7 @@
 </p:sld>
 </file>
 
-<file path=ppt/slides/slide31.xml><?xml version="1.0" encoding="utf-8"?>
+<file path=ppt/slides/slide32.xml><?xml version="1.0" encoding="utf-8"?>
 <p:sld xmlns:a="http://schemas.openxmlformats.org/drawingml/2006/main" xmlns:r="http://schemas.openxmlformats.org/officeDocument/2006/relationships" xmlns:p="http://schemas.openxmlformats.org/presentationml/2006/main">
   <p:cSld>
     <p:spTree>
@@ -10468,134 +10054,6 @@
 </p:sld>
 </file>
 
-<file path=ppt/slides/slide32.xml><?xml version="1.0" encoding="utf-8"?>
-<p:sld xmlns:a="http://schemas.openxmlformats.org/drawingml/2006/main" xmlns:r="http://schemas.openxmlformats.org/officeDocument/2006/relationships" xmlns:p="http://schemas.openxmlformats.org/presentationml/2006/main">
-  <p:cSld>
-    <p:spTree>
-      <p:nvGrpSpPr>
-        <p:cNvPr id="1" name=""/>
-        <p:cNvGrpSpPr/>
-        <p:nvPr/>
-      </p:nvGrpSpPr>
-      <p:grpSpPr>
-        <a:xfrm>
-          <a:off x="0" y="0"/>
-          <a:ext cx="0" cy="0"/>
-          <a:chOff x="0" y="0"/>
-          <a:chExt cx="0" cy="0"/>
-        </a:xfrm>
-      </p:grpSpPr>
-      <p:sp>
-        <p:nvSpPr>
-          <p:cNvPr id="2" name="Title 1"/>
-          <p:cNvSpPr>
-            <a:spLocks noGrp="1"/>
-          </p:cNvSpPr>
-          <p:nvPr>
-            <p:ph type="title"/>
-          </p:nvPr>
-        </p:nvSpPr>
-        <p:spPr/>
-        <p:txBody>
-          <a:bodyPr/>
-          <a:lstStyle/>
-          <a:p>
-            <a:r>
-              <a:rPr lang="en-US" dirty="0" err="1" smtClean="0"/>
-              <a:t>MuTect</a:t>
-            </a:r>
-            <a:endParaRPr lang="en-US" dirty="0"/>
-          </a:p>
-        </p:txBody>
-      </p:sp>
-      <p:sp>
-        <p:nvSpPr>
-          <p:cNvPr id="3" name="Content Placeholder 2"/>
-          <p:cNvSpPr>
-            <a:spLocks noGrp="1"/>
-          </p:cNvSpPr>
-          <p:nvPr>
-            <p:ph idx="1"/>
-          </p:nvPr>
-        </p:nvSpPr>
-        <p:spPr/>
-        <p:txBody>
-          <a:bodyPr>
-            <a:normAutofit/>
-          </a:bodyPr>
-          <a:lstStyle/>
-          <a:p>
-            <a:pPr marL="514350" indent="-514350">
-              <a:buFont typeface="+mj-lt"/>
-              <a:buAutoNum type="arabicPeriod"/>
-            </a:pPr>
-            <a:r>
-              <a:rPr lang="en-US" dirty="0" smtClean="0"/>
-              <a:t>Identifies variants in tumor </a:t>
-            </a:r>
-          </a:p>
-          <a:p>
-            <a:pPr marL="0" indent="0">
-              <a:buNone/>
-            </a:pPr>
-            <a:r>
-              <a:rPr lang="en-US" dirty="0" smtClean="0"/>
-              <a:t>	Differences between tumor DNA and human 	reference assembly (hg19)</a:t>
-            </a:r>
-          </a:p>
-          <a:p>
-            <a:pPr marL="0" indent="0">
-              <a:buNone/>
-            </a:pPr>
-            <a:endParaRPr lang="en-US" dirty="0" smtClean="0"/>
-          </a:p>
-          <a:p>
-            <a:pPr marL="514350" indent="-514350">
-              <a:buFont typeface="+mj-lt"/>
-              <a:buAutoNum type="arabicPeriod" startAt="2"/>
-            </a:pPr>
-            <a:r>
-              <a:rPr lang="en-US" dirty="0" smtClean="0"/>
-              <a:t>Post detection filter to remove: </a:t>
-            </a:r>
-          </a:p>
-          <a:p>
-            <a:pPr lvl="1"/>
-            <a:r>
-              <a:rPr lang="en-US" sz="3200" dirty="0" smtClean="0"/>
-              <a:t>false positives due to non-independent sequencing errors</a:t>
-            </a:r>
-          </a:p>
-          <a:p>
-            <a:pPr lvl="1"/>
-            <a:r>
-              <a:rPr lang="en-US" sz="3200" dirty="0" smtClean="0"/>
-              <a:t>germ line variations (detected in normal)</a:t>
-            </a:r>
-            <a:endParaRPr lang="en-US" sz="3200" dirty="0"/>
-          </a:p>
-        </p:txBody>
-      </p:sp>
-    </p:spTree>
-    <p:extLst>
-      <p:ext uri="{BB962C8B-B14F-4D97-AF65-F5344CB8AC3E}">
-        <p14:creationId xmlns:p14="http://schemas.microsoft.com/office/powerpoint/2010/main" val="3034026997"/>
-      </p:ext>
-    </p:extLst>
-  </p:cSld>
-  <p:clrMapOvr>
-    <a:masterClrMapping/>
-  </p:clrMapOvr>
-  <p:timing>
-    <p:tnLst>
-      <p:par>
-        <p:cTn xmlns:p14="http://schemas.microsoft.com/office/powerpoint/2010/main" id="1" dur="indefinite" restart="never" nodeType="tmRoot"/>
-      </p:par>
-    </p:tnLst>
-  </p:timing>
-</p:sld>
-</file>
-
 <file path=ppt/slides/slide33.xml><?xml version="1.0" encoding="utf-8"?>
 <p:sld xmlns:a="http://schemas.openxmlformats.org/drawingml/2006/main" xmlns:r="http://schemas.openxmlformats.org/officeDocument/2006/relationships" xmlns:p="http://schemas.openxmlformats.org/presentationml/2006/main">
   <p:cSld>
@@ -10629,8 +10087,136 @@
           <a:lstStyle/>
           <a:p>
             <a:r>
-              <a:rPr lang="en-US" dirty="0" err="1" smtClean="0"/>
-              <a:t>MuTect</a:t>
+              <a:rPr lang="en-US" dirty="0" smtClean="0"/>
+              <a:t>MuTect1</a:t>
+            </a:r>
+            <a:endParaRPr lang="en-US" dirty="0"/>
+          </a:p>
+        </p:txBody>
+      </p:sp>
+      <p:sp>
+        <p:nvSpPr>
+          <p:cNvPr id="3" name="Content Placeholder 2"/>
+          <p:cNvSpPr>
+            <a:spLocks noGrp="1"/>
+          </p:cNvSpPr>
+          <p:nvPr>
+            <p:ph idx="1"/>
+          </p:nvPr>
+        </p:nvSpPr>
+        <p:spPr/>
+        <p:txBody>
+          <a:bodyPr>
+            <a:normAutofit/>
+          </a:bodyPr>
+          <a:lstStyle/>
+          <a:p>
+            <a:pPr marL="514350" indent="-514350">
+              <a:buFont typeface="+mj-lt"/>
+              <a:buAutoNum type="arabicPeriod"/>
+            </a:pPr>
+            <a:r>
+              <a:rPr lang="en-US" dirty="0" smtClean="0"/>
+              <a:t>Identifies variants in tumor </a:t>
+            </a:r>
+          </a:p>
+          <a:p>
+            <a:pPr marL="0" indent="0">
+              <a:buNone/>
+            </a:pPr>
+            <a:r>
+              <a:rPr lang="en-US" dirty="0" smtClean="0"/>
+              <a:t>	Differences between tumor DNA and human 	reference assembly (hg19)</a:t>
+            </a:r>
+          </a:p>
+          <a:p>
+            <a:pPr marL="0" indent="0">
+              <a:buNone/>
+            </a:pPr>
+            <a:endParaRPr lang="en-US" dirty="0" smtClean="0"/>
+          </a:p>
+          <a:p>
+            <a:pPr marL="514350" indent="-514350">
+              <a:buFont typeface="+mj-lt"/>
+              <a:buAutoNum type="arabicPeriod" startAt="2"/>
+            </a:pPr>
+            <a:r>
+              <a:rPr lang="en-US" dirty="0" smtClean="0"/>
+              <a:t>Post detection filter to remove: </a:t>
+            </a:r>
+          </a:p>
+          <a:p>
+            <a:pPr lvl="1"/>
+            <a:r>
+              <a:rPr lang="en-US" sz="3200" dirty="0" smtClean="0"/>
+              <a:t>false positives due to non-independent sequencing errors</a:t>
+            </a:r>
+          </a:p>
+          <a:p>
+            <a:pPr lvl="1"/>
+            <a:r>
+              <a:rPr lang="en-US" sz="3200" dirty="0" smtClean="0"/>
+              <a:t>germ line variations (detected in normal)</a:t>
+            </a:r>
+            <a:endParaRPr lang="en-US" sz="3200" dirty="0"/>
+          </a:p>
+        </p:txBody>
+      </p:sp>
+    </p:spTree>
+    <p:extLst>
+      <p:ext uri="{BB962C8B-B14F-4D97-AF65-F5344CB8AC3E}">
+        <p14:creationId xmlns:p14="http://schemas.microsoft.com/office/powerpoint/2010/main" val="3034026997"/>
+      </p:ext>
+    </p:extLst>
+  </p:cSld>
+  <p:clrMapOvr>
+    <a:masterClrMapping/>
+  </p:clrMapOvr>
+  <p:timing>
+    <p:tnLst>
+      <p:par>
+        <p:cTn xmlns:p14="http://schemas.microsoft.com/office/powerpoint/2010/main" id="1" dur="indefinite" restart="never" nodeType="tmRoot"/>
+      </p:par>
+    </p:tnLst>
+  </p:timing>
+</p:sld>
+</file>
+
+<file path=ppt/slides/slide34.xml><?xml version="1.0" encoding="utf-8"?>
+<p:sld xmlns:a="http://schemas.openxmlformats.org/drawingml/2006/main" xmlns:r="http://schemas.openxmlformats.org/officeDocument/2006/relationships" xmlns:p="http://schemas.openxmlformats.org/presentationml/2006/main">
+  <p:cSld>
+    <p:spTree>
+      <p:nvGrpSpPr>
+        <p:cNvPr id="1" name=""/>
+        <p:cNvGrpSpPr/>
+        <p:nvPr/>
+      </p:nvGrpSpPr>
+      <p:grpSpPr>
+        <a:xfrm>
+          <a:off x="0" y="0"/>
+          <a:ext cx="0" cy="0"/>
+          <a:chOff x="0" y="0"/>
+          <a:chExt cx="0" cy="0"/>
+        </a:xfrm>
+      </p:grpSpPr>
+      <p:sp>
+        <p:nvSpPr>
+          <p:cNvPr id="2" name="Title 1"/>
+          <p:cNvSpPr>
+            <a:spLocks noGrp="1"/>
+          </p:cNvSpPr>
+          <p:nvPr>
+            <p:ph type="title"/>
+          </p:nvPr>
+        </p:nvSpPr>
+        <p:spPr/>
+        <p:txBody>
+          <a:bodyPr/>
+          <a:lstStyle/>
+          <a:p>
+            <a:r>
+              <a:rPr lang="en-US" dirty="0" smtClean="0"/>
+              <a:t>MuTect1</a:t>
             </a:r>
             <a:endParaRPr lang="en-US" dirty="0"/>
           </a:p>
@@ -10719,7 +10305,7 @@
 </p:sld>
 </file>
 
-<file path=ppt/slides/slide34.xml><?xml version="1.0" encoding="utf-8"?>
+<file path=ppt/slides/slide35.xml><?xml version="1.0" encoding="utf-8"?>
 <p:sld xmlns:a="http://schemas.openxmlformats.org/drawingml/2006/main" xmlns:r="http://schemas.openxmlformats.org/officeDocument/2006/relationships" xmlns:p="http://schemas.openxmlformats.org/presentationml/2006/main">
   <p:cSld>
     <p:spTree>
@@ -11383,571 +10969,6 @@
     <p:extLst>
       <p:ext uri="{BB962C8B-B14F-4D97-AF65-F5344CB8AC3E}">
         <p14:creationId xmlns:p14="http://schemas.microsoft.com/office/powerpoint/2010/main" val="3872517797"/>
-      </p:ext>
-    </p:extLst>
-  </p:cSld>
-  <p:clrMapOvr>
-    <a:masterClrMapping/>
-  </p:clrMapOvr>
-  <p:timing>
-    <p:tnLst>
-      <p:par>
-        <p:cTn xmlns:p14="http://schemas.microsoft.com/office/powerpoint/2010/main" id="1" dur="indefinite" restart="never" nodeType="tmRoot"/>
-      </p:par>
-    </p:tnLst>
-  </p:timing>
-</p:sld>
-</file>
-
-<file path=ppt/slides/slide35.xml><?xml version="1.0" encoding="utf-8"?>
-<p:sld xmlns:a="http://schemas.openxmlformats.org/drawingml/2006/main" xmlns:r="http://schemas.openxmlformats.org/officeDocument/2006/relationships" xmlns:p="http://schemas.openxmlformats.org/presentationml/2006/main">
-  <p:cSld>
-    <p:spTree>
-      <p:nvGrpSpPr>
-        <p:cNvPr id="1" name=""/>
-        <p:cNvGrpSpPr/>
-        <p:nvPr/>
-      </p:nvGrpSpPr>
-      <p:grpSpPr>
-        <a:xfrm>
-          <a:off x="0" y="0"/>
-          <a:ext cx="0" cy="0"/>
-          <a:chOff x="0" y="0"/>
-          <a:chExt cx="0" cy="0"/>
-        </a:xfrm>
-      </p:grpSpPr>
-      <p:sp>
-        <p:nvSpPr>
-          <p:cNvPr id="2" name="Title 1"/>
-          <p:cNvSpPr>
-            <a:spLocks noGrp="1"/>
-          </p:cNvSpPr>
-          <p:nvPr>
-            <p:ph type="title"/>
-          </p:nvPr>
-        </p:nvSpPr>
-        <p:spPr/>
-        <p:txBody>
-          <a:bodyPr/>
-          <a:lstStyle/>
-          <a:p>
-            <a:r>
-              <a:rPr lang="en-US" dirty="0" err="1" smtClean="0"/>
-              <a:t>mutect.out</a:t>
-            </a:r>
-            <a:r>
-              <a:rPr lang="en-US" dirty="0" smtClean="0"/>
-              <a:t> file</a:t>
-            </a:r>
-            <a:endParaRPr lang="en-US" dirty="0"/>
-          </a:p>
-        </p:txBody>
-      </p:sp>
-      <p:sp>
-        <p:nvSpPr>
-          <p:cNvPr id="3" name="Content Placeholder 2"/>
-          <p:cNvSpPr>
-            <a:spLocks noGrp="1"/>
-          </p:cNvSpPr>
-          <p:nvPr>
-            <p:ph idx="1"/>
-          </p:nvPr>
-        </p:nvSpPr>
-        <p:spPr>
-          <a:xfrm>
-            <a:off x="457200" y="1600200"/>
-            <a:ext cx="8229600" cy="5257800"/>
-          </a:xfrm>
-        </p:spPr>
-        <p:txBody>
-          <a:bodyPr>
-            <a:normAutofit fontScale="40000" lnSpcReduction="20000"/>
-          </a:bodyPr>
-          <a:lstStyle/>
-          <a:p>
-            <a:pPr marL="0" indent="0">
-              <a:buNone/>
-            </a:pPr>
-            <a:r>
-              <a:rPr lang="en-US" sz="7000" dirty="0" smtClean="0"/>
-              <a:t>All statistics used in post-detection filtering</a:t>
-            </a:r>
-          </a:p>
-          <a:p>
-            <a:pPr marL="0" indent="0">
-              <a:buNone/>
-            </a:pPr>
-            <a:endParaRPr lang="en-US" dirty="0"/>
-          </a:p>
-          <a:p>
-            <a:pPr marL="0" indent="0">
-              <a:buNone/>
-            </a:pPr>
-            <a:r>
-              <a:rPr lang="en-US" sz="5000" dirty="0" smtClean="0"/>
-              <a:t>Columns:</a:t>
-            </a:r>
-          </a:p>
-          <a:p>
-            <a:pPr marL="0" indent="0">
-              <a:buNone/>
-            </a:pPr>
-            <a:r>
-              <a:rPr lang="en-US" dirty="0" err="1"/>
-              <a:t>contig</a:t>
-            </a:r>
-            <a:r>
-              <a:rPr lang="en-US" dirty="0"/>
-              <a:t>  position        context </a:t>
-            </a:r>
-            <a:r>
-              <a:rPr lang="en-US" dirty="0" err="1"/>
-              <a:t>ref_allele</a:t>
-            </a:r>
-            <a:r>
-              <a:rPr lang="en-US" dirty="0"/>
-              <a:t>      </a:t>
-            </a:r>
-            <a:r>
-              <a:rPr lang="en-US" dirty="0" err="1"/>
-              <a:t>alt_allele</a:t>
-            </a:r>
-            <a:r>
-              <a:rPr lang="en-US" dirty="0"/>
-              <a:t>      </a:t>
-            </a:r>
-            <a:r>
-              <a:rPr lang="en-US" dirty="0" err="1"/>
-              <a:t>tumor_name</a:t>
-            </a:r>
-            <a:r>
-              <a:rPr lang="en-US" dirty="0"/>
-              <a:t>      </a:t>
-            </a:r>
-            <a:r>
-              <a:rPr lang="en-US" dirty="0" err="1"/>
-              <a:t>normal_name</a:t>
-            </a:r>
-            <a:r>
-              <a:rPr lang="en-US" dirty="0"/>
-              <a:t>     score   </a:t>
-            </a:r>
-            <a:r>
-              <a:rPr lang="en-US" dirty="0" err="1"/>
-              <a:t>dbsnp_site</a:t>
-            </a:r>
-            <a:r>
-              <a:rPr lang="en-US" dirty="0"/>
-              <a:t>      covered</a:t>
-            </a:r>
-          </a:p>
-          <a:p>
-            <a:pPr marL="0" indent="0">
-              <a:buNone/>
-            </a:pPr>
-            <a:r>
-              <a:rPr lang="en-US" dirty="0"/>
-              <a:t>        power   </a:t>
-            </a:r>
-            <a:r>
-              <a:rPr lang="en-US" dirty="0" err="1"/>
-              <a:t>tumor_power</a:t>
-            </a:r>
-            <a:r>
-              <a:rPr lang="en-US" dirty="0"/>
-              <a:t>     </a:t>
-            </a:r>
-            <a:r>
-              <a:rPr lang="en-US" dirty="0" err="1"/>
-              <a:t>normal_power</a:t>
-            </a:r>
-            <a:r>
-              <a:rPr lang="en-US" dirty="0"/>
-              <a:t>    </a:t>
-            </a:r>
-            <a:r>
-              <a:rPr lang="en-US" dirty="0" err="1"/>
-              <a:t>normal_power_nsp</a:t>
-            </a:r>
-            <a:r>
-              <a:rPr lang="en-US" dirty="0"/>
-              <a:t>        </a:t>
-            </a:r>
-            <a:r>
-              <a:rPr lang="en-US" dirty="0" err="1"/>
-              <a:t>normal_power_wsp</a:t>
-            </a:r>
-            <a:r>
-              <a:rPr lang="en-US" dirty="0"/>
-              <a:t>        </a:t>
-            </a:r>
-            <a:r>
-              <a:rPr lang="en-US" dirty="0" err="1"/>
-              <a:t>total_reads</a:t>
-            </a:r>
-            <a:r>
-              <a:rPr lang="en-US" dirty="0"/>
-              <a:t>     map_Q0_reads  </a:t>
-            </a:r>
-            <a:r>
-              <a:rPr lang="en-US" dirty="0" err="1"/>
-              <a:t>init_t_lod</a:t>
-            </a:r>
-            <a:r>
-              <a:rPr lang="en-US" dirty="0"/>
-              <a:t>       </a:t>
-            </a:r>
-            <a:r>
-              <a:rPr lang="en-US" dirty="0" err="1"/>
-              <a:t>t_lod_fstar</a:t>
-            </a:r>
-            <a:r>
-              <a:rPr lang="en-US" dirty="0"/>
-              <a:t>     </a:t>
-            </a:r>
-            <a:r>
-              <a:rPr lang="en-US" dirty="0" err="1"/>
-              <a:t>t_lod_fstar_forward</a:t>
-            </a:r>
-            <a:r>
-              <a:rPr lang="en-US" dirty="0"/>
-              <a:t>     </a:t>
-            </a:r>
-            <a:r>
-              <a:rPr lang="en-US" dirty="0" err="1"/>
-              <a:t>t_lod_fstar_reverse</a:t>
-            </a:r>
-            <a:r>
-              <a:rPr lang="en-US" dirty="0"/>
-              <a:t>     </a:t>
-            </a:r>
-            <a:r>
-              <a:rPr lang="en-US" dirty="0" err="1"/>
-              <a:t>tumor_f</a:t>
-            </a:r>
-            <a:r>
-              <a:rPr lang="en-US" dirty="0"/>
-              <a:t> </a:t>
-            </a:r>
-            <a:r>
-              <a:rPr lang="en-US" dirty="0" err="1"/>
-              <a:t>contaminant_fraction</a:t>
-            </a:r>
-            <a:r>
-              <a:rPr lang="en-US" dirty="0"/>
-              <a:t>    </a:t>
-            </a:r>
-            <a:r>
-              <a:rPr lang="en-US" dirty="0" err="1"/>
-              <a:t>contaminant_lod</a:t>
-            </a:r>
-            <a:endParaRPr lang="en-US" dirty="0"/>
-          </a:p>
-          <a:p>
-            <a:pPr marL="0" indent="0">
-              <a:buNone/>
-            </a:pPr>
-            <a:r>
-              <a:rPr lang="en-US" dirty="0"/>
-              <a:t>        t_q20_count     </a:t>
-            </a:r>
-            <a:r>
-              <a:rPr lang="en-US" dirty="0" err="1"/>
-              <a:t>t_ref_count</a:t>
-            </a:r>
-            <a:r>
-              <a:rPr lang="en-US" dirty="0"/>
-              <a:t>     </a:t>
-            </a:r>
-            <a:r>
-              <a:rPr lang="en-US" dirty="0" err="1"/>
-              <a:t>t_alt_count</a:t>
-            </a:r>
-            <a:r>
-              <a:rPr lang="en-US" dirty="0"/>
-              <a:t>     </a:t>
-            </a:r>
-            <a:r>
-              <a:rPr lang="en-US" dirty="0" err="1"/>
-              <a:t>t_ref_sum</a:t>
-            </a:r>
-            <a:r>
-              <a:rPr lang="en-US" dirty="0"/>
-              <a:t>       </a:t>
-            </a:r>
-            <a:r>
-              <a:rPr lang="en-US" dirty="0" err="1"/>
-              <a:t>t_alt_sum</a:t>
-            </a:r>
-            <a:r>
-              <a:rPr lang="en-US" dirty="0"/>
-              <a:t>       </a:t>
-            </a:r>
-            <a:r>
-              <a:rPr lang="en-US" dirty="0" err="1"/>
-              <a:t>t_ref_max_mapq</a:t>
-            </a:r>
-            <a:r>
-              <a:rPr lang="en-US" dirty="0"/>
-              <a:t>  </a:t>
-            </a:r>
-            <a:r>
-              <a:rPr lang="en-US" dirty="0" err="1"/>
-              <a:t>t_alt_max_mapq</a:t>
-            </a:r>
-            <a:r>
-              <a:rPr lang="en-US" dirty="0"/>
-              <a:t>  </a:t>
-            </a:r>
-            <a:r>
-              <a:rPr lang="en-US" dirty="0" err="1"/>
-              <a:t>t_ins_c</a:t>
-            </a:r>
-            <a:endParaRPr lang="en-US" dirty="0"/>
-          </a:p>
-          <a:p>
-            <a:pPr marL="0" indent="0">
-              <a:buNone/>
-            </a:pPr>
-            <a:r>
-              <a:rPr lang="en-US" dirty="0" err="1"/>
-              <a:t>ount</a:t>
-            </a:r>
-            <a:r>
-              <a:rPr lang="en-US" dirty="0"/>
-              <a:t>    </a:t>
-            </a:r>
-            <a:r>
-              <a:rPr lang="en-US" dirty="0" err="1"/>
-              <a:t>t_del_count</a:t>
-            </a:r>
-            <a:r>
-              <a:rPr lang="en-US" dirty="0"/>
-              <a:t>     </a:t>
-            </a:r>
-            <a:r>
-              <a:rPr lang="en-US" dirty="0" err="1"/>
-              <a:t>normal_best_gt</a:t>
-            </a:r>
-            <a:r>
-              <a:rPr lang="en-US" dirty="0"/>
-              <a:t>  </a:t>
-            </a:r>
-            <a:r>
-              <a:rPr lang="en-US" dirty="0" err="1"/>
-              <a:t>init_n_lod</a:t>
-            </a:r>
-            <a:r>
-              <a:rPr lang="en-US" dirty="0"/>
-              <a:t>      </a:t>
-            </a:r>
-            <a:r>
-              <a:rPr lang="en-US" dirty="0" err="1"/>
-              <a:t>normal_f</a:t>
-            </a:r>
-            <a:r>
-              <a:rPr lang="en-US" dirty="0"/>
-              <a:t>        n_q20_count     </a:t>
-            </a:r>
-            <a:r>
-              <a:rPr lang="en-US" dirty="0" err="1"/>
-              <a:t>n_ref_count</a:t>
-            </a:r>
-            <a:r>
-              <a:rPr lang="en-US" dirty="0"/>
-              <a:t>     </a:t>
-            </a:r>
-            <a:r>
-              <a:rPr lang="en-US" dirty="0" err="1"/>
-              <a:t>n_alt_count</a:t>
-            </a:r>
-            <a:r>
-              <a:rPr lang="en-US" dirty="0"/>
-              <a:t>     </a:t>
-            </a:r>
-            <a:r>
-              <a:rPr lang="en-US" dirty="0" err="1"/>
-              <a:t>n_ref_s</a:t>
-            </a:r>
-            <a:endParaRPr lang="en-US" dirty="0"/>
-          </a:p>
-          <a:p>
-            <a:pPr marL="0" indent="0">
-              <a:buNone/>
-            </a:pPr>
-            <a:r>
-              <a:rPr lang="en-US" dirty="0"/>
-              <a:t>um      </a:t>
-            </a:r>
-            <a:r>
-              <a:rPr lang="en-US" dirty="0" err="1"/>
-              <a:t>n_alt_sum</a:t>
-            </a:r>
-            <a:r>
-              <a:rPr lang="en-US" dirty="0"/>
-              <a:t>       </a:t>
-            </a:r>
-            <a:r>
-              <a:rPr lang="en-US" dirty="0" err="1"/>
-              <a:t>power_to_detect_positive_strand_artifact</a:t>
-            </a:r>
-            <a:r>
-              <a:rPr lang="en-US" dirty="0"/>
-              <a:t>        </a:t>
-            </a:r>
-            <a:r>
-              <a:rPr lang="en-US" dirty="0" err="1"/>
-              <a:t>power_to_detect_negative_strand_artifact</a:t>
-            </a:r>
-            <a:r>
-              <a:rPr lang="en-US" dirty="0"/>
-              <a:t>        strand_</a:t>
-            </a:r>
-          </a:p>
-          <a:p>
-            <a:pPr marL="0" indent="0">
-              <a:buNone/>
-            </a:pPr>
-            <a:r>
-              <a:rPr lang="en-US" dirty="0" err="1"/>
-              <a:t>bias_counts</a:t>
-            </a:r>
-            <a:r>
-              <a:rPr lang="en-US" dirty="0"/>
-              <a:t>     </a:t>
-            </a:r>
-            <a:r>
-              <a:rPr lang="en-US" dirty="0" err="1"/>
-              <a:t>tumor_alt_fpir_median</a:t>
-            </a:r>
-            <a:r>
-              <a:rPr lang="en-US" dirty="0"/>
-              <a:t>   </a:t>
-            </a:r>
-            <a:r>
-              <a:rPr lang="en-US" dirty="0" err="1"/>
-              <a:t>tumor_alt_fpir_mad</a:t>
-            </a:r>
-            <a:r>
-              <a:rPr lang="en-US" dirty="0"/>
-              <a:t>      </a:t>
-            </a:r>
-            <a:r>
-              <a:rPr lang="en-US" dirty="0" err="1"/>
-              <a:t>tumor_alt_rpir_median</a:t>
-            </a:r>
-            <a:r>
-              <a:rPr lang="en-US" dirty="0"/>
-              <a:t>   </a:t>
-            </a:r>
-            <a:r>
-              <a:rPr lang="en-US" dirty="0" err="1"/>
-              <a:t>tumor_alt_rpir_mad</a:t>
-            </a:r>
-            <a:r>
-              <a:rPr lang="en-US" dirty="0"/>
-              <a:t>      </a:t>
-            </a:r>
-            <a:r>
-              <a:rPr lang="en-US" dirty="0" err="1"/>
-              <a:t>observed_in_nor</a:t>
-            </a:r>
-            <a:endParaRPr lang="en-US" dirty="0"/>
-          </a:p>
-          <a:p>
-            <a:pPr marL="0" indent="0">
-              <a:buNone/>
-            </a:pPr>
-            <a:r>
-              <a:rPr lang="en-US" dirty="0" err="1"/>
-              <a:t>mals_count</a:t>
-            </a:r>
-            <a:r>
-              <a:rPr lang="en-US" dirty="0"/>
-              <a:t>      </a:t>
-            </a:r>
-            <a:r>
-              <a:rPr lang="en-US" dirty="0" err="1"/>
-              <a:t>failure_reasons</a:t>
-            </a:r>
-            <a:r>
-              <a:rPr lang="en-US" dirty="0"/>
-              <a:t> </a:t>
-            </a:r>
-            <a:r>
-              <a:rPr lang="en-US" dirty="0" err="1" smtClean="0"/>
-              <a:t>judgement</a:t>
-            </a:r>
-            <a:endParaRPr lang="en-US" dirty="0" smtClean="0"/>
-          </a:p>
-          <a:p>
-            <a:pPr marL="0" indent="0">
-              <a:buNone/>
-            </a:pPr>
-            <a:endParaRPr lang="en-US" dirty="0" smtClean="0"/>
-          </a:p>
-          <a:p>
-            <a:pPr marL="0" indent="0">
-              <a:buNone/>
-            </a:pPr>
-            <a:r>
-              <a:rPr lang="en-US" sz="5000" dirty="0" smtClean="0"/>
-              <a:t>Example row:</a:t>
-            </a:r>
-            <a:endParaRPr lang="en-US" sz="5000" dirty="0"/>
-          </a:p>
-          <a:p>
-            <a:pPr marL="0" indent="0">
-              <a:buNone/>
-            </a:pPr>
-            <a:r>
-              <a:rPr lang="en-US" dirty="0"/>
-              <a:t>17      1001315 </a:t>
-            </a:r>
-            <a:r>
-              <a:rPr lang="en-US" dirty="0" err="1"/>
-              <a:t>TTTxTTT</a:t>
-            </a:r>
-            <a:r>
-              <a:rPr lang="en-US" dirty="0"/>
-              <a:t> C       T       HCC1143.tumor   HCC1143.normal  0       DBSNP   COVERED 0.954491        0.954491      11       1       103     0       -3.640633       2.499583        0       3.065049        0.064516        0.02    -0.4105</a:t>
-            </a:r>
-          </a:p>
-          <a:p>
-            <a:pPr marL="0" indent="0">
-              <a:buNone/>
-            </a:pPr>
-            <a:r>
-              <a:rPr lang="en-US" dirty="0"/>
-              <a:t>76      41      29      2       893     47      70      70      0       6       CC      5.640677        0.055556        47    51       3       1476    91      0.560361        0.544179        (15,14,0,2)     2.5     0.5     83.5    8.5     0       </a:t>
-            </a:r>
-            <a:r>
-              <a:rPr lang="en-US" dirty="0" err="1"/>
-              <a:t>fstar_t</a:t>
-            </a:r>
-            <a:endParaRPr lang="en-US" dirty="0"/>
-          </a:p>
-          <a:p>
-            <a:pPr marL="0" indent="0">
-              <a:buNone/>
-            </a:pPr>
-            <a:r>
-              <a:rPr lang="en-US" dirty="0"/>
-              <a:t>umor_lod,nearby_gap_events,possible_contamination,alt_allele_in_normal,clustered_read_position  REJECT</a:t>
-            </a:r>
-          </a:p>
-          <a:p>
-            <a:pPr marL="0" indent="0">
-              <a:buNone/>
-            </a:pPr>
-            <a:endParaRPr lang="en-US" dirty="0"/>
-          </a:p>
-        </p:txBody>
-      </p:sp>
-    </p:spTree>
-    <p:extLst>
-      <p:ext uri="{BB962C8B-B14F-4D97-AF65-F5344CB8AC3E}">
-        <p14:creationId xmlns:p14="http://schemas.microsoft.com/office/powerpoint/2010/main" val="2398225781"/>
       </p:ext>
     </p:extLst>
   </p:cSld>
@@ -11997,8 +11018,12 @@
           <a:lstStyle/>
           <a:p>
             <a:r>
+              <a:rPr lang="en-US" dirty="0" err="1" smtClean="0"/>
+              <a:t>mutect.out</a:t>
+            </a:r>
+            <a:r>
               <a:rPr lang="en-US" dirty="0" smtClean="0"/>
-              <a:t>Annotation</a:t>
+              <a:t> file</a:t>
             </a:r>
             <a:endParaRPr lang="en-US" dirty="0"/>
           </a:p>
@@ -12016,13 +11041,13 @@
         </p:nvSpPr>
         <p:spPr>
           <a:xfrm>
-            <a:off x="1051997" y="1600200"/>
-            <a:ext cx="7500220" cy="4525963"/>
+            <a:off x="457200" y="1600200"/>
+            <a:ext cx="8229600" cy="5257800"/>
           </a:xfrm>
         </p:spPr>
         <p:txBody>
           <a:bodyPr>
-            <a:normAutofit/>
+            <a:normAutofit fontScale="40000" lnSpcReduction="20000"/>
           </a:bodyPr>
           <a:lstStyle/>
           <a:p>
@@ -12030,67 +11055,485 @@
               <a:buNone/>
             </a:pPr>
             <a:r>
-              <a:rPr lang="en-US" sz="2800" dirty="0" smtClean="0"/>
-              <a:t>Link detected variants to functional sites in the genome</a:t>
-            </a:r>
-          </a:p>
-          <a:p>
-            <a:r>
-              <a:rPr lang="en-US" sz="2800" dirty="0" smtClean="0"/>
-              <a:t>Protein coding exons</a:t>
-            </a:r>
-          </a:p>
-          <a:p>
-            <a:r>
-              <a:rPr lang="en-US" sz="2800" dirty="0" smtClean="0"/>
-              <a:t>UTR</a:t>
-            </a:r>
-          </a:p>
-          <a:p>
-            <a:r>
-              <a:rPr lang="en-US" sz="2800" dirty="0" smtClean="0"/>
-              <a:t>Regulatory regions</a:t>
-            </a:r>
-          </a:p>
-          <a:p>
-            <a:r>
-              <a:rPr lang="en-US" sz="2800" dirty="0" smtClean="0"/>
-              <a:t>Database of known variation</a:t>
-            </a:r>
-          </a:p>
-          <a:p>
-            <a:pPr lvl="1"/>
-            <a:r>
-              <a:rPr lang="en-US" sz="2400" dirty="0" err="1" smtClean="0"/>
-              <a:t>dbSNP</a:t>
-            </a:r>
-            <a:r>
-              <a:rPr lang="en-US" sz="2400" dirty="0" smtClean="0"/>
-              <a:t> / 1000 Genomes / </a:t>
-            </a:r>
-            <a:r>
-              <a:rPr lang="en-US" sz="2400" dirty="0" err="1" smtClean="0"/>
-              <a:t>ExAC</a:t>
-            </a:r>
-            <a:r>
-              <a:rPr lang="en-US" sz="2400" dirty="0" smtClean="0"/>
-              <a:t> for normal variants</a:t>
-            </a:r>
-          </a:p>
-          <a:p>
-            <a:pPr lvl="1"/>
-            <a:r>
-              <a:rPr lang="en-US" sz="2400" dirty="0" smtClean="0"/>
-              <a:t>Cosmic for cancer mutations</a:t>
-            </a:r>
-            <a:endParaRPr lang="en-US" sz="2400" dirty="0"/>
+              <a:rPr lang="en-US" sz="7000" dirty="0" smtClean="0"/>
+              <a:t>All statistics used in post-detection filtering</a:t>
+            </a:r>
+          </a:p>
+          <a:p>
+            <a:pPr marL="0" indent="0">
+              <a:buNone/>
+            </a:pPr>
+            <a:endParaRPr lang="en-US" dirty="0"/>
+          </a:p>
+          <a:p>
+            <a:pPr marL="0" indent="0">
+              <a:buNone/>
+            </a:pPr>
+            <a:r>
+              <a:rPr lang="en-US" sz="5000" dirty="0" smtClean="0"/>
+              <a:t>Columns:</a:t>
+            </a:r>
+          </a:p>
+          <a:p>
+            <a:pPr marL="0" indent="0">
+              <a:buNone/>
+            </a:pPr>
+            <a:r>
+              <a:rPr lang="en-US" dirty="0" err="1"/>
+              <a:t>contig</a:t>
+            </a:r>
+            <a:r>
+              <a:rPr lang="en-US" dirty="0"/>
+              <a:t>  position        context </a:t>
+            </a:r>
+            <a:r>
+              <a:rPr lang="en-US" dirty="0" err="1"/>
+              <a:t>ref_allele</a:t>
+            </a:r>
+            <a:r>
+              <a:rPr lang="en-US" dirty="0"/>
+              <a:t>      </a:t>
+            </a:r>
+            <a:r>
+              <a:rPr lang="en-US" dirty="0" err="1"/>
+              <a:t>alt_allele</a:t>
+            </a:r>
+            <a:r>
+              <a:rPr lang="en-US" dirty="0"/>
+              <a:t>      </a:t>
+            </a:r>
+            <a:r>
+              <a:rPr lang="en-US" dirty="0" err="1"/>
+              <a:t>tumor_name</a:t>
+            </a:r>
+            <a:r>
+              <a:rPr lang="en-US" dirty="0"/>
+              <a:t>      </a:t>
+            </a:r>
+            <a:r>
+              <a:rPr lang="en-US" dirty="0" err="1"/>
+              <a:t>normal_name</a:t>
+            </a:r>
+            <a:r>
+              <a:rPr lang="en-US" dirty="0"/>
+              <a:t>     score   </a:t>
+            </a:r>
+            <a:r>
+              <a:rPr lang="en-US" dirty="0" err="1"/>
+              <a:t>dbsnp_site</a:t>
+            </a:r>
+            <a:r>
+              <a:rPr lang="en-US" dirty="0"/>
+              <a:t>      covered</a:t>
+            </a:r>
+          </a:p>
+          <a:p>
+            <a:pPr marL="0" indent="0">
+              <a:buNone/>
+            </a:pPr>
+            <a:r>
+              <a:rPr lang="en-US" dirty="0"/>
+              <a:t>        power   </a:t>
+            </a:r>
+            <a:r>
+              <a:rPr lang="en-US" dirty="0" err="1"/>
+              <a:t>tumor_power</a:t>
+            </a:r>
+            <a:r>
+              <a:rPr lang="en-US" dirty="0"/>
+              <a:t>     </a:t>
+            </a:r>
+            <a:r>
+              <a:rPr lang="en-US" dirty="0" err="1"/>
+              <a:t>normal_power</a:t>
+            </a:r>
+            <a:r>
+              <a:rPr lang="en-US" dirty="0"/>
+              <a:t>    </a:t>
+            </a:r>
+            <a:r>
+              <a:rPr lang="en-US" dirty="0" err="1"/>
+              <a:t>normal_power_nsp</a:t>
+            </a:r>
+            <a:r>
+              <a:rPr lang="en-US" dirty="0"/>
+              <a:t>        </a:t>
+            </a:r>
+            <a:r>
+              <a:rPr lang="en-US" dirty="0" err="1"/>
+              <a:t>normal_power_wsp</a:t>
+            </a:r>
+            <a:r>
+              <a:rPr lang="en-US" dirty="0"/>
+              <a:t>        </a:t>
+            </a:r>
+            <a:r>
+              <a:rPr lang="en-US" dirty="0" err="1"/>
+              <a:t>total_reads</a:t>
+            </a:r>
+            <a:r>
+              <a:rPr lang="en-US" dirty="0"/>
+              <a:t>     map_Q0_reads  </a:t>
+            </a:r>
+            <a:r>
+              <a:rPr lang="en-US" dirty="0" err="1"/>
+              <a:t>init_t_lod</a:t>
+            </a:r>
+            <a:r>
+              <a:rPr lang="en-US" dirty="0"/>
+              <a:t>       </a:t>
+            </a:r>
+            <a:r>
+              <a:rPr lang="en-US" dirty="0" err="1"/>
+              <a:t>t_lod_fstar</a:t>
+            </a:r>
+            <a:r>
+              <a:rPr lang="en-US" dirty="0"/>
+              <a:t>     </a:t>
+            </a:r>
+            <a:r>
+              <a:rPr lang="en-US" dirty="0" err="1"/>
+              <a:t>t_lod_fstar_forward</a:t>
+            </a:r>
+            <a:r>
+              <a:rPr lang="en-US" dirty="0"/>
+              <a:t>     </a:t>
+            </a:r>
+            <a:r>
+              <a:rPr lang="en-US" dirty="0" err="1"/>
+              <a:t>t_lod_fstar_reverse</a:t>
+            </a:r>
+            <a:r>
+              <a:rPr lang="en-US" dirty="0"/>
+              <a:t>     </a:t>
+            </a:r>
+            <a:r>
+              <a:rPr lang="en-US" dirty="0" err="1"/>
+              <a:t>tumor_f</a:t>
+            </a:r>
+            <a:r>
+              <a:rPr lang="en-US" dirty="0"/>
+              <a:t> </a:t>
+            </a:r>
+            <a:r>
+              <a:rPr lang="en-US" dirty="0" err="1"/>
+              <a:t>contaminant_fraction</a:t>
+            </a:r>
+            <a:r>
+              <a:rPr lang="en-US" dirty="0"/>
+              <a:t>    </a:t>
+            </a:r>
+            <a:r>
+              <a:rPr lang="en-US" dirty="0" err="1"/>
+              <a:t>contaminant_lod</a:t>
+            </a:r>
+            <a:endParaRPr lang="en-US" dirty="0"/>
+          </a:p>
+          <a:p>
+            <a:pPr marL="0" indent="0">
+              <a:buNone/>
+            </a:pPr>
+            <a:r>
+              <a:rPr lang="en-US" dirty="0"/>
+              <a:t>        t_q20_count     </a:t>
+            </a:r>
+            <a:r>
+              <a:rPr lang="en-US" dirty="0" err="1"/>
+              <a:t>t_ref_count</a:t>
+            </a:r>
+            <a:r>
+              <a:rPr lang="en-US" dirty="0"/>
+              <a:t>     </a:t>
+            </a:r>
+            <a:r>
+              <a:rPr lang="en-US" dirty="0" err="1"/>
+              <a:t>t_alt_count</a:t>
+            </a:r>
+            <a:r>
+              <a:rPr lang="en-US" dirty="0"/>
+              <a:t>     </a:t>
+            </a:r>
+            <a:r>
+              <a:rPr lang="en-US" dirty="0" err="1"/>
+              <a:t>t_ref_sum</a:t>
+            </a:r>
+            <a:r>
+              <a:rPr lang="en-US" dirty="0"/>
+              <a:t>       </a:t>
+            </a:r>
+            <a:r>
+              <a:rPr lang="en-US" dirty="0" err="1"/>
+              <a:t>t_alt_sum</a:t>
+            </a:r>
+            <a:r>
+              <a:rPr lang="en-US" dirty="0"/>
+              <a:t>       </a:t>
+            </a:r>
+            <a:r>
+              <a:rPr lang="en-US" dirty="0" err="1"/>
+              <a:t>t_ref_max_mapq</a:t>
+            </a:r>
+            <a:r>
+              <a:rPr lang="en-US" dirty="0"/>
+              <a:t>  </a:t>
+            </a:r>
+            <a:r>
+              <a:rPr lang="en-US" dirty="0" err="1"/>
+              <a:t>t_alt_max_mapq</a:t>
+            </a:r>
+            <a:r>
+              <a:rPr lang="en-US" dirty="0"/>
+              <a:t>  </a:t>
+            </a:r>
+            <a:r>
+              <a:rPr lang="en-US" dirty="0" err="1"/>
+              <a:t>t_ins_c</a:t>
+            </a:r>
+            <a:endParaRPr lang="en-US" dirty="0"/>
+          </a:p>
+          <a:p>
+            <a:pPr marL="0" indent="0">
+              <a:buNone/>
+            </a:pPr>
+            <a:r>
+              <a:rPr lang="en-US" dirty="0" err="1"/>
+              <a:t>ount</a:t>
+            </a:r>
+            <a:r>
+              <a:rPr lang="en-US" dirty="0"/>
+              <a:t>    </a:t>
+            </a:r>
+            <a:r>
+              <a:rPr lang="en-US" dirty="0" err="1"/>
+              <a:t>t_del_count</a:t>
+            </a:r>
+            <a:r>
+              <a:rPr lang="en-US" dirty="0"/>
+              <a:t>     </a:t>
+            </a:r>
+            <a:r>
+              <a:rPr lang="en-US" dirty="0" err="1"/>
+              <a:t>normal_best_gt</a:t>
+            </a:r>
+            <a:r>
+              <a:rPr lang="en-US" dirty="0"/>
+              <a:t>  </a:t>
+            </a:r>
+            <a:r>
+              <a:rPr lang="en-US" dirty="0" err="1"/>
+              <a:t>init_n_lod</a:t>
+            </a:r>
+            <a:r>
+              <a:rPr lang="en-US" dirty="0"/>
+              <a:t>      </a:t>
+            </a:r>
+            <a:r>
+              <a:rPr lang="en-US" dirty="0" err="1"/>
+              <a:t>normal_f</a:t>
+            </a:r>
+            <a:r>
+              <a:rPr lang="en-US" dirty="0"/>
+              <a:t>        n_q20_count     </a:t>
+            </a:r>
+            <a:r>
+              <a:rPr lang="en-US" dirty="0" err="1"/>
+              <a:t>n_ref_count</a:t>
+            </a:r>
+            <a:r>
+              <a:rPr lang="en-US" dirty="0"/>
+              <a:t>     </a:t>
+            </a:r>
+            <a:r>
+              <a:rPr lang="en-US" dirty="0" err="1"/>
+              <a:t>n_alt_count</a:t>
+            </a:r>
+            <a:r>
+              <a:rPr lang="en-US" dirty="0"/>
+              <a:t>     </a:t>
+            </a:r>
+            <a:r>
+              <a:rPr lang="en-US" dirty="0" err="1"/>
+              <a:t>n_ref_s</a:t>
+            </a:r>
+            <a:endParaRPr lang="en-US" dirty="0"/>
+          </a:p>
+          <a:p>
+            <a:pPr marL="0" indent="0">
+              <a:buNone/>
+            </a:pPr>
+            <a:r>
+              <a:rPr lang="en-US" dirty="0"/>
+              <a:t>um      </a:t>
+            </a:r>
+            <a:r>
+              <a:rPr lang="en-US" dirty="0" err="1"/>
+              <a:t>n_alt_sum</a:t>
+            </a:r>
+            <a:r>
+              <a:rPr lang="en-US" dirty="0"/>
+              <a:t>       </a:t>
+            </a:r>
+            <a:r>
+              <a:rPr lang="en-US" dirty="0" err="1"/>
+              <a:t>power_to_detect_positive_strand_artifact</a:t>
+            </a:r>
+            <a:r>
+              <a:rPr lang="en-US" dirty="0"/>
+              <a:t>        </a:t>
+            </a:r>
+            <a:r>
+              <a:rPr lang="en-US" dirty="0" err="1"/>
+              <a:t>power_to_detect_negative_strand_artifact</a:t>
+            </a:r>
+            <a:r>
+              <a:rPr lang="en-US" dirty="0"/>
+              <a:t>        strand_</a:t>
+            </a:r>
+          </a:p>
+          <a:p>
+            <a:pPr marL="0" indent="0">
+              <a:buNone/>
+            </a:pPr>
+            <a:r>
+              <a:rPr lang="en-US" dirty="0" err="1"/>
+              <a:t>bias_counts</a:t>
+            </a:r>
+            <a:r>
+              <a:rPr lang="en-US" dirty="0"/>
+              <a:t>     </a:t>
+            </a:r>
+            <a:r>
+              <a:rPr lang="en-US" dirty="0" err="1"/>
+              <a:t>tumor_alt_fpir_median</a:t>
+            </a:r>
+            <a:r>
+              <a:rPr lang="en-US" dirty="0"/>
+              <a:t>   </a:t>
+            </a:r>
+            <a:r>
+              <a:rPr lang="en-US" dirty="0" err="1"/>
+              <a:t>tumor_alt_fpir_mad</a:t>
+            </a:r>
+            <a:r>
+              <a:rPr lang="en-US" dirty="0"/>
+              <a:t>      </a:t>
+            </a:r>
+            <a:r>
+              <a:rPr lang="en-US" dirty="0" err="1"/>
+              <a:t>tumor_alt_rpir_median</a:t>
+            </a:r>
+            <a:r>
+              <a:rPr lang="en-US" dirty="0"/>
+              <a:t>   </a:t>
+            </a:r>
+            <a:r>
+              <a:rPr lang="en-US" dirty="0" err="1"/>
+              <a:t>tumor_alt_rpir_mad</a:t>
+            </a:r>
+            <a:r>
+              <a:rPr lang="en-US" dirty="0"/>
+              <a:t>      </a:t>
+            </a:r>
+            <a:r>
+              <a:rPr lang="en-US" dirty="0" err="1"/>
+              <a:t>observed_in_nor</a:t>
+            </a:r>
+            <a:endParaRPr lang="en-US" dirty="0"/>
+          </a:p>
+          <a:p>
+            <a:pPr marL="0" indent="0">
+              <a:buNone/>
+            </a:pPr>
+            <a:r>
+              <a:rPr lang="en-US" dirty="0" err="1"/>
+              <a:t>mals_count</a:t>
+            </a:r>
+            <a:r>
+              <a:rPr lang="en-US" dirty="0"/>
+              <a:t>      </a:t>
+            </a:r>
+            <a:r>
+              <a:rPr lang="en-US" dirty="0" err="1"/>
+              <a:t>failure_reasons</a:t>
+            </a:r>
+            <a:r>
+              <a:rPr lang="en-US" dirty="0"/>
+              <a:t> </a:t>
+            </a:r>
+            <a:r>
+              <a:rPr lang="en-US" dirty="0" err="1" smtClean="0"/>
+              <a:t>judgement</a:t>
+            </a:r>
+            <a:endParaRPr lang="en-US" dirty="0" smtClean="0"/>
+          </a:p>
+          <a:p>
+            <a:pPr marL="0" indent="0">
+              <a:buNone/>
+            </a:pPr>
+            <a:endParaRPr lang="en-US" dirty="0" smtClean="0"/>
+          </a:p>
+          <a:p>
+            <a:pPr marL="0" indent="0">
+              <a:buNone/>
+            </a:pPr>
+            <a:r>
+              <a:rPr lang="en-US" sz="5000" dirty="0" smtClean="0"/>
+              <a:t>Example row:</a:t>
+            </a:r>
+            <a:endParaRPr lang="en-US" sz="5000" dirty="0"/>
+          </a:p>
+          <a:p>
+            <a:pPr marL="0" indent="0">
+              <a:buNone/>
+            </a:pPr>
+            <a:r>
+              <a:rPr lang="en-US" dirty="0"/>
+              <a:t>17      1001315 </a:t>
+            </a:r>
+            <a:r>
+              <a:rPr lang="en-US" dirty="0" err="1"/>
+              <a:t>TTTxTTT</a:t>
+            </a:r>
+            <a:r>
+              <a:rPr lang="en-US" dirty="0"/>
+              <a:t> C       T       HCC1143.tumor   HCC1143.normal  0       DBSNP   COVERED 0.954491        0.954491      11       1       103     0       -3.640633       2.499583        0       3.065049        0.064516        0.02    -0.4105</a:t>
+            </a:r>
+          </a:p>
+          <a:p>
+            <a:pPr marL="0" indent="0">
+              <a:buNone/>
+            </a:pPr>
+            <a:r>
+              <a:rPr lang="en-US" dirty="0"/>
+              <a:t>76      41      29      2       893     47      70      70      0       6       CC      5.640677        0.055556        47    51       3       1476    91      0.560361        0.544179        (15,14,0,2)     2.5     0.5     83.5    8.5     0       </a:t>
+            </a:r>
+            <a:r>
+              <a:rPr lang="en-US" dirty="0" err="1"/>
+              <a:t>fstar_t</a:t>
+            </a:r>
+            <a:endParaRPr lang="en-US" dirty="0"/>
+          </a:p>
+          <a:p>
+            <a:pPr marL="0" indent="0">
+              <a:buNone/>
+            </a:pPr>
+            <a:r>
+              <a:rPr lang="en-US" dirty="0"/>
+              <a:t>umor_lod,nearby_gap_events,possible_contamination,alt_allele_in_normal,clustered_read_position  REJECT</a:t>
+            </a:r>
+          </a:p>
+          <a:p>
+            <a:pPr marL="0" indent="0">
+              <a:buNone/>
+            </a:pPr>
+            <a:endParaRPr lang="en-US" dirty="0"/>
           </a:p>
         </p:txBody>
       </p:sp>
     </p:spTree>
     <p:extLst>
       <p:ext uri="{BB962C8B-B14F-4D97-AF65-F5344CB8AC3E}">
-        <p14:creationId xmlns:p14="http://schemas.microsoft.com/office/powerpoint/2010/main" val="2215716068"/>
+        <p14:creationId xmlns:p14="http://schemas.microsoft.com/office/powerpoint/2010/main" val="2398225781"/>
       </p:ext>
     </p:extLst>
   </p:cSld>
@@ -12136,6 +11579,149 @@
         </p:nvSpPr>
         <p:spPr/>
         <p:txBody>
+          <a:bodyPr/>
+          <a:lstStyle/>
+          <a:p>
+            <a:r>
+              <a:rPr lang="en-US" dirty="0" smtClean="0"/>
+              <a:t>Annotation</a:t>
+            </a:r>
+            <a:endParaRPr lang="en-US" dirty="0"/>
+          </a:p>
+        </p:txBody>
+      </p:sp>
+      <p:sp>
+        <p:nvSpPr>
+          <p:cNvPr id="3" name="Content Placeholder 2"/>
+          <p:cNvSpPr>
+            <a:spLocks noGrp="1"/>
+          </p:cNvSpPr>
+          <p:nvPr>
+            <p:ph idx="1"/>
+          </p:nvPr>
+        </p:nvSpPr>
+        <p:spPr>
+          <a:xfrm>
+            <a:off x="1051997" y="1600200"/>
+            <a:ext cx="7500220" cy="4525963"/>
+          </a:xfrm>
+        </p:spPr>
+        <p:txBody>
+          <a:bodyPr>
+            <a:normAutofit/>
+          </a:bodyPr>
+          <a:lstStyle/>
+          <a:p>
+            <a:pPr marL="0" indent="0">
+              <a:buNone/>
+            </a:pPr>
+            <a:r>
+              <a:rPr lang="en-US" sz="2800" dirty="0" smtClean="0"/>
+              <a:t>Link detected variants to functional sites in the genome</a:t>
+            </a:r>
+          </a:p>
+          <a:p>
+            <a:r>
+              <a:rPr lang="en-US" sz="2800" dirty="0" smtClean="0"/>
+              <a:t>Protein coding exons</a:t>
+            </a:r>
+          </a:p>
+          <a:p>
+            <a:r>
+              <a:rPr lang="en-US" sz="2800" dirty="0" smtClean="0"/>
+              <a:t>UTR</a:t>
+            </a:r>
+          </a:p>
+          <a:p>
+            <a:r>
+              <a:rPr lang="en-US" sz="2800" dirty="0" smtClean="0"/>
+              <a:t>Regulatory regions</a:t>
+            </a:r>
+          </a:p>
+          <a:p>
+            <a:r>
+              <a:rPr lang="en-US" sz="2800" dirty="0" smtClean="0"/>
+              <a:t>Database of known variation</a:t>
+            </a:r>
+          </a:p>
+          <a:p>
+            <a:pPr lvl="1"/>
+            <a:r>
+              <a:rPr lang="en-US" sz="2400" dirty="0" err="1" smtClean="0"/>
+              <a:t>dbSNP</a:t>
+            </a:r>
+            <a:r>
+              <a:rPr lang="en-US" sz="2400" dirty="0" smtClean="0"/>
+              <a:t> / 1000 Genomes / </a:t>
+            </a:r>
+            <a:r>
+              <a:rPr lang="en-US" sz="2400" dirty="0" err="1" smtClean="0"/>
+              <a:t>ExAC</a:t>
+            </a:r>
+            <a:r>
+              <a:rPr lang="en-US" sz="2400" dirty="0" smtClean="0"/>
+              <a:t> for normal variants</a:t>
+            </a:r>
+          </a:p>
+          <a:p>
+            <a:pPr lvl="1"/>
+            <a:r>
+              <a:rPr lang="en-US" sz="2400" dirty="0" smtClean="0"/>
+              <a:t>Cosmic for cancer mutations</a:t>
+            </a:r>
+            <a:endParaRPr lang="en-US" sz="2400" dirty="0"/>
+          </a:p>
+        </p:txBody>
+      </p:sp>
+    </p:spTree>
+    <p:extLst>
+      <p:ext uri="{BB962C8B-B14F-4D97-AF65-F5344CB8AC3E}">
+        <p14:creationId xmlns:p14="http://schemas.microsoft.com/office/powerpoint/2010/main" val="2215716068"/>
+      </p:ext>
+    </p:extLst>
+  </p:cSld>
+  <p:clrMapOvr>
+    <a:masterClrMapping/>
+  </p:clrMapOvr>
+  <p:timing>
+    <p:tnLst>
+      <p:par>
+        <p:cTn xmlns:p14="http://schemas.microsoft.com/office/powerpoint/2010/main" id="1" dur="indefinite" restart="never" nodeType="tmRoot"/>
+      </p:par>
+    </p:tnLst>
+  </p:timing>
+</p:sld>
+</file>
+
+<file path=ppt/slides/slide38.xml><?xml version="1.0" encoding="utf-8"?>
+<p:sld xmlns:a="http://schemas.openxmlformats.org/drawingml/2006/main" xmlns:r="http://schemas.openxmlformats.org/officeDocument/2006/relationships" xmlns:p="http://schemas.openxmlformats.org/presentationml/2006/main">
+  <p:cSld>
+    <p:spTree>
+      <p:nvGrpSpPr>
+        <p:cNvPr id="1" name=""/>
+        <p:cNvGrpSpPr/>
+        <p:nvPr/>
+      </p:nvGrpSpPr>
+      <p:grpSpPr>
+        <a:xfrm>
+          <a:off x="0" y="0"/>
+          <a:ext cx="0" cy="0"/>
+          <a:chOff x="0" y="0"/>
+          <a:chExt cx="0" cy="0"/>
+        </a:xfrm>
+      </p:grpSpPr>
+      <p:sp>
+        <p:nvSpPr>
+          <p:cNvPr id="2" name="Title 1"/>
+          <p:cNvSpPr>
+            <a:spLocks noGrp="1"/>
+          </p:cNvSpPr>
+          <p:nvPr>
+            <p:ph type="title"/>
+          </p:nvPr>
+        </p:nvSpPr>
+        <p:spPr/>
+        <p:txBody>
           <a:bodyPr>
             <a:normAutofit fontScale="90000"/>
           </a:bodyPr>
@@ -12295,7 +11881,506 @@
 </p:sld>
 </file>
 
-<file path=ppt/slides/slide38.xml><?xml version="1.0" encoding="utf-8"?>
+<file path=ppt/slides/slide39.xml><?xml version="1.0" encoding="utf-8"?>
+<p:sld xmlns:a="http://schemas.openxmlformats.org/drawingml/2006/main" xmlns:r="http://schemas.openxmlformats.org/officeDocument/2006/relationships" xmlns:p="http://schemas.openxmlformats.org/presentationml/2006/main">
+  <p:cSld>
+    <p:spTree>
+      <p:nvGrpSpPr>
+        <p:cNvPr id="1" name=""/>
+        <p:cNvGrpSpPr/>
+        <p:nvPr/>
+      </p:nvGrpSpPr>
+      <p:grpSpPr>
+        <a:xfrm>
+          <a:off x="0" y="0"/>
+          <a:ext cx="0" cy="0"/>
+          <a:chOff x="0" y="0"/>
+          <a:chExt cx="0" cy="0"/>
+        </a:xfrm>
+      </p:grpSpPr>
+      <p:sp>
+        <p:nvSpPr>
+          <p:cNvPr id="8" name="Title 7"/>
+          <p:cNvSpPr>
+            <a:spLocks noGrp="1"/>
+          </p:cNvSpPr>
+          <p:nvPr>
+            <p:ph type="title"/>
+          </p:nvPr>
+        </p:nvSpPr>
+        <p:spPr>
+          <a:xfrm>
+            <a:off x="457200" y="274638"/>
+            <a:ext cx="2413000" cy="1143000"/>
+          </a:xfrm>
+        </p:spPr>
+        <p:txBody>
+          <a:bodyPr/>
+          <a:lstStyle/>
+          <a:p>
+            <a:r>
+              <a:rPr lang="en-US" dirty="0" smtClean="0"/>
+              <a:t>Part 0ne</a:t>
+            </a:r>
+            <a:endParaRPr lang="en-US" dirty="0"/>
+          </a:p>
+        </p:txBody>
+      </p:sp>
+      <p:pic>
+        <p:nvPicPr>
+          <p:cNvPr id="4" name="Content Placeholder 3" descr="flowchart.png"/>
+          <p:cNvPicPr>
+            <a:picLocks noGrp="1" noChangeAspect="1"/>
+          </p:cNvPicPr>
+          <p:nvPr>
+            <p:ph idx="1"/>
+          </p:nvPr>
+        </p:nvPicPr>
+        <p:blipFill>
+          <a:blip r:embed="rId2">
+            <a:extLst>
+              <a:ext uri="{28A0092B-C50C-407E-A947-70E740481C1C}">
+                <a14:useLocalDpi xmlns:a14="http://schemas.microsoft.com/office/drawing/2010/main" val="0"/>
+              </a:ext>
+            </a:extLst>
+          </a:blip>
+          <a:srcRect l="-73158" r="-73158"/>
+          <a:stretch>
+            <a:fillRect/>
+          </a:stretch>
+        </p:blipFill>
+        <p:spPr>
+          <a:xfrm>
+            <a:off x="1014642" y="365918"/>
+            <a:ext cx="11139258" cy="6126163"/>
+          </a:xfrm>
+        </p:spPr>
+      </p:pic>
+      <p:grpSp>
+        <p:nvGrpSpPr>
+          <p:cNvPr id="14" name="Group 13"/>
+          <p:cNvGrpSpPr/>
+          <p:nvPr/>
+        </p:nvGrpSpPr>
+        <p:grpSpPr>
+          <a:xfrm>
+            <a:off x="3378200" y="4127500"/>
+            <a:ext cx="1993900" cy="2029143"/>
+            <a:chOff x="3733800" y="4267200"/>
+            <a:chExt cx="1993900" cy="2029143"/>
+          </a:xfrm>
+        </p:grpSpPr>
+        <p:sp>
+          <p:nvSpPr>
+            <p:cNvPr id="5" name="TextBox 4"/>
+            <p:cNvSpPr txBox="1"/>
+            <p:nvPr/>
+          </p:nvSpPr>
+          <p:spPr>
+            <a:xfrm>
+              <a:off x="3733800" y="4267200"/>
+              <a:ext cx="1481395" cy="307777"/>
+            </a:xfrm>
+            <a:prstGeom prst="rect">
+              <a:avLst/>
+            </a:prstGeom>
+            <a:noFill/>
+            <a:ln>
+              <a:solidFill>
+                <a:srgbClr val="FF0000"/>
+              </a:solidFill>
+            </a:ln>
+          </p:spPr>
+          <p:txBody>
+            <a:bodyPr wrap="none" rtlCol="0">
+              <a:spAutoFit/>
+            </a:bodyPr>
+            <a:lstStyle/>
+            <a:p>
+              <a:r>
+                <a:rPr lang="en-US" sz="1400" dirty="0" smtClean="0">
+                  <a:solidFill>
+                    <a:srgbClr val="FF0000"/>
+                  </a:solidFill>
+                </a:rPr>
+                <a:t>Answer questions</a:t>
+              </a:r>
+              <a:endParaRPr lang="en-US" sz="1400" dirty="0">
+                <a:solidFill>
+                  <a:srgbClr val="FF0000"/>
+                </a:solidFill>
+              </a:endParaRPr>
+            </a:p>
+          </p:txBody>
+        </p:sp>
+        <p:sp>
+          <p:nvSpPr>
+            <p:cNvPr id="6" name="TextBox 5"/>
+            <p:cNvSpPr txBox="1"/>
+            <p:nvPr/>
+          </p:nvSpPr>
+          <p:spPr>
+            <a:xfrm>
+              <a:off x="3733800" y="5032296"/>
+              <a:ext cx="1481395" cy="307777"/>
+            </a:xfrm>
+            <a:prstGeom prst="rect">
+              <a:avLst/>
+            </a:prstGeom>
+            <a:noFill/>
+            <a:ln>
+              <a:solidFill>
+                <a:srgbClr val="FF0000"/>
+              </a:solidFill>
+            </a:ln>
+          </p:spPr>
+          <p:txBody>
+            <a:bodyPr wrap="none" rtlCol="0">
+              <a:spAutoFit/>
+            </a:bodyPr>
+            <a:lstStyle/>
+            <a:p>
+              <a:r>
+                <a:rPr lang="en-US" sz="1400" dirty="0" smtClean="0">
+                  <a:solidFill>
+                    <a:srgbClr val="FF0000"/>
+                  </a:solidFill>
+                </a:rPr>
+                <a:t>Answer questions</a:t>
+              </a:r>
+              <a:endParaRPr lang="en-US" sz="1400" dirty="0">
+                <a:solidFill>
+                  <a:srgbClr val="FF0000"/>
+                </a:solidFill>
+              </a:endParaRPr>
+            </a:p>
+          </p:txBody>
+        </p:sp>
+        <p:sp>
+          <p:nvSpPr>
+            <p:cNvPr id="7" name="TextBox 6"/>
+            <p:cNvSpPr txBox="1"/>
+            <p:nvPr/>
+          </p:nvSpPr>
+          <p:spPr>
+            <a:xfrm>
+              <a:off x="3733800" y="5988566"/>
+              <a:ext cx="1481395" cy="307777"/>
+            </a:xfrm>
+            <a:prstGeom prst="rect">
+              <a:avLst/>
+            </a:prstGeom>
+            <a:noFill/>
+            <a:ln>
+              <a:solidFill>
+                <a:srgbClr val="FF0000"/>
+              </a:solidFill>
+            </a:ln>
+          </p:spPr>
+          <p:txBody>
+            <a:bodyPr wrap="none" rtlCol="0">
+              <a:spAutoFit/>
+            </a:bodyPr>
+            <a:lstStyle/>
+            <a:p>
+              <a:r>
+                <a:rPr lang="en-US" sz="1400" dirty="0" smtClean="0">
+                  <a:solidFill>
+                    <a:srgbClr val="FF0000"/>
+                  </a:solidFill>
+                </a:rPr>
+                <a:t>Answer questions</a:t>
+              </a:r>
+              <a:endParaRPr lang="en-US" sz="1400" dirty="0">
+                <a:solidFill>
+                  <a:srgbClr val="FF0000"/>
+                </a:solidFill>
+              </a:endParaRPr>
+            </a:p>
+          </p:txBody>
+        </p:sp>
+        <p:cxnSp>
+          <p:nvCxnSpPr>
+            <p:cNvPr id="10" name="Straight Arrow Connector 9"/>
+            <p:cNvCxnSpPr/>
+            <p:nvPr/>
+          </p:nvCxnSpPr>
+          <p:spPr>
+            <a:xfrm>
+              <a:off x="5230089" y="4406900"/>
+              <a:ext cx="497611" cy="0"/>
+            </a:xfrm>
+            <a:prstGeom prst="straightConnector1">
+              <a:avLst/>
+            </a:prstGeom>
+            <a:ln>
+              <a:solidFill>
+                <a:srgbClr val="FF0000"/>
+              </a:solidFill>
+              <a:tailEnd type="arrow"/>
+            </a:ln>
+          </p:spPr>
+          <p:style>
+            <a:lnRef idx="2">
+              <a:schemeClr val="accent1"/>
+            </a:lnRef>
+            <a:fillRef idx="0">
+              <a:schemeClr val="accent1"/>
+            </a:fillRef>
+            <a:effectRef idx="1">
+              <a:schemeClr val="accent1"/>
+            </a:effectRef>
+            <a:fontRef idx="minor">
+              <a:schemeClr val="tx1"/>
+            </a:fontRef>
+          </p:style>
+        </p:cxnSp>
+        <p:cxnSp>
+          <p:nvCxnSpPr>
+            <p:cNvPr id="12" name="Straight Arrow Connector 11"/>
+            <p:cNvCxnSpPr/>
+            <p:nvPr/>
+          </p:nvCxnSpPr>
+          <p:spPr>
+            <a:xfrm>
+              <a:off x="5230089" y="5181600"/>
+              <a:ext cx="497611" cy="0"/>
+            </a:xfrm>
+            <a:prstGeom prst="straightConnector1">
+              <a:avLst/>
+            </a:prstGeom>
+            <a:ln>
+              <a:solidFill>
+                <a:srgbClr val="FF0000"/>
+              </a:solidFill>
+              <a:tailEnd type="arrow"/>
+            </a:ln>
+          </p:spPr>
+          <p:style>
+            <a:lnRef idx="2">
+              <a:schemeClr val="accent1"/>
+            </a:lnRef>
+            <a:fillRef idx="0">
+              <a:schemeClr val="accent1"/>
+            </a:fillRef>
+            <a:effectRef idx="1">
+              <a:schemeClr val="accent1"/>
+            </a:effectRef>
+            <a:fontRef idx="minor">
+              <a:schemeClr val="tx1"/>
+            </a:fontRef>
+          </p:style>
+        </p:cxnSp>
+        <p:cxnSp>
+          <p:nvCxnSpPr>
+            <p:cNvPr id="13" name="Straight Arrow Connector 12"/>
+            <p:cNvCxnSpPr/>
+            <p:nvPr/>
+          </p:nvCxnSpPr>
+          <p:spPr>
+            <a:xfrm>
+              <a:off x="5230089" y="6146800"/>
+              <a:ext cx="497611" cy="0"/>
+            </a:xfrm>
+            <a:prstGeom prst="straightConnector1">
+              <a:avLst/>
+            </a:prstGeom>
+            <a:ln>
+              <a:solidFill>
+                <a:srgbClr val="FF0000"/>
+              </a:solidFill>
+              <a:tailEnd type="arrow"/>
+            </a:ln>
+          </p:spPr>
+          <p:style>
+            <a:lnRef idx="2">
+              <a:schemeClr val="accent1"/>
+            </a:lnRef>
+            <a:fillRef idx="0">
+              <a:schemeClr val="accent1"/>
+            </a:fillRef>
+            <a:effectRef idx="1">
+              <a:schemeClr val="accent1"/>
+            </a:effectRef>
+            <a:fontRef idx="minor">
+              <a:schemeClr val="tx1"/>
+            </a:fontRef>
+          </p:style>
+        </p:cxnSp>
+      </p:grpSp>
+    </p:spTree>
+    <p:extLst>
+      <p:ext uri="{BB962C8B-B14F-4D97-AF65-F5344CB8AC3E}">
+        <p14:creationId xmlns:p14="http://schemas.microsoft.com/office/powerpoint/2010/main" val="3664431532"/>
+      </p:ext>
+    </p:extLst>
+  </p:cSld>
+  <p:clrMapOvr>
+    <a:masterClrMapping/>
+  </p:clrMapOvr>
+  <p:timing>
+    <p:tnLst>
+      <p:par>
+        <p:cTn xmlns:p14="http://schemas.microsoft.com/office/powerpoint/2010/main" id="1" dur="indefinite" restart="never" nodeType="tmRoot"/>
+      </p:par>
+    </p:tnLst>
+  </p:timing>
+</p:sld>
+</file>
+
+<file path=ppt/slides/slide4.xml><?xml version="1.0" encoding="utf-8"?>
+<p:sld xmlns:a="http://schemas.openxmlformats.org/drawingml/2006/main" xmlns:r="http://schemas.openxmlformats.org/officeDocument/2006/relationships" xmlns:p="http://schemas.openxmlformats.org/presentationml/2006/main">
+  <p:cSld>
+    <p:spTree>
+      <p:nvGrpSpPr>
+        <p:cNvPr id="1" name=""/>
+        <p:cNvGrpSpPr/>
+        <p:nvPr/>
+      </p:nvGrpSpPr>
+      <p:grpSpPr>
+        <a:xfrm>
+          <a:off x="0" y="0"/>
+          <a:ext cx="0" cy="0"/>
+          <a:chOff x="0" y="0"/>
+          <a:chExt cx="0" cy="0"/>
+        </a:xfrm>
+      </p:grpSpPr>
+      <p:sp>
+        <p:nvSpPr>
+          <p:cNvPr id="2" name="Title 1"/>
+          <p:cNvSpPr>
+            <a:spLocks noGrp="1"/>
+          </p:cNvSpPr>
+          <p:nvPr>
+            <p:ph type="title"/>
+          </p:nvPr>
+        </p:nvSpPr>
+        <p:spPr/>
+        <p:txBody>
+          <a:bodyPr/>
+          <a:lstStyle/>
+          <a:p>
+            <a:r>
+              <a:rPr lang="en-US" dirty="0" smtClean="0"/>
+              <a:t>Somatic </a:t>
+            </a:r>
+            <a:r>
+              <a:rPr lang="en-US" dirty="0" err="1" smtClean="0"/>
+              <a:t>vs</a:t>
+            </a:r>
+            <a:r>
+              <a:rPr lang="en-US" dirty="0" smtClean="0"/>
+              <a:t> </a:t>
+            </a:r>
+            <a:r>
+              <a:rPr lang="en-US" dirty="0" err="1" smtClean="0"/>
+              <a:t>germline</a:t>
+            </a:r>
+            <a:r>
+              <a:rPr lang="en-US" dirty="0" smtClean="0"/>
+              <a:t> mutations</a:t>
+            </a:r>
+            <a:endParaRPr lang="en-US" dirty="0"/>
+          </a:p>
+        </p:txBody>
+      </p:sp>
+      <p:pic>
+        <p:nvPicPr>
+          <p:cNvPr id="8" name="Picture 7" descr="hosp-misc-ipactr6-1101.gif"/>
+          <p:cNvPicPr>
+            <a:picLocks noChangeAspect="1"/>
+          </p:cNvPicPr>
+          <p:nvPr/>
+        </p:nvPicPr>
+        <p:blipFill>
+          <a:blip r:embed="rId2">
+            <a:extLst>
+              <a:ext uri="{28A0092B-C50C-407E-A947-70E740481C1C}">
+                <a14:useLocalDpi xmlns:a14="http://schemas.microsoft.com/office/drawing/2010/main" val="0"/>
+              </a:ext>
+            </a:extLst>
+          </a:blip>
+          <a:stretch>
+            <a:fillRect/>
+          </a:stretch>
+        </p:blipFill>
+        <p:spPr>
+          <a:xfrm>
+            <a:off x="1714500" y="1793909"/>
+            <a:ext cx="5715000" cy="4318000"/>
+          </a:xfrm>
+          <a:prstGeom prst="rect">
+            <a:avLst/>
+          </a:prstGeom>
+        </p:spPr>
+      </p:pic>
+      <p:sp>
+        <p:nvSpPr>
+          <p:cNvPr id="9" name="Rectangle 8"/>
+          <p:cNvSpPr/>
+          <p:nvPr/>
+        </p:nvSpPr>
+        <p:spPr>
+          <a:xfrm>
+            <a:off x="2572837" y="5955787"/>
+            <a:ext cx="4161693" cy="461665"/>
+          </a:xfrm>
+          <a:prstGeom prst="rect">
+            <a:avLst/>
+          </a:prstGeom>
+          <a:solidFill>
+            <a:schemeClr val="bg1"/>
+          </a:solidFill>
+        </p:spPr>
+        <p:txBody>
+          <a:bodyPr wrap="square">
+            <a:spAutoFit/>
+          </a:bodyPr>
+          <a:lstStyle/>
+          <a:p>
+            <a:endParaRPr lang="en-US" sz="1200" dirty="0" smtClean="0"/>
+          </a:p>
+          <a:p>
+            <a:r>
+              <a:rPr lang="en-US" sz="1200" dirty="0" smtClean="0"/>
+              <a:t>https</a:t>
+            </a:r>
+            <a:r>
+              <a:rPr lang="en-US" sz="1200" dirty="0"/>
+              <a:t>://</a:t>
+            </a:r>
+            <a:r>
+              <a:rPr lang="en-US" sz="1200" dirty="0" err="1"/>
+              <a:t>www.stjude.org</a:t>
+            </a:r>
+            <a:r>
+              <a:rPr lang="en-US" sz="1200" dirty="0"/>
+              <a:t>/Images/hosp-misc-ipactr6-1101.gif</a:t>
+            </a:r>
+          </a:p>
+        </p:txBody>
+      </p:sp>
+    </p:spTree>
+    <p:extLst>
+      <p:ext uri="{BB962C8B-B14F-4D97-AF65-F5344CB8AC3E}">
+        <p14:creationId xmlns:p14="http://schemas.microsoft.com/office/powerpoint/2010/main" val="385104364"/>
+      </p:ext>
+    </p:extLst>
+  </p:cSld>
+  <p:clrMapOvr>
+    <a:masterClrMapping/>
+  </p:clrMapOvr>
+  <p:timing>
+    <p:tnLst>
+      <p:par>
+        <p:cTn xmlns:p14="http://schemas.microsoft.com/office/powerpoint/2010/main" id="1" dur="indefinite" restart="never" nodeType="tmRoot"/>
+      </p:par>
+    </p:tnLst>
+  </p:timing>
+</p:sld>
+</file>
+
+<file path=ppt/slides/slide40.xml><?xml version="1.0" encoding="utf-8"?>
 <p:sld xmlns:a="http://schemas.openxmlformats.org/drawingml/2006/main" xmlns:r="http://schemas.openxmlformats.org/officeDocument/2006/relationships" xmlns:p="http://schemas.openxmlformats.org/presentationml/2006/main">
   <p:cSld>
     <p:spTree>
@@ -19612,7 +19697,7 @@
 </p:sld>
 </file>
 
-<file path=ppt/slides/slide39.xml><?xml version="1.0" encoding="utf-8"?>
+<file path=ppt/slides/slide41.xml><?xml version="1.0" encoding="utf-8"?>
 <p:sld xmlns:a="http://schemas.openxmlformats.org/drawingml/2006/main" xmlns:r="http://schemas.openxmlformats.org/officeDocument/2006/relationships" xmlns:p="http://schemas.openxmlformats.org/presentationml/2006/main">
   <p:cSld>
     <p:spTree>
@@ -19677,7 +19762,7 @@
 </p:sld>
 </file>
 
-<file path=ppt/slides/slide4.xml><?xml version="1.0" encoding="utf-8"?>
+<file path=ppt/slides/slide42.xml><?xml version="1.0" encoding="utf-8"?>
 <p:sld xmlns:a="http://schemas.openxmlformats.org/drawingml/2006/main" xmlns:r="http://schemas.openxmlformats.org/officeDocument/2006/relationships" xmlns:p="http://schemas.openxmlformats.org/presentationml/2006/main">
   <p:cSld>
     <p:spTree>
@@ -19709,10 +19794,92 @@
           <a:bodyPr/>
           <a:lstStyle/>
           <a:p>
+            <a:endParaRPr lang="en-US"/>
+          </a:p>
+        </p:txBody>
+      </p:sp>
+      <p:sp>
+        <p:nvSpPr>
+          <p:cNvPr id="3" name="Content Placeholder 2"/>
+          <p:cNvSpPr>
+            <a:spLocks noGrp="1"/>
+          </p:cNvSpPr>
+          <p:nvPr>
+            <p:ph idx="1"/>
+          </p:nvPr>
+        </p:nvSpPr>
+        <p:spPr/>
+        <p:txBody>
+          <a:bodyPr/>
+          <a:lstStyle/>
+          <a:p>
+            <a:endParaRPr lang="en-US"/>
+          </a:p>
+        </p:txBody>
+      </p:sp>
+    </p:spTree>
+    <p:extLst>
+      <p:ext uri="{BB962C8B-B14F-4D97-AF65-F5344CB8AC3E}">
+        <p14:creationId xmlns:p14="http://schemas.microsoft.com/office/powerpoint/2010/main" val="3762962626"/>
+      </p:ext>
+    </p:extLst>
+  </p:cSld>
+  <p:clrMapOvr>
+    <a:masterClrMapping/>
+  </p:clrMapOvr>
+</p:sld>
+</file>
+
+<file path=ppt/slides/slide5.xml><?xml version="1.0" encoding="utf-8"?>
+<p:sld xmlns:a="http://schemas.openxmlformats.org/drawingml/2006/main" xmlns:r="http://schemas.openxmlformats.org/officeDocument/2006/relationships" xmlns:p="http://schemas.openxmlformats.org/presentationml/2006/main">
+  <p:cSld>
+    <p:spTree>
+      <p:nvGrpSpPr>
+        <p:cNvPr id="1" name=""/>
+        <p:cNvGrpSpPr/>
+        <p:nvPr/>
+      </p:nvGrpSpPr>
+      <p:grpSpPr>
+        <a:xfrm>
+          <a:off x="0" y="0"/>
+          <a:ext cx="0" cy="0"/>
+          <a:chOff x="0" y="0"/>
+          <a:chExt cx="0" cy="0"/>
+        </a:xfrm>
+      </p:grpSpPr>
+      <p:sp>
+        <p:nvSpPr>
+          <p:cNvPr id="2" name="Title 1"/>
+          <p:cNvSpPr>
+            <a:spLocks noGrp="1"/>
+          </p:cNvSpPr>
+          <p:nvPr>
+            <p:ph type="title"/>
+          </p:nvPr>
+        </p:nvSpPr>
+        <p:spPr>
+          <a:xfrm>
+            <a:off x="581332" y="780693"/>
+            <a:ext cx="8229600" cy="1143000"/>
+          </a:xfrm>
+        </p:spPr>
+        <p:txBody>
+          <a:bodyPr>
+            <a:normAutofit fontScale="90000"/>
+          </a:bodyPr>
+          <a:lstStyle/>
+          <a:p>
+            <a:r>
+              <a:rPr lang="en-US" dirty="0"/>
+              <a:t>Cancer is an evolutionary process </a:t>
+            </a:r>
             <a:r>
               <a:rPr lang="en-US" dirty="0" smtClean="0"/>
-              <a:t>Cancer genomics</a:t>
-            </a:r>
+              <a:t/>
+            </a:r>
+            <a:br>
+              <a:rPr lang="en-US" dirty="0" smtClean="0"/>
+            </a:br>
             <a:endParaRPr lang="en-US" dirty="0"/>
           </a:p>
         </p:txBody>
@@ -19729,42 +19896,49 @@
         </p:nvSpPr>
         <p:spPr>
           <a:xfrm>
-            <a:off x="1318198" y="1600200"/>
-            <a:ext cx="7368601" cy="4525963"/>
+            <a:off x="1077860" y="2058515"/>
+            <a:ext cx="7391768" cy="3813634"/>
           </a:xfrm>
         </p:spPr>
         <p:txBody>
           <a:bodyPr/>
           <a:lstStyle/>
           <a:p>
-            <a:pPr marL="0" indent="0">
-              <a:buNone/>
-            </a:pPr>
             <a:r>
               <a:rPr lang="en-US" dirty="0" smtClean="0"/>
-              <a:t>Cancer cells have errors in their DNA  that  </a:t>
+              <a:t>Genetic variation introduced in </a:t>
             </a:r>
             <a:r>
               <a:rPr lang="en-US" dirty="0"/>
-              <a:t>allows them to </a:t>
-            </a:r>
-          </a:p>
-          <a:p>
+              <a:t>individual cells </a:t>
+            </a:r>
+          </a:p>
+          <a:p>
+            <a:r>
+              <a:rPr lang="en-US" dirty="0" smtClean="0"/>
+              <a:t>more</a:t>
+            </a:r>
             <a:r>
               <a:rPr lang="en-US" dirty="0"/>
-              <a:t>grow out of control </a:t>
-            </a:r>
-          </a:p>
-          <a:p>
+              <a:t>-or-less random </a:t>
+            </a:r>
+            <a:r>
+              <a:rPr lang="en-US" dirty="0" smtClean="0"/>
+              <a:t>mutations</a:t>
+            </a:r>
+          </a:p>
+          <a:p>
+            <a:r>
+              <a:rPr lang="en-US" dirty="0" smtClean="0"/>
+              <a:t>Clonal expansion - natural </a:t>
+            </a:r>
             <a:r>
               <a:rPr lang="en-US" dirty="0"/>
-              <a:t>become invasive </a:t>
-            </a:r>
-          </a:p>
-          <a:p>
-            <a:r>
-              <a:rPr lang="en-US" dirty="0"/>
-              <a:t>ignore signals that normally tell cells to stop dividing or enter apoptosis</a:t>
+              <a:t>selection acting on the resultant phenotypic </a:t>
+            </a:r>
+            <a:r>
+              <a:rPr lang="en-US" dirty="0" smtClean="0"/>
+              <a:t>diversity </a:t>
             </a:r>
           </a:p>
           <a:p>
@@ -19775,7 +19949,7 @@
     </p:spTree>
     <p:extLst>
       <p:ext uri="{BB962C8B-B14F-4D97-AF65-F5344CB8AC3E}">
-        <p14:creationId xmlns:p14="http://schemas.microsoft.com/office/powerpoint/2010/main" val="163125460"/>
+        <p14:creationId xmlns:p14="http://schemas.microsoft.com/office/powerpoint/2010/main" val="677064697"/>
       </p:ext>
     </p:extLst>
   </p:cSld>
@@ -19792,7 +19966,7 @@
 </p:sld>
 </file>
 
-<file path=ppt/slides/slide40.xml><?xml version="1.0" encoding="utf-8"?>
+<file path=ppt/slides/slide6.xml><?xml version="1.0" encoding="utf-8"?>
 <p:sld xmlns:a="http://schemas.openxmlformats.org/drawingml/2006/main" xmlns:r="http://schemas.openxmlformats.org/officeDocument/2006/relationships" xmlns:p="http://schemas.openxmlformats.org/presentationml/2006/main">
   <p:cSld>
     <p:spTree>
@@ -19824,7 +19998,11 @@
           <a:bodyPr/>
           <a:lstStyle/>
           <a:p>
-            <a:endParaRPr lang="en-US"/>
+            <a:r>
+              <a:rPr lang="en-US" dirty="0" smtClean="0"/>
+              <a:t>Cancer genomics</a:t>
+            </a:r>
+            <a:endParaRPr lang="en-US" dirty="0"/>
           </a:p>
         </p:txBody>
       </p:sp>
@@ -19838,1285 +20016,55 @@
             <p:ph idx="1"/>
           </p:nvPr>
         </p:nvSpPr>
-        <p:spPr/>
+        <p:spPr>
+          <a:xfrm>
+            <a:off x="1318198" y="1600200"/>
+            <a:ext cx="7368601" cy="4525963"/>
+          </a:xfrm>
+        </p:spPr>
         <p:txBody>
           <a:bodyPr/>
           <a:lstStyle/>
           <a:p>
-            <a:endParaRPr lang="en-US"/>
+            <a:pPr marL="0" indent="0">
+              <a:buNone/>
+            </a:pPr>
+            <a:r>
+              <a:rPr lang="en-US" dirty="0" smtClean="0"/>
+              <a:t>Cancer cells have errors in their DNA  that  </a:t>
+            </a:r>
+            <a:r>
+              <a:rPr lang="en-US" dirty="0"/>
+              <a:t>allows them to </a:t>
+            </a:r>
+          </a:p>
+          <a:p>
+            <a:r>
+              <a:rPr lang="en-US" dirty="0"/>
+              <a:t>grow out of control </a:t>
+            </a:r>
+          </a:p>
+          <a:p>
+            <a:r>
+              <a:rPr lang="en-US" dirty="0"/>
+              <a:t>become invasive </a:t>
+            </a:r>
+          </a:p>
+          <a:p>
+            <a:r>
+              <a:rPr lang="en-US" dirty="0"/>
+              <a:t>ignore signals that normally tell cells to stop dividing or enter apoptosis</a:t>
+            </a:r>
+          </a:p>
+          <a:p>
+            <a:endParaRPr lang="en-US" dirty="0"/>
           </a:p>
         </p:txBody>
       </p:sp>
     </p:spTree>
     <p:extLst>
       <p:ext uri="{BB962C8B-B14F-4D97-AF65-F5344CB8AC3E}">
-        <p14:creationId xmlns:p14="http://schemas.microsoft.com/office/powerpoint/2010/main" val="3762962626"/>
-      </p:ext>
-    </p:extLst>
-  </p:cSld>
-  <p:clrMapOvr>
-    <a:masterClrMapping/>
-  </p:clrMapOvr>
-</p:sld>
-</file>
-
-<file path=ppt/slides/slide41.xml><?xml version="1.0" encoding="utf-8"?>
-<p:sld xmlns:a="http://schemas.openxmlformats.org/drawingml/2006/main" xmlns:r="http://schemas.openxmlformats.org/officeDocument/2006/relationships" xmlns:p="http://schemas.openxmlformats.org/presentationml/2006/main">
-  <p:cSld>
-    <p:spTree>
-      <p:nvGrpSpPr>
-        <p:cNvPr id="1" name=""/>
-        <p:cNvGrpSpPr/>
-        <p:nvPr/>
-      </p:nvGrpSpPr>
-      <p:grpSpPr>
-        <a:xfrm>
-          <a:off x="0" y="0"/>
-          <a:ext cx="0" cy="0"/>
-          <a:chOff x="0" y="0"/>
-          <a:chExt cx="0" cy="0"/>
-        </a:xfrm>
-      </p:grpSpPr>
-      <p:sp>
-        <p:nvSpPr>
-          <p:cNvPr id="3073" name="Text Box 1"/>
-          <p:cNvSpPr txBox="1">
-            <a:spLocks noChangeArrowheads="1"/>
-          </p:cNvSpPr>
-          <p:nvPr/>
-        </p:nvSpPr>
-        <p:spPr bwMode="auto">
-          <a:xfrm>
-            <a:off x="325440" y="381640"/>
-            <a:ext cx="8493120" cy="414764"/>
-          </a:xfrm>
-          <a:prstGeom prst="rect">
-            <a:avLst/>
-          </a:prstGeom>
-          <a:noFill/>
-          <a:ln>
-            <a:noFill/>
-          </a:ln>
-          <a:effectLst/>
-          <a:extLst>
-            <a:ext uri="{909E8E84-426E-40dd-AFC4-6F175D3DCCD1}">
-              <a14:hiddenFill xmlns:a14="http://schemas.microsoft.com/office/drawing/2010/main">
-                <a:solidFill>
-                  <a:srgbClr val="FFFFFF"/>
-                </a:solidFill>
-              </a14:hiddenFill>
-            </a:ext>
-            <a:ext uri="{91240B29-F687-4f45-9708-019B960494DF}">
-              <a14:hiddenLine xmlns:a14="http://schemas.microsoft.com/office/drawing/2010/main" w="9525">
-                <a:solidFill>
-                  <a:srgbClr val="FFFFFF"/>
-                </a:solidFill>
-                <a:round/>
-                <a:headEnd/>
-                <a:tailEnd/>
-              </a14:hiddenLine>
-            </a:ext>
-            <a:ext uri="{AF507438-7753-43e0-B8FC-AC1667EBCBE1}">
-              <a14:hiddenEffects xmlns:a14="http://schemas.microsoft.com/office/drawing/2010/main">
-                <a:effectLst>
-                  <a:outerShdw blurRad="63500" dist="38099" dir="2700000" algn="ctr" rotWithShape="0">
-                    <a:srgbClr val="000000">
-                      <a:alpha val="74998"/>
-                    </a:srgbClr>
-                  </a:outerShdw>
-                </a:effectLst>
-              </a14:hiddenEffects>
-            </a:ext>
-          </a:extLst>
-        </p:spPr>
-        <p:txBody>
-          <a:bodyPr lIns="0" tIns="0" rIns="0" bIns="0"/>
-          <a:lstStyle>
-            <a:lvl1pPr>
-              <a:tabLst>
-                <a:tab pos="723900" algn="l"/>
-                <a:tab pos="1447800" algn="l"/>
-                <a:tab pos="2171700" algn="l"/>
-                <a:tab pos="2895600" algn="l"/>
-                <a:tab pos="3619500" algn="l"/>
-                <a:tab pos="4343400" algn="l"/>
-                <a:tab pos="5067300" algn="l"/>
-                <a:tab pos="5791200" algn="l"/>
-                <a:tab pos="6515100" algn="l"/>
-                <a:tab pos="7239000" algn="l"/>
-                <a:tab pos="7962900" algn="l"/>
-                <a:tab pos="8686800" algn="l"/>
-              </a:tabLst>
-              <a:defRPr sz="2400">
-                <a:solidFill>
-                  <a:srgbClr val="000000"/>
-                </a:solidFill>
-                <a:latin typeface="Times New Roman" charset="0"/>
-                <a:ea typeface="ＭＳ Ｐゴシック" charset="0"/>
-                <a:cs typeface="msgothic" charset="0"/>
-              </a:defRPr>
-            </a:lvl1pPr>
-            <a:lvl2pPr>
-              <a:tabLst>
-                <a:tab pos="723900" algn="l"/>
-                <a:tab pos="1447800" algn="l"/>
-                <a:tab pos="2171700" algn="l"/>
-                <a:tab pos="2895600" algn="l"/>
-                <a:tab pos="3619500" algn="l"/>
-                <a:tab pos="4343400" algn="l"/>
-                <a:tab pos="5067300" algn="l"/>
-                <a:tab pos="5791200" algn="l"/>
-                <a:tab pos="6515100" algn="l"/>
-                <a:tab pos="7239000" algn="l"/>
-                <a:tab pos="7962900" algn="l"/>
-                <a:tab pos="8686800" algn="l"/>
-              </a:tabLst>
-              <a:defRPr sz="2400">
-                <a:solidFill>
-                  <a:srgbClr val="000000"/>
-                </a:solidFill>
-                <a:latin typeface="Times New Roman" charset="0"/>
-                <a:ea typeface="ＭＳ Ｐゴシック" charset="0"/>
-                <a:cs typeface="msgothic" charset="0"/>
-              </a:defRPr>
-            </a:lvl2pPr>
-            <a:lvl3pPr>
-              <a:tabLst>
-                <a:tab pos="723900" algn="l"/>
-                <a:tab pos="1447800" algn="l"/>
-                <a:tab pos="2171700" algn="l"/>
-                <a:tab pos="2895600" algn="l"/>
-                <a:tab pos="3619500" algn="l"/>
-                <a:tab pos="4343400" algn="l"/>
-                <a:tab pos="5067300" algn="l"/>
-                <a:tab pos="5791200" algn="l"/>
-                <a:tab pos="6515100" algn="l"/>
-                <a:tab pos="7239000" algn="l"/>
-                <a:tab pos="7962900" algn="l"/>
-                <a:tab pos="8686800" algn="l"/>
-              </a:tabLst>
-              <a:defRPr sz="2400">
-                <a:solidFill>
-                  <a:srgbClr val="000000"/>
-                </a:solidFill>
-                <a:latin typeface="Times New Roman" charset="0"/>
-                <a:ea typeface="ＭＳ Ｐゴシック" charset="0"/>
-                <a:cs typeface="msgothic" charset="0"/>
-              </a:defRPr>
-            </a:lvl3pPr>
-            <a:lvl4pPr>
-              <a:tabLst>
-                <a:tab pos="723900" algn="l"/>
-                <a:tab pos="1447800" algn="l"/>
-                <a:tab pos="2171700" algn="l"/>
-                <a:tab pos="2895600" algn="l"/>
-                <a:tab pos="3619500" algn="l"/>
-                <a:tab pos="4343400" algn="l"/>
-                <a:tab pos="5067300" algn="l"/>
-                <a:tab pos="5791200" algn="l"/>
-                <a:tab pos="6515100" algn="l"/>
-                <a:tab pos="7239000" algn="l"/>
-                <a:tab pos="7962900" algn="l"/>
-                <a:tab pos="8686800" algn="l"/>
-              </a:tabLst>
-              <a:defRPr sz="2400">
-                <a:solidFill>
-                  <a:srgbClr val="000000"/>
-                </a:solidFill>
-                <a:latin typeface="Times New Roman" charset="0"/>
-                <a:ea typeface="ＭＳ Ｐゴシック" charset="0"/>
-                <a:cs typeface="msgothic" charset="0"/>
-              </a:defRPr>
-            </a:lvl4pPr>
-            <a:lvl5pPr>
-              <a:tabLst>
-                <a:tab pos="723900" algn="l"/>
-                <a:tab pos="1447800" algn="l"/>
-                <a:tab pos="2171700" algn="l"/>
-                <a:tab pos="2895600" algn="l"/>
-                <a:tab pos="3619500" algn="l"/>
-                <a:tab pos="4343400" algn="l"/>
-                <a:tab pos="5067300" algn="l"/>
-                <a:tab pos="5791200" algn="l"/>
-                <a:tab pos="6515100" algn="l"/>
-                <a:tab pos="7239000" algn="l"/>
-                <a:tab pos="7962900" algn="l"/>
-                <a:tab pos="8686800" algn="l"/>
-              </a:tabLst>
-              <a:defRPr sz="2400">
-                <a:solidFill>
-                  <a:srgbClr val="000000"/>
-                </a:solidFill>
-                <a:latin typeface="Times New Roman" charset="0"/>
-                <a:ea typeface="ＭＳ Ｐゴシック" charset="0"/>
-                <a:cs typeface="msgothic" charset="0"/>
-              </a:defRPr>
-            </a:lvl5pPr>
-            <a:lvl6pPr marL="1536700" indent="-215900" fontAlgn="base" hangingPunct="0">
-              <a:lnSpc>
-                <a:spcPct val="93000"/>
-              </a:lnSpc>
-              <a:spcBef>
-                <a:spcPct val="0"/>
-              </a:spcBef>
-              <a:spcAft>
-                <a:spcPct val="0"/>
-              </a:spcAft>
-              <a:buClr>
-                <a:srgbClr val="000000"/>
-              </a:buClr>
-              <a:buSzPct val="45000"/>
-              <a:buFont typeface="Wingdings" charset="0"/>
-              <a:tabLst>
-                <a:tab pos="723900" algn="l"/>
-                <a:tab pos="1447800" algn="l"/>
-                <a:tab pos="2171700" algn="l"/>
-                <a:tab pos="2895600" algn="l"/>
-                <a:tab pos="3619500" algn="l"/>
-                <a:tab pos="4343400" algn="l"/>
-                <a:tab pos="5067300" algn="l"/>
-                <a:tab pos="5791200" algn="l"/>
-                <a:tab pos="6515100" algn="l"/>
-                <a:tab pos="7239000" algn="l"/>
-                <a:tab pos="7962900" algn="l"/>
-                <a:tab pos="8686800" algn="l"/>
-              </a:tabLst>
-              <a:defRPr sz="2400">
-                <a:solidFill>
-                  <a:srgbClr val="000000"/>
-                </a:solidFill>
-                <a:latin typeface="Times New Roman" charset="0"/>
-                <a:ea typeface="ＭＳ Ｐゴシック" charset="0"/>
-                <a:cs typeface="msgothic" charset="0"/>
-              </a:defRPr>
-            </a:lvl6pPr>
-            <a:lvl7pPr marL="1993900" indent="-215900" fontAlgn="base" hangingPunct="0">
-              <a:lnSpc>
-                <a:spcPct val="93000"/>
-              </a:lnSpc>
-              <a:spcBef>
-                <a:spcPct val="0"/>
-              </a:spcBef>
-              <a:spcAft>
-                <a:spcPct val="0"/>
-              </a:spcAft>
-              <a:buClr>
-                <a:srgbClr val="000000"/>
-              </a:buClr>
-              <a:buSzPct val="45000"/>
-              <a:buFont typeface="Wingdings" charset="0"/>
-              <a:tabLst>
-                <a:tab pos="723900" algn="l"/>
-                <a:tab pos="1447800" algn="l"/>
-                <a:tab pos="2171700" algn="l"/>
-                <a:tab pos="2895600" algn="l"/>
-                <a:tab pos="3619500" algn="l"/>
-                <a:tab pos="4343400" algn="l"/>
-                <a:tab pos="5067300" algn="l"/>
-                <a:tab pos="5791200" algn="l"/>
-                <a:tab pos="6515100" algn="l"/>
-                <a:tab pos="7239000" algn="l"/>
-                <a:tab pos="7962900" algn="l"/>
-                <a:tab pos="8686800" algn="l"/>
-              </a:tabLst>
-              <a:defRPr sz="2400">
-                <a:solidFill>
-                  <a:srgbClr val="000000"/>
-                </a:solidFill>
-                <a:latin typeface="Times New Roman" charset="0"/>
-                <a:ea typeface="ＭＳ Ｐゴシック" charset="0"/>
-                <a:cs typeface="msgothic" charset="0"/>
-              </a:defRPr>
-            </a:lvl7pPr>
-            <a:lvl8pPr marL="2451100" indent="-215900" fontAlgn="base" hangingPunct="0">
-              <a:lnSpc>
-                <a:spcPct val="93000"/>
-              </a:lnSpc>
-              <a:spcBef>
-                <a:spcPct val="0"/>
-              </a:spcBef>
-              <a:spcAft>
-                <a:spcPct val="0"/>
-              </a:spcAft>
-              <a:buClr>
-                <a:srgbClr val="000000"/>
-              </a:buClr>
-              <a:buSzPct val="45000"/>
-              <a:buFont typeface="Wingdings" charset="0"/>
-              <a:tabLst>
-                <a:tab pos="723900" algn="l"/>
-                <a:tab pos="1447800" algn="l"/>
-                <a:tab pos="2171700" algn="l"/>
-                <a:tab pos="2895600" algn="l"/>
-                <a:tab pos="3619500" algn="l"/>
-                <a:tab pos="4343400" algn="l"/>
-                <a:tab pos="5067300" algn="l"/>
-                <a:tab pos="5791200" algn="l"/>
-                <a:tab pos="6515100" algn="l"/>
-                <a:tab pos="7239000" algn="l"/>
-                <a:tab pos="7962900" algn="l"/>
-                <a:tab pos="8686800" algn="l"/>
-              </a:tabLst>
-              <a:defRPr sz="2400">
-                <a:solidFill>
-                  <a:srgbClr val="000000"/>
-                </a:solidFill>
-                <a:latin typeface="Times New Roman" charset="0"/>
-                <a:ea typeface="ＭＳ Ｐゴシック" charset="0"/>
-                <a:cs typeface="msgothic" charset="0"/>
-              </a:defRPr>
-            </a:lvl8pPr>
-            <a:lvl9pPr marL="2908300" indent="-215900" fontAlgn="base" hangingPunct="0">
-              <a:lnSpc>
-                <a:spcPct val="93000"/>
-              </a:lnSpc>
-              <a:spcBef>
-                <a:spcPct val="0"/>
-              </a:spcBef>
-              <a:spcAft>
-                <a:spcPct val="0"/>
-              </a:spcAft>
-              <a:buClr>
-                <a:srgbClr val="000000"/>
-              </a:buClr>
-              <a:buSzPct val="45000"/>
-              <a:buFont typeface="Wingdings" charset="0"/>
-              <a:tabLst>
-                <a:tab pos="723900" algn="l"/>
-                <a:tab pos="1447800" algn="l"/>
-                <a:tab pos="2171700" algn="l"/>
-                <a:tab pos="2895600" algn="l"/>
-                <a:tab pos="3619500" algn="l"/>
-                <a:tab pos="4343400" algn="l"/>
-                <a:tab pos="5067300" algn="l"/>
-                <a:tab pos="5791200" algn="l"/>
-                <a:tab pos="6515100" algn="l"/>
-                <a:tab pos="7239000" algn="l"/>
-                <a:tab pos="7962900" algn="l"/>
-                <a:tab pos="8686800" algn="l"/>
-              </a:tabLst>
-              <a:defRPr sz="2400">
-                <a:solidFill>
-                  <a:srgbClr val="000000"/>
-                </a:solidFill>
-                <a:latin typeface="Times New Roman" charset="0"/>
-                <a:ea typeface="ＭＳ Ｐゴシック" charset="0"/>
-                <a:cs typeface="msgothic" charset="0"/>
-              </a:defRPr>
-            </a:lvl9pPr>
-          </a:lstStyle>
-          <a:p>
-            <a:pPr algn="ctr"/>
-            <a:r>
-              <a:rPr lang="en-GB" sz="1500" b="1" dirty="0" smtClean="0">
-                <a:latin typeface="Arial" charset="0"/>
-              </a:rPr>
-              <a:t>Mutation in protein</a:t>
-            </a:r>
-            <a:r>
-              <a:rPr lang="en-GB" sz="1500" b="1" dirty="0">
-                <a:latin typeface="Arial" charset="0"/>
-              </a:rPr>
-              <a:t>-coding genes in selected </a:t>
-            </a:r>
-            <a:r>
-              <a:rPr lang="en-GB" sz="1500" b="1" dirty="0" err="1" smtClean="0">
-                <a:latin typeface="Arial" charset="0"/>
-              </a:rPr>
-              <a:t>tumors</a:t>
-            </a:r>
-            <a:r>
-              <a:rPr lang="en-GB" sz="1500" b="1" dirty="0" smtClean="0">
-                <a:latin typeface="Arial" charset="0"/>
-              </a:rPr>
-              <a:t> </a:t>
-            </a:r>
-            <a:endParaRPr lang="en-GB" sz="1500" b="1" dirty="0">
-              <a:latin typeface="Arial" charset="0"/>
-            </a:endParaRPr>
-          </a:p>
-        </p:txBody>
-      </p:sp>
-      <p:pic>
-        <p:nvPicPr>
-          <p:cNvPr id="3074" name="Picture 2"/>
-          <p:cNvPicPr>
-            <a:picLocks noChangeAspect="1" noChangeArrowheads="1"/>
-          </p:cNvPicPr>
-          <p:nvPr/>
-        </p:nvPicPr>
-        <p:blipFill>
-          <a:blip r:embed="rId3">
-            <a:extLst>
-              <a:ext uri="{28A0092B-C50C-407E-A947-70E740481C1C}">
-                <a14:useLocalDpi xmlns:a14="http://schemas.microsoft.com/office/drawing/2010/main" val="0"/>
-              </a:ext>
-            </a:extLst>
-          </a:blip>
-          <a:srcRect/>
-          <a:stretch>
-            <a:fillRect/>
-          </a:stretch>
-        </p:blipFill>
-        <p:spPr bwMode="auto">
-          <a:xfrm>
-            <a:off x="7729920" y="5943505"/>
-            <a:ext cx="1226880" cy="652388"/>
-          </a:xfrm>
-          <a:prstGeom prst="rect">
-            <a:avLst/>
-          </a:prstGeom>
-          <a:noFill/>
-          <a:ln>
-            <a:noFill/>
-          </a:ln>
-          <a:effectLst/>
-          <a:extLst>
-            <a:ext uri="{909E8E84-426E-40dd-AFC4-6F175D3DCCD1}">
-              <a14:hiddenFill xmlns:a14="http://schemas.microsoft.com/office/drawing/2010/main">
-                <a:blipFill dpi="0" rotWithShape="0">
-                  <a:blip/>
-                  <a:srcRect/>
-                  <a:stretch>
-                    <a:fillRect/>
-                  </a:stretch>
-                </a:blipFill>
-              </a14:hiddenFill>
-            </a:ext>
-            <a:ext uri="{91240B29-F687-4f45-9708-019B960494DF}">
-              <a14:hiddenLine xmlns:a14="http://schemas.microsoft.com/office/drawing/2010/main" w="9525">
-                <a:solidFill>
-                  <a:srgbClr val="FFFFFF"/>
-                </a:solidFill>
-                <a:round/>
-                <a:headEnd/>
-                <a:tailEnd/>
-              </a14:hiddenLine>
-            </a:ext>
-            <a:ext uri="{AF507438-7753-43e0-B8FC-AC1667EBCBE1}">
-              <a14:hiddenEffects xmlns:a14="http://schemas.microsoft.com/office/drawing/2010/main">
-                <a:effectLst>
-                  <a:outerShdw blurRad="63500" dist="38099" dir="2700000" algn="ctr" rotWithShape="0">
-                    <a:srgbClr val="000000">
-                      <a:alpha val="74998"/>
-                    </a:srgbClr>
-                  </a:outerShdw>
-                </a:effectLst>
-              </a14:hiddenEffects>
-            </a:ext>
-          </a:extLst>
-        </p:spPr>
-      </p:pic>
-      <p:pic>
-        <p:nvPicPr>
-          <p:cNvPr id="3075" name="Picture 3"/>
-          <p:cNvPicPr>
-            <a:picLocks noChangeAspect="1" noChangeArrowheads="1"/>
-          </p:cNvPicPr>
-          <p:nvPr/>
-        </p:nvPicPr>
-        <p:blipFill>
-          <a:blip r:embed="rId4">
-            <a:extLst>
-              <a:ext uri="{28A0092B-C50C-407E-A947-70E740481C1C}">
-                <a14:useLocalDpi xmlns:a14="http://schemas.microsoft.com/office/drawing/2010/main" val="0"/>
-              </a:ext>
-            </a:extLst>
-          </a:blip>
-          <a:srcRect/>
-          <a:stretch>
-            <a:fillRect/>
-          </a:stretch>
-        </p:blipFill>
-        <p:spPr bwMode="auto">
-          <a:xfrm>
-            <a:off x="1800000" y="979303"/>
-            <a:ext cx="5548320" cy="4893634"/>
-          </a:xfrm>
-          <a:prstGeom prst="rect">
-            <a:avLst/>
-          </a:prstGeom>
-          <a:noFill/>
-          <a:ln>
-            <a:noFill/>
-          </a:ln>
-          <a:effectLst/>
-          <a:extLst>
-            <a:ext uri="{909E8E84-426E-40dd-AFC4-6F175D3DCCD1}">
-              <a14:hiddenFill xmlns:a14="http://schemas.microsoft.com/office/drawing/2010/main">
-                <a:blipFill dpi="0" rotWithShape="0">
-                  <a:blip/>
-                  <a:srcRect/>
-                  <a:stretch>
-                    <a:fillRect/>
-                  </a:stretch>
-                </a:blipFill>
-              </a14:hiddenFill>
-            </a:ext>
-            <a:ext uri="{91240B29-F687-4f45-9708-019B960494DF}">
-              <a14:hiddenLine xmlns:a14="http://schemas.microsoft.com/office/drawing/2010/main" w="9525">
-                <a:solidFill>
-                  <a:srgbClr val="FFFFFF"/>
-                </a:solidFill>
-                <a:round/>
-                <a:headEnd/>
-                <a:tailEnd/>
-              </a14:hiddenLine>
-            </a:ext>
-            <a:ext uri="{AF507438-7753-43e0-B8FC-AC1667EBCBE1}">
-              <a14:hiddenEffects xmlns:a14="http://schemas.microsoft.com/office/drawing/2010/main">
-                <a:effectLst>
-                  <a:outerShdw blurRad="63500" dist="38099" dir="2700000" algn="ctr" rotWithShape="0">
-                    <a:srgbClr val="000000">
-                      <a:alpha val="74998"/>
-                    </a:srgbClr>
-                  </a:outerShdw>
-                </a:effectLst>
-              </a14:hiddenEffects>
-            </a:ext>
-          </a:extLst>
-        </p:spPr>
-      </p:pic>
-      <p:sp>
-        <p:nvSpPr>
-          <p:cNvPr id="3076" name="Text Box 4"/>
-          <p:cNvSpPr txBox="1">
-            <a:spLocks noChangeArrowheads="1"/>
-          </p:cNvSpPr>
-          <p:nvPr/>
-        </p:nvSpPr>
-        <p:spPr bwMode="auto">
-          <a:xfrm>
-            <a:off x="1800000" y="5972308"/>
-            <a:ext cx="3918240" cy="231864"/>
-          </a:xfrm>
-          <a:prstGeom prst="rect">
-            <a:avLst/>
-          </a:prstGeom>
-          <a:noFill/>
-          <a:ln>
-            <a:noFill/>
-          </a:ln>
-          <a:effectLst/>
-          <a:extLst>
-            <a:ext uri="{909E8E84-426E-40dd-AFC4-6F175D3DCCD1}">
-              <a14:hiddenFill xmlns:a14="http://schemas.microsoft.com/office/drawing/2010/main">
-                <a:solidFill>
-                  <a:srgbClr val="FFFFFF"/>
-                </a:solidFill>
-              </a14:hiddenFill>
-            </a:ext>
-            <a:ext uri="{91240B29-F687-4f45-9708-019B960494DF}">
-              <a14:hiddenLine xmlns:a14="http://schemas.microsoft.com/office/drawing/2010/main" w="9525">
-                <a:solidFill>
-                  <a:srgbClr val="FFFFFF"/>
-                </a:solidFill>
-                <a:round/>
-                <a:headEnd/>
-                <a:tailEnd/>
-              </a14:hiddenLine>
-            </a:ext>
-            <a:ext uri="{AF507438-7753-43e0-B8FC-AC1667EBCBE1}">
-              <a14:hiddenEffects xmlns:a14="http://schemas.microsoft.com/office/drawing/2010/main">
-                <a:effectLst>
-                  <a:outerShdw blurRad="63500" dist="38099" dir="2700000" algn="ctr" rotWithShape="0">
-                    <a:srgbClr val="000000">
-                      <a:alpha val="74998"/>
-                    </a:srgbClr>
-                  </a:outerShdw>
-                </a:effectLst>
-              </a14:hiddenEffects>
-            </a:ext>
-          </a:extLst>
-        </p:spPr>
-        <p:txBody>
-          <a:bodyPr lIns="0" tIns="0" rIns="0" bIns="0"/>
-          <a:lstStyle>
-            <a:lvl1pPr>
-              <a:tabLst>
-                <a:tab pos="723900" algn="l"/>
-                <a:tab pos="1447800" algn="l"/>
-                <a:tab pos="2171700" algn="l"/>
-                <a:tab pos="2895600" algn="l"/>
-                <a:tab pos="3619500" algn="l"/>
-              </a:tabLst>
-              <a:defRPr sz="2400">
-                <a:solidFill>
-                  <a:srgbClr val="000000"/>
-                </a:solidFill>
-                <a:latin typeface="Times New Roman" charset="0"/>
-                <a:ea typeface="ＭＳ Ｐゴシック" charset="0"/>
-                <a:cs typeface="msgothic" charset="0"/>
-              </a:defRPr>
-            </a:lvl1pPr>
-            <a:lvl2pPr>
-              <a:tabLst>
-                <a:tab pos="723900" algn="l"/>
-                <a:tab pos="1447800" algn="l"/>
-                <a:tab pos="2171700" algn="l"/>
-                <a:tab pos="2895600" algn="l"/>
-                <a:tab pos="3619500" algn="l"/>
-              </a:tabLst>
-              <a:defRPr sz="2400">
-                <a:solidFill>
-                  <a:srgbClr val="000000"/>
-                </a:solidFill>
-                <a:latin typeface="Times New Roman" charset="0"/>
-                <a:ea typeface="ＭＳ Ｐゴシック" charset="0"/>
-                <a:cs typeface="msgothic" charset="0"/>
-              </a:defRPr>
-            </a:lvl2pPr>
-            <a:lvl3pPr>
-              <a:tabLst>
-                <a:tab pos="723900" algn="l"/>
-                <a:tab pos="1447800" algn="l"/>
-                <a:tab pos="2171700" algn="l"/>
-                <a:tab pos="2895600" algn="l"/>
-                <a:tab pos="3619500" algn="l"/>
-              </a:tabLst>
-              <a:defRPr sz="2400">
-                <a:solidFill>
-                  <a:srgbClr val="000000"/>
-                </a:solidFill>
-                <a:latin typeface="Times New Roman" charset="0"/>
-                <a:ea typeface="ＭＳ Ｐゴシック" charset="0"/>
-                <a:cs typeface="msgothic" charset="0"/>
-              </a:defRPr>
-            </a:lvl3pPr>
-            <a:lvl4pPr>
-              <a:tabLst>
-                <a:tab pos="723900" algn="l"/>
-                <a:tab pos="1447800" algn="l"/>
-                <a:tab pos="2171700" algn="l"/>
-                <a:tab pos="2895600" algn="l"/>
-                <a:tab pos="3619500" algn="l"/>
-              </a:tabLst>
-              <a:defRPr sz="2400">
-                <a:solidFill>
-                  <a:srgbClr val="000000"/>
-                </a:solidFill>
-                <a:latin typeface="Times New Roman" charset="0"/>
-                <a:ea typeface="ＭＳ Ｐゴシック" charset="0"/>
-                <a:cs typeface="msgothic" charset="0"/>
-              </a:defRPr>
-            </a:lvl4pPr>
-            <a:lvl5pPr>
-              <a:tabLst>
-                <a:tab pos="723900" algn="l"/>
-                <a:tab pos="1447800" algn="l"/>
-                <a:tab pos="2171700" algn="l"/>
-                <a:tab pos="2895600" algn="l"/>
-                <a:tab pos="3619500" algn="l"/>
-              </a:tabLst>
-              <a:defRPr sz="2400">
-                <a:solidFill>
-                  <a:srgbClr val="000000"/>
-                </a:solidFill>
-                <a:latin typeface="Times New Roman" charset="0"/>
-                <a:ea typeface="ＭＳ Ｐゴシック" charset="0"/>
-                <a:cs typeface="msgothic" charset="0"/>
-              </a:defRPr>
-            </a:lvl5pPr>
-            <a:lvl6pPr marL="1536700" indent="-215900" fontAlgn="base" hangingPunct="0">
-              <a:lnSpc>
-                <a:spcPct val="93000"/>
-              </a:lnSpc>
-              <a:spcBef>
-                <a:spcPct val="0"/>
-              </a:spcBef>
-              <a:spcAft>
-                <a:spcPct val="0"/>
-              </a:spcAft>
-              <a:buClr>
-                <a:srgbClr val="000000"/>
-              </a:buClr>
-              <a:buSzPct val="45000"/>
-              <a:buFont typeface="Wingdings" charset="0"/>
-              <a:tabLst>
-                <a:tab pos="723900" algn="l"/>
-                <a:tab pos="1447800" algn="l"/>
-                <a:tab pos="2171700" algn="l"/>
-                <a:tab pos="2895600" algn="l"/>
-                <a:tab pos="3619500" algn="l"/>
-              </a:tabLst>
-              <a:defRPr sz="2400">
-                <a:solidFill>
-                  <a:srgbClr val="000000"/>
-                </a:solidFill>
-                <a:latin typeface="Times New Roman" charset="0"/>
-                <a:ea typeface="ＭＳ Ｐゴシック" charset="0"/>
-                <a:cs typeface="msgothic" charset="0"/>
-              </a:defRPr>
-            </a:lvl6pPr>
-            <a:lvl7pPr marL="1993900" indent="-215900" fontAlgn="base" hangingPunct="0">
-              <a:lnSpc>
-                <a:spcPct val="93000"/>
-              </a:lnSpc>
-              <a:spcBef>
-                <a:spcPct val="0"/>
-              </a:spcBef>
-              <a:spcAft>
-                <a:spcPct val="0"/>
-              </a:spcAft>
-              <a:buClr>
-                <a:srgbClr val="000000"/>
-              </a:buClr>
-              <a:buSzPct val="45000"/>
-              <a:buFont typeface="Wingdings" charset="0"/>
-              <a:tabLst>
-                <a:tab pos="723900" algn="l"/>
-                <a:tab pos="1447800" algn="l"/>
-                <a:tab pos="2171700" algn="l"/>
-                <a:tab pos="2895600" algn="l"/>
-                <a:tab pos="3619500" algn="l"/>
-              </a:tabLst>
-              <a:defRPr sz="2400">
-                <a:solidFill>
-                  <a:srgbClr val="000000"/>
-                </a:solidFill>
-                <a:latin typeface="Times New Roman" charset="0"/>
-                <a:ea typeface="ＭＳ Ｐゴシック" charset="0"/>
-                <a:cs typeface="msgothic" charset="0"/>
-              </a:defRPr>
-            </a:lvl7pPr>
-            <a:lvl8pPr marL="2451100" indent="-215900" fontAlgn="base" hangingPunct="0">
-              <a:lnSpc>
-                <a:spcPct val="93000"/>
-              </a:lnSpc>
-              <a:spcBef>
-                <a:spcPct val="0"/>
-              </a:spcBef>
-              <a:spcAft>
-                <a:spcPct val="0"/>
-              </a:spcAft>
-              <a:buClr>
-                <a:srgbClr val="000000"/>
-              </a:buClr>
-              <a:buSzPct val="45000"/>
-              <a:buFont typeface="Wingdings" charset="0"/>
-              <a:tabLst>
-                <a:tab pos="723900" algn="l"/>
-                <a:tab pos="1447800" algn="l"/>
-                <a:tab pos="2171700" algn="l"/>
-                <a:tab pos="2895600" algn="l"/>
-                <a:tab pos="3619500" algn="l"/>
-              </a:tabLst>
-              <a:defRPr sz="2400">
-                <a:solidFill>
-                  <a:srgbClr val="000000"/>
-                </a:solidFill>
-                <a:latin typeface="Times New Roman" charset="0"/>
-                <a:ea typeface="ＭＳ Ｐゴシック" charset="0"/>
-                <a:cs typeface="msgothic" charset="0"/>
-              </a:defRPr>
-            </a:lvl8pPr>
-            <a:lvl9pPr marL="2908300" indent="-215900" fontAlgn="base" hangingPunct="0">
-              <a:lnSpc>
-                <a:spcPct val="93000"/>
-              </a:lnSpc>
-              <a:spcBef>
-                <a:spcPct val="0"/>
-              </a:spcBef>
-              <a:spcAft>
-                <a:spcPct val="0"/>
-              </a:spcAft>
-              <a:buClr>
-                <a:srgbClr val="000000"/>
-              </a:buClr>
-              <a:buSzPct val="45000"/>
-              <a:buFont typeface="Wingdings" charset="0"/>
-              <a:tabLst>
-                <a:tab pos="723900" algn="l"/>
-                <a:tab pos="1447800" algn="l"/>
-                <a:tab pos="2171700" algn="l"/>
-                <a:tab pos="2895600" algn="l"/>
-                <a:tab pos="3619500" algn="l"/>
-              </a:tabLst>
-              <a:defRPr sz="2400">
-                <a:solidFill>
-                  <a:srgbClr val="000000"/>
-                </a:solidFill>
-                <a:latin typeface="Times New Roman" charset="0"/>
-                <a:ea typeface="ＭＳ Ｐゴシック" charset="0"/>
-                <a:cs typeface="msgothic" charset="0"/>
-              </a:defRPr>
-            </a:lvl9pPr>
-          </a:lstStyle>
-          <a:p>
-            <a:r>
-              <a:rPr lang="en-GB" sz="1100" b="1">
-                <a:latin typeface="Arial" charset="0"/>
-              </a:rPr>
-              <a:t>Bert Vogelstein et al. Science 2013;339:1546-1558</a:t>
-            </a:r>
-          </a:p>
-        </p:txBody>
-      </p:sp>
-      <p:sp>
-        <p:nvSpPr>
-          <p:cNvPr id="3077" name="Text Box 5"/>
-          <p:cNvSpPr txBox="1">
-            <a:spLocks noChangeArrowheads="1"/>
-          </p:cNvSpPr>
-          <p:nvPr/>
-        </p:nvSpPr>
-        <p:spPr bwMode="auto">
-          <a:xfrm>
-            <a:off x="97920" y="6613175"/>
-            <a:ext cx="4930560" cy="3470764"/>
-          </a:xfrm>
-          <a:prstGeom prst="rect">
-            <a:avLst/>
-          </a:prstGeom>
-          <a:noFill/>
-          <a:ln>
-            <a:noFill/>
-          </a:ln>
-          <a:effectLst/>
-          <a:extLst>
-            <a:ext uri="{909E8E84-426E-40dd-AFC4-6F175D3DCCD1}">
-              <a14:hiddenFill xmlns:a14="http://schemas.microsoft.com/office/drawing/2010/main">
-                <a:solidFill>
-                  <a:srgbClr val="FFFFFF"/>
-                </a:solidFill>
-              </a14:hiddenFill>
-            </a:ext>
-            <a:ext uri="{91240B29-F687-4f45-9708-019B960494DF}">
-              <a14:hiddenLine xmlns:a14="http://schemas.microsoft.com/office/drawing/2010/main" w="9525">
-                <a:solidFill>
-                  <a:srgbClr val="000000"/>
-                </a:solidFill>
-                <a:round/>
-                <a:headEnd/>
-                <a:tailEnd/>
-              </a14:hiddenLine>
-            </a:ext>
-            <a:ext uri="{AF507438-7753-43e0-B8FC-AC1667EBCBE1}">
-              <a14:hiddenEffects xmlns:a14="http://schemas.microsoft.com/office/drawing/2010/main">
-                <a:effectLst>
-                  <a:outerShdw blurRad="63500" dist="38099" dir="2700000" algn="ctr" rotWithShape="0">
-                    <a:srgbClr val="000000">
-                      <a:alpha val="74998"/>
-                    </a:srgbClr>
-                  </a:outerShdw>
-                </a:effectLst>
-              </a14:hiddenEffects>
-            </a:ext>
-          </a:extLst>
-        </p:spPr>
-        <p:txBody>
-          <a:bodyPr lIns="0" tIns="0" rIns="0" bIns="0"/>
-          <a:lstStyle>
-            <a:lvl1pPr marL="85725" indent="-85725">
-              <a:tabLst>
-                <a:tab pos="723900" algn="l"/>
-                <a:tab pos="1447800" algn="l"/>
-                <a:tab pos="2171700" algn="l"/>
-                <a:tab pos="2895600" algn="l"/>
-                <a:tab pos="3619500" algn="l"/>
-                <a:tab pos="4343400" algn="l"/>
-                <a:tab pos="5067300" algn="l"/>
-              </a:tabLst>
-              <a:defRPr sz="2400">
-                <a:solidFill>
-                  <a:srgbClr val="000000"/>
-                </a:solidFill>
-                <a:latin typeface="Times New Roman" charset="0"/>
-                <a:ea typeface="ＭＳ Ｐゴシック" charset="0"/>
-                <a:cs typeface="msgothic" charset="0"/>
-              </a:defRPr>
-            </a:lvl1pPr>
-            <a:lvl2pPr>
-              <a:tabLst>
-                <a:tab pos="723900" algn="l"/>
-                <a:tab pos="1447800" algn="l"/>
-                <a:tab pos="2171700" algn="l"/>
-                <a:tab pos="2895600" algn="l"/>
-                <a:tab pos="3619500" algn="l"/>
-                <a:tab pos="4343400" algn="l"/>
-                <a:tab pos="5067300" algn="l"/>
-              </a:tabLst>
-              <a:defRPr sz="2400">
-                <a:solidFill>
-                  <a:srgbClr val="000000"/>
-                </a:solidFill>
-                <a:latin typeface="Times New Roman" charset="0"/>
-                <a:ea typeface="ＭＳ Ｐゴシック" charset="0"/>
-                <a:cs typeface="msgothic" charset="0"/>
-              </a:defRPr>
-            </a:lvl2pPr>
-            <a:lvl3pPr>
-              <a:tabLst>
-                <a:tab pos="723900" algn="l"/>
-                <a:tab pos="1447800" algn="l"/>
-                <a:tab pos="2171700" algn="l"/>
-                <a:tab pos="2895600" algn="l"/>
-                <a:tab pos="3619500" algn="l"/>
-                <a:tab pos="4343400" algn="l"/>
-                <a:tab pos="5067300" algn="l"/>
-              </a:tabLst>
-              <a:defRPr sz="2400">
-                <a:solidFill>
-                  <a:srgbClr val="000000"/>
-                </a:solidFill>
-                <a:latin typeface="Times New Roman" charset="0"/>
-                <a:ea typeface="ＭＳ Ｐゴシック" charset="0"/>
-                <a:cs typeface="msgothic" charset="0"/>
-              </a:defRPr>
-            </a:lvl3pPr>
-            <a:lvl4pPr>
-              <a:tabLst>
-                <a:tab pos="723900" algn="l"/>
-                <a:tab pos="1447800" algn="l"/>
-                <a:tab pos="2171700" algn="l"/>
-                <a:tab pos="2895600" algn="l"/>
-                <a:tab pos="3619500" algn="l"/>
-                <a:tab pos="4343400" algn="l"/>
-                <a:tab pos="5067300" algn="l"/>
-              </a:tabLst>
-              <a:defRPr sz="2400">
-                <a:solidFill>
-                  <a:srgbClr val="000000"/>
-                </a:solidFill>
-                <a:latin typeface="Times New Roman" charset="0"/>
-                <a:ea typeface="ＭＳ Ｐゴシック" charset="0"/>
-                <a:cs typeface="msgothic" charset="0"/>
-              </a:defRPr>
-            </a:lvl4pPr>
-            <a:lvl5pPr>
-              <a:tabLst>
-                <a:tab pos="723900" algn="l"/>
-                <a:tab pos="1447800" algn="l"/>
-                <a:tab pos="2171700" algn="l"/>
-                <a:tab pos="2895600" algn="l"/>
-                <a:tab pos="3619500" algn="l"/>
-                <a:tab pos="4343400" algn="l"/>
-                <a:tab pos="5067300" algn="l"/>
-              </a:tabLst>
-              <a:defRPr sz="2400">
-                <a:solidFill>
-                  <a:srgbClr val="000000"/>
-                </a:solidFill>
-                <a:latin typeface="Times New Roman" charset="0"/>
-                <a:ea typeface="ＭＳ Ｐゴシック" charset="0"/>
-                <a:cs typeface="msgothic" charset="0"/>
-              </a:defRPr>
-            </a:lvl5pPr>
-            <a:lvl6pPr marL="1536700" indent="-215900" fontAlgn="base" hangingPunct="0">
-              <a:lnSpc>
-                <a:spcPct val="93000"/>
-              </a:lnSpc>
-              <a:spcBef>
-                <a:spcPct val="0"/>
-              </a:spcBef>
-              <a:spcAft>
-                <a:spcPct val="0"/>
-              </a:spcAft>
-              <a:buClr>
-                <a:srgbClr val="000000"/>
-              </a:buClr>
-              <a:buSzPct val="45000"/>
-              <a:buFont typeface="Wingdings" charset="0"/>
-              <a:tabLst>
-                <a:tab pos="723900" algn="l"/>
-                <a:tab pos="1447800" algn="l"/>
-                <a:tab pos="2171700" algn="l"/>
-                <a:tab pos="2895600" algn="l"/>
-                <a:tab pos="3619500" algn="l"/>
-                <a:tab pos="4343400" algn="l"/>
-                <a:tab pos="5067300" algn="l"/>
-              </a:tabLst>
-              <a:defRPr sz="2400">
-                <a:solidFill>
-                  <a:srgbClr val="000000"/>
-                </a:solidFill>
-                <a:latin typeface="Times New Roman" charset="0"/>
-                <a:ea typeface="ＭＳ Ｐゴシック" charset="0"/>
-                <a:cs typeface="msgothic" charset="0"/>
-              </a:defRPr>
-            </a:lvl6pPr>
-            <a:lvl7pPr marL="1993900" indent="-215900" fontAlgn="base" hangingPunct="0">
-              <a:lnSpc>
-                <a:spcPct val="93000"/>
-              </a:lnSpc>
-              <a:spcBef>
-                <a:spcPct val="0"/>
-              </a:spcBef>
-              <a:spcAft>
-                <a:spcPct val="0"/>
-              </a:spcAft>
-              <a:buClr>
-                <a:srgbClr val="000000"/>
-              </a:buClr>
-              <a:buSzPct val="45000"/>
-              <a:buFont typeface="Wingdings" charset="0"/>
-              <a:tabLst>
-                <a:tab pos="723900" algn="l"/>
-                <a:tab pos="1447800" algn="l"/>
-                <a:tab pos="2171700" algn="l"/>
-                <a:tab pos="2895600" algn="l"/>
-                <a:tab pos="3619500" algn="l"/>
-                <a:tab pos="4343400" algn="l"/>
-                <a:tab pos="5067300" algn="l"/>
-              </a:tabLst>
-              <a:defRPr sz="2400">
-                <a:solidFill>
-                  <a:srgbClr val="000000"/>
-                </a:solidFill>
-                <a:latin typeface="Times New Roman" charset="0"/>
-                <a:ea typeface="ＭＳ Ｐゴシック" charset="0"/>
-                <a:cs typeface="msgothic" charset="0"/>
-              </a:defRPr>
-            </a:lvl7pPr>
-            <a:lvl8pPr marL="2451100" indent="-215900" fontAlgn="base" hangingPunct="0">
-              <a:lnSpc>
-                <a:spcPct val="93000"/>
-              </a:lnSpc>
-              <a:spcBef>
-                <a:spcPct val="0"/>
-              </a:spcBef>
-              <a:spcAft>
-                <a:spcPct val="0"/>
-              </a:spcAft>
-              <a:buClr>
-                <a:srgbClr val="000000"/>
-              </a:buClr>
-              <a:buSzPct val="45000"/>
-              <a:buFont typeface="Wingdings" charset="0"/>
-              <a:tabLst>
-                <a:tab pos="723900" algn="l"/>
-                <a:tab pos="1447800" algn="l"/>
-                <a:tab pos="2171700" algn="l"/>
-                <a:tab pos="2895600" algn="l"/>
-                <a:tab pos="3619500" algn="l"/>
-                <a:tab pos="4343400" algn="l"/>
-                <a:tab pos="5067300" algn="l"/>
-              </a:tabLst>
-              <a:defRPr sz="2400">
-                <a:solidFill>
-                  <a:srgbClr val="000000"/>
-                </a:solidFill>
-                <a:latin typeface="Times New Roman" charset="0"/>
-                <a:ea typeface="ＭＳ Ｐゴシック" charset="0"/>
-                <a:cs typeface="msgothic" charset="0"/>
-              </a:defRPr>
-            </a:lvl8pPr>
-            <a:lvl9pPr marL="2908300" indent="-215900" fontAlgn="base" hangingPunct="0">
-              <a:lnSpc>
-                <a:spcPct val="93000"/>
-              </a:lnSpc>
-              <a:spcBef>
-                <a:spcPct val="0"/>
-              </a:spcBef>
-              <a:spcAft>
-                <a:spcPct val="0"/>
-              </a:spcAft>
-              <a:buClr>
-                <a:srgbClr val="000000"/>
-              </a:buClr>
-              <a:buSzPct val="45000"/>
-              <a:buFont typeface="Wingdings" charset="0"/>
-              <a:tabLst>
-                <a:tab pos="723900" algn="l"/>
-                <a:tab pos="1447800" algn="l"/>
-                <a:tab pos="2171700" algn="l"/>
-                <a:tab pos="2895600" algn="l"/>
-                <a:tab pos="3619500" algn="l"/>
-                <a:tab pos="4343400" algn="l"/>
-                <a:tab pos="5067300" algn="l"/>
-              </a:tabLst>
-              <a:defRPr sz="2400">
-                <a:solidFill>
-                  <a:srgbClr val="000000"/>
-                </a:solidFill>
-                <a:latin typeface="Times New Roman" charset="0"/>
-                <a:ea typeface="ＭＳ Ｐゴシック" charset="0"/>
-                <a:cs typeface="msgothic" charset="0"/>
-              </a:defRPr>
-            </a:lvl9pPr>
-          </a:lstStyle>
-          <a:p>
-            <a:r>
-              <a:rPr lang="en-GB" sz="900">
-                <a:latin typeface="Arial" charset="0"/>
-              </a:rPr>
-              <a:t>Published by AAAS</a:t>
-            </a:r>
-          </a:p>
-        </p:txBody>
-      </p:sp>
-    </p:spTree>
-  </p:cSld>
-  <p:clrMapOvr>
-    <a:masterClrMapping/>
-  </p:clrMapOvr>
-  <p:transition xmlns:p14="http://schemas.microsoft.com/office/powerpoint/2010/main" spd="med"/>
-  <p:timing>
-    <p:tnLst>
-      <p:par>
-        <p:cTn xmlns:p14="http://schemas.microsoft.com/office/powerpoint/2010/main" id="1" dur="indefinite" restart="never" nodeType="tmRoot">
-          <p:childTnLst>
-            <p:seq concurrent="1" nextAc="seek">
-              <p:cTn id="2" dur="0" nodeType="mainSeq"/>
-              <p:prevCondLst>
-                <p:cond evt="onPrev" delay="0">
-                  <p:tgtEl>
-                    <p:sldTgt/>
-                  </p:tgtEl>
-                </p:cond>
-              </p:prevCondLst>
-              <p:nextCondLst>
-                <p:cond evt="onNext" delay="0">
-                  <p:tgtEl>
-                    <p:sldTgt/>
-                  </p:tgtEl>
-                </p:cond>
-              </p:nextCondLst>
-            </p:seq>
-          </p:childTnLst>
-        </p:cTn>
-      </p:par>
-    </p:tnLst>
-  </p:timing>
-</p:sld>
-</file>
-
-<file path=ppt/slides/slide5.xml><?xml version="1.0" encoding="utf-8"?>
-<p:sld xmlns:a="http://schemas.openxmlformats.org/drawingml/2006/main" xmlns:r="http://schemas.openxmlformats.org/officeDocument/2006/relationships" xmlns:p="http://schemas.openxmlformats.org/presentationml/2006/main">
-  <p:cSld>
-    <p:spTree>
-      <p:nvGrpSpPr>
-        <p:cNvPr id="1" name=""/>
-        <p:cNvGrpSpPr/>
-        <p:nvPr/>
-      </p:nvGrpSpPr>
-      <p:grpSpPr>
-        <a:xfrm>
-          <a:off x="0" y="0"/>
-          <a:ext cx="0" cy="0"/>
-          <a:chOff x="0" y="0"/>
-          <a:chExt cx="0" cy="0"/>
-        </a:xfrm>
-      </p:grpSpPr>
-      <p:sp>
-        <p:nvSpPr>
-          <p:cNvPr id="2" name="Title 1"/>
-          <p:cNvSpPr>
-            <a:spLocks noGrp="1"/>
-          </p:cNvSpPr>
-          <p:nvPr>
-            <p:ph type="title"/>
-          </p:nvPr>
-        </p:nvSpPr>
-        <p:spPr/>
-        <p:txBody>
-          <a:bodyPr/>
-          <a:lstStyle/>
-          <a:p>
-            <a:r>
-              <a:rPr lang="en-US" dirty="0" smtClean="0"/>
-              <a:t>Somatic </a:t>
-            </a:r>
-            <a:r>
-              <a:rPr lang="en-US" dirty="0" err="1" smtClean="0"/>
-              <a:t>vs</a:t>
-            </a:r>
-            <a:r>
-              <a:rPr lang="en-US" dirty="0" smtClean="0"/>
-              <a:t> </a:t>
-            </a:r>
-            <a:r>
-              <a:rPr lang="en-US" dirty="0" err="1" smtClean="0"/>
-              <a:t>germline</a:t>
-            </a:r>
-            <a:r>
-              <a:rPr lang="en-US" dirty="0" smtClean="0"/>
-              <a:t> mutations</a:t>
-            </a:r>
-            <a:endParaRPr lang="en-US" dirty="0"/>
-          </a:p>
-        </p:txBody>
-      </p:sp>
-      <p:pic>
-        <p:nvPicPr>
-          <p:cNvPr id="8" name="Picture 7" descr="hosp-misc-ipactr6-1101.gif"/>
-          <p:cNvPicPr>
-            <a:picLocks noChangeAspect="1"/>
-          </p:cNvPicPr>
-          <p:nvPr/>
-        </p:nvPicPr>
-        <p:blipFill>
-          <a:blip r:embed="rId2">
-            <a:extLst>
-              <a:ext uri="{28A0092B-C50C-407E-A947-70E740481C1C}">
-                <a14:useLocalDpi xmlns:a14="http://schemas.microsoft.com/office/drawing/2010/main" val="0"/>
-              </a:ext>
-            </a:extLst>
-          </a:blip>
-          <a:stretch>
-            <a:fillRect/>
-          </a:stretch>
-        </p:blipFill>
-        <p:spPr>
-          <a:xfrm>
-            <a:off x="1714500" y="1793909"/>
-            <a:ext cx="5715000" cy="4318000"/>
-          </a:xfrm>
-          <a:prstGeom prst="rect">
-            <a:avLst/>
-          </a:prstGeom>
-        </p:spPr>
-      </p:pic>
-      <p:sp>
-        <p:nvSpPr>
-          <p:cNvPr id="9" name="Rectangle 8"/>
-          <p:cNvSpPr/>
-          <p:nvPr/>
-        </p:nvSpPr>
-        <p:spPr>
-          <a:xfrm>
-            <a:off x="2572837" y="5955787"/>
-            <a:ext cx="4161693" cy="461665"/>
-          </a:xfrm>
-          <a:prstGeom prst="rect">
-            <a:avLst/>
-          </a:prstGeom>
-          <a:solidFill>
-            <a:schemeClr val="bg1"/>
-          </a:solidFill>
-        </p:spPr>
-        <p:txBody>
-          <a:bodyPr wrap="square">
-            <a:spAutoFit/>
-          </a:bodyPr>
-          <a:lstStyle/>
-          <a:p>
-            <a:endParaRPr lang="en-US" sz="1200" dirty="0" smtClean="0"/>
-          </a:p>
-          <a:p>
-            <a:r>
-              <a:rPr lang="en-US" sz="1200" dirty="0" smtClean="0"/>
-              <a:t>https</a:t>
-            </a:r>
-            <a:r>
-              <a:rPr lang="en-US" sz="1200" dirty="0"/>
-              <a:t>://</a:t>
-            </a:r>
-            <a:r>
-              <a:rPr lang="en-US" sz="1200" dirty="0" err="1"/>
-              <a:t>www.stjude.org</a:t>
-            </a:r>
-            <a:r>
-              <a:rPr lang="en-US" sz="1200" dirty="0"/>
-              <a:t>/Images/hosp-misc-ipactr6-1101.gif</a:t>
-            </a:r>
-          </a:p>
-        </p:txBody>
-      </p:sp>
-    </p:spTree>
-    <p:extLst>
-      <p:ext uri="{BB962C8B-B14F-4D97-AF65-F5344CB8AC3E}">
-        <p14:creationId xmlns:p14="http://schemas.microsoft.com/office/powerpoint/2010/main" val="385104364"/>
+        <p14:creationId xmlns:p14="http://schemas.microsoft.com/office/powerpoint/2010/main" val="163125460"/>
       </p:ext>
     </p:extLst>
   </p:cSld>
@@ -21133,7 +20081,7 @@
 </p:sld>
 </file>
 
-<file path=ppt/slides/slide6.xml><?xml version="1.0" encoding="utf-8"?>
+<file path=ppt/slides/slide7.xml><?xml version="1.0" encoding="utf-8"?>
 <p:sld xmlns:a="http://schemas.openxmlformats.org/drawingml/2006/main" xmlns:r="http://schemas.openxmlformats.org/officeDocument/2006/relationships" xmlns:p="http://schemas.openxmlformats.org/presentationml/2006/main">
   <p:cSld>
     <p:spTree>
@@ -21249,142 +20197,6 @@
     <p:extLst>
       <p:ext uri="{BB962C8B-B14F-4D97-AF65-F5344CB8AC3E}">
         <p14:creationId xmlns:p14="http://schemas.microsoft.com/office/powerpoint/2010/main" val="3017055480"/>
-      </p:ext>
-    </p:extLst>
-  </p:cSld>
-  <p:clrMapOvr>
-    <a:masterClrMapping/>
-  </p:clrMapOvr>
-  <p:timing>
-    <p:tnLst>
-      <p:par>
-        <p:cTn xmlns:p14="http://schemas.microsoft.com/office/powerpoint/2010/main" id="1" dur="indefinite" restart="never" nodeType="tmRoot"/>
-      </p:par>
-    </p:tnLst>
-  </p:timing>
-</p:sld>
-</file>
-
-<file path=ppt/slides/slide7.xml><?xml version="1.0" encoding="utf-8"?>
-<p:sld xmlns:a="http://schemas.openxmlformats.org/drawingml/2006/main" xmlns:r="http://schemas.openxmlformats.org/officeDocument/2006/relationships" xmlns:p="http://schemas.openxmlformats.org/presentationml/2006/main">
-  <p:cSld>
-    <p:spTree>
-      <p:nvGrpSpPr>
-        <p:cNvPr id="1" name=""/>
-        <p:cNvGrpSpPr/>
-        <p:nvPr/>
-      </p:nvGrpSpPr>
-      <p:grpSpPr>
-        <a:xfrm>
-          <a:off x="0" y="0"/>
-          <a:ext cx="0" cy="0"/>
-          <a:chOff x="0" y="0"/>
-          <a:chExt cx="0" cy="0"/>
-        </a:xfrm>
-      </p:grpSpPr>
-      <p:sp>
-        <p:nvSpPr>
-          <p:cNvPr id="2" name="Title 1"/>
-          <p:cNvSpPr>
-            <a:spLocks noGrp="1"/>
-          </p:cNvSpPr>
-          <p:nvPr>
-            <p:ph type="title"/>
-          </p:nvPr>
-        </p:nvSpPr>
-        <p:spPr>
-          <a:xfrm>
-            <a:off x="581332" y="780693"/>
-            <a:ext cx="8229600" cy="1143000"/>
-          </a:xfrm>
-        </p:spPr>
-        <p:txBody>
-          <a:bodyPr>
-            <a:normAutofit fontScale="90000"/>
-          </a:bodyPr>
-          <a:lstStyle/>
-          <a:p>
-            <a:r>
-              <a:rPr lang="en-US" dirty="0"/>
-              <a:t>Cancer is an evolutionary process </a:t>
-            </a:r>
-            <a:r>
-              <a:rPr lang="en-US" dirty="0" smtClean="0"/>
-              <a:t/>
-            </a:r>
-            <a:br>
-              <a:rPr lang="en-US" dirty="0" smtClean="0"/>
-            </a:br>
-            <a:endParaRPr lang="en-US" dirty="0"/>
-          </a:p>
-        </p:txBody>
-      </p:sp>
-      <p:sp>
-        <p:nvSpPr>
-          <p:cNvPr id="3" name="Content Placeholder 2"/>
-          <p:cNvSpPr>
-            <a:spLocks noGrp="1"/>
-          </p:cNvSpPr>
-          <p:nvPr>
-            <p:ph idx="1"/>
-          </p:nvPr>
-        </p:nvSpPr>
-        <p:spPr>
-          <a:xfrm>
-            <a:off x="1077860" y="2058515"/>
-            <a:ext cx="7391768" cy="3813634"/>
-          </a:xfrm>
-        </p:spPr>
-        <p:txBody>
-          <a:bodyPr/>
-          <a:lstStyle/>
-          <a:p>
-            <a:r>
-              <a:rPr lang="en-US" dirty="0" smtClean="0"/>
-              <a:t>Genetic variation introduced in </a:t>
-            </a:r>
-            <a:r>
-              <a:rPr lang="en-US" dirty="0"/>
-              <a:t>individual cells </a:t>
-            </a:r>
-          </a:p>
-          <a:p>
-            <a:r>
-              <a:rPr lang="en-US" dirty="0" smtClean="0"/>
-              <a:t>more</a:t>
-            </a:r>
-            <a:r>
-              <a:rPr lang="en-US" dirty="0"/>
-              <a:t>-or-less random </a:t>
-            </a:r>
-            <a:r>
-              <a:rPr lang="en-US" dirty="0" smtClean="0"/>
-              <a:t>mutations</a:t>
-            </a:r>
-          </a:p>
-          <a:p>
-            <a:r>
-              <a:rPr lang="en-US" dirty="0" smtClean="0"/>
-              <a:t>Clonal expansion - natural </a:t>
-            </a:r>
-            <a:r>
-              <a:rPr lang="en-US" dirty="0"/>
-              <a:t>selection acting on the resultant phenotypic </a:t>
-            </a:r>
-            <a:r>
-              <a:rPr lang="en-US" dirty="0" smtClean="0"/>
-              <a:t>diversity </a:t>
-            </a:r>
-          </a:p>
-          <a:p>
-            <a:endParaRPr lang="en-US" dirty="0"/>
-          </a:p>
-        </p:txBody>
-      </p:sp>
-    </p:spTree>
-    <p:extLst>
-      <p:ext uri="{BB962C8B-B14F-4D97-AF65-F5344CB8AC3E}">
-        <p14:creationId xmlns:p14="http://schemas.microsoft.com/office/powerpoint/2010/main" val="677064697"/>
       </p:ext>
     </p:extLst>
   </p:cSld>

--- a/cancergenomics/1610/slides/cancer_genomics.pptx
+++ b/cancergenomics/1610/slides/cancer_genomics.pptx
@@ -5,7 +5,7 @@
     <p:sldMasterId id="2147483841" r:id="rId1"/>
   </p:sldMasterIdLst>
   <p:notesMasterIdLst>
-    <p:notesMasterId r:id="rId44"/>
+    <p:notesMasterId r:id="rId45"/>
   </p:notesMasterIdLst>
   <p:sldIdLst>
     <p:sldId id="256" r:id="rId2"/>
@@ -13,43 +13,44 @@
     <p:sldId id="259" r:id="rId4"/>
     <p:sldId id="272" r:id="rId5"/>
     <p:sldId id="261" r:id="rId6"/>
-    <p:sldId id="290" r:id="rId7"/>
-    <p:sldId id="285" r:id="rId8"/>
-    <p:sldId id="269" r:id="rId9"/>
-    <p:sldId id="279" r:id="rId10"/>
-    <p:sldId id="280" r:id="rId11"/>
-    <p:sldId id="287" r:id="rId12"/>
-    <p:sldId id="288" r:id="rId13"/>
-    <p:sldId id="270" r:id="rId14"/>
-    <p:sldId id="291" r:id="rId15"/>
-    <p:sldId id="277" r:id="rId16"/>
-    <p:sldId id="283" r:id="rId17"/>
-    <p:sldId id="289" r:id="rId18"/>
-    <p:sldId id="297" r:id="rId19"/>
-    <p:sldId id="321" r:id="rId20"/>
-    <p:sldId id="322" r:id="rId21"/>
-    <p:sldId id="314" r:id="rId22"/>
-    <p:sldId id="317" r:id="rId23"/>
-    <p:sldId id="295" r:id="rId24"/>
-    <p:sldId id="318" r:id="rId25"/>
-    <p:sldId id="257" r:id="rId26"/>
-    <p:sldId id="298" r:id="rId27"/>
-    <p:sldId id="299" r:id="rId28"/>
-    <p:sldId id="304" r:id="rId29"/>
-    <p:sldId id="301" r:id="rId30"/>
-    <p:sldId id="303" r:id="rId31"/>
-    <p:sldId id="305" r:id="rId32"/>
-    <p:sldId id="306" r:id="rId33"/>
-    <p:sldId id="307" r:id="rId34"/>
-    <p:sldId id="308" r:id="rId35"/>
-    <p:sldId id="315" r:id="rId36"/>
-    <p:sldId id="316" r:id="rId37"/>
-    <p:sldId id="309" r:id="rId38"/>
-    <p:sldId id="310" r:id="rId39"/>
-    <p:sldId id="320" r:id="rId40"/>
-    <p:sldId id="311" r:id="rId41"/>
-    <p:sldId id="312" r:id="rId42"/>
-    <p:sldId id="319" r:id="rId43"/>
+    <p:sldId id="323" r:id="rId7"/>
+    <p:sldId id="290" r:id="rId8"/>
+    <p:sldId id="285" r:id="rId9"/>
+    <p:sldId id="269" r:id="rId10"/>
+    <p:sldId id="279" r:id="rId11"/>
+    <p:sldId id="280" r:id="rId12"/>
+    <p:sldId id="287" r:id="rId13"/>
+    <p:sldId id="288" r:id="rId14"/>
+    <p:sldId id="270" r:id="rId15"/>
+    <p:sldId id="291" r:id="rId16"/>
+    <p:sldId id="277" r:id="rId17"/>
+    <p:sldId id="283" r:id="rId18"/>
+    <p:sldId id="289" r:id="rId19"/>
+    <p:sldId id="297" r:id="rId20"/>
+    <p:sldId id="321" r:id="rId21"/>
+    <p:sldId id="322" r:id="rId22"/>
+    <p:sldId id="314" r:id="rId23"/>
+    <p:sldId id="317" r:id="rId24"/>
+    <p:sldId id="295" r:id="rId25"/>
+    <p:sldId id="318" r:id="rId26"/>
+    <p:sldId id="257" r:id="rId27"/>
+    <p:sldId id="298" r:id="rId28"/>
+    <p:sldId id="299" r:id="rId29"/>
+    <p:sldId id="304" r:id="rId30"/>
+    <p:sldId id="301" r:id="rId31"/>
+    <p:sldId id="303" r:id="rId32"/>
+    <p:sldId id="305" r:id="rId33"/>
+    <p:sldId id="306" r:id="rId34"/>
+    <p:sldId id="307" r:id="rId35"/>
+    <p:sldId id="308" r:id="rId36"/>
+    <p:sldId id="315" r:id="rId37"/>
+    <p:sldId id="316" r:id="rId38"/>
+    <p:sldId id="309" r:id="rId39"/>
+    <p:sldId id="310" r:id="rId40"/>
+    <p:sldId id="320" r:id="rId41"/>
+    <p:sldId id="311" r:id="rId42"/>
+    <p:sldId id="312" r:id="rId43"/>
+    <p:sldId id="319" r:id="rId44"/>
   </p:sldIdLst>
   <p:sldSz cx="9144000" cy="6858000" type="screen4x3"/>
   <p:notesSz cx="7010400" cy="9296400"/>
@@ -1045,7 +1046,7 @@
           <a:p>
             <a:fld id="{AB3A4CA0-194C-D041-A754-07EAE8CC2F9A}" type="slidenum">
               <a:rPr lang="en-US" smtClean="0"/>
-              <a:t>10</a:t>
+              <a:t>11</a:t>
             </a:fld>
             <a:endParaRPr lang="en-US"/>
           </a:p>
@@ -1538,7 +1539,7 @@
           <a:p>
             <a:fld id="{497D469B-721A-4382-A9D0-D8D1FA5510BC}" type="slidenum">
               <a:rPr lang="sv-SE" smtClean="0"/>
-              <a:t>16</a:t>
+              <a:t>17</a:t>
             </a:fld>
             <a:endParaRPr lang="sv-SE"/>
           </a:p>
@@ -1664,7 +1665,7 @@
           <a:p>
             <a:fld id="{AB3A4CA0-194C-D041-A754-07EAE8CC2F9A}" type="slidenum">
               <a:rPr lang="en-US" smtClean="0"/>
-              <a:t>34</a:t>
+              <a:t>35</a:t>
             </a:fld>
             <a:endParaRPr lang="en-US"/>
           </a:p>
@@ -1789,7 +1790,7 @@
           <a:p>
             <a:fld id="{AB3A4CA0-194C-D041-A754-07EAE8CC2F9A}" type="slidenum">
               <a:rPr lang="en-US" smtClean="0"/>
-              <a:t>37</a:t>
+              <a:t>38</a:t>
             </a:fld>
             <a:endParaRPr lang="en-US"/>
           </a:p>
@@ -4952,6 +4953,1202 @@
           <a:chExt cx="0" cy="0"/>
         </a:xfrm>
       </p:grpSpPr>
+      <p:sp>
+        <p:nvSpPr>
+          <p:cNvPr id="3073" name="Text Box 1"/>
+          <p:cNvSpPr txBox="1">
+            <a:spLocks noChangeArrowheads="1"/>
+          </p:cNvSpPr>
+          <p:nvPr/>
+        </p:nvSpPr>
+        <p:spPr bwMode="auto">
+          <a:xfrm>
+            <a:off x="325440" y="381640"/>
+            <a:ext cx="8493120" cy="414764"/>
+          </a:xfrm>
+          <a:prstGeom prst="rect">
+            <a:avLst/>
+          </a:prstGeom>
+          <a:noFill/>
+          <a:ln>
+            <a:noFill/>
+          </a:ln>
+          <a:effectLst/>
+          <a:extLst>
+            <a:ext uri="{909E8E84-426E-40dd-AFC4-6F175D3DCCD1}">
+              <a14:hiddenFill xmlns:a14="http://schemas.microsoft.com/office/drawing/2010/main">
+                <a:solidFill>
+                  <a:srgbClr val="FFFFFF"/>
+                </a:solidFill>
+              </a14:hiddenFill>
+            </a:ext>
+            <a:ext uri="{91240B29-F687-4f45-9708-019B960494DF}">
+              <a14:hiddenLine xmlns:a14="http://schemas.microsoft.com/office/drawing/2010/main" w="9525">
+                <a:solidFill>
+                  <a:srgbClr val="FFFFFF"/>
+                </a:solidFill>
+                <a:round/>
+                <a:headEnd/>
+                <a:tailEnd/>
+              </a14:hiddenLine>
+            </a:ext>
+            <a:ext uri="{AF507438-7753-43e0-B8FC-AC1667EBCBE1}">
+              <a14:hiddenEffects xmlns:a14="http://schemas.microsoft.com/office/drawing/2010/main">
+                <a:effectLst>
+                  <a:outerShdw blurRad="63500" dist="38099" dir="2700000" algn="ctr" rotWithShape="0">
+                    <a:srgbClr val="000000">
+                      <a:alpha val="74998"/>
+                    </a:srgbClr>
+                  </a:outerShdw>
+                </a:effectLst>
+              </a14:hiddenEffects>
+            </a:ext>
+          </a:extLst>
+        </p:spPr>
+        <p:txBody>
+          <a:bodyPr lIns="0" tIns="0" rIns="0" bIns="0"/>
+          <a:lstStyle>
+            <a:lvl1pPr>
+              <a:tabLst>
+                <a:tab pos="723900" algn="l"/>
+                <a:tab pos="1447800" algn="l"/>
+                <a:tab pos="2171700" algn="l"/>
+                <a:tab pos="2895600" algn="l"/>
+                <a:tab pos="3619500" algn="l"/>
+                <a:tab pos="4343400" algn="l"/>
+                <a:tab pos="5067300" algn="l"/>
+                <a:tab pos="5791200" algn="l"/>
+                <a:tab pos="6515100" algn="l"/>
+                <a:tab pos="7239000" algn="l"/>
+                <a:tab pos="7962900" algn="l"/>
+                <a:tab pos="8686800" algn="l"/>
+              </a:tabLst>
+              <a:defRPr sz="2400">
+                <a:solidFill>
+                  <a:srgbClr val="000000"/>
+                </a:solidFill>
+                <a:latin typeface="Times New Roman" charset="0"/>
+                <a:ea typeface="ＭＳ Ｐゴシック" charset="0"/>
+                <a:cs typeface="msgothic" charset="0"/>
+              </a:defRPr>
+            </a:lvl1pPr>
+            <a:lvl2pPr>
+              <a:tabLst>
+                <a:tab pos="723900" algn="l"/>
+                <a:tab pos="1447800" algn="l"/>
+                <a:tab pos="2171700" algn="l"/>
+                <a:tab pos="2895600" algn="l"/>
+                <a:tab pos="3619500" algn="l"/>
+                <a:tab pos="4343400" algn="l"/>
+                <a:tab pos="5067300" algn="l"/>
+                <a:tab pos="5791200" algn="l"/>
+                <a:tab pos="6515100" algn="l"/>
+                <a:tab pos="7239000" algn="l"/>
+                <a:tab pos="7962900" algn="l"/>
+                <a:tab pos="8686800" algn="l"/>
+              </a:tabLst>
+              <a:defRPr sz="2400">
+                <a:solidFill>
+                  <a:srgbClr val="000000"/>
+                </a:solidFill>
+                <a:latin typeface="Times New Roman" charset="0"/>
+                <a:ea typeface="ＭＳ Ｐゴシック" charset="0"/>
+                <a:cs typeface="msgothic" charset="0"/>
+              </a:defRPr>
+            </a:lvl2pPr>
+            <a:lvl3pPr>
+              <a:tabLst>
+                <a:tab pos="723900" algn="l"/>
+                <a:tab pos="1447800" algn="l"/>
+                <a:tab pos="2171700" algn="l"/>
+                <a:tab pos="2895600" algn="l"/>
+                <a:tab pos="3619500" algn="l"/>
+                <a:tab pos="4343400" algn="l"/>
+                <a:tab pos="5067300" algn="l"/>
+                <a:tab pos="5791200" algn="l"/>
+                <a:tab pos="6515100" algn="l"/>
+                <a:tab pos="7239000" algn="l"/>
+                <a:tab pos="7962900" algn="l"/>
+                <a:tab pos="8686800" algn="l"/>
+              </a:tabLst>
+              <a:defRPr sz="2400">
+                <a:solidFill>
+                  <a:srgbClr val="000000"/>
+                </a:solidFill>
+                <a:latin typeface="Times New Roman" charset="0"/>
+                <a:ea typeface="ＭＳ Ｐゴシック" charset="0"/>
+                <a:cs typeface="msgothic" charset="0"/>
+              </a:defRPr>
+            </a:lvl3pPr>
+            <a:lvl4pPr>
+              <a:tabLst>
+                <a:tab pos="723900" algn="l"/>
+                <a:tab pos="1447800" algn="l"/>
+                <a:tab pos="2171700" algn="l"/>
+                <a:tab pos="2895600" algn="l"/>
+                <a:tab pos="3619500" algn="l"/>
+                <a:tab pos="4343400" algn="l"/>
+                <a:tab pos="5067300" algn="l"/>
+                <a:tab pos="5791200" algn="l"/>
+                <a:tab pos="6515100" algn="l"/>
+                <a:tab pos="7239000" algn="l"/>
+                <a:tab pos="7962900" algn="l"/>
+                <a:tab pos="8686800" algn="l"/>
+              </a:tabLst>
+              <a:defRPr sz="2400">
+                <a:solidFill>
+                  <a:srgbClr val="000000"/>
+                </a:solidFill>
+                <a:latin typeface="Times New Roman" charset="0"/>
+                <a:ea typeface="ＭＳ Ｐゴシック" charset="0"/>
+                <a:cs typeface="msgothic" charset="0"/>
+              </a:defRPr>
+            </a:lvl4pPr>
+            <a:lvl5pPr>
+              <a:tabLst>
+                <a:tab pos="723900" algn="l"/>
+                <a:tab pos="1447800" algn="l"/>
+                <a:tab pos="2171700" algn="l"/>
+                <a:tab pos="2895600" algn="l"/>
+                <a:tab pos="3619500" algn="l"/>
+                <a:tab pos="4343400" algn="l"/>
+                <a:tab pos="5067300" algn="l"/>
+                <a:tab pos="5791200" algn="l"/>
+                <a:tab pos="6515100" algn="l"/>
+                <a:tab pos="7239000" algn="l"/>
+                <a:tab pos="7962900" algn="l"/>
+                <a:tab pos="8686800" algn="l"/>
+              </a:tabLst>
+              <a:defRPr sz="2400">
+                <a:solidFill>
+                  <a:srgbClr val="000000"/>
+                </a:solidFill>
+                <a:latin typeface="Times New Roman" charset="0"/>
+                <a:ea typeface="ＭＳ Ｐゴシック" charset="0"/>
+                <a:cs typeface="msgothic" charset="0"/>
+              </a:defRPr>
+            </a:lvl5pPr>
+            <a:lvl6pPr marL="1536700" indent="-215900" fontAlgn="base" hangingPunct="0">
+              <a:lnSpc>
+                <a:spcPct val="93000"/>
+              </a:lnSpc>
+              <a:spcBef>
+                <a:spcPct val="0"/>
+              </a:spcBef>
+              <a:spcAft>
+                <a:spcPct val="0"/>
+              </a:spcAft>
+              <a:buClr>
+                <a:srgbClr val="000000"/>
+              </a:buClr>
+              <a:buSzPct val="45000"/>
+              <a:buFont typeface="Wingdings" charset="0"/>
+              <a:tabLst>
+                <a:tab pos="723900" algn="l"/>
+                <a:tab pos="1447800" algn="l"/>
+                <a:tab pos="2171700" algn="l"/>
+                <a:tab pos="2895600" algn="l"/>
+                <a:tab pos="3619500" algn="l"/>
+                <a:tab pos="4343400" algn="l"/>
+                <a:tab pos="5067300" algn="l"/>
+                <a:tab pos="5791200" algn="l"/>
+                <a:tab pos="6515100" algn="l"/>
+                <a:tab pos="7239000" algn="l"/>
+                <a:tab pos="7962900" algn="l"/>
+                <a:tab pos="8686800" algn="l"/>
+              </a:tabLst>
+              <a:defRPr sz="2400">
+                <a:solidFill>
+                  <a:srgbClr val="000000"/>
+                </a:solidFill>
+                <a:latin typeface="Times New Roman" charset="0"/>
+                <a:ea typeface="ＭＳ Ｐゴシック" charset="0"/>
+                <a:cs typeface="msgothic" charset="0"/>
+              </a:defRPr>
+            </a:lvl6pPr>
+            <a:lvl7pPr marL="1993900" indent="-215900" fontAlgn="base" hangingPunct="0">
+              <a:lnSpc>
+                <a:spcPct val="93000"/>
+              </a:lnSpc>
+              <a:spcBef>
+                <a:spcPct val="0"/>
+              </a:spcBef>
+              <a:spcAft>
+                <a:spcPct val="0"/>
+              </a:spcAft>
+              <a:buClr>
+                <a:srgbClr val="000000"/>
+              </a:buClr>
+              <a:buSzPct val="45000"/>
+              <a:buFont typeface="Wingdings" charset="0"/>
+              <a:tabLst>
+                <a:tab pos="723900" algn="l"/>
+                <a:tab pos="1447800" algn="l"/>
+                <a:tab pos="2171700" algn="l"/>
+                <a:tab pos="2895600" algn="l"/>
+                <a:tab pos="3619500" algn="l"/>
+                <a:tab pos="4343400" algn="l"/>
+                <a:tab pos="5067300" algn="l"/>
+                <a:tab pos="5791200" algn="l"/>
+                <a:tab pos="6515100" algn="l"/>
+                <a:tab pos="7239000" algn="l"/>
+                <a:tab pos="7962900" algn="l"/>
+                <a:tab pos="8686800" algn="l"/>
+              </a:tabLst>
+              <a:defRPr sz="2400">
+                <a:solidFill>
+                  <a:srgbClr val="000000"/>
+                </a:solidFill>
+                <a:latin typeface="Times New Roman" charset="0"/>
+                <a:ea typeface="ＭＳ Ｐゴシック" charset="0"/>
+                <a:cs typeface="msgothic" charset="0"/>
+              </a:defRPr>
+            </a:lvl7pPr>
+            <a:lvl8pPr marL="2451100" indent="-215900" fontAlgn="base" hangingPunct="0">
+              <a:lnSpc>
+                <a:spcPct val="93000"/>
+              </a:lnSpc>
+              <a:spcBef>
+                <a:spcPct val="0"/>
+              </a:spcBef>
+              <a:spcAft>
+                <a:spcPct val="0"/>
+              </a:spcAft>
+              <a:buClr>
+                <a:srgbClr val="000000"/>
+              </a:buClr>
+              <a:buSzPct val="45000"/>
+              <a:buFont typeface="Wingdings" charset="0"/>
+              <a:tabLst>
+                <a:tab pos="723900" algn="l"/>
+                <a:tab pos="1447800" algn="l"/>
+                <a:tab pos="2171700" algn="l"/>
+                <a:tab pos="2895600" algn="l"/>
+                <a:tab pos="3619500" algn="l"/>
+                <a:tab pos="4343400" algn="l"/>
+                <a:tab pos="5067300" algn="l"/>
+                <a:tab pos="5791200" algn="l"/>
+                <a:tab pos="6515100" algn="l"/>
+                <a:tab pos="7239000" algn="l"/>
+                <a:tab pos="7962900" algn="l"/>
+                <a:tab pos="8686800" algn="l"/>
+              </a:tabLst>
+              <a:defRPr sz="2400">
+                <a:solidFill>
+                  <a:srgbClr val="000000"/>
+                </a:solidFill>
+                <a:latin typeface="Times New Roman" charset="0"/>
+                <a:ea typeface="ＭＳ Ｐゴシック" charset="0"/>
+                <a:cs typeface="msgothic" charset="0"/>
+              </a:defRPr>
+            </a:lvl8pPr>
+            <a:lvl9pPr marL="2908300" indent="-215900" fontAlgn="base" hangingPunct="0">
+              <a:lnSpc>
+                <a:spcPct val="93000"/>
+              </a:lnSpc>
+              <a:spcBef>
+                <a:spcPct val="0"/>
+              </a:spcBef>
+              <a:spcAft>
+                <a:spcPct val="0"/>
+              </a:spcAft>
+              <a:buClr>
+                <a:srgbClr val="000000"/>
+              </a:buClr>
+              <a:buSzPct val="45000"/>
+              <a:buFont typeface="Wingdings" charset="0"/>
+              <a:tabLst>
+                <a:tab pos="723900" algn="l"/>
+                <a:tab pos="1447800" algn="l"/>
+                <a:tab pos="2171700" algn="l"/>
+                <a:tab pos="2895600" algn="l"/>
+                <a:tab pos="3619500" algn="l"/>
+                <a:tab pos="4343400" algn="l"/>
+                <a:tab pos="5067300" algn="l"/>
+                <a:tab pos="5791200" algn="l"/>
+                <a:tab pos="6515100" algn="l"/>
+                <a:tab pos="7239000" algn="l"/>
+                <a:tab pos="7962900" algn="l"/>
+                <a:tab pos="8686800" algn="l"/>
+              </a:tabLst>
+              <a:defRPr sz="2400">
+                <a:solidFill>
+                  <a:srgbClr val="000000"/>
+                </a:solidFill>
+                <a:latin typeface="Times New Roman" charset="0"/>
+                <a:ea typeface="ＭＳ Ｐゴシック" charset="0"/>
+                <a:cs typeface="msgothic" charset="0"/>
+              </a:defRPr>
+            </a:lvl9pPr>
+          </a:lstStyle>
+          <a:p>
+            <a:pPr algn="ctr"/>
+            <a:r>
+              <a:rPr lang="en-GB" sz="1500" b="1" dirty="0" smtClean="0">
+                <a:latin typeface="Arial" charset="0"/>
+              </a:rPr>
+              <a:t>Genetic </a:t>
+            </a:r>
+            <a:r>
+              <a:rPr lang="en-GB" sz="1500" b="1" dirty="0">
+                <a:latin typeface="Arial" charset="0"/>
+              </a:rPr>
+              <a:t>alterations and the progression of colorectal cancer. </a:t>
+            </a:r>
+          </a:p>
+        </p:txBody>
+      </p:sp>
+      <p:pic>
+        <p:nvPicPr>
+          <p:cNvPr id="3074" name="Picture 2"/>
+          <p:cNvPicPr>
+            <a:picLocks noChangeAspect="1" noChangeArrowheads="1"/>
+          </p:cNvPicPr>
+          <p:nvPr/>
+        </p:nvPicPr>
+        <p:blipFill>
+          <a:blip r:embed="rId3">
+            <a:extLst>
+              <a:ext uri="{28A0092B-C50C-407E-A947-70E740481C1C}">
+                <a14:useLocalDpi xmlns:a14="http://schemas.microsoft.com/office/drawing/2010/main" val="0"/>
+              </a:ext>
+            </a:extLst>
+          </a:blip>
+          <a:srcRect/>
+          <a:stretch>
+            <a:fillRect/>
+          </a:stretch>
+        </p:blipFill>
+        <p:spPr bwMode="auto">
+          <a:xfrm>
+            <a:off x="7729920" y="5943505"/>
+            <a:ext cx="1226880" cy="652388"/>
+          </a:xfrm>
+          <a:prstGeom prst="rect">
+            <a:avLst/>
+          </a:prstGeom>
+          <a:noFill/>
+          <a:ln>
+            <a:noFill/>
+          </a:ln>
+          <a:effectLst/>
+          <a:extLst>
+            <a:ext uri="{909E8E84-426E-40dd-AFC4-6F175D3DCCD1}">
+              <a14:hiddenFill xmlns:a14="http://schemas.microsoft.com/office/drawing/2010/main">
+                <a:blipFill dpi="0" rotWithShape="0">
+                  <a:blip/>
+                  <a:srcRect/>
+                  <a:stretch>
+                    <a:fillRect/>
+                  </a:stretch>
+                </a:blipFill>
+              </a14:hiddenFill>
+            </a:ext>
+            <a:ext uri="{91240B29-F687-4f45-9708-019B960494DF}">
+              <a14:hiddenLine xmlns:a14="http://schemas.microsoft.com/office/drawing/2010/main" w="9525">
+                <a:solidFill>
+                  <a:srgbClr val="FFFFFF"/>
+                </a:solidFill>
+                <a:round/>
+                <a:headEnd/>
+                <a:tailEnd/>
+              </a14:hiddenLine>
+            </a:ext>
+            <a:ext uri="{AF507438-7753-43e0-B8FC-AC1667EBCBE1}">
+              <a14:hiddenEffects xmlns:a14="http://schemas.microsoft.com/office/drawing/2010/main">
+                <a:effectLst>
+                  <a:outerShdw blurRad="63500" dist="38099" dir="2700000" algn="ctr" rotWithShape="0">
+                    <a:srgbClr val="000000">
+                      <a:alpha val="74998"/>
+                    </a:srgbClr>
+                  </a:outerShdw>
+                </a:effectLst>
+              </a14:hiddenEffects>
+            </a:ext>
+          </a:extLst>
+        </p:spPr>
+      </p:pic>
+      <p:pic>
+        <p:nvPicPr>
+          <p:cNvPr id="3075" name="Picture 3"/>
+          <p:cNvPicPr>
+            <a:picLocks noChangeAspect="1" noChangeArrowheads="1"/>
+          </p:cNvPicPr>
+          <p:nvPr/>
+        </p:nvPicPr>
+        <p:blipFill>
+          <a:blip r:embed="rId4">
+            <a:extLst>
+              <a:ext uri="{28A0092B-C50C-407E-A947-70E740481C1C}">
+                <a14:useLocalDpi xmlns:a14="http://schemas.microsoft.com/office/drawing/2010/main" val="0"/>
+              </a:ext>
+            </a:extLst>
+          </a:blip>
+          <a:srcRect/>
+          <a:stretch>
+            <a:fillRect/>
+          </a:stretch>
+        </p:blipFill>
+        <p:spPr bwMode="auto">
+          <a:xfrm>
+            <a:off x="671040" y="2394972"/>
+            <a:ext cx="7804800" cy="2060856"/>
+          </a:xfrm>
+          <a:prstGeom prst="rect">
+            <a:avLst/>
+          </a:prstGeom>
+          <a:noFill/>
+          <a:ln>
+            <a:noFill/>
+          </a:ln>
+          <a:effectLst/>
+          <a:extLst>
+            <a:ext uri="{909E8E84-426E-40dd-AFC4-6F175D3DCCD1}">
+              <a14:hiddenFill xmlns:a14="http://schemas.microsoft.com/office/drawing/2010/main">
+                <a:blipFill dpi="0" rotWithShape="0">
+                  <a:blip/>
+                  <a:srcRect/>
+                  <a:stretch>
+                    <a:fillRect/>
+                  </a:stretch>
+                </a:blipFill>
+              </a14:hiddenFill>
+            </a:ext>
+            <a:ext uri="{91240B29-F687-4f45-9708-019B960494DF}">
+              <a14:hiddenLine xmlns:a14="http://schemas.microsoft.com/office/drawing/2010/main" w="9525">
+                <a:solidFill>
+                  <a:srgbClr val="FFFFFF"/>
+                </a:solidFill>
+                <a:round/>
+                <a:headEnd/>
+                <a:tailEnd/>
+              </a14:hiddenLine>
+            </a:ext>
+            <a:ext uri="{AF507438-7753-43e0-B8FC-AC1667EBCBE1}">
+              <a14:hiddenEffects xmlns:a14="http://schemas.microsoft.com/office/drawing/2010/main">
+                <a:effectLst>
+                  <a:outerShdw blurRad="63500" dist="38099" dir="2700000" algn="ctr" rotWithShape="0">
+                    <a:srgbClr val="000000">
+                      <a:alpha val="74998"/>
+                    </a:srgbClr>
+                  </a:outerShdw>
+                </a:effectLst>
+              </a14:hiddenEffects>
+            </a:ext>
+          </a:extLst>
+        </p:spPr>
+      </p:pic>
+      <p:sp>
+        <p:nvSpPr>
+          <p:cNvPr id="3076" name="Text Box 4"/>
+          <p:cNvSpPr txBox="1">
+            <a:spLocks noChangeArrowheads="1"/>
+          </p:cNvSpPr>
+          <p:nvPr/>
+        </p:nvSpPr>
+        <p:spPr bwMode="auto">
+          <a:xfrm>
+            <a:off x="671040" y="5972308"/>
+            <a:ext cx="3918240" cy="231864"/>
+          </a:xfrm>
+          <a:prstGeom prst="rect">
+            <a:avLst/>
+          </a:prstGeom>
+          <a:noFill/>
+          <a:ln>
+            <a:noFill/>
+          </a:ln>
+          <a:effectLst/>
+          <a:extLst>
+            <a:ext uri="{909E8E84-426E-40dd-AFC4-6F175D3DCCD1}">
+              <a14:hiddenFill xmlns:a14="http://schemas.microsoft.com/office/drawing/2010/main">
+                <a:solidFill>
+                  <a:srgbClr val="FFFFFF"/>
+                </a:solidFill>
+              </a14:hiddenFill>
+            </a:ext>
+            <a:ext uri="{91240B29-F687-4f45-9708-019B960494DF}">
+              <a14:hiddenLine xmlns:a14="http://schemas.microsoft.com/office/drawing/2010/main" w="9525">
+                <a:solidFill>
+                  <a:srgbClr val="FFFFFF"/>
+                </a:solidFill>
+                <a:round/>
+                <a:headEnd/>
+                <a:tailEnd/>
+              </a14:hiddenLine>
+            </a:ext>
+            <a:ext uri="{AF507438-7753-43e0-B8FC-AC1667EBCBE1}">
+              <a14:hiddenEffects xmlns:a14="http://schemas.microsoft.com/office/drawing/2010/main">
+                <a:effectLst>
+                  <a:outerShdw blurRad="63500" dist="38099" dir="2700000" algn="ctr" rotWithShape="0">
+                    <a:srgbClr val="000000">
+                      <a:alpha val="74998"/>
+                    </a:srgbClr>
+                  </a:outerShdw>
+                </a:effectLst>
+              </a14:hiddenEffects>
+            </a:ext>
+          </a:extLst>
+        </p:spPr>
+        <p:txBody>
+          <a:bodyPr lIns="0" tIns="0" rIns="0" bIns="0"/>
+          <a:lstStyle>
+            <a:lvl1pPr>
+              <a:tabLst>
+                <a:tab pos="723900" algn="l"/>
+                <a:tab pos="1447800" algn="l"/>
+                <a:tab pos="2171700" algn="l"/>
+                <a:tab pos="2895600" algn="l"/>
+                <a:tab pos="3619500" algn="l"/>
+              </a:tabLst>
+              <a:defRPr sz="2400">
+                <a:solidFill>
+                  <a:srgbClr val="000000"/>
+                </a:solidFill>
+                <a:latin typeface="Times New Roman" charset="0"/>
+                <a:ea typeface="ＭＳ Ｐゴシック" charset="0"/>
+                <a:cs typeface="msgothic" charset="0"/>
+              </a:defRPr>
+            </a:lvl1pPr>
+            <a:lvl2pPr>
+              <a:tabLst>
+                <a:tab pos="723900" algn="l"/>
+                <a:tab pos="1447800" algn="l"/>
+                <a:tab pos="2171700" algn="l"/>
+                <a:tab pos="2895600" algn="l"/>
+                <a:tab pos="3619500" algn="l"/>
+              </a:tabLst>
+              <a:defRPr sz="2400">
+                <a:solidFill>
+                  <a:srgbClr val="000000"/>
+                </a:solidFill>
+                <a:latin typeface="Times New Roman" charset="0"/>
+                <a:ea typeface="ＭＳ Ｐゴシック" charset="0"/>
+                <a:cs typeface="msgothic" charset="0"/>
+              </a:defRPr>
+            </a:lvl2pPr>
+            <a:lvl3pPr>
+              <a:tabLst>
+                <a:tab pos="723900" algn="l"/>
+                <a:tab pos="1447800" algn="l"/>
+                <a:tab pos="2171700" algn="l"/>
+                <a:tab pos="2895600" algn="l"/>
+                <a:tab pos="3619500" algn="l"/>
+              </a:tabLst>
+              <a:defRPr sz="2400">
+                <a:solidFill>
+                  <a:srgbClr val="000000"/>
+                </a:solidFill>
+                <a:latin typeface="Times New Roman" charset="0"/>
+                <a:ea typeface="ＭＳ Ｐゴシック" charset="0"/>
+                <a:cs typeface="msgothic" charset="0"/>
+              </a:defRPr>
+            </a:lvl3pPr>
+            <a:lvl4pPr>
+              <a:tabLst>
+                <a:tab pos="723900" algn="l"/>
+                <a:tab pos="1447800" algn="l"/>
+                <a:tab pos="2171700" algn="l"/>
+                <a:tab pos="2895600" algn="l"/>
+                <a:tab pos="3619500" algn="l"/>
+              </a:tabLst>
+              <a:defRPr sz="2400">
+                <a:solidFill>
+                  <a:srgbClr val="000000"/>
+                </a:solidFill>
+                <a:latin typeface="Times New Roman" charset="0"/>
+                <a:ea typeface="ＭＳ Ｐゴシック" charset="0"/>
+                <a:cs typeface="msgothic" charset="0"/>
+              </a:defRPr>
+            </a:lvl4pPr>
+            <a:lvl5pPr>
+              <a:tabLst>
+                <a:tab pos="723900" algn="l"/>
+                <a:tab pos="1447800" algn="l"/>
+                <a:tab pos="2171700" algn="l"/>
+                <a:tab pos="2895600" algn="l"/>
+                <a:tab pos="3619500" algn="l"/>
+              </a:tabLst>
+              <a:defRPr sz="2400">
+                <a:solidFill>
+                  <a:srgbClr val="000000"/>
+                </a:solidFill>
+                <a:latin typeface="Times New Roman" charset="0"/>
+                <a:ea typeface="ＭＳ Ｐゴシック" charset="0"/>
+                <a:cs typeface="msgothic" charset="0"/>
+              </a:defRPr>
+            </a:lvl5pPr>
+            <a:lvl6pPr marL="1536700" indent="-215900" fontAlgn="base" hangingPunct="0">
+              <a:lnSpc>
+                <a:spcPct val="93000"/>
+              </a:lnSpc>
+              <a:spcBef>
+                <a:spcPct val="0"/>
+              </a:spcBef>
+              <a:spcAft>
+                <a:spcPct val="0"/>
+              </a:spcAft>
+              <a:buClr>
+                <a:srgbClr val="000000"/>
+              </a:buClr>
+              <a:buSzPct val="45000"/>
+              <a:buFont typeface="Wingdings" charset="0"/>
+              <a:tabLst>
+                <a:tab pos="723900" algn="l"/>
+                <a:tab pos="1447800" algn="l"/>
+                <a:tab pos="2171700" algn="l"/>
+                <a:tab pos="2895600" algn="l"/>
+                <a:tab pos="3619500" algn="l"/>
+              </a:tabLst>
+              <a:defRPr sz="2400">
+                <a:solidFill>
+                  <a:srgbClr val="000000"/>
+                </a:solidFill>
+                <a:latin typeface="Times New Roman" charset="0"/>
+                <a:ea typeface="ＭＳ Ｐゴシック" charset="0"/>
+                <a:cs typeface="msgothic" charset="0"/>
+              </a:defRPr>
+            </a:lvl6pPr>
+            <a:lvl7pPr marL="1993900" indent="-215900" fontAlgn="base" hangingPunct="0">
+              <a:lnSpc>
+                <a:spcPct val="93000"/>
+              </a:lnSpc>
+              <a:spcBef>
+                <a:spcPct val="0"/>
+              </a:spcBef>
+              <a:spcAft>
+                <a:spcPct val="0"/>
+              </a:spcAft>
+              <a:buClr>
+                <a:srgbClr val="000000"/>
+              </a:buClr>
+              <a:buSzPct val="45000"/>
+              <a:buFont typeface="Wingdings" charset="0"/>
+              <a:tabLst>
+                <a:tab pos="723900" algn="l"/>
+                <a:tab pos="1447800" algn="l"/>
+                <a:tab pos="2171700" algn="l"/>
+                <a:tab pos="2895600" algn="l"/>
+                <a:tab pos="3619500" algn="l"/>
+              </a:tabLst>
+              <a:defRPr sz="2400">
+                <a:solidFill>
+                  <a:srgbClr val="000000"/>
+                </a:solidFill>
+                <a:latin typeface="Times New Roman" charset="0"/>
+                <a:ea typeface="ＭＳ Ｐゴシック" charset="0"/>
+                <a:cs typeface="msgothic" charset="0"/>
+              </a:defRPr>
+            </a:lvl7pPr>
+            <a:lvl8pPr marL="2451100" indent="-215900" fontAlgn="base" hangingPunct="0">
+              <a:lnSpc>
+                <a:spcPct val="93000"/>
+              </a:lnSpc>
+              <a:spcBef>
+                <a:spcPct val="0"/>
+              </a:spcBef>
+              <a:spcAft>
+                <a:spcPct val="0"/>
+              </a:spcAft>
+              <a:buClr>
+                <a:srgbClr val="000000"/>
+              </a:buClr>
+              <a:buSzPct val="45000"/>
+              <a:buFont typeface="Wingdings" charset="0"/>
+              <a:tabLst>
+                <a:tab pos="723900" algn="l"/>
+                <a:tab pos="1447800" algn="l"/>
+                <a:tab pos="2171700" algn="l"/>
+                <a:tab pos="2895600" algn="l"/>
+                <a:tab pos="3619500" algn="l"/>
+              </a:tabLst>
+              <a:defRPr sz="2400">
+                <a:solidFill>
+                  <a:srgbClr val="000000"/>
+                </a:solidFill>
+                <a:latin typeface="Times New Roman" charset="0"/>
+                <a:ea typeface="ＭＳ Ｐゴシック" charset="0"/>
+                <a:cs typeface="msgothic" charset="0"/>
+              </a:defRPr>
+            </a:lvl8pPr>
+            <a:lvl9pPr marL="2908300" indent="-215900" fontAlgn="base" hangingPunct="0">
+              <a:lnSpc>
+                <a:spcPct val="93000"/>
+              </a:lnSpc>
+              <a:spcBef>
+                <a:spcPct val="0"/>
+              </a:spcBef>
+              <a:spcAft>
+                <a:spcPct val="0"/>
+              </a:spcAft>
+              <a:buClr>
+                <a:srgbClr val="000000"/>
+              </a:buClr>
+              <a:buSzPct val="45000"/>
+              <a:buFont typeface="Wingdings" charset="0"/>
+              <a:tabLst>
+                <a:tab pos="723900" algn="l"/>
+                <a:tab pos="1447800" algn="l"/>
+                <a:tab pos="2171700" algn="l"/>
+                <a:tab pos="2895600" algn="l"/>
+                <a:tab pos="3619500" algn="l"/>
+              </a:tabLst>
+              <a:defRPr sz="2400">
+                <a:solidFill>
+                  <a:srgbClr val="000000"/>
+                </a:solidFill>
+                <a:latin typeface="Times New Roman" charset="0"/>
+                <a:ea typeface="ＭＳ Ｐゴシック" charset="0"/>
+                <a:cs typeface="msgothic" charset="0"/>
+              </a:defRPr>
+            </a:lvl9pPr>
+          </a:lstStyle>
+          <a:p>
+            <a:r>
+              <a:rPr lang="en-GB" sz="1100" b="1">
+                <a:latin typeface="Arial" charset="0"/>
+              </a:rPr>
+              <a:t>Bert Vogelstein et al. Science 2013;339:1546-1558</a:t>
+            </a:r>
+          </a:p>
+        </p:txBody>
+      </p:sp>
+      <p:sp>
+        <p:nvSpPr>
+          <p:cNvPr id="3077" name="Text Box 5"/>
+          <p:cNvSpPr txBox="1">
+            <a:spLocks noChangeArrowheads="1"/>
+          </p:cNvSpPr>
+          <p:nvPr/>
+        </p:nvSpPr>
+        <p:spPr bwMode="auto">
+          <a:xfrm>
+            <a:off x="97920" y="6613175"/>
+            <a:ext cx="4930560" cy="3470764"/>
+          </a:xfrm>
+          <a:prstGeom prst="rect">
+            <a:avLst/>
+          </a:prstGeom>
+          <a:noFill/>
+          <a:ln>
+            <a:noFill/>
+          </a:ln>
+          <a:effectLst/>
+          <a:extLst>
+            <a:ext uri="{909E8E84-426E-40dd-AFC4-6F175D3DCCD1}">
+              <a14:hiddenFill xmlns:a14="http://schemas.microsoft.com/office/drawing/2010/main">
+                <a:solidFill>
+                  <a:srgbClr val="FFFFFF"/>
+                </a:solidFill>
+              </a14:hiddenFill>
+            </a:ext>
+            <a:ext uri="{91240B29-F687-4f45-9708-019B960494DF}">
+              <a14:hiddenLine xmlns:a14="http://schemas.microsoft.com/office/drawing/2010/main" w="9525">
+                <a:solidFill>
+                  <a:srgbClr val="000000"/>
+                </a:solidFill>
+                <a:round/>
+                <a:headEnd/>
+                <a:tailEnd/>
+              </a14:hiddenLine>
+            </a:ext>
+            <a:ext uri="{AF507438-7753-43e0-B8FC-AC1667EBCBE1}">
+              <a14:hiddenEffects xmlns:a14="http://schemas.microsoft.com/office/drawing/2010/main">
+                <a:effectLst>
+                  <a:outerShdw blurRad="63500" dist="38099" dir="2700000" algn="ctr" rotWithShape="0">
+                    <a:srgbClr val="000000">
+                      <a:alpha val="74998"/>
+                    </a:srgbClr>
+                  </a:outerShdw>
+                </a:effectLst>
+              </a14:hiddenEffects>
+            </a:ext>
+          </a:extLst>
+        </p:spPr>
+        <p:txBody>
+          <a:bodyPr lIns="0" tIns="0" rIns="0" bIns="0"/>
+          <a:lstStyle>
+            <a:lvl1pPr marL="85725" indent="-85725">
+              <a:tabLst>
+                <a:tab pos="723900" algn="l"/>
+                <a:tab pos="1447800" algn="l"/>
+                <a:tab pos="2171700" algn="l"/>
+                <a:tab pos="2895600" algn="l"/>
+                <a:tab pos="3619500" algn="l"/>
+                <a:tab pos="4343400" algn="l"/>
+                <a:tab pos="5067300" algn="l"/>
+              </a:tabLst>
+              <a:defRPr sz="2400">
+                <a:solidFill>
+                  <a:srgbClr val="000000"/>
+                </a:solidFill>
+                <a:latin typeface="Times New Roman" charset="0"/>
+                <a:ea typeface="ＭＳ Ｐゴシック" charset="0"/>
+                <a:cs typeface="msgothic" charset="0"/>
+              </a:defRPr>
+            </a:lvl1pPr>
+            <a:lvl2pPr>
+              <a:tabLst>
+                <a:tab pos="723900" algn="l"/>
+                <a:tab pos="1447800" algn="l"/>
+                <a:tab pos="2171700" algn="l"/>
+                <a:tab pos="2895600" algn="l"/>
+                <a:tab pos="3619500" algn="l"/>
+                <a:tab pos="4343400" algn="l"/>
+                <a:tab pos="5067300" algn="l"/>
+              </a:tabLst>
+              <a:defRPr sz="2400">
+                <a:solidFill>
+                  <a:srgbClr val="000000"/>
+                </a:solidFill>
+                <a:latin typeface="Times New Roman" charset="0"/>
+                <a:ea typeface="ＭＳ Ｐゴシック" charset="0"/>
+                <a:cs typeface="msgothic" charset="0"/>
+              </a:defRPr>
+            </a:lvl2pPr>
+            <a:lvl3pPr>
+              <a:tabLst>
+                <a:tab pos="723900" algn="l"/>
+                <a:tab pos="1447800" algn="l"/>
+                <a:tab pos="2171700" algn="l"/>
+                <a:tab pos="2895600" algn="l"/>
+                <a:tab pos="3619500" algn="l"/>
+                <a:tab pos="4343400" algn="l"/>
+                <a:tab pos="5067300" algn="l"/>
+              </a:tabLst>
+              <a:defRPr sz="2400">
+                <a:solidFill>
+                  <a:srgbClr val="000000"/>
+                </a:solidFill>
+                <a:latin typeface="Times New Roman" charset="0"/>
+                <a:ea typeface="ＭＳ Ｐゴシック" charset="0"/>
+                <a:cs typeface="msgothic" charset="0"/>
+              </a:defRPr>
+            </a:lvl3pPr>
+            <a:lvl4pPr>
+              <a:tabLst>
+                <a:tab pos="723900" algn="l"/>
+                <a:tab pos="1447800" algn="l"/>
+                <a:tab pos="2171700" algn="l"/>
+                <a:tab pos="2895600" algn="l"/>
+                <a:tab pos="3619500" algn="l"/>
+                <a:tab pos="4343400" algn="l"/>
+                <a:tab pos="5067300" algn="l"/>
+              </a:tabLst>
+              <a:defRPr sz="2400">
+                <a:solidFill>
+                  <a:srgbClr val="000000"/>
+                </a:solidFill>
+                <a:latin typeface="Times New Roman" charset="0"/>
+                <a:ea typeface="ＭＳ Ｐゴシック" charset="0"/>
+                <a:cs typeface="msgothic" charset="0"/>
+              </a:defRPr>
+            </a:lvl4pPr>
+            <a:lvl5pPr>
+              <a:tabLst>
+                <a:tab pos="723900" algn="l"/>
+                <a:tab pos="1447800" algn="l"/>
+                <a:tab pos="2171700" algn="l"/>
+                <a:tab pos="2895600" algn="l"/>
+                <a:tab pos="3619500" algn="l"/>
+                <a:tab pos="4343400" algn="l"/>
+                <a:tab pos="5067300" algn="l"/>
+              </a:tabLst>
+              <a:defRPr sz="2400">
+                <a:solidFill>
+                  <a:srgbClr val="000000"/>
+                </a:solidFill>
+                <a:latin typeface="Times New Roman" charset="0"/>
+                <a:ea typeface="ＭＳ Ｐゴシック" charset="0"/>
+                <a:cs typeface="msgothic" charset="0"/>
+              </a:defRPr>
+            </a:lvl5pPr>
+            <a:lvl6pPr marL="1536700" indent="-215900" fontAlgn="base" hangingPunct="0">
+              <a:lnSpc>
+                <a:spcPct val="93000"/>
+              </a:lnSpc>
+              <a:spcBef>
+                <a:spcPct val="0"/>
+              </a:spcBef>
+              <a:spcAft>
+                <a:spcPct val="0"/>
+              </a:spcAft>
+              <a:buClr>
+                <a:srgbClr val="000000"/>
+              </a:buClr>
+              <a:buSzPct val="45000"/>
+              <a:buFont typeface="Wingdings" charset="0"/>
+              <a:tabLst>
+                <a:tab pos="723900" algn="l"/>
+                <a:tab pos="1447800" algn="l"/>
+                <a:tab pos="2171700" algn="l"/>
+                <a:tab pos="2895600" algn="l"/>
+                <a:tab pos="3619500" algn="l"/>
+                <a:tab pos="4343400" algn="l"/>
+                <a:tab pos="5067300" algn="l"/>
+              </a:tabLst>
+              <a:defRPr sz="2400">
+                <a:solidFill>
+                  <a:srgbClr val="000000"/>
+                </a:solidFill>
+                <a:latin typeface="Times New Roman" charset="0"/>
+                <a:ea typeface="ＭＳ Ｐゴシック" charset="0"/>
+                <a:cs typeface="msgothic" charset="0"/>
+              </a:defRPr>
+            </a:lvl6pPr>
+            <a:lvl7pPr marL="1993900" indent="-215900" fontAlgn="base" hangingPunct="0">
+              <a:lnSpc>
+                <a:spcPct val="93000"/>
+              </a:lnSpc>
+              <a:spcBef>
+                <a:spcPct val="0"/>
+              </a:spcBef>
+              <a:spcAft>
+                <a:spcPct val="0"/>
+              </a:spcAft>
+              <a:buClr>
+                <a:srgbClr val="000000"/>
+              </a:buClr>
+              <a:buSzPct val="45000"/>
+              <a:buFont typeface="Wingdings" charset="0"/>
+              <a:tabLst>
+                <a:tab pos="723900" algn="l"/>
+                <a:tab pos="1447800" algn="l"/>
+                <a:tab pos="2171700" algn="l"/>
+                <a:tab pos="2895600" algn="l"/>
+                <a:tab pos="3619500" algn="l"/>
+                <a:tab pos="4343400" algn="l"/>
+                <a:tab pos="5067300" algn="l"/>
+              </a:tabLst>
+              <a:defRPr sz="2400">
+                <a:solidFill>
+                  <a:srgbClr val="000000"/>
+                </a:solidFill>
+                <a:latin typeface="Times New Roman" charset="0"/>
+                <a:ea typeface="ＭＳ Ｐゴシック" charset="0"/>
+                <a:cs typeface="msgothic" charset="0"/>
+              </a:defRPr>
+            </a:lvl7pPr>
+            <a:lvl8pPr marL="2451100" indent="-215900" fontAlgn="base" hangingPunct="0">
+              <a:lnSpc>
+                <a:spcPct val="93000"/>
+              </a:lnSpc>
+              <a:spcBef>
+                <a:spcPct val="0"/>
+              </a:spcBef>
+              <a:spcAft>
+                <a:spcPct val="0"/>
+              </a:spcAft>
+              <a:buClr>
+                <a:srgbClr val="000000"/>
+              </a:buClr>
+              <a:buSzPct val="45000"/>
+              <a:buFont typeface="Wingdings" charset="0"/>
+              <a:tabLst>
+                <a:tab pos="723900" algn="l"/>
+                <a:tab pos="1447800" algn="l"/>
+                <a:tab pos="2171700" algn="l"/>
+                <a:tab pos="2895600" algn="l"/>
+                <a:tab pos="3619500" algn="l"/>
+                <a:tab pos="4343400" algn="l"/>
+                <a:tab pos="5067300" algn="l"/>
+              </a:tabLst>
+              <a:defRPr sz="2400">
+                <a:solidFill>
+                  <a:srgbClr val="000000"/>
+                </a:solidFill>
+                <a:latin typeface="Times New Roman" charset="0"/>
+                <a:ea typeface="ＭＳ Ｐゴシック" charset="0"/>
+                <a:cs typeface="msgothic" charset="0"/>
+              </a:defRPr>
+            </a:lvl8pPr>
+            <a:lvl9pPr marL="2908300" indent="-215900" fontAlgn="base" hangingPunct="0">
+              <a:lnSpc>
+                <a:spcPct val="93000"/>
+              </a:lnSpc>
+              <a:spcBef>
+                <a:spcPct val="0"/>
+              </a:spcBef>
+              <a:spcAft>
+                <a:spcPct val="0"/>
+              </a:spcAft>
+              <a:buClr>
+                <a:srgbClr val="000000"/>
+              </a:buClr>
+              <a:buSzPct val="45000"/>
+              <a:buFont typeface="Wingdings" charset="0"/>
+              <a:tabLst>
+                <a:tab pos="723900" algn="l"/>
+                <a:tab pos="1447800" algn="l"/>
+                <a:tab pos="2171700" algn="l"/>
+                <a:tab pos="2895600" algn="l"/>
+                <a:tab pos="3619500" algn="l"/>
+                <a:tab pos="4343400" algn="l"/>
+                <a:tab pos="5067300" algn="l"/>
+              </a:tabLst>
+              <a:defRPr sz="2400">
+                <a:solidFill>
+                  <a:srgbClr val="000000"/>
+                </a:solidFill>
+                <a:latin typeface="Times New Roman" charset="0"/>
+                <a:ea typeface="ＭＳ Ｐゴシック" charset="0"/>
+                <a:cs typeface="msgothic" charset="0"/>
+              </a:defRPr>
+            </a:lvl9pPr>
+          </a:lstStyle>
+          <a:p>
+            <a:r>
+              <a:rPr lang="en-GB" sz="900">
+                <a:latin typeface="Arial" charset="0"/>
+              </a:rPr>
+              <a:t>Published by AAAS</a:t>
+            </a:r>
+          </a:p>
+        </p:txBody>
+      </p:sp>
+      <p:sp>
+        <p:nvSpPr>
+          <p:cNvPr id="2" name="TextBox 1"/>
+          <p:cNvSpPr txBox="1"/>
+          <p:nvPr/>
+        </p:nvSpPr>
+        <p:spPr>
+          <a:xfrm rot="19584960">
+            <a:off x="2444955" y="1534922"/>
+            <a:ext cx="2379490" cy="369332"/>
+          </a:xfrm>
+          <a:prstGeom prst="rect">
+            <a:avLst/>
+          </a:prstGeom>
+          <a:noFill/>
+        </p:spPr>
+        <p:txBody>
+          <a:bodyPr wrap="none" rtlCol="0">
+            <a:spAutoFit/>
+          </a:bodyPr>
+          <a:lstStyle/>
+          <a:p>
+            <a:r>
+              <a:rPr lang="en-US" dirty="0" smtClean="0"/>
+              <a:t>Gatekeeping mutation</a:t>
+            </a:r>
+            <a:endParaRPr lang="en-US" dirty="0"/>
+          </a:p>
+        </p:txBody>
+      </p:sp>
+      <p:sp>
+        <p:nvSpPr>
+          <p:cNvPr id="8" name="TextBox 7"/>
+          <p:cNvSpPr txBox="1"/>
+          <p:nvPr/>
+        </p:nvSpPr>
+        <p:spPr>
+          <a:xfrm rot="19584960">
+            <a:off x="4331659" y="1534923"/>
+            <a:ext cx="2391325" cy="369332"/>
+          </a:xfrm>
+          <a:prstGeom prst="rect">
+            <a:avLst/>
+          </a:prstGeom>
+          <a:noFill/>
+        </p:spPr>
+        <p:txBody>
+          <a:bodyPr wrap="none" rtlCol="0">
+            <a:spAutoFit/>
+          </a:bodyPr>
+          <a:lstStyle/>
+          <a:p>
+            <a:r>
+              <a:rPr lang="en-US" dirty="0" smtClean="0"/>
+              <a:t>Second driver mutation</a:t>
+            </a:r>
+            <a:endParaRPr lang="en-US" dirty="0"/>
+          </a:p>
+        </p:txBody>
+      </p:sp>
+      <p:sp>
+        <p:nvSpPr>
+          <p:cNvPr id="10" name="TextBox 9"/>
+          <p:cNvSpPr txBox="1"/>
+          <p:nvPr/>
+        </p:nvSpPr>
+        <p:spPr>
+          <a:xfrm rot="19584960">
+            <a:off x="6392277" y="1474727"/>
+            <a:ext cx="2161845" cy="369332"/>
+          </a:xfrm>
+          <a:prstGeom prst="rect">
+            <a:avLst/>
+          </a:prstGeom>
+          <a:noFill/>
+        </p:spPr>
+        <p:txBody>
+          <a:bodyPr wrap="none" rtlCol="0">
+            <a:spAutoFit/>
+          </a:bodyPr>
+          <a:lstStyle/>
+          <a:p>
+            <a:r>
+              <a:rPr lang="en-US" dirty="0" smtClean="0"/>
+              <a:t>third driver mutation</a:t>
+            </a:r>
+            <a:endParaRPr lang="en-US" dirty="0"/>
+          </a:p>
+        </p:txBody>
+      </p:sp>
+    </p:spTree>
+  </p:cSld>
+  <p:clrMapOvr>
+    <a:masterClrMapping/>
+  </p:clrMapOvr>
+  <p:transition xmlns:p14="http://schemas.microsoft.com/office/powerpoint/2010/main" spd="med"/>
+  <p:timing>
+    <p:tnLst>
+      <p:par>
+        <p:cTn xmlns:p14="http://schemas.microsoft.com/office/powerpoint/2010/main" id="1" dur="indefinite" restart="never" nodeType="tmRoot">
+          <p:childTnLst>
+            <p:seq concurrent="1" nextAc="seek">
+              <p:cTn id="2" dur="0" nodeType="mainSeq"/>
+              <p:prevCondLst>
+                <p:cond evt="onPrev" delay="0">
+                  <p:tgtEl>
+                    <p:sldTgt/>
+                  </p:tgtEl>
+                </p:cond>
+              </p:prevCondLst>
+              <p:nextCondLst>
+                <p:cond evt="onNext" delay="0">
+                  <p:tgtEl>
+                    <p:sldTgt/>
+                  </p:tgtEl>
+                </p:cond>
+              </p:nextCondLst>
+            </p:seq>
+          </p:childTnLst>
+        </p:cTn>
+      </p:par>
+    </p:tnLst>
+  </p:timing>
+</p:sld>
+</file>
+
+<file path=ppt/slides/slide11.xml><?xml version="1.0" encoding="utf-8"?>
+<p:sld xmlns:a="http://schemas.openxmlformats.org/drawingml/2006/main" xmlns:r="http://schemas.openxmlformats.org/officeDocument/2006/relationships" xmlns:p="http://schemas.openxmlformats.org/presentationml/2006/main">
+  <p:cSld>
+    <p:spTree>
+      <p:nvGrpSpPr>
+        <p:cNvPr id="1" name=""/>
+        <p:cNvGrpSpPr/>
+        <p:nvPr/>
+      </p:nvGrpSpPr>
+      <p:grpSpPr>
+        <a:xfrm>
+          <a:off x="0" y="0"/>
+          <a:ext cx="0" cy="0"/>
+          <a:chOff x="0" y="0"/>
+          <a:chExt cx="0" cy="0"/>
+        </a:xfrm>
+      </p:grpSpPr>
       <p:pic>
         <p:nvPicPr>
           <p:cNvPr id="4" name="Picture 3"/>
@@ -5084,7 +6281,7 @@
 </p:sld>
 </file>
 
-<file path=ppt/slides/slide11.xml><?xml version="1.0" encoding="utf-8"?>
+<file path=ppt/slides/slide12.xml><?xml version="1.0" encoding="utf-8"?>
 <p:sld xmlns:a="http://schemas.openxmlformats.org/drawingml/2006/main" xmlns:r="http://schemas.openxmlformats.org/officeDocument/2006/relationships" xmlns:p="http://schemas.openxmlformats.org/presentationml/2006/main">
   <p:cSld>
     <p:spTree>
@@ -5205,7 +6402,7 @@
 </p:sld>
 </file>
 
-<file path=ppt/slides/slide12.xml><?xml version="1.0" encoding="utf-8"?>
+<file path=ppt/slides/slide13.xml><?xml version="1.0" encoding="utf-8"?>
 <p:sld xmlns:a="http://schemas.openxmlformats.org/drawingml/2006/main" xmlns:r="http://schemas.openxmlformats.org/officeDocument/2006/relationships" xmlns:p="http://schemas.openxmlformats.org/presentationml/2006/main">
   <p:cSld>
     <p:spTree>
@@ -5254,161 +6451,6 @@
     <p:extLst>
       <p:ext uri="{BB962C8B-B14F-4D97-AF65-F5344CB8AC3E}">
         <p14:creationId xmlns:p14="http://schemas.microsoft.com/office/powerpoint/2010/main" val="2757269577"/>
-      </p:ext>
-    </p:extLst>
-  </p:cSld>
-  <p:clrMapOvr>
-    <a:masterClrMapping/>
-  </p:clrMapOvr>
-  <p:timing>
-    <p:tnLst>
-      <p:par>
-        <p:cTn xmlns:p14="http://schemas.microsoft.com/office/powerpoint/2010/main" id="1" dur="indefinite" restart="never" nodeType="tmRoot"/>
-      </p:par>
-    </p:tnLst>
-  </p:timing>
-</p:sld>
-</file>
-
-<file path=ppt/slides/slide13.xml><?xml version="1.0" encoding="utf-8"?>
-<p:sld xmlns:a="http://schemas.openxmlformats.org/drawingml/2006/main" xmlns:r="http://schemas.openxmlformats.org/officeDocument/2006/relationships" xmlns:p="http://schemas.openxmlformats.org/presentationml/2006/main">
-  <p:cSld>
-    <p:spTree>
-      <p:nvGrpSpPr>
-        <p:cNvPr id="1" name=""/>
-        <p:cNvGrpSpPr/>
-        <p:nvPr/>
-      </p:nvGrpSpPr>
-      <p:grpSpPr>
-        <a:xfrm>
-          <a:off x="0" y="0"/>
-          <a:ext cx="0" cy="0"/>
-          <a:chOff x="0" y="0"/>
-          <a:chExt cx="0" cy="0"/>
-        </a:xfrm>
-      </p:grpSpPr>
-      <p:sp>
-        <p:nvSpPr>
-          <p:cNvPr id="2" name="Title 1"/>
-          <p:cNvSpPr>
-            <a:spLocks noGrp="1"/>
-          </p:cNvSpPr>
-          <p:nvPr>
-            <p:ph type="title"/>
-          </p:nvPr>
-        </p:nvSpPr>
-        <p:spPr/>
-        <p:txBody>
-          <a:bodyPr/>
-          <a:lstStyle/>
-          <a:p>
-            <a:r>
-              <a:rPr lang="en-US" dirty="0" smtClean="0"/>
-              <a:t>Some statistics…</a:t>
-            </a:r>
-            <a:endParaRPr lang="en-US" dirty="0"/>
-          </a:p>
-        </p:txBody>
-      </p:sp>
-      <p:sp>
-        <p:nvSpPr>
-          <p:cNvPr id="3" name="Content Placeholder 2"/>
-          <p:cNvSpPr>
-            <a:spLocks noGrp="1"/>
-          </p:cNvSpPr>
-          <p:nvPr>
-            <p:ph idx="1"/>
-          </p:nvPr>
-        </p:nvSpPr>
-        <p:spPr/>
-        <p:txBody>
-          <a:bodyPr>
-            <a:normAutofit/>
-          </a:bodyPr>
-          <a:lstStyle/>
-          <a:p>
-            <a:r>
-              <a:rPr lang="en-US" dirty="0" smtClean="0"/>
-              <a:t>From a review published 2013: </a:t>
-            </a:r>
-          </a:p>
-          <a:p>
-            <a:r>
-              <a:rPr lang="en-US" dirty="0" smtClean="0"/>
-              <a:t>~350 cancer driver genes catalogued</a:t>
-            </a:r>
-          </a:p>
-          <a:p>
-            <a:r>
-              <a:rPr lang="en-US" dirty="0" smtClean="0"/>
-              <a:t>5-7 driver mutations per tumor</a:t>
-            </a:r>
-          </a:p>
-          <a:p>
-            <a:pPr marL="400050" lvl="1" indent="0">
-              <a:buNone/>
-            </a:pPr>
-            <a:r>
-              <a:rPr lang="en-US" dirty="0" smtClean="0"/>
-              <a:t>(Stratton et al, The Cancer Genome, Nature 2013)</a:t>
-            </a:r>
-          </a:p>
-          <a:p>
-            <a:endParaRPr lang="en-US" dirty="0" smtClean="0"/>
-          </a:p>
-          <a:p>
-            <a:r>
-              <a:rPr lang="en-US" dirty="0" err="1" smtClean="0"/>
-              <a:t>Exome</a:t>
-            </a:r>
-            <a:r>
-              <a:rPr lang="en-US" dirty="0" smtClean="0"/>
-              <a:t> </a:t>
-            </a:r>
-            <a:r>
-              <a:rPr lang="en-US" dirty="0" err="1" smtClean="0"/>
-              <a:t>seq</a:t>
-            </a:r>
-            <a:r>
-              <a:rPr lang="en-US" dirty="0" smtClean="0"/>
-              <a:t>/WGS studies suggest </a:t>
-            </a:r>
-          </a:p>
-          <a:p>
-            <a:pPr lvl="1"/>
-            <a:r>
-              <a:rPr lang="en-US" dirty="0" smtClean="0"/>
-              <a:t>higher number of driver genes</a:t>
-            </a:r>
-          </a:p>
-          <a:p>
-            <a:pPr lvl="1"/>
-            <a:r>
-              <a:rPr lang="en-US" dirty="0" smtClean="0"/>
-              <a:t>Up to 20 driver mutations per tumor</a:t>
-            </a:r>
-          </a:p>
-          <a:p>
-            <a:pPr marL="0" indent="0">
-              <a:buNone/>
-            </a:pPr>
-            <a:endParaRPr lang="en-US" dirty="0" smtClean="0"/>
-          </a:p>
-          <a:p>
-            <a:endParaRPr lang="en-US" dirty="0" smtClean="0"/>
-          </a:p>
-          <a:p>
-            <a:endParaRPr lang="en-US" dirty="0" smtClean="0"/>
-          </a:p>
-          <a:p>
-            <a:endParaRPr lang="en-US" dirty="0" smtClean="0"/>
-          </a:p>
-        </p:txBody>
-      </p:sp>
-    </p:spTree>
-    <p:extLst>
-      <p:ext uri="{BB962C8B-B14F-4D97-AF65-F5344CB8AC3E}">
-        <p14:creationId xmlns:p14="http://schemas.microsoft.com/office/powerpoint/2010/main" val="3316904145"/>
       </p:ext>
     </p:extLst>
   </p:cSld>
@@ -5459,6 +6501,161 @@
           <a:p>
             <a:r>
               <a:rPr lang="en-US" dirty="0" smtClean="0"/>
+              <a:t>Some statistics…</a:t>
+            </a:r>
+            <a:endParaRPr lang="en-US" dirty="0"/>
+          </a:p>
+        </p:txBody>
+      </p:sp>
+      <p:sp>
+        <p:nvSpPr>
+          <p:cNvPr id="3" name="Content Placeholder 2"/>
+          <p:cNvSpPr>
+            <a:spLocks noGrp="1"/>
+          </p:cNvSpPr>
+          <p:nvPr>
+            <p:ph idx="1"/>
+          </p:nvPr>
+        </p:nvSpPr>
+        <p:spPr/>
+        <p:txBody>
+          <a:bodyPr>
+            <a:normAutofit/>
+          </a:bodyPr>
+          <a:lstStyle/>
+          <a:p>
+            <a:r>
+              <a:rPr lang="en-US" dirty="0" smtClean="0"/>
+              <a:t>From a review published 2013: </a:t>
+            </a:r>
+          </a:p>
+          <a:p>
+            <a:r>
+              <a:rPr lang="en-US" dirty="0" smtClean="0"/>
+              <a:t>~350 cancer driver genes catalogued</a:t>
+            </a:r>
+          </a:p>
+          <a:p>
+            <a:r>
+              <a:rPr lang="en-US" dirty="0" smtClean="0"/>
+              <a:t>5-7 driver mutations per tumor</a:t>
+            </a:r>
+          </a:p>
+          <a:p>
+            <a:pPr marL="400050" lvl="1" indent="0">
+              <a:buNone/>
+            </a:pPr>
+            <a:r>
+              <a:rPr lang="en-US" dirty="0" smtClean="0"/>
+              <a:t>(Stratton et al, The Cancer Genome, Nature 2013)</a:t>
+            </a:r>
+          </a:p>
+          <a:p>
+            <a:endParaRPr lang="en-US" dirty="0" smtClean="0"/>
+          </a:p>
+          <a:p>
+            <a:r>
+              <a:rPr lang="en-US" dirty="0" err="1" smtClean="0"/>
+              <a:t>Exome</a:t>
+            </a:r>
+            <a:r>
+              <a:rPr lang="en-US" dirty="0" smtClean="0"/>
+              <a:t> </a:t>
+            </a:r>
+            <a:r>
+              <a:rPr lang="en-US" dirty="0" err="1" smtClean="0"/>
+              <a:t>seq</a:t>
+            </a:r>
+            <a:r>
+              <a:rPr lang="en-US" dirty="0" smtClean="0"/>
+              <a:t>/WGS studies suggest </a:t>
+            </a:r>
+          </a:p>
+          <a:p>
+            <a:pPr lvl="1"/>
+            <a:r>
+              <a:rPr lang="en-US" dirty="0" smtClean="0"/>
+              <a:t>higher number of driver genes</a:t>
+            </a:r>
+          </a:p>
+          <a:p>
+            <a:pPr lvl="1"/>
+            <a:r>
+              <a:rPr lang="en-US" dirty="0" smtClean="0"/>
+              <a:t>Up to 20 driver mutations per tumor</a:t>
+            </a:r>
+          </a:p>
+          <a:p>
+            <a:pPr marL="0" indent="0">
+              <a:buNone/>
+            </a:pPr>
+            <a:endParaRPr lang="en-US" dirty="0" smtClean="0"/>
+          </a:p>
+          <a:p>
+            <a:endParaRPr lang="en-US" dirty="0" smtClean="0"/>
+          </a:p>
+          <a:p>
+            <a:endParaRPr lang="en-US" dirty="0" smtClean="0"/>
+          </a:p>
+          <a:p>
+            <a:endParaRPr lang="en-US" dirty="0" smtClean="0"/>
+          </a:p>
+        </p:txBody>
+      </p:sp>
+    </p:spTree>
+    <p:extLst>
+      <p:ext uri="{BB962C8B-B14F-4D97-AF65-F5344CB8AC3E}">
+        <p14:creationId xmlns:p14="http://schemas.microsoft.com/office/powerpoint/2010/main" val="3316904145"/>
+      </p:ext>
+    </p:extLst>
+  </p:cSld>
+  <p:clrMapOvr>
+    <a:masterClrMapping/>
+  </p:clrMapOvr>
+  <p:timing>
+    <p:tnLst>
+      <p:par>
+        <p:cTn xmlns:p14="http://schemas.microsoft.com/office/powerpoint/2010/main" id="1" dur="indefinite" restart="never" nodeType="tmRoot"/>
+      </p:par>
+    </p:tnLst>
+  </p:timing>
+</p:sld>
+</file>
+
+<file path=ppt/slides/slide15.xml><?xml version="1.0" encoding="utf-8"?>
+<p:sld xmlns:a="http://schemas.openxmlformats.org/drawingml/2006/main" xmlns:r="http://schemas.openxmlformats.org/officeDocument/2006/relationships" xmlns:p="http://schemas.openxmlformats.org/presentationml/2006/main">
+  <p:cSld>
+    <p:spTree>
+      <p:nvGrpSpPr>
+        <p:cNvPr id="1" name=""/>
+        <p:cNvGrpSpPr/>
+        <p:nvPr/>
+      </p:nvGrpSpPr>
+      <p:grpSpPr>
+        <a:xfrm>
+          <a:off x="0" y="0"/>
+          <a:ext cx="0" cy="0"/>
+          <a:chOff x="0" y="0"/>
+          <a:chExt cx="0" cy="0"/>
+        </a:xfrm>
+      </p:grpSpPr>
+      <p:sp>
+        <p:nvSpPr>
+          <p:cNvPr id="2" name="Title 1"/>
+          <p:cNvSpPr>
+            <a:spLocks noGrp="1"/>
+          </p:cNvSpPr>
+          <p:nvPr>
+            <p:ph type="title"/>
+          </p:nvPr>
+        </p:nvSpPr>
+        <p:spPr/>
+        <p:txBody>
+          <a:bodyPr/>
+          <a:lstStyle/>
+          <a:p>
+            <a:r>
+              <a:rPr lang="en-US" dirty="0" smtClean="0"/>
               <a:t>Massively parallel sequencing</a:t>
             </a:r>
             <a:endParaRPr lang="en-US" dirty="0"/>
@@ -5530,7 +6727,7 @@
 </p:sld>
 </file>
 
-<file path=ppt/slides/slide15.xml><?xml version="1.0" encoding="utf-8"?>
+<file path=ppt/slides/slide16.xml><?xml version="1.0" encoding="utf-8"?>
 <p:sld xmlns:a="http://schemas.openxmlformats.org/drawingml/2006/main" xmlns:r="http://schemas.openxmlformats.org/officeDocument/2006/relationships" xmlns:p="http://schemas.openxmlformats.org/presentationml/2006/main">
   <p:cSld>
     <p:spTree>
@@ -6636,7 +7833,7 @@
 </p:sld>
 </file>
 
-<file path=ppt/slides/slide16.xml><?xml version="1.0" encoding="utf-8"?>
+<file path=ppt/slides/slide17.xml><?xml version="1.0" encoding="utf-8"?>
 <p:sld xmlns:a="http://schemas.openxmlformats.org/drawingml/2006/main" xmlns:r="http://schemas.openxmlformats.org/officeDocument/2006/relationships" xmlns:p="http://schemas.openxmlformats.org/presentationml/2006/main">
   <p:cSld>
     <p:spTree>
@@ -7163,7 +8360,7 @@
 </p:sld>
 </file>
 
-<file path=ppt/slides/slide17.xml><?xml version="1.0" encoding="utf-8"?>
+<file path=ppt/slides/slide18.xml><?xml version="1.0" encoding="utf-8"?>
 <p:sld xmlns:a="http://schemas.openxmlformats.org/drawingml/2006/main" xmlns:r="http://schemas.openxmlformats.org/officeDocument/2006/relationships" xmlns:p="http://schemas.openxmlformats.org/presentationml/2006/main">
   <p:cSld>
     <p:spTree>
@@ -7228,7 +8425,7 @@
 </p:sld>
 </file>
 
-<file path=ppt/slides/slide18.xml><?xml version="1.0" encoding="utf-8"?>
+<file path=ppt/slides/slide19.xml><?xml version="1.0" encoding="utf-8"?>
 <p:sld xmlns:a="http://schemas.openxmlformats.org/drawingml/2006/main" xmlns:r="http://schemas.openxmlformats.org/officeDocument/2006/relationships" xmlns:p="http://schemas.openxmlformats.org/presentationml/2006/main">
   <p:cSld>
     <p:spTree>
@@ -7313,7 +8510,7 @@
             <a:fld id="{EF15D6EA-EBF7-4C2E-A1CC-C279B7E6D53A}" type="slidenum">
               <a:rPr lang="en-GB" smtClean="0"/>
               <a:pPr/>
-              <a:t>18</a:t>
+              <a:t>19</a:t>
             </a:fld>
             <a:endParaRPr lang="en-GB" dirty="0"/>
           </a:p>
@@ -7595,131 +8792,6 @@
 </p:sld>
 </file>
 
-<file path=ppt/slides/slide19.xml><?xml version="1.0" encoding="utf-8"?>
-<p:sld xmlns:a="http://schemas.openxmlformats.org/drawingml/2006/main" xmlns:r="http://schemas.openxmlformats.org/officeDocument/2006/relationships" xmlns:p="http://schemas.openxmlformats.org/presentationml/2006/main">
-  <p:cSld>
-    <p:spTree>
-      <p:nvGrpSpPr>
-        <p:cNvPr id="1" name=""/>
-        <p:cNvGrpSpPr/>
-        <p:nvPr/>
-      </p:nvGrpSpPr>
-      <p:grpSpPr>
-        <a:xfrm>
-          <a:off x="0" y="0"/>
-          <a:ext cx="0" cy="0"/>
-          <a:chOff x="0" y="0"/>
-          <a:chExt cx="0" cy="0"/>
-        </a:xfrm>
-      </p:grpSpPr>
-      <p:sp>
-        <p:nvSpPr>
-          <p:cNvPr id="2" name="Title 1"/>
-          <p:cNvSpPr>
-            <a:spLocks noGrp="1"/>
-          </p:cNvSpPr>
-          <p:nvPr>
-            <p:ph type="title"/>
-          </p:nvPr>
-        </p:nvSpPr>
-        <p:spPr>
-          <a:xfrm>
-            <a:off x="457200" y="0"/>
-            <a:ext cx="8229600" cy="1143000"/>
-          </a:xfrm>
-        </p:spPr>
-        <p:txBody>
-          <a:bodyPr>
-            <a:normAutofit fontScale="90000"/>
-          </a:bodyPr>
-          <a:lstStyle/>
-          <a:p>
-            <a:r>
-              <a:rPr lang="en-US" dirty="0"/>
-              <a:t>Tumor samples are often impure due to a mixture of tumor and normal cells</a:t>
-            </a:r>
-            <a:endParaRPr lang="en-US" dirty="0"/>
-          </a:p>
-        </p:txBody>
-      </p:sp>
-      <p:pic>
-        <p:nvPicPr>
-          <p:cNvPr id="4" name="Picture 3"/>
-          <p:cNvPicPr>
-            <a:picLocks noChangeAspect="1"/>
-          </p:cNvPicPr>
-          <p:nvPr/>
-        </p:nvPicPr>
-        <p:blipFill>
-          <a:blip r:embed="rId2"/>
-          <a:stretch>
-            <a:fillRect/>
-          </a:stretch>
-        </p:blipFill>
-        <p:spPr>
-          <a:xfrm>
-            <a:off x="1950630" y="1562099"/>
-            <a:ext cx="5413211" cy="4846443"/>
-          </a:xfrm>
-          <a:prstGeom prst="rect">
-            <a:avLst/>
-          </a:prstGeom>
-        </p:spPr>
-      </p:pic>
-      <p:sp>
-        <p:nvSpPr>
-          <p:cNvPr id="5" name="TextBox 4"/>
-          <p:cNvSpPr txBox="1"/>
-          <p:nvPr/>
-        </p:nvSpPr>
-        <p:spPr>
-          <a:xfrm>
-            <a:off x="1013373" y="6488668"/>
-            <a:ext cx="7427597" cy="369332"/>
-          </a:xfrm>
-          <a:prstGeom prst="rect">
-            <a:avLst/>
-          </a:prstGeom>
-          <a:noFill/>
-        </p:spPr>
-        <p:txBody>
-          <a:bodyPr wrap="none" rtlCol="0">
-            <a:spAutoFit/>
-          </a:bodyPr>
-          <a:lstStyle/>
-          <a:p>
-            <a:r>
-              <a:rPr lang="en-US" dirty="0" err="1" smtClean="0"/>
-              <a:t>Hanahan</a:t>
-            </a:r>
-            <a:r>
-              <a:rPr lang="en-US" dirty="0" smtClean="0"/>
-              <a:t> and Weinberg, Hallmarks of Cancer: The Next Generation, Cell 2011</a:t>
-            </a:r>
-            <a:endParaRPr lang="en-US" dirty="0"/>
-          </a:p>
-        </p:txBody>
-      </p:sp>
-    </p:spTree>
-    <p:extLst>
-      <p:ext uri="{BB962C8B-B14F-4D97-AF65-F5344CB8AC3E}">
-        <p14:creationId xmlns:p14="http://schemas.microsoft.com/office/powerpoint/2010/main" val="1994361026"/>
-      </p:ext>
-    </p:extLst>
-  </p:cSld>
-  <p:clrMapOvr>
-    <a:masterClrMapping/>
-  </p:clrMapOvr>
-  <p:timing>
-    <p:tnLst>
-      <p:par>
-        <p:cTn xmlns:p14="http://schemas.microsoft.com/office/powerpoint/2010/main" id="1" dur="indefinite" restart="never" nodeType="tmRoot"/>
-      </p:par>
-    </p:tnLst>
-  </p:timing>
-</p:sld>
-</file>
-
 <file path=ppt/slides/slide2.xml><?xml version="1.0" encoding="utf-8"?>
 <p:sld xmlns:a="http://schemas.openxmlformats.org/drawingml/2006/main" xmlns:r="http://schemas.openxmlformats.org/officeDocument/2006/relationships" xmlns:p="http://schemas.openxmlformats.org/presentationml/2006/main">
   <p:cSld>
@@ -7880,13 +8952,139 @@
             <p:ph type="title"/>
           </p:nvPr>
         </p:nvSpPr>
+        <p:spPr>
+          <a:xfrm>
+            <a:off x="457200" y="0"/>
+            <a:ext cx="8229600" cy="1143000"/>
+          </a:xfrm>
+        </p:spPr>
+        <p:txBody>
+          <a:bodyPr>
+            <a:normAutofit fontScale="90000"/>
+          </a:bodyPr>
+          <a:lstStyle/>
+          <a:p>
+            <a:r>
+              <a:rPr lang="en-US" dirty="0"/>
+              <a:t>Tumor samples are often impure due to a mixture of tumor and normal cells</a:t>
+            </a:r>
+          </a:p>
+        </p:txBody>
+      </p:sp>
+      <p:pic>
+        <p:nvPicPr>
+          <p:cNvPr id="4" name="Picture 3"/>
+          <p:cNvPicPr>
+            <a:picLocks noChangeAspect="1"/>
+          </p:cNvPicPr>
+          <p:nvPr/>
+        </p:nvPicPr>
+        <p:blipFill>
+          <a:blip r:embed="rId2"/>
+          <a:stretch>
+            <a:fillRect/>
+          </a:stretch>
+        </p:blipFill>
+        <p:spPr>
+          <a:xfrm>
+            <a:off x="1950630" y="1562099"/>
+            <a:ext cx="5413211" cy="4846443"/>
+          </a:xfrm>
+          <a:prstGeom prst="rect">
+            <a:avLst/>
+          </a:prstGeom>
+        </p:spPr>
+      </p:pic>
+      <p:sp>
+        <p:nvSpPr>
+          <p:cNvPr id="5" name="TextBox 4"/>
+          <p:cNvSpPr txBox="1"/>
+          <p:nvPr/>
+        </p:nvSpPr>
+        <p:spPr>
+          <a:xfrm>
+            <a:off x="1013373" y="6488668"/>
+            <a:ext cx="7427597" cy="369332"/>
+          </a:xfrm>
+          <a:prstGeom prst="rect">
+            <a:avLst/>
+          </a:prstGeom>
+          <a:noFill/>
+        </p:spPr>
+        <p:txBody>
+          <a:bodyPr wrap="none" rtlCol="0">
+            <a:spAutoFit/>
+          </a:bodyPr>
+          <a:lstStyle/>
+          <a:p>
+            <a:r>
+              <a:rPr lang="en-US" dirty="0" err="1" smtClean="0"/>
+              <a:t>Hanahan</a:t>
+            </a:r>
+            <a:r>
+              <a:rPr lang="en-US" dirty="0" smtClean="0"/>
+              <a:t> and Weinberg, Hallmarks of Cancer: The Next Generation, Cell 2011</a:t>
+            </a:r>
+            <a:endParaRPr lang="en-US" dirty="0"/>
+          </a:p>
+        </p:txBody>
+      </p:sp>
+    </p:spTree>
+    <p:extLst>
+      <p:ext uri="{BB962C8B-B14F-4D97-AF65-F5344CB8AC3E}">
+        <p14:creationId xmlns:p14="http://schemas.microsoft.com/office/powerpoint/2010/main" val="1994361026"/>
+      </p:ext>
+    </p:extLst>
+  </p:cSld>
+  <p:clrMapOvr>
+    <a:masterClrMapping/>
+  </p:clrMapOvr>
+  <p:timing>
+    <p:tnLst>
+      <p:par>
+        <p:cTn xmlns:p14="http://schemas.microsoft.com/office/powerpoint/2010/main" id="1" dur="indefinite" restart="never" nodeType="tmRoot"/>
+      </p:par>
+    </p:tnLst>
+  </p:timing>
+</p:sld>
+</file>
+
+<file path=ppt/slides/slide21.xml><?xml version="1.0" encoding="utf-8"?>
+<p:sld xmlns:a="http://schemas.openxmlformats.org/drawingml/2006/main" xmlns:r="http://schemas.openxmlformats.org/officeDocument/2006/relationships" xmlns:p="http://schemas.openxmlformats.org/presentationml/2006/main">
+  <p:cSld>
+    <p:spTree>
+      <p:nvGrpSpPr>
+        <p:cNvPr id="1" name=""/>
+        <p:cNvGrpSpPr/>
+        <p:nvPr/>
+      </p:nvGrpSpPr>
+      <p:grpSpPr>
+        <a:xfrm>
+          <a:off x="0" y="0"/>
+          <a:ext cx="0" cy="0"/>
+          <a:chOff x="0" y="0"/>
+          <a:chExt cx="0" cy="0"/>
+        </a:xfrm>
+      </p:grpSpPr>
+      <p:sp>
+        <p:nvSpPr>
+          <p:cNvPr id="2" name="Title 1"/>
+          <p:cNvSpPr>
+            <a:spLocks noGrp="1"/>
+          </p:cNvSpPr>
+          <p:nvPr>
+            <p:ph type="title"/>
+          </p:nvPr>
+        </p:nvSpPr>
         <p:spPr/>
         <p:txBody>
-          <a:bodyPr/>
+          <a:bodyPr>
+            <a:normAutofit/>
+          </a:bodyPr>
           <a:lstStyle/>
           <a:p>
             <a:r>
-              <a:rPr lang="en-US" dirty="0"/>
+              <a:rPr lang="en-US" dirty="0" smtClean="0"/>
               <a:t>Aneuploidy</a:t>
             </a:r>
             <a:endParaRPr lang="en-US" dirty="0"/>
@@ -7937,7 +9135,7 @@
 </p:sld>
 </file>
 
-<file path=ppt/slides/slide21.xml><?xml version="1.0" encoding="utf-8"?>
+<file path=ppt/slides/slide22.xml><?xml version="1.0" encoding="utf-8"?>
 <p:sld xmlns:a="http://schemas.openxmlformats.org/drawingml/2006/main" xmlns:r="http://schemas.openxmlformats.org/officeDocument/2006/relationships" xmlns:p="http://schemas.openxmlformats.org/presentationml/2006/main">
   <p:cSld>
     <p:spTree>
@@ -8098,7 +9296,7 @@
 </p:sld>
 </file>
 
-<file path=ppt/slides/slide22.xml><?xml version="1.0" encoding="utf-8"?>
+<file path=ppt/slides/slide23.xml><?xml version="1.0" encoding="utf-8"?>
 <p:sld xmlns:a="http://schemas.openxmlformats.org/drawingml/2006/main" xmlns:r="http://schemas.openxmlformats.org/officeDocument/2006/relationships" xmlns:p="http://schemas.openxmlformats.org/presentationml/2006/main">
   <p:cSld>
     <p:spTree>
@@ -8139,7 +9337,7 @@
           <a:p>
             <a:r>
               <a:rPr lang="en-US" dirty="0" smtClean="0"/>
-              <a:t>So, detection algorithms must handle this!</a:t>
+              <a:t>So, detection algorithms must handle all of this!</a:t>
             </a:r>
             <a:br>
               <a:rPr lang="en-US" dirty="0" smtClean="0"/>
@@ -8152,183 +9350,6 @@
     <p:extLst>
       <p:ext uri="{BB962C8B-B14F-4D97-AF65-F5344CB8AC3E}">
         <p14:creationId xmlns:p14="http://schemas.microsoft.com/office/powerpoint/2010/main" val="3264216187"/>
-      </p:ext>
-    </p:extLst>
-  </p:cSld>
-  <p:clrMapOvr>
-    <a:masterClrMapping/>
-  </p:clrMapOvr>
-  <p:timing>
-    <p:tnLst>
-      <p:par>
-        <p:cTn xmlns:p14="http://schemas.microsoft.com/office/powerpoint/2010/main" id="1" dur="indefinite" restart="never" nodeType="tmRoot"/>
-      </p:par>
-    </p:tnLst>
-  </p:timing>
-</p:sld>
-</file>
-
-<file path=ppt/slides/slide23.xml><?xml version="1.0" encoding="utf-8"?>
-<p:sld xmlns:a="http://schemas.openxmlformats.org/drawingml/2006/main" xmlns:r="http://schemas.openxmlformats.org/officeDocument/2006/relationships" xmlns:p="http://schemas.openxmlformats.org/presentationml/2006/main">
-  <p:cSld>
-    <p:spTree>
-      <p:nvGrpSpPr>
-        <p:cNvPr id="1" name=""/>
-        <p:cNvGrpSpPr/>
-        <p:nvPr/>
-      </p:nvGrpSpPr>
-      <p:grpSpPr>
-        <a:xfrm>
-          <a:off x="0" y="0"/>
-          <a:ext cx="0" cy="0"/>
-          <a:chOff x="0" y="0"/>
-          <a:chExt cx="0" cy="0"/>
-        </a:xfrm>
-      </p:grpSpPr>
-      <p:sp>
-        <p:nvSpPr>
-          <p:cNvPr id="2" name="Title 1"/>
-          <p:cNvSpPr>
-            <a:spLocks noGrp="1"/>
-          </p:cNvSpPr>
-          <p:nvPr>
-            <p:ph type="title"/>
-          </p:nvPr>
-        </p:nvSpPr>
-        <p:spPr/>
-        <p:txBody>
-          <a:bodyPr/>
-          <a:lstStyle/>
-          <a:p>
-            <a:r>
-              <a:rPr lang="en-US" dirty="0" smtClean="0"/>
-              <a:t>Many tools available</a:t>
-            </a:r>
-            <a:endParaRPr lang="en-US" dirty="0"/>
-          </a:p>
-        </p:txBody>
-      </p:sp>
-      <p:sp>
-        <p:nvSpPr>
-          <p:cNvPr id="3" name="Content Placeholder 2"/>
-          <p:cNvSpPr>
-            <a:spLocks noGrp="1"/>
-          </p:cNvSpPr>
-          <p:nvPr>
-            <p:ph idx="1"/>
-          </p:nvPr>
-        </p:nvSpPr>
-        <p:spPr>
-          <a:xfrm>
-            <a:off x="1390540" y="1696650"/>
-            <a:ext cx="7169716" cy="4525963"/>
-          </a:xfrm>
-        </p:spPr>
-        <p:txBody>
-          <a:bodyPr>
-            <a:normAutofit lnSpcReduction="10000"/>
-          </a:bodyPr>
-          <a:lstStyle/>
-          <a:p>
-            <a:r>
-              <a:rPr lang="en-US" dirty="0"/>
-              <a:t>single nucleotide variants (SNVs)</a:t>
-            </a:r>
-          </a:p>
-          <a:p>
-            <a:pPr marL="0" indent="0">
-              <a:buNone/>
-            </a:pPr>
-            <a:r>
-              <a:rPr lang="en-US" dirty="0"/>
-              <a:t>	</a:t>
-            </a:r>
-            <a:r>
-              <a:rPr lang="en-US" dirty="0" smtClean="0"/>
-              <a:t>MuTect1, </a:t>
-            </a:r>
-            <a:r>
-              <a:rPr lang="en-US" dirty="0" err="1" smtClean="0"/>
-              <a:t>Strelka</a:t>
-            </a:r>
-            <a:r>
-              <a:rPr lang="en-US" dirty="0" smtClean="0"/>
-              <a:t>, MuTect2</a:t>
-            </a:r>
-            <a:endParaRPr lang="en-US" dirty="0" smtClean="0"/>
-          </a:p>
-          <a:p>
-            <a:pPr marL="0" indent="0">
-              <a:buNone/>
-            </a:pPr>
-            <a:endParaRPr lang="en-US" dirty="0"/>
-          </a:p>
-          <a:p>
-            <a:r>
-              <a:rPr lang="en-US" dirty="0"/>
-              <a:t>structural variants (SVs) </a:t>
-            </a:r>
-          </a:p>
-          <a:p>
-            <a:pPr marL="0" indent="0">
-              <a:buNone/>
-            </a:pPr>
-            <a:r>
-              <a:rPr lang="en-US" dirty="0"/>
-              <a:t>	</a:t>
-            </a:r>
-            <a:r>
-              <a:rPr lang="en-US" dirty="0" smtClean="0"/>
-              <a:t>Manta, </a:t>
-            </a:r>
-            <a:r>
-              <a:rPr lang="en-US" dirty="0" err="1" smtClean="0"/>
-              <a:t>Delly</a:t>
-            </a:r>
-            <a:endParaRPr lang="en-US" dirty="0" smtClean="0"/>
-          </a:p>
-          <a:p>
-            <a:pPr marL="0" indent="0">
-              <a:buNone/>
-            </a:pPr>
-            <a:endParaRPr lang="en-US" dirty="0"/>
-          </a:p>
-          <a:p>
-            <a:r>
-              <a:rPr lang="en-US" dirty="0" smtClean="0"/>
-              <a:t>copy </a:t>
-            </a:r>
-            <a:r>
-              <a:rPr lang="en-US" dirty="0"/>
-              <a:t>number variants (CNVs)</a:t>
-            </a:r>
-          </a:p>
-          <a:p>
-            <a:pPr marL="0" indent="0">
-              <a:buNone/>
-            </a:pPr>
-            <a:r>
-              <a:rPr lang="en-US" dirty="0"/>
-              <a:t>	</a:t>
-            </a:r>
-            <a:r>
-              <a:rPr lang="en-US" dirty="0" smtClean="0"/>
-              <a:t>ASCAT, Patchwork, FACETS</a:t>
-            </a:r>
-            <a:endParaRPr lang="en-US" dirty="0"/>
-          </a:p>
-          <a:p>
-            <a:pPr marL="0" indent="0">
-              <a:buNone/>
-            </a:pPr>
-            <a:endParaRPr lang="en-US" dirty="0"/>
-          </a:p>
-        </p:txBody>
-      </p:sp>
-    </p:spTree>
-    <p:extLst>
-      <p:ext uri="{BB962C8B-B14F-4D97-AF65-F5344CB8AC3E}">
-        <p14:creationId xmlns:p14="http://schemas.microsoft.com/office/powerpoint/2010/main" val="2719668052"/>
       </p:ext>
     </p:extLst>
   </p:cSld>
@@ -8379,7 +9400,7 @@
           <a:p>
             <a:r>
               <a:rPr lang="en-US" dirty="0" smtClean="0"/>
-              <a:t>Keep updated!</a:t>
+              <a:t>Many tools available</a:t>
             </a:r>
             <a:endParaRPr lang="en-US" dirty="0"/>
           </a:p>
@@ -8397,76 +9418,106 @@
         </p:nvSpPr>
         <p:spPr>
           <a:xfrm>
-            <a:off x="1003300" y="1587500"/>
-            <a:ext cx="7683500" cy="4525963"/>
+            <a:off x="1390540" y="1696650"/>
+            <a:ext cx="7169716" cy="4525963"/>
           </a:xfrm>
         </p:spPr>
         <p:txBody>
-          <a:bodyPr/>
+          <a:bodyPr>
+            <a:normAutofit lnSpcReduction="10000"/>
+          </a:bodyPr>
           <a:lstStyle/>
+          <a:p>
+            <a:r>
+              <a:rPr lang="en-US" dirty="0"/>
+              <a:t>single nucleotide variants (SNVs)</a:t>
+            </a:r>
+          </a:p>
           <a:p>
             <a:pPr marL="0" indent="0">
               <a:buNone/>
             </a:pPr>
             <a:r>
+              <a:rPr lang="en-US" dirty="0"/>
+              <a:t>	</a:t>
+            </a:r>
+            <a:r>
+              <a:rPr lang="en-US" dirty="0" smtClean="0"/>
+              <a:t>MuTect1, </a:t>
+            </a:r>
+            <a:r>
               <a:rPr lang="en-US" dirty="0" err="1" smtClean="0"/>
-              <a:t>SciLifeLab</a:t>
+              <a:t>Strelka</a:t>
             </a:r>
             <a:r>
               <a:rPr lang="en-US" dirty="0" smtClean="0"/>
-              <a:t> WGS toolbox group:</a:t>
+              <a:t>, MuTect2</a:t>
             </a:r>
           </a:p>
           <a:p>
             <a:pPr marL="0" indent="0">
               <a:buNone/>
             </a:pPr>
-            <a:r>
-              <a:rPr lang="en-US" dirty="0" smtClean="0">
-                <a:hlinkClick r:id="rId2"/>
-              </a:rPr>
-              <a:t>https</a:t>
-            </a:r>
-            <a:r>
-              <a:rPr lang="en-US" dirty="0">
-                <a:hlinkClick r:id="rId2"/>
-              </a:rPr>
-              <a:t>://</a:t>
-            </a:r>
-            <a:r>
-              <a:rPr lang="en-US" dirty="0" err="1">
-                <a:hlinkClick r:id="rId2"/>
-              </a:rPr>
-              <a:t>wabi-wiki.scilifelab.se</a:t>
-            </a:r>
-            <a:r>
-              <a:rPr lang="en-US" dirty="0">
-                <a:hlinkClick r:id="rId2"/>
-              </a:rPr>
-              <a:t>/display/SHGATG/</a:t>
-            </a:r>
-            <a:r>
-              <a:rPr lang="en-US" dirty="0" err="1">
-                <a:hlinkClick r:id="rId2"/>
-              </a:rPr>
-              <a:t>SciLifeLab+human+genome+analysis+toolbox+group</a:t>
-            </a:r>
             <a:endParaRPr lang="en-US" dirty="0"/>
+          </a:p>
+          <a:p>
+            <a:r>
+              <a:rPr lang="en-US" dirty="0"/>
+              <a:t>structural variants (SVs) </a:t>
+            </a:r>
           </a:p>
           <a:p>
             <a:pPr marL="0" indent="0">
               <a:buNone/>
             </a:pPr>
+            <a:r>
+              <a:rPr lang="en-US" dirty="0"/>
+              <a:t>	</a:t>
+            </a:r>
+            <a:r>
+              <a:rPr lang="en-US" dirty="0" smtClean="0"/>
+              <a:t>Manta, </a:t>
+            </a:r>
+            <a:r>
+              <a:rPr lang="en-US" dirty="0" err="1" smtClean="0"/>
+              <a:t>Delly</a:t>
+            </a:r>
             <a:endParaRPr lang="en-US" dirty="0" smtClean="0"/>
           </a:p>
           <a:p>
             <a:pPr marL="0" indent="0">
               <a:buNone/>
             </a:pPr>
+            <a:endParaRPr lang="en-US" dirty="0"/>
+          </a:p>
+          <a:p>
             <a:r>
               <a:rPr lang="en-US" dirty="0" smtClean="0"/>
-              <a:t>Recommended tools and workflow for somatic variant calling (and other things)</a:t>
-            </a:r>
+              <a:t>copy </a:t>
+            </a:r>
+            <a:r>
+              <a:rPr lang="en-US" dirty="0"/>
+              <a:t>number variants (CNVs)</a:t>
+            </a:r>
+          </a:p>
+          <a:p>
+            <a:pPr marL="0" indent="0">
+              <a:buNone/>
+            </a:pPr>
+            <a:r>
+              <a:rPr lang="en-US" dirty="0"/>
+              <a:t>	</a:t>
+            </a:r>
+            <a:r>
+              <a:rPr lang="en-US" dirty="0" smtClean="0"/>
+              <a:t>ASCAT, Patchwork, FACETS</a:t>
+            </a:r>
+            <a:endParaRPr lang="en-US" dirty="0"/>
+          </a:p>
+          <a:p>
+            <a:pPr marL="0" indent="0">
+              <a:buNone/>
+            </a:pPr>
             <a:endParaRPr lang="en-US" dirty="0"/>
           </a:p>
         </p:txBody>
@@ -8474,7 +9525,7 @@
     </p:spTree>
     <p:extLst>
       <p:ext uri="{BB962C8B-B14F-4D97-AF65-F5344CB8AC3E}">
-        <p14:creationId xmlns:p14="http://schemas.microsoft.com/office/powerpoint/2010/main" val="145540266"/>
+        <p14:creationId xmlns:p14="http://schemas.microsoft.com/office/powerpoint/2010/main" val="2719668052"/>
       </p:ext>
     </p:extLst>
   </p:cSld>
@@ -8518,40 +9569,109 @@
             <p:ph type="title"/>
           </p:nvPr>
         </p:nvSpPr>
+        <p:spPr/>
+        <p:txBody>
+          <a:bodyPr/>
+          <a:lstStyle/>
+          <a:p>
+            <a:r>
+              <a:rPr lang="en-US" dirty="0" smtClean="0"/>
+              <a:t>Keep updated!</a:t>
+            </a:r>
+            <a:endParaRPr lang="en-US" dirty="0"/>
+          </a:p>
+        </p:txBody>
+      </p:sp>
+      <p:sp>
+        <p:nvSpPr>
+          <p:cNvPr id="3" name="Content Placeholder 2"/>
+          <p:cNvSpPr>
+            <a:spLocks noGrp="1"/>
+          </p:cNvSpPr>
+          <p:nvPr>
+            <p:ph idx="1"/>
+          </p:nvPr>
+        </p:nvSpPr>
         <p:spPr>
           <a:xfrm>
-            <a:off x="617956" y="2219713"/>
-            <a:ext cx="8229600" cy="1143000"/>
+            <a:off x="1003300" y="1587500"/>
+            <a:ext cx="7683500" cy="4525963"/>
           </a:xfrm>
         </p:spPr>
         <p:txBody>
-          <a:bodyPr>
-            <a:normAutofit fontScale="90000"/>
-          </a:bodyPr>
+          <a:bodyPr/>
           <a:lstStyle/>
           <a:p>
+            <a:pPr marL="0" indent="0">
+              <a:buNone/>
+            </a:pPr>
+            <a:r>
+              <a:rPr lang="en-US" dirty="0" err="1" smtClean="0"/>
+              <a:t>SciLifeLab</a:t>
+            </a:r>
             <a:r>
               <a:rPr lang="en-US" dirty="0" smtClean="0"/>
-              <a:t>Somatic variant </a:t>
-            </a:r>
-            <a:r>
-              <a:rPr lang="en-US" dirty="0"/>
-              <a:t>calling </a:t>
-            </a:r>
-            <a:br>
-              <a:rPr lang="en-US" dirty="0"/>
-            </a:br>
-            <a:r>
-              <a:rPr lang="en-US" dirty="0"/>
-              <a:t>Workflow</a:t>
-            </a:r>
+              <a:t> WGS toolbox group:</a:t>
+            </a:r>
+          </a:p>
+          <a:p>
+            <a:pPr marL="0" indent="0">
+              <a:buNone/>
+            </a:pPr>
+            <a:r>
+              <a:rPr lang="en-US" dirty="0" smtClean="0">
+                <a:hlinkClick r:id="rId2"/>
+              </a:rPr>
+              <a:t>https</a:t>
+            </a:r>
+            <a:r>
+              <a:rPr lang="en-US" dirty="0">
+                <a:hlinkClick r:id="rId2"/>
+              </a:rPr>
+              <a:t>://</a:t>
+            </a:r>
+            <a:r>
+              <a:rPr lang="en-US" dirty="0" err="1">
+                <a:hlinkClick r:id="rId2"/>
+              </a:rPr>
+              <a:t>wabi-wiki.scilifelab.se</a:t>
+            </a:r>
+            <a:r>
+              <a:rPr lang="en-US" dirty="0">
+                <a:hlinkClick r:id="rId2"/>
+              </a:rPr>
+              <a:t>/display/SHGATG/</a:t>
+            </a:r>
+            <a:r>
+              <a:rPr lang="en-US" dirty="0" err="1">
+                <a:hlinkClick r:id="rId2"/>
+              </a:rPr>
+              <a:t>SciLifeLab+human+genome+analysis+toolbox+group</a:t>
+            </a:r>
+            <a:endParaRPr lang="en-US" dirty="0"/>
+          </a:p>
+          <a:p>
+            <a:pPr marL="0" indent="0">
+              <a:buNone/>
+            </a:pPr>
+            <a:endParaRPr lang="en-US" dirty="0" smtClean="0"/>
+          </a:p>
+          <a:p>
+            <a:pPr marL="0" indent="0">
+              <a:buNone/>
+            </a:pPr>
+            <a:r>
+              <a:rPr lang="en-US" dirty="0" smtClean="0"/>
+              <a:t>Recommended tools and workflow for somatic variant calling (and other things)</a:t>
+            </a:r>
+            <a:endParaRPr lang="en-US" dirty="0"/>
           </a:p>
         </p:txBody>
       </p:sp>
     </p:spTree>
     <p:extLst>
       <p:ext uri="{BB962C8B-B14F-4D97-AF65-F5344CB8AC3E}">
-        <p14:creationId xmlns:p14="http://schemas.microsoft.com/office/powerpoint/2010/main" val="2577380534"/>
+        <p14:creationId xmlns:p14="http://schemas.microsoft.com/office/powerpoint/2010/main" val="145540266"/>
       </p:ext>
     </p:extLst>
   </p:cSld>
@@ -8597,7 +9717,7 @@
         </p:nvSpPr>
         <p:spPr>
           <a:xfrm>
-            <a:off x="457200" y="2026813"/>
+            <a:off x="617956" y="2219713"/>
             <a:ext cx="8229600" cy="1143000"/>
           </a:xfrm>
         </p:spPr>
@@ -8609,31 +9729,26 @@
           <a:p>
             <a:r>
               <a:rPr lang="en-US" dirty="0" smtClean="0"/>
-              <a:t>First…</a:t>
+              <a:t>Somatic variant </a:t>
+            </a:r>
+            <a:r>
+              <a:rPr lang="en-US" dirty="0"/>
+              <a:t>calling </a:t>
             </a:r>
             <a:br>
-              <a:rPr lang="en-US" dirty="0" smtClean="0"/>
+              <a:rPr lang="en-US" dirty="0"/>
             </a:br>
             <a:r>
-              <a:rPr lang="en-US" dirty="0" smtClean="0"/>
-              <a:t>recap of </a:t>
-            </a:r>
-            <a:r>
-              <a:rPr lang="en-US" dirty="0" err="1" smtClean="0"/>
-              <a:t>germline</a:t>
-            </a:r>
-            <a:r>
-              <a:rPr lang="en-US" dirty="0" smtClean="0"/>
-              <a:t> variant calling workflow</a:t>
-            </a:r>
-            <a:endParaRPr lang="en-US" dirty="0"/>
+              <a:rPr lang="en-US" dirty="0"/>
+              <a:t>Workflow</a:t>
+            </a:r>
           </a:p>
         </p:txBody>
       </p:sp>
     </p:spTree>
     <p:extLst>
       <p:ext uri="{BB962C8B-B14F-4D97-AF65-F5344CB8AC3E}">
-        <p14:creationId xmlns:p14="http://schemas.microsoft.com/office/powerpoint/2010/main" val="3439845388"/>
+        <p14:creationId xmlns:p14="http://schemas.microsoft.com/office/powerpoint/2010/main" val="2577380534"/>
       </p:ext>
     </p:extLst>
   </p:cSld>
@@ -8679,338 +9794,49 @@
         </p:nvSpPr>
         <p:spPr>
           <a:xfrm>
-            <a:off x="467544" y="404664"/>
-            <a:ext cx="8229600" cy="657550"/>
+            <a:off x="457200" y="2026813"/>
+            <a:ext cx="8229600" cy="1143000"/>
           </a:xfrm>
         </p:spPr>
         <p:txBody>
-          <a:bodyPr lIns="82945" tIns="41473" rIns="82945" bIns="41473"/>
-          <a:lstStyle/>
-          <a:p>
-            <a:r>
-              <a:rPr lang="en-GB" sz="3600" noProof="0" dirty="0" err="1" smtClean="0"/>
-              <a:t>FastQ</a:t>
-            </a:r>
-            <a:r>
-              <a:rPr lang="en-GB" sz="3600" noProof="0" dirty="0" smtClean="0"/>
-              <a:t> format</a:t>
-            </a:r>
-            <a:endParaRPr lang="en-GB" sz="3600" noProof="0" dirty="0"/>
-          </a:p>
-        </p:txBody>
-      </p:sp>
-      <p:sp>
-        <p:nvSpPr>
-          <p:cNvPr id="3" name="Content Placeholder 2"/>
-          <p:cNvSpPr>
-            <a:spLocks noGrp="1"/>
-          </p:cNvSpPr>
-          <p:nvPr>
-            <p:ph idx="1"/>
-          </p:nvPr>
-        </p:nvSpPr>
-        <p:spPr>
-          <a:xfrm>
-            <a:off x="755576" y="1484784"/>
-            <a:ext cx="7678080" cy="4234342"/>
-          </a:xfrm>
-        </p:spPr>
-        <p:txBody>
-          <a:bodyPr lIns="82945" tIns="41473" rIns="82945" bIns="41473">
-            <a:normAutofit fontScale="85000" lnSpcReduction="10000"/>
+          <a:bodyPr>
+            <a:normAutofit fontScale="90000"/>
           </a:bodyPr>
           <a:lstStyle/>
           <a:p>
-            <a:pPr marL="65298" indent="0">
-              <a:buNone/>
-            </a:pPr>
-            <a:r>
-              <a:rPr lang="en-GB" sz="1900" dirty="0"/>
-              <a:t>FASTQ format is a text-based format for storing both a nucleotide sequence and its corresponding quality scores. </a:t>
-            </a:r>
-            <a:endParaRPr lang="en-GB" sz="1900" dirty="0">
-              <a:solidFill>
-                <a:srgbClr val="FF0000"/>
-              </a:solidFill>
-            </a:endParaRPr>
-          </a:p>
-          <a:p>
-            <a:pPr marL="0" indent="0">
-              <a:spcBef>
-                <a:spcPts val="0"/>
-              </a:spcBef>
-              <a:buNone/>
-            </a:pPr>
-            <a:endParaRPr lang="en-GB" sz="1900" dirty="0">
-              <a:solidFill>
-                <a:srgbClr val="FF0000"/>
-              </a:solidFill>
-              <a:latin typeface="Courier New"/>
-              <a:cs typeface="Courier New"/>
-            </a:endParaRPr>
-          </a:p>
-          <a:p>
-            <a:pPr marL="0" indent="0">
-              <a:spcBef>
-                <a:spcPts val="0"/>
-              </a:spcBef>
-              <a:buNone/>
-            </a:pPr>
-            <a:r>
-              <a:rPr lang="en-GB" sz="1900" dirty="0">
-                <a:solidFill>
-                  <a:srgbClr val="FF0000"/>
-                </a:solidFill>
-                <a:latin typeface="Courier New"/>
-                <a:cs typeface="Courier New"/>
-              </a:rPr>
-              <a:t>@HWUSI-EAS100R:6:73:941:1973#0/1</a:t>
-            </a:r>
-          </a:p>
-          <a:p>
-            <a:pPr marL="0" indent="0">
-              <a:spcBef>
-                <a:spcPts val="0"/>
-              </a:spcBef>
-              <a:buNone/>
-            </a:pPr>
-            <a:r>
-              <a:rPr lang="en-GB" sz="1900" dirty="0">
-                <a:solidFill>
-                  <a:srgbClr val="FF0000"/>
-                </a:solidFill>
-                <a:latin typeface="Courier New"/>
-                <a:cs typeface="Courier New"/>
-              </a:rPr>
-              <a:t>GATTTGGGGTTCAAAGCAGTATCGATCAAATAGTAAATCCATTTGTTCAACTCACAGTTT</a:t>
-            </a:r>
-          </a:p>
-          <a:p>
-            <a:pPr marL="0" indent="0">
-              <a:spcBef>
-                <a:spcPts val="0"/>
-              </a:spcBef>
-              <a:buNone/>
-            </a:pPr>
-            <a:r>
-              <a:rPr lang="en-GB" sz="1900" dirty="0">
-                <a:solidFill>
-                  <a:srgbClr val="FF0000"/>
-                </a:solidFill>
-                <a:latin typeface="Courier New"/>
-                <a:cs typeface="Courier New"/>
-              </a:rPr>
-              <a:t>+</a:t>
-            </a:r>
-          </a:p>
-          <a:p>
-            <a:pPr marL="0" indent="0">
-              <a:spcBef>
-                <a:spcPts val="0"/>
-              </a:spcBef>
-              <a:buNone/>
-            </a:pPr>
-            <a:r>
-              <a:rPr lang="en-GB" sz="1900" dirty="0">
-                <a:solidFill>
-                  <a:srgbClr val="FF0000"/>
-                </a:solidFill>
-                <a:latin typeface="Courier New"/>
-                <a:cs typeface="Courier New"/>
-              </a:rPr>
-              <a:t>!''*((((***+))%%%++)(%%%%).1***-+*''))**55CCF&gt;&gt;&gt;&gt;&gt;&gt;CCCCCCC65</a:t>
-            </a:r>
-          </a:p>
-          <a:p>
-            <a:pPr marL="0" indent="0">
-              <a:spcBef>
-                <a:spcPts val="0"/>
-              </a:spcBef>
-              <a:spcAft>
-                <a:spcPts val="544"/>
-              </a:spcAft>
-              <a:buNone/>
-            </a:pPr>
-            <a:endParaRPr lang="en-GB" sz="1900" dirty="0">
-              <a:latin typeface="Courier New"/>
-              <a:cs typeface="Courier New"/>
-            </a:endParaRPr>
-          </a:p>
-          <a:p>
-            <a:pPr marL="65298" indent="0">
-              <a:spcBef>
-                <a:spcPts val="454"/>
-              </a:spcBef>
-              <a:spcAft>
-                <a:spcPts val="544"/>
-              </a:spcAft>
-              <a:buNone/>
-            </a:pPr>
-            <a:r>
-              <a:rPr lang="en-GB" sz="1900" dirty="0"/>
-              <a:t>1</a:t>
-            </a:r>
-            <a:r>
-              <a:rPr lang="en-GB" sz="1900" baseline="30000" dirty="0"/>
-              <a:t>st</a:t>
-            </a:r>
-            <a:r>
-              <a:rPr lang="en-GB" sz="1900" dirty="0"/>
-              <a:t> row: sequence identifier (machine ID, x-y coordinates, additional info)</a:t>
-            </a:r>
-          </a:p>
-          <a:p>
-            <a:pPr marL="65298" indent="0">
-              <a:spcBef>
-                <a:spcPts val="454"/>
-              </a:spcBef>
-              <a:spcAft>
-                <a:spcPts val="544"/>
-              </a:spcAft>
-              <a:buNone/>
-            </a:pPr>
-            <a:r>
-              <a:rPr lang="en-GB" sz="1900" dirty="0"/>
-              <a:t>2</a:t>
-            </a:r>
-            <a:r>
-              <a:rPr lang="en-GB" sz="1900" baseline="30000" dirty="0"/>
-              <a:t>nd</a:t>
-            </a:r>
-            <a:r>
-              <a:rPr lang="en-GB" sz="1900" dirty="0"/>
-              <a:t> row: The actual sequence</a:t>
-            </a:r>
-          </a:p>
-          <a:p>
-            <a:pPr marL="65298" indent="0">
-              <a:spcBef>
-                <a:spcPts val="454"/>
-              </a:spcBef>
-              <a:spcAft>
-                <a:spcPts val="544"/>
-              </a:spcAft>
-              <a:buNone/>
-            </a:pPr>
-            <a:r>
-              <a:rPr lang="en-GB" sz="1900" dirty="0"/>
-              <a:t>3</a:t>
-            </a:r>
-            <a:r>
-              <a:rPr lang="en-GB" sz="1900" baseline="30000" dirty="0"/>
-              <a:t>rd</a:t>
-            </a:r>
-            <a:r>
-              <a:rPr lang="en-GB" sz="1900" dirty="0"/>
-              <a:t> row: starts with “+” and optionally the same identifier as in the 1</a:t>
-            </a:r>
-            <a:r>
-              <a:rPr lang="en-GB" sz="1900" baseline="30000" dirty="0"/>
-              <a:t>st</a:t>
-            </a:r>
-            <a:r>
-              <a:rPr lang="en-GB" sz="1900" dirty="0"/>
-              <a:t> row</a:t>
-            </a:r>
-          </a:p>
-          <a:p>
-            <a:pPr marL="65298" indent="0">
-              <a:spcBef>
-                <a:spcPts val="454"/>
-              </a:spcBef>
-              <a:spcAft>
-                <a:spcPts val="544"/>
-              </a:spcAft>
-              <a:buNone/>
-            </a:pPr>
-            <a:r>
-              <a:rPr lang="en-GB" sz="1900" dirty="0"/>
-              <a:t>4</a:t>
-            </a:r>
-            <a:r>
-              <a:rPr lang="en-GB" sz="1900" baseline="30000" dirty="0"/>
-              <a:t>th</a:t>
-            </a:r>
-            <a:r>
-              <a:rPr lang="en-GB" sz="1900" dirty="0"/>
-              <a:t> row: Quality score for each base in read	</a:t>
-            </a:r>
-          </a:p>
-          <a:p>
-            <a:pPr marL="65298" indent="0">
-              <a:spcBef>
-                <a:spcPts val="454"/>
-              </a:spcBef>
-              <a:spcAft>
-                <a:spcPts val="544"/>
-              </a:spcAft>
-              <a:buNone/>
-            </a:pPr>
-            <a:r>
-              <a:rPr lang="en-GB" sz="1900" dirty="0"/>
-              <a:t>Quality score: ASCII representation of score for each base (i.e. the probability that the corresponding base call is incorrect.) Platform specific scaling!</a:t>
-            </a:r>
-          </a:p>
-          <a:p>
-            <a:pPr marL="65298" indent="0">
-              <a:spcBef>
-                <a:spcPts val="454"/>
-              </a:spcBef>
-              <a:spcAft>
-                <a:spcPts val="544"/>
-              </a:spcAft>
-              <a:buNone/>
-            </a:pPr>
-            <a:r>
-              <a:rPr lang="en-GB" sz="1900" dirty="0"/>
-              <a:t>For more info: http://</a:t>
-            </a:r>
-            <a:r>
-              <a:rPr lang="en-GB" sz="1900" dirty="0" err="1"/>
-              <a:t>en.wikipedia.org</a:t>
-            </a:r>
-            <a:r>
-              <a:rPr lang="en-GB" sz="1900" dirty="0"/>
-              <a:t>/wiki/</a:t>
-            </a:r>
-            <a:r>
-              <a:rPr lang="en-GB" sz="1900" dirty="0" err="1"/>
-              <a:t>FASTQ_format</a:t>
-            </a:r>
-            <a:endParaRPr lang="en-GB" sz="1900" dirty="0"/>
-          </a:p>
-          <a:p>
-            <a:pPr marL="65298" indent="0">
-              <a:buNone/>
-            </a:pPr>
-            <a:endParaRPr lang="en-GB" sz="1900" dirty="0"/>
-          </a:p>
-          <a:p>
-            <a:pPr marL="65298" indent="0">
-              <a:buNone/>
-            </a:pPr>
-            <a:endParaRPr lang="en-GB" sz="1600" dirty="0"/>
+            <a:r>
+              <a:rPr lang="en-US" dirty="0" smtClean="0"/>
+              <a:t>First…</a:t>
+            </a:r>
+            <a:br>
+              <a:rPr lang="en-US" dirty="0" smtClean="0"/>
+            </a:br>
+            <a:r>
+              <a:rPr lang="en-US" dirty="0" smtClean="0"/>
+              <a:t>recap of </a:t>
+            </a:r>
+            <a:r>
+              <a:rPr lang="en-US" dirty="0" err="1" smtClean="0"/>
+              <a:t>germline</a:t>
+            </a:r>
+            <a:r>
+              <a:rPr lang="en-US" dirty="0" smtClean="0"/>
+              <a:t> variant calling workflow</a:t>
+            </a:r>
+            <a:endParaRPr lang="en-US" dirty="0"/>
           </a:p>
         </p:txBody>
       </p:sp>
     </p:spTree>
     <p:extLst>
       <p:ext uri="{BB962C8B-B14F-4D97-AF65-F5344CB8AC3E}">
-        <p14:creationId xmlns:p14="http://schemas.microsoft.com/office/powerpoint/2010/main" val="1324641791"/>
+        <p14:creationId xmlns:p14="http://schemas.microsoft.com/office/powerpoint/2010/main" val="3439845388"/>
       </p:ext>
     </p:extLst>
   </p:cSld>
   <p:clrMapOvr>
     <a:masterClrMapping/>
   </p:clrMapOvr>
-  <mc:AlternateContent xmlns:mc="http://schemas.openxmlformats.org/markup-compatibility/2006" xmlns:p14="http://schemas.microsoft.com/office/powerpoint/2010/main">
-    <mc:Choice Requires="p14">
-      <p:transition spd="slow" p14:dur="2000"/>
-    </mc:Choice>
-    <mc:Fallback xmlns="">
-      <p:transition xmlns:p14="http://schemas.microsoft.com/office/powerpoint/2010/main" spd="slow"/>
-    </mc:Fallback>
-  </mc:AlternateContent>
   <p:timing>
     <p:tnLst>
       <p:par>
@@ -9048,6 +9874,377 @@
             <p:ph type="title"/>
           </p:nvPr>
         </p:nvSpPr>
+        <p:spPr>
+          <a:xfrm>
+            <a:off x="467544" y="404664"/>
+            <a:ext cx="8229600" cy="657550"/>
+          </a:xfrm>
+        </p:spPr>
+        <p:txBody>
+          <a:bodyPr lIns="82945" tIns="41473" rIns="82945" bIns="41473"/>
+          <a:lstStyle/>
+          <a:p>
+            <a:r>
+              <a:rPr lang="en-GB" sz="3600" noProof="0" dirty="0" err="1" smtClean="0"/>
+              <a:t>FastQ</a:t>
+            </a:r>
+            <a:r>
+              <a:rPr lang="en-GB" sz="3600" noProof="0" dirty="0" smtClean="0"/>
+              <a:t> format</a:t>
+            </a:r>
+            <a:endParaRPr lang="en-GB" sz="3600" noProof="0" dirty="0"/>
+          </a:p>
+        </p:txBody>
+      </p:sp>
+      <p:sp>
+        <p:nvSpPr>
+          <p:cNvPr id="3" name="Content Placeholder 2"/>
+          <p:cNvSpPr>
+            <a:spLocks noGrp="1"/>
+          </p:cNvSpPr>
+          <p:nvPr>
+            <p:ph idx="1"/>
+          </p:nvPr>
+        </p:nvSpPr>
+        <p:spPr>
+          <a:xfrm>
+            <a:off x="755576" y="1484784"/>
+            <a:ext cx="7678080" cy="4234342"/>
+          </a:xfrm>
+        </p:spPr>
+        <p:txBody>
+          <a:bodyPr lIns="82945" tIns="41473" rIns="82945" bIns="41473">
+            <a:normAutofit fontScale="85000" lnSpcReduction="10000"/>
+          </a:bodyPr>
+          <a:lstStyle/>
+          <a:p>
+            <a:pPr marL="65298" indent="0">
+              <a:buNone/>
+            </a:pPr>
+            <a:r>
+              <a:rPr lang="en-GB" sz="1900" dirty="0"/>
+              <a:t>FASTQ format is a text-based format for storing both a nucleotide sequence and its corresponding quality scores. </a:t>
+            </a:r>
+            <a:endParaRPr lang="en-GB" sz="1900" dirty="0">
+              <a:solidFill>
+                <a:srgbClr val="FF0000"/>
+              </a:solidFill>
+            </a:endParaRPr>
+          </a:p>
+          <a:p>
+            <a:pPr marL="0" indent="0">
+              <a:spcBef>
+                <a:spcPts val="0"/>
+              </a:spcBef>
+              <a:buNone/>
+            </a:pPr>
+            <a:endParaRPr lang="en-GB" sz="1900" dirty="0">
+              <a:solidFill>
+                <a:srgbClr val="FF0000"/>
+              </a:solidFill>
+              <a:latin typeface="Courier New"/>
+              <a:cs typeface="Courier New"/>
+            </a:endParaRPr>
+          </a:p>
+          <a:p>
+            <a:pPr marL="0" indent="0">
+              <a:spcBef>
+                <a:spcPts val="0"/>
+              </a:spcBef>
+              <a:buNone/>
+            </a:pPr>
+            <a:r>
+              <a:rPr lang="en-GB" sz="1900" dirty="0">
+                <a:solidFill>
+                  <a:srgbClr val="FF0000"/>
+                </a:solidFill>
+                <a:latin typeface="Courier New"/>
+                <a:cs typeface="Courier New"/>
+              </a:rPr>
+              <a:t>@HWUSI-EAS100R:6:73:941:1973#0/1</a:t>
+            </a:r>
+          </a:p>
+          <a:p>
+            <a:pPr marL="0" indent="0">
+              <a:spcBef>
+                <a:spcPts val="0"/>
+              </a:spcBef>
+              <a:buNone/>
+            </a:pPr>
+            <a:r>
+              <a:rPr lang="en-GB" sz="1900" dirty="0">
+                <a:solidFill>
+                  <a:srgbClr val="FF0000"/>
+                </a:solidFill>
+                <a:latin typeface="Courier New"/>
+                <a:cs typeface="Courier New"/>
+              </a:rPr>
+              <a:t>GATTTGGGGTTCAAAGCAGTATCGATCAAATAGTAAATCCATTTGTTCAACTCACAGTTT</a:t>
+            </a:r>
+          </a:p>
+          <a:p>
+            <a:pPr marL="0" indent="0">
+              <a:spcBef>
+                <a:spcPts val="0"/>
+              </a:spcBef>
+              <a:buNone/>
+            </a:pPr>
+            <a:r>
+              <a:rPr lang="en-GB" sz="1900" dirty="0">
+                <a:solidFill>
+                  <a:srgbClr val="FF0000"/>
+                </a:solidFill>
+                <a:latin typeface="Courier New"/>
+                <a:cs typeface="Courier New"/>
+              </a:rPr>
+              <a:t>+</a:t>
+            </a:r>
+          </a:p>
+          <a:p>
+            <a:pPr marL="0" indent="0">
+              <a:spcBef>
+                <a:spcPts val="0"/>
+              </a:spcBef>
+              <a:buNone/>
+            </a:pPr>
+            <a:r>
+              <a:rPr lang="en-GB" sz="1900" dirty="0">
+                <a:solidFill>
+                  <a:srgbClr val="FF0000"/>
+                </a:solidFill>
+                <a:latin typeface="Courier New"/>
+                <a:cs typeface="Courier New"/>
+              </a:rPr>
+              <a:t>!''*((((***+))%%%++)(%%%%).1***-+*''))**55CCF&gt;&gt;&gt;&gt;&gt;&gt;CCCCCCC65</a:t>
+            </a:r>
+          </a:p>
+          <a:p>
+            <a:pPr marL="0" indent="0">
+              <a:spcBef>
+                <a:spcPts val="0"/>
+              </a:spcBef>
+              <a:spcAft>
+                <a:spcPts val="544"/>
+              </a:spcAft>
+              <a:buNone/>
+            </a:pPr>
+            <a:endParaRPr lang="en-GB" sz="1900" dirty="0">
+              <a:latin typeface="Courier New"/>
+              <a:cs typeface="Courier New"/>
+            </a:endParaRPr>
+          </a:p>
+          <a:p>
+            <a:pPr marL="65298" indent="0">
+              <a:spcBef>
+                <a:spcPts val="454"/>
+              </a:spcBef>
+              <a:spcAft>
+                <a:spcPts val="544"/>
+              </a:spcAft>
+              <a:buNone/>
+            </a:pPr>
+            <a:r>
+              <a:rPr lang="en-GB" sz="1900" dirty="0"/>
+              <a:t>1</a:t>
+            </a:r>
+            <a:r>
+              <a:rPr lang="en-GB" sz="1900" baseline="30000" dirty="0"/>
+              <a:t>st</a:t>
+            </a:r>
+            <a:r>
+              <a:rPr lang="en-GB" sz="1900" dirty="0"/>
+              <a:t> row: sequence identifier (machine ID, x-y coordinates, additional info)</a:t>
+            </a:r>
+          </a:p>
+          <a:p>
+            <a:pPr marL="65298" indent="0">
+              <a:spcBef>
+                <a:spcPts val="454"/>
+              </a:spcBef>
+              <a:spcAft>
+                <a:spcPts val="544"/>
+              </a:spcAft>
+              <a:buNone/>
+            </a:pPr>
+            <a:r>
+              <a:rPr lang="en-GB" sz="1900" dirty="0"/>
+              <a:t>2</a:t>
+            </a:r>
+            <a:r>
+              <a:rPr lang="en-GB" sz="1900" baseline="30000" dirty="0"/>
+              <a:t>nd</a:t>
+            </a:r>
+            <a:r>
+              <a:rPr lang="en-GB" sz="1900" dirty="0"/>
+              <a:t> row: The actual sequence</a:t>
+            </a:r>
+          </a:p>
+          <a:p>
+            <a:pPr marL="65298" indent="0">
+              <a:spcBef>
+                <a:spcPts val="454"/>
+              </a:spcBef>
+              <a:spcAft>
+                <a:spcPts val="544"/>
+              </a:spcAft>
+              <a:buNone/>
+            </a:pPr>
+            <a:r>
+              <a:rPr lang="en-GB" sz="1900" dirty="0"/>
+              <a:t>3</a:t>
+            </a:r>
+            <a:r>
+              <a:rPr lang="en-GB" sz="1900" baseline="30000" dirty="0"/>
+              <a:t>rd</a:t>
+            </a:r>
+            <a:r>
+              <a:rPr lang="en-GB" sz="1900" dirty="0"/>
+              <a:t> row: starts with “+” and optionally the same identifier as in the 1</a:t>
+            </a:r>
+            <a:r>
+              <a:rPr lang="en-GB" sz="1900" baseline="30000" dirty="0"/>
+              <a:t>st</a:t>
+            </a:r>
+            <a:r>
+              <a:rPr lang="en-GB" sz="1900" dirty="0"/>
+              <a:t> row</a:t>
+            </a:r>
+          </a:p>
+          <a:p>
+            <a:pPr marL="65298" indent="0">
+              <a:spcBef>
+                <a:spcPts val="454"/>
+              </a:spcBef>
+              <a:spcAft>
+                <a:spcPts val="544"/>
+              </a:spcAft>
+              <a:buNone/>
+            </a:pPr>
+            <a:r>
+              <a:rPr lang="en-GB" sz="1900" dirty="0"/>
+              <a:t>4</a:t>
+            </a:r>
+            <a:r>
+              <a:rPr lang="en-GB" sz="1900" baseline="30000" dirty="0"/>
+              <a:t>th</a:t>
+            </a:r>
+            <a:r>
+              <a:rPr lang="en-GB" sz="1900" dirty="0"/>
+              <a:t> row: Quality score for each base in read	</a:t>
+            </a:r>
+          </a:p>
+          <a:p>
+            <a:pPr marL="65298" indent="0">
+              <a:spcBef>
+                <a:spcPts val="454"/>
+              </a:spcBef>
+              <a:spcAft>
+                <a:spcPts val="544"/>
+              </a:spcAft>
+              <a:buNone/>
+            </a:pPr>
+            <a:r>
+              <a:rPr lang="en-GB" sz="1900" dirty="0"/>
+              <a:t>Quality score: ASCII representation of score for each base (i.e. the probability that the corresponding base call is incorrect.) Platform specific scaling!</a:t>
+            </a:r>
+          </a:p>
+          <a:p>
+            <a:pPr marL="65298" indent="0">
+              <a:spcBef>
+                <a:spcPts val="454"/>
+              </a:spcBef>
+              <a:spcAft>
+                <a:spcPts val="544"/>
+              </a:spcAft>
+              <a:buNone/>
+            </a:pPr>
+            <a:r>
+              <a:rPr lang="en-GB" sz="1900" dirty="0"/>
+              <a:t>For more info: http://</a:t>
+            </a:r>
+            <a:r>
+              <a:rPr lang="en-GB" sz="1900" dirty="0" err="1"/>
+              <a:t>en.wikipedia.org</a:t>
+            </a:r>
+            <a:r>
+              <a:rPr lang="en-GB" sz="1900" dirty="0"/>
+              <a:t>/wiki/</a:t>
+            </a:r>
+            <a:r>
+              <a:rPr lang="en-GB" sz="1900" dirty="0" err="1"/>
+              <a:t>FASTQ_format</a:t>
+            </a:r>
+            <a:endParaRPr lang="en-GB" sz="1900" dirty="0"/>
+          </a:p>
+          <a:p>
+            <a:pPr marL="65298" indent="0">
+              <a:buNone/>
+            </a:pPr>
+            <a:endParaRPr lang="en-GB" sz="1900" dirty="0"/>
+          </a:p>
+          <a:p>
+            <a:pPr marL="65298" indent="0">
+              <a:buNone/>
+            </a:pPr>
+            <a:endParaRPr lang="en-GB" sz="1600" dirty="0"/>
+          </a:p>
+        </p:txBody>
+      </p:sp>
+    </p:spTree>
+    <p:extLst>
+      <p:ext uri="{BB962C8B-B14F-4D97-AF65-F5344CB8AC3E}">
+        <p14:creationId xmlns:p14="http://schemas.microsoft.com/office/powerpoint/2010/main" val="1324641791"/>
+      </p:ext>
+    </p:extLst>
+  </p:cSld>
+  <p:clrMapOvr>
+    <a:masterClrMapping/>
+  </p:clrMapOvr>
+  <mc:AlternateContent xmlns:mc="http://schemas.openxmlformats.org/markup-compatibility/2006" xmlns:p14="http://schemas.microsoft.com/office/powerpoint/2010/main">
+    <mc:Choice Requires="p14">
+      <p:transition spd="slow" p14:dur="2000"/>
+    </mc:Choice>
+    <mc:Fallback xmlns="">
+      <p:transition xmlns:p14="http://schemas.microsoft.com/office/powerpoint/2010/main" spd="slow"/>
+    </mc:Fallback>
+  </mc:AlternateContent>
+  <p:timing>
+    <p:tnLst>
+      <p:par>
+        <p:cTn xmlns:p14="http://schemas.microsoft.com/office/powerpoint/2010/main" id="1" dur="indefinite" restart="never" nodeType="tmRoot"/>
+      </p:par>
+    </p:tnLst>
+  </p:timing>
+</p:sld>
+</file>
+
+<file path=ppt/slides/slide29.xml><?xml version="1.0" encoding="utf-8"?>
+<p:sld xmlns:a="http://schemas.openxmlformats.org/drawingml/2006/main" xmlns:r="http://schemas.openxmlformats.org/officeDocument/2006/relationships" xmlns:p="http://schemas.openxmlformats.org/presentationml/2006/main">
+  <p:cSld>
+    <p:spTree>
+      <p:nvGrpSpPr>
+        <p:cNvPr id="1" name=""/>
+        <p:cNvGrpSpPr/>
+        <p:nvPr/>
+      </p:nvGrpSpPr>
+      <p:grpSpPr>
+        <a:xfrm>
+          <a:off x="0" y="0"/>
+          <a:ext cx="0" cy="0"/>
+          <a:chOff x="0" y="0"/>
+          <a:chExt cx="0" cy="0"/>
+        </a:xfrm>
+      </p:grpSpPr>
+      <p:sp>
+        <p:nvSpPr>
+          <p:cNvPr id="2" name="Title 1"/>
+          <p:cNvSpPr>
+            <a:spLocks noGrp="1"/>
+          </p:cNvSpPr>
+          <p:nvPr>
+            <p:ph type="title"/>
+          </p:nvPr>
+        </p:nvSpPr>
         <p:spPr/>
         <p:txBody>
           <a:bodyPr/>
@@ -9597,7 +10794,7 @@
             <a:fld id="{EF15D6EA-EBF7-4C2E-A1CC-C279B7E6D53A}" type="slidenum">
               <a:rPr lang="en-GB" smtClean="0"/>
               <a:pPr/>
-              <a:t>28</a:t>
+              <a:t>29</a:t>
             </a:fld>
             <a:endParaRPr lang="en-GB" dirty="0"/>
           </a:p>
@@ -9675,7 +10872,72 @@
 </p:sld>
 </file>
 
-<file path=ppt/slides/slide29.xml><?xml version="1.0" encoding="utf-8"?>
+<file path=ppt/slides/slide3.xml><?xml version="1.0" encoding="utf-8"?>
+<p:sld xmlns:a="http://schemas.openxmlformats.org/drawingml/2006/main" xmlns:r="http://schemas.openxmlformats.org/officeDocument/2006/relationships" xmlns:p="http://schemas.openxmlformats.org/presentationml/2006/main">
+  <p:cSld>
+    <p:spTree>
+      <p:nvGrpSpPr>
+        <p:cNvPr id="1" name=""/>
+        <p:cNvGrpSpPr/>
+        <p:nvPr/>
+      </p:nvGrpSpPr>
+      <p:grpSpPr>
+        <a:xfrm>
+          <a:off x="0" y="0"/>
+          <a:ext cx="0" cy="0"/>
+          <a:chOff x="0" y="0"/>
+          <a:chExt cx="0" cy="0"/>
+        </a:xfrm>
+      </p:grpSpPr>
+      <p:sp>
+        <p:nvSpPr>
+          <p:cNvPr id="2" name="Title 1"/>
+          <p:cNvSpPr>
+            <a:spLocks noGrp="1"/>
+          </p:cNvSpPr>
+          <p:nvPr>
+            <p:ph type="title"/>
+          </p:nvPr>
+        </p:nvSpPr>
+        <p:spPr>
+          <a:xfrm>
+            <a:off x="457200" y="2422786"/>
+            <a:ext cx="8229600" cy="1143000"/>
+          </a:xfrm>
+        </p:spPr>
+        <p:txBody>
+          <a:bodyPr/>
+          <a:lstStyle/>
+          <a:p>
+            <a:r>
+              <a:rPr lang="en-US" dirty="0" smtClean="0"/>
+              <a:t>Introduction</a:t>
+            </a:r>
+            <a:endParaRPr lang="en-US" dirty="0"/>
+          </a:p>
+        </p:txBody>
+      </p:sp>
+    </p:spTree>
+    <p:extLst>
+      <p:ext uri="{BB962C8B-B14F-4D97-AF65-F5344CB8AC3E}">
+        <p14:creationId xmlns:p14="http://schemas.microsoft.com/office/powerpoint/2010/main" val="779678424"/>
+      </p:ext>
+    </p:extLst>
+  </p:cSld>
+  <p:clrMapOvr>
+    <a:masterClrMapping/>
+  </p:clrMapOvr>
+  <p:timing>
+    <p:tnLst>
+      <p:par>
+        <p:cTn xmlns:p14="http://schemas.microsoft.com/office/powerpoint/2010/main" id="1" dur="indefinite" restart="never" nodeType="tmRoot"/>
+      </p:par>
+    </p:tnLst>
+  </p:timing>
+</p:sld>
+</file>
+
+<file path=ppt/slides/slide30.xml><?xml version="1.0" encoding="utf-8"?>
 <p:sld xmlns:a="http://schemas.openxmlformats.org/drawingml/2006/main" xmlns:r="http://schemas.openxmlformats.org/officeDocument/2006/relationships" xmlns:p="http://schemas.openxmlformats.org/presentationml/2006/main">
   <p:cSld>
     <p:spTree>
@@ -9764,72 +11026,7 @@
 </p:sld>
 </file>
 
-<file path=ppt/slides/slide3.xml><?xml version="1.0" encoding="utf-8"?>
-<p:sld xmlns:a="http://schemas.openxmlformats.org/drawingml/2006/main" xmlns:r="http://schemas.openxmlformats.org/officeDocument/2006/relationships" xmlns:p="http://schemas.openxmlformats.org/presentationml/2006/main">
-  <p:cSld>
-    <p:spTree>
-      <p:nvGrpSpPr>
-        <p:cNvPr id="1" name=""/>
-        <p:cNvGrpSpPr/>
-        <p:nvPr/>
-      </p:nvGrpSpPr>
-      <p:grpSpPr>
-        <a:xfrm>
-          <a:off x="0" y="0"/>
-          <a:ext cx="0" cy="0"/>
-          <a:chOff x="0" y="0"/>
-          <a:chExt cx="0" cy="0"/>
-        </a:xfrm>
-      </p:grpSpPr>
-      <p:sp>
-        <p:nvSpPr>
-          <p:cNvPr id="2" name="Title 1"/>
-          <p:cNvSpPr>
-            <a:spLocks noGrp="1"/>
-          </p:cNvSpPr>
-          <p:nvPr>
-            <p:ph type="title"/>
-          </p:nvPr>
-        </p:nvSpPr>
-        <p:spPr>
-          <a:xfrm>
-            <a:off x="457200" y="2422786"/>
-            <a:ext cx="8229600" cy="1143000"/>
-          </a:xfrm>
-        </p:spPr>
-        <p:txBody>
-          <a:bodyPr/>
-          <a:lstStyle/>
-          <a:p>
-            <a:r>
-              <a:rPr lang="en-US" dirty="0" smtClean="0"/>
-              <a:t>Introduction</a:t>
-            </a:r>
-            <a:endParaRPr lang="en-US" dirty="0"/>
-          </a:p>
-        </p:txBody>
-      </p:sp>
-    </p:spTree>
-    <p:extLst>
-      <p:ext uri="{BB962C8B-B14F-4D97-AF65-F5344CB8AC3E}">
-        <p14:creationId xmlns:p14="http://schemas.microsoft.com/office/powerpoint/2010/main" val="779678424"/>
-      </p:ext>
-    </p:extLst>
-  </p:cSld>
-  <p:clrMapOvr>
-    <a:masterClrMapping/>
-  </p:clrMapOvr>
-  <p:timing>
-    <p:tnLst>
-      <p:par>
-        <p:cTn xmlns:p14="http://schemas.microsoft.com/office/powerpoint/2010/main" id="1" dur="indefinite" restart="never" nodeType="tmRoot"/>
-      </p:par>
-    </p:tnLst>
-  </p:timing>
-</p:sld>
-</file>
-
-<file path=ppt/slides/slide30.xml><?xml version="1.0" encoding="utf-8"?>
+<file path=ppt/slides/slide31.xml><?xml version="1.0" encoding="utf-8"?>
 <p:sld xmlns:a="http://schemas.openxmlformats.org/drawingml/2006/main" xmlns:r="http://schemas.openxmlformats.org/officeDocument/2006/relationships" xmlns:p="http://schemas.openxmlformats.org/presentationml/2006/main">
   <p:cSld>
     <p:spTree>
@@ -9913,7 +11110,7 @@
 </p:sld>
 </file>
 
-<file path=ppt/slides/slide31.xml><?xml version="1.0" encoding="utf-8"?>
+<file path=ppt/slides/slide32.xml><?xml version="1.0" encoding="utf-8"?>
 <p:sld xmlns:a="http://schemas.openxmlformats.org/drawingml/2006/main" xmlns:r="http://schemas.openxmlformats.org/officeDocument/2006/relationships" xmlns:p="http://schemas.openxmlformats.org/presentationml/2006/main">
   <p:cSld>
     <p:spTree>
@@ -9987,7 +11184,7 @@
 </p:sld>
 </file>
 
-<file path=ppt/slides/slide32.xml><?xml version="1.0" encoding="utf-8"?>
+<file path=ppt/slides/slide33.xml><?xml version="1.0" encoding="utf-8"?>
 <p:sld xmlns:a="http://schemas.openxmlformats.org/drawingml/2006/main" xmlns:r="http://schemas.openxmlformats.org/officeDocument/2006/relationships" xmlns:p="http://schemas.openxmlformats.org/presentationml/2006/main">
   <p:cSld>
     <p:spTree>
@@ -10054,7 +11251,7 @@
 </p:sld>
 </file>
 
-<file path=ppt/slides/slide33.xml><?xml version="1.0" encoding="utf-8"?>
+<file path=ppt/slides/slide34.xml><?xml version="1.0" encoding="utf-8"?>
 <p:sld xmlns:a="http://schemas.openxmlformats.org/drawingml/2006/main" xmlns:r="http://schemas.openxmlformats.org/officeDocument/2006/relationships" xmlns:p="http://schemas.openxmlformats.org/presentationml/2006/main">
   <p:cSld>
     <p:spTree>
@@ -10182,7 +11379,7 @@
 </p:sld>
 </file>
 
-<file path=ppt/slides/slide34.xml><?xml version="1.0" encoding="utf-8"?>
+<file path=ppt/slides/slide35.xml><?xml version="1.0" encoding="utf-8"?>
 <p:sld xmlns:a="http://schemas.openxmlformats.org/drawingml/2006/main" xmlns:r="http://schemas.openxmlformats.org/officeDocument/2006/relationships" xmlns:p="http://schemas.openxmlformats.org/presentationml/2006/main">
   <p:cSld>
     <p:spTree>
@@ -10305,7 +11502,7 @@
 </p:sld>
 </file>
 
-<file path=ppt/slides/slide35.xml><?xml version="1.0" encoding="utf-8"?>
+<file path=ppt/slides/slide36.xml><?xml version="1.0" encoding="utf-8"?>
 <p:sld xmlns:a="http://schemas.openxmlformats.org/drawingml/2006/main" xmlns:r="http://schemas.openxmlformats.org/officeDocument/2006/relationships" xmlns:p="http://schemas.openxmlformats.org/presentationml/2006/main">
   <p:cSld>
     <p:spTree>
@@ -10334,7 +11531,7 @@
         </p:nvSpPr>
         <p:spPr>
           <a:xfrm>
-            <a:off x="114300" y="-25400"/>
+            <a:off x="114300" y="1460501"/>
             <a:ext cx="9144000" cy="4525963"/>
           </a:xfrm>
         </p:spPr>
@@ -10961,7 +12158,15 @@
           <a:bodyPr/>
           <a:lstStyle/>
           <a:p>
-            <a:endParaRPr lang="en-US"/>
+            <a:r>
+              <a:rPr lang="en-US" smtClean="0"/>
+              <a:t>Sampleid.m</a:t>
+            </a:r>
+            <a:r>
+              <a:rPr lang="en-US" smtClean="0"/>
+              <a:t>utect.vcf</a:t>
+            </a:r>
+            <a:endParaRPr lang="en-US" dirty="0"/>
           </a:p>
         </p:txBody>
       </p:sp>
@@ -10969,571 +12174,6 @@
     <p:extLst>
       <p:ext uri="{BB962C8B-B14F-4D97-AF65-F5344CB8AC3E}">
         <p14:creationId xmlns:p14="http://schemas.microsoft.com/office/powerpoint/2010/main" val="3872517797"/>
-      </p:ext>
-    </p:extLst>
-  </p:cSld>
-  <p:clrMapOvr>
-    <a:masterClrMapping/>
-  </p:clrMapOvr>
-  <p:timing>
-    <p:tnLst>
-      <p:par>
-        <p:cTn xmlns:p14="http://schemas.microsoft.com/office/powerpoint/2010/main" id="1" dur="indefinite" restart="never" nodeType="tmRoot"/>
-      </p:par>
-    </p:tnLst>
-  </p:timing>
-</p:sld>
-</file>
-
-<file path=ppt/slides/slide36.xml><?xml version="1.0" encoding="utf-8"?>
-<p:sld xmlns:a="http://schemas.openxmlformats.org/drawingml/2006/main" xmlns:r="http://schemas.openxmlformats.org/officeDocument/2006/relationships" xmlns:p="http://schemas.openxmlformats.org/presentationml/2006/main">
-  <p:cSld>
-    <p:spTree>
-      <p:nvGrpSpPr>
-        <p:cNvPr id="1" name=""/>
-        <p:cNvGrpSpPr/>
-        <p:nvPr/>
-      </p:nvGrpSpPr>
-      <p:grpSpPr>
-        <a:xfrm>
-          <a:off x="0" y="0"/>
-          <a:ext cx="0" cy="0"/>
-          <a:chOff x="0" y="0"/>
-          <a:chExt cx="0" cy="0"/>
-        </a:xfrm>
-      </p:grpSpPr>
-      <p:sp>
-        <p:nvSpPr>
-          <p:cNvPr id="2" name="Title 1"/>
-          <p:cNvSpPr>
-            <a:spLocks noGrp="1"/>
-          </p:cNvSpPr>
-          <p:nvPr>
-            <p:ph type="title"/>
-          </p:nvPr>
-        </p:nvSpPr>
-        <p:spPr/>
-        <p:txBody>
-          <a:bodyPr/>
-          <a:lstStyle/>
-          <a:p>
-            <a:r>
-              <a:rPr lang="en-US" dirty="0" err="1" smtClean="0"/>
-              <a:t>mutect.out</a:t>
-            </a:r>
-            <a:r>
-              <a:rPr lang="en-US" dirty="0" smtClean="0"/>
-              <a:t> file</a:t>
-            </a:r>
-            <a:endParaRPr lang="en-US" dirty="0"/>
-          </a:p>
-        </p:txBody>
-      </p:sp>
-      <p:sp>
-        <p:nvSpPr>
-          <p:cNvPr id="3" name="Content Placeholder 2"/>
-          <p:cNvSpPr>
-            <a:spLocks noGrp="1"/>
-          </p:cNvSpPr>
-          <p:nvPr>
-            <p:ph idx="1"/>
-          </p:nvPr>
-        </p:nvSpPr>
-        <p:spPr>
-          <a:xfrm>
-            <a:off x="457200" y="1600200"/>
-            <a:ext cx="8229600" cy="5257800"/>
-          </a:xfrm>
-        </p:spPr>
-        <p:txBody>
-          <a:bodyPr>
-            <a:normAutofit fontScale="40000" lnSpcReduction="20000"/>
-          </a:bodyPr>
-          <a:lstStyle/>
-          <a:p>
-            <a:pPr marL="0" indent="0">
-              <a:buNone/>
-            </a:pPr>
-            <a:r>
-              <a:rPr lang="en-US" sz="7000" dirty="0" smtClean="0"/>
-              <a:t>All statistics used in post-detection filtering</a:t>
-            </a:r>
-          </a:p>
-          <a:p>
-            <a:pPr marL="0" indent="0">
-              <a:buNone/>
-            </a:pPr>
-            <a:endParaRPr lang="en-US" dirty="0"/>
-          </a:p>
-          <a:p>
-            <a:pPr marL="0" indent="0">
-              <a:buNone/>
-            </a:pPr>
-            <a:r>
-              <a:rPr lang="en-US" sz="5000" dirty="0" smtClean="0"/>
-              <a:t>Columns:</a:t>
-            </a:r>
-          </a:p>
-          <a:p>
-            <a:pPr marL="0" indent="0">
-              <a:buNone/>
-            </a:pPr>
-            <a:r>
-              <a:rPr lang="en-US" dirty="0" err="1"/>
-              <a:t>contig</a:t>
-            </a:r>
-            <a:r>
-              <a:rPr lang="en-US" dirty="0"/>
-              <a:t>  position        context </a:t>
-            </a:r>
-            <a:r>
-              <a:rPr lang="en-US" dirty="0" err="1"/>
-              <a:t>ref_allele</a:t>
-            </a:r>
-            <a:r>
-              <a:rPr lang="en-US" dirty="0"/>
-              <a:t>      </a:t>
-            </a:r>
-            <a:r>
-              <a:rPr lang="en-US" dirty="0" err="1"/>
-              <a:t>alt_allele</a:t>
-            </a:r>
-            <a:r>
-              <a:rPr lang="en-US" dirty="0"/>
-              <a:t>      </a:t>
-            </a:r>
-            <a:r>
-              <a:rPr lang="en-US" dirty="0" err="1"/>
-              <a:t>tumor_name</a:t>
-            </a:r>
-            <a:r>
-              <a:rPr lang="en-US" dirty="0"/>
-              <a:t>      </a:t>
-            </a:r>
-            <a:r>
-              <a:rPr lang="en-US" dirty="0" err="1"/>
-              <a:t>normal_name</a:t>
-            </a:r>
-            <a:r>
-              <a:rPr lang="en-US" dirty="0"/>
-              <a:t>     score   </a:t>
-            </a:r>
-            <a:r>
-              <a:rPr lang="en-US" dirty="0" err="1"/>
-              <a:t>dbsnp_site</a:t>
-            </a:r>
-            <a:r>
-              <a:rPr lang="en-US" dirty="0"/>
-              <a:t>      covered</a:t>
-            </a:r>
-          </a:p>
-          <a:p>
-            <a:pPr marL="0" indent="0">
-              <a:buNone/>
-            </a:pPr>
-            <a:r>
-              <a:rPr lang="en-US" dirty="0"/>
-              <a:t>        power   </a:t>
-            </a:r>
-            <a:r>
-              <a:rPr lang="en-US" dirty="0" err="1"/>
-              <a:t>tumor_power</a:t>
-            </a:r>
-            <a:r>
-              <a:rPr lang="en-US" dirty="0"/>
-              <a:t>     </a:t>
-            </a:r>
-            <a:r>
-              <a:rPr lang="en-US" dirty="0" err="1"/>
-              <a:t>normal_power</a:t>
-            </a:r>
-            <a:r>
-              <a:rPr lang="en-US" dirty="0"/>
-              <a:t>    </a:t>
-            </a:r>
-            <a:r>
-              <a:rPr lang="en-US" dirty="0" err="1"/>
-              <a:t>normal_power_nsp</a:t>
-            </a:r>
-            <a:r>
-              <a:rPr lang="en-US" dirty="0"/>
-              <a:t>        </a:t>
-            </a:r>
-            <a:r>
-              <a:rPr lang="en-US" dirty="0" err="1"/>
-              <a:t>normal_power_wsp</a:t>
-            </a:r>
-            <a:r>
-              <a:rPr lang="en-US" dirty="0"/>
-              <a:t>        </a:t>
-            </a:r>
-            <a:r>
-              <a:rPr lang="en-US" dirty="0" err="1"/>
-              <a:t>total_reads</a:t>
-            </a:r>
-            <a:r>
-              <a:rPr lang="en-US" dirty="0"/>
-              <a:t>     map_Q0_reads  </a:t>
-            </a:r>
-            <a:r>
-              <a:rPr lang="en-US" dirty="0" err="1"/>
-              <a:t>init_t_lod</a:t>
-            </a:r>
-            <a:r>
-              <a:rPr lang="en-US" dirty="0"/>
-              <a:t>       </a:t>
-            </a:r>
-            <a:r>
-              <a:rPr lang="en-US" dirty="0" err="1"/>
-              <a:t>t_lod_fstar</a:t>
-            </a:r>
-            <a:r>
-              <a:rPr lang="en-US" dirty="0"/>
-              <a:t>     </a:t>
-            </a:r>
-            <a:r>
-              <a:rPr lang="en-US" dirty="0" err="1"/>
-              <a:t>t_lod_fstar_forward</a:t>
-            </a:r>
-            <a:r>
-              <a:rPr lang="en-US" dirty="0"/>
-              <a:t>     </a:t>
-            </a:r>
-            <a:r>
-              <a:rPr lang="en-US" dirty="0" err="1"/>
-              <a:t>t_lod_fstar_reverse</a:t>
-            </a:r>
-            <a:r>
-              <a:rPr lang="en-US" dirty="0"/>
-              <a:t>     </a:t>
-            </a:r>
-            <a:r>
-              <a:rPr lang="en-US" dirty="0" err="1"/>
-              <a:t>tumor_f</a:t>
-            </a:r>
-            <a:r>
-              <a:rPr lang="en-US" dirty="0"/>
-              <a:t> </a:t>
-            </a:r>
-            <a:r>
-              <a:rPr lang="en-US" dirty="0" err="1"/>
-              <a:t>contaminant_fraction</a:t>
-            </a:r>
-            <a:r>
-              <a:rPr lang="en-US" dirty="0"/>
-              <a:t>    </a:t>
-            </a:r>
-            <a:r>
-              <a:rPr lang="en-US" dirty="0" err="1"/>
-              <a:t>contaminant_lod</a:t>
-            </a:r>
-            <a:endParaRPr lang="en-US" dirty="0"/>
-          </a:p>
-          <a:p>
-            <a:pPr marL="0" indent="0">
-              <a:buNone/>
-            </a:pPr>
-            <a:r>
-              <a:rPr lang="en-US" dirty="0"/>
-              <a:t>        t_q20_count     </a:t>
-            </a:r>
-            <a:r>
-              <a:rPr lang="en-US" dirty="0" err="1"/>
-              <a:t>t_ref_count</a:t>
-            </a:r>
-            <a:r>
-              <a:rPr lang="en-US" dirty="0"/>
-              <a:t>     </a:t>
-            </a:r>
-            <a:r>
-              <a:rPr lang="en-US" dirty="0" err="1"/>
-              <a:t>t_alt_count</a:t>
-            </a:r>
-            <a:r>
-              <a:rPr lang="en-US" dirty="0"/>
-              <a:t>     </a:t>
-            </a:r>
-            <a:r>
-              <a:rPr lang="en-US" dirty="0" err="1"/>
-              <a:t>t_ref_sum</a:t>
-            </a:r>
-            <a:r>
-              <a:rPr lang="en-US" dirty="0"/>
-              <a:t>       </a:t>
-            </a:r>
-            <a:r>
-              <a:rPr lang="en-US" dirty="0" err="1"/>
-              <a:t>t_alt_sum</a:t>
-            </a:r>
-            <a:r>
-              <a:rPr lang="en-US" dirty="0"/>
-              <a:t>       </a:t>
-            </a:r>
-            <a:r>
-              <a:rPr lang="en-US" dirty="0" err="1"/>
-              <a:t>t_ref_max_mapq</a:t>
-            </a:r>
-            <a:r>
-              <a:rPr lang="en-US" dirty="0"/>
-              <a:t>  </a:t>
-            </a:r>
-            <a:r>
-              <a:rPr lang="en-US" dirty="0" err="1"/>
-              <a:t>t_alt_max_mapq</a:t>
-            </a:r>
-            <a:r>
-              <a:rPr lang="en-US" dirty="0"/>
-              <a:t>  </a:t>
-            </a:r>
-            <a:r>
-              <a:rPr lang="en-US" dirty="0" err="1"/>
-              <a:t>t_ins_c</a:t>
-            </a:r>
-            <a:endParaRPr lang="en-US" dirty="0"/>
-          </a:p>
-          <a:p>
-            <a:pPr marL="0" indent="0">
-              <a:buNone/>
-            </a:pPr>
-            <a:r>
-              <a:rPr lang="en-US" dirty="0" err="1"/>
-              <a:t>ount</a:t>
-            </a:r>
-            <a:r>
-              <a:rPr lang="en-US" dirty="0"/>
-              <a:t>    </a:t>
-            </a:r>
-            <a:r>
-              <a:rPr lang="en-US" dirty="0" err="1"/>
-              <a:t>t_del_count</a:t>
-            </a:r>
-            <a:r>
-              <a:rPr lang="en-US" dirty="0"/>
-              <a:t>     </a:t>
-            </a:r>
-            <a:r>
-              <a:rPr lang="en-US" dirty="0" err="1"/>
-              <a:t>normal_best_gt</a:t>
-            </a:r>
-            <a:r>
-              <a:rPr lang="en-US" dirty="0"/>
-              <a:t>  </a:t>
-            </a:r>
-            <a:r>
-              <a:rPr lang="en-US" dirty="0" err="1"/>
-              <a:t>init_n_lod</a:t>
-            </a:r>
-            <a:r>
-              <a:rPr lang="en-US" dirty="0"/>
-              <a:t>      </a:t>
-            </a:r>
-            <a:r>
-              <a:rPr lang="en-US" dirty="0" err="1"/>
-              <a:t>normal_f</a:t>
-            </a:r>
-            <a:r>
-              <a:rPr lang="en-US" dirty="0"/>
-              <a:t>        n_q20_count     </a:t>
-            </a:r>
-            <a:r>
-              <a:rPr lang="en-US" dirty="0" err="1"/>
-              <a:t>n_ref_count</a:t>
-            </a:r>
-            <a:r>
-              <a:rPr lang="en-US" dirty="0"/>
-              <a:t>     </a:t>
-            </a:r>
-            <a:r>
-              <a:rPr lang="en-US" dirty="0" err="1"/>
-              <a:t>n_alt_count</a:t>
-            </a:r>
-            <a:r>
-              <a:rPr lang="en-US" dirty="0"/>
-              <a:t>     </a:t>
-            </a:r>
-            <a:r>
-              <a:rPr lang="en-US" dirty="0" err="1"/>
-              <a:t>n_ref_s</a:t>
-            </a:r>
-            <a:endParaRPr lang="en-US" dirty="0"/>
-          </a:p>
-          <a:p>
-            <a:pPr marL="0" indent="0">
-              <a:buNone/>
-            </a:pPr>
-            <a:r>
-              <a:rPr lang="en-US" dirty="0"/>
-              <a:t>um      </a:t>
-            </a:r>
-            <a:r>
-              <a:rPr lang="en-US" dirty="0" err="1"/>
-              <a:t>n_alt_sum</a:t>
-            </a:r>
-            <a:r>
-              <a:rPr lang="en-US" dirty="0"/>
-              <a:t>       </a:t>
-            </a:r>
-            <a:r>
-              <a:rPr lang="en-US" dirty="0" err="1"/>
-              <a:t>power_to_detect_positive_strand_artifact</a:t>
-            </a:r>
-            <a:r>
-              <a:rPr lang="en-US" dirty="0"/>
-              <a:t>        </a:t>
-            </a:r>
-            <a:r>
-              <a:rPr lang="en-US" dirty="0" err="1"/>
-              <a:t>power_to_detect_negative_strand_artifact</a:t>
-            </a:r>
-            <a:r>
-              <a:rPr lang="en-US" dirty="0"/>
-              <a:t>        strand_</a:t>
-            </a:r>
-          </a:p>
-          <a:p>
-            <a:pPr marL="0" indent="0">
-              <a:buNone/>
-            </a:pPr>
-            <a:r>
-              <a:rPr lang="en-US" dirty="0" err="1"/>
-              <a:t>bias_counts</a:t>
-            </a:r>
-            <a:r>
-              <a:rPr lang="en-US" dirty="0"/>
-              <a:t>     </a:t>
-            </a:r>
-            <a:r>
-              <a:rPr lang="en-US" dirty="0" err="1"/>
-              <a:t>tumor_alt_fpir_median</a:t>
-            </a:r>
-            <a:r>
-              <a:rPr lang="en-US" dirty="0"/>
-              <a:t>   </a:t>
-            </a:r>
-            <a:r>
-              <a:rPr lang="en-US" dirty="0" err="1"/>
-              <a:t>tumor_alt_fpir_mad</a:t>
-            </a:r>
-            <a:r>
-              <a:rPr lang="en-US" dirty="0"/>
-              <a:t>      </a:t>
-            </a:r>
-            <a:r>
-              <a:rPr lang="en-US" dirty="0" err="1"/>
-              <a:t>tumor_alt_rpir_median</a:t>
-            </a:r>
-            <a:r>
-              <a:rPr lang="en-US" dirty="0"/>
-              <a:t>   </a:t>
-            </a:r>
-            <a:r>
-              <a:rPr lang="en-US" dirty="0" err="1"/>
-              <a:t>tumor_alt_rpir_mad</a:t>
-            </a:r>
-            <a:r>
-              <a:rPr lang="en-US" dirty="0"/>
-              <a:t>      </a:t>
-            </a:r>
-            <a:r>
-              <a:rPr lang="en-US" dirty="0" err="1"/>
-              <a:t>observed_in_nor</a:t>
-            </a:r>
-            <a:endParaRPr lang="en-US" dirty="0"/>
-          </a:p>
-          <a:p>
-            <a:pPr marL="0" indent="0">
-              <a:buNone/>
-            </a:pPr>
-            <a:r>
-              <a:rPr lang="en-US" dirty="0" err="1"/>
-              <a:t>mals_count</a:t>
-            </a:r>
-            <a:r>
-              <a:rPr lang="en-US" dirty="0"/>
-              <a:t>      </a:t>
-            </a:r>
-            <a:r>
-              <a:rPr lang="en-US" dirty="0" err="1"/>
-              <a:t>failure_reasons</a:t>
-            </a:r>
-            <a:r>
-              <a:rPr lang="en-US" dirty="0"/>
-              <a:t> </a:t>
-            </a:r>
-            <a:r>
-              <a:rPr lang="en-US" dirty="0" err="1" smtClean="0"/>
-              <a:t>judgement</a:t>
-            </a:r>
-            <a:endParaRPr lang="en-US" dirty="0" smtClean="0"/>
-          </a:p>
-          <a:p>
-            <a:pPr marL="0" indent="0">
-              <a:buNone/>
-            </a:pPr>
-            <a:endParaRPr lang="en-US" dirty="0" smtClean="0"/>
-          </a:p>
-          <a:p>
-            <a:pPr marL="0" indent="0">
-              <a:buNone/>
-            </a:pPr>
-            <a:r>
-              <a:rPr lang="en-US" sz="5000" dirty="0" smtClean="0"/>
-              <a:t>Example row:</a:t>
-            </a:r>
-            <a:endParaRPr lang="en-US" sz="5000" dirty="0"/>
-          </a:p>
-          <a:p>
-            <a:pPr marL="0" indent="0">
-              <a:buNone/>
-            </a:pPr>
-            <a:r>
-              <a:rPr lang="en-US" dirty="0"/>
-              <a:t>17      1001315 </a:t>
-            </a:r>
-            <a:r>
-              <a:rPr lang="en-US" dirty="0" err="1"/>
-              <a:t>TTTxTTT</a:t>
-            </a:r>
-            <a:r>
-              <a:rPr lang="en-US" dirty="0"/>
-              <a:t> C       T       HCC1143.tumor   HCC1143.normal  0       DBSNP   COVERED 0.954491        0.954491      11       1       103     0       -3.640633       2.499583        0       3.065049        0.064516        0.02    -0.4105</a:t>
-            </a:r>
-          </a:p>
-          <a:p>
-            <a:pPr marL="0" indent="0">
-              <a:buNone/>
-            </a:pPr>
-            <a:r>
-              <a:rPr lang="en-US" dirty="0"/>
-              <a:t>76      41      29      2       893     47      70      70      0       6       CC      5.640677        0.055556        47    51       3       1476    91      0.560361        0.544179        (15,14,0,2)     2.5     0.5     83.5    8.5     0       </a:t>
-            </a:r>
-            <a:r>
-              <a:rPr lang="en-US" dirty="0" err="1"/>
-              <a:t>fstar_t</a:t>
-            </a:r>
-            <a:endParaRPr lang="en-US" dirty="0"/>
-          </a:p>
-          <a:p>
-            <a:pPr marL="0" indent="0">
-              <a:buNone/>
-            </a:pPr>
-            <a:r>
-              <a:rPr lang="en-US" dirty="0"/>
-              <a:t>umor_lod,nearby_gap_events,possible_contamination,alt_allele_in_normal,clustered_read_position  REJECT</a:t>
-            </a:r>
-          </a:p>
-          <a:p>
-            <a:pPr marL="0" indent="0">
-              <a:buNone/>
-            </a:pPr>
-            <a:endParaRPr lang="en-US" dirty="0"/>
-          </a:p>
-        </p:txBody>
-      </p:sp>
-    </p:spTree>
-    <p:extLst>
-      <p:ext uri="{BB962C8B-B14F-4D97-AF65-F5344CB8AC3E}">
-        <p14:creationId xmlns:p14="http://schemas.microsoft.com/office/powerpoint/2010/main" val="2398225781"/>
       </p:ext>
     </p:extLst>
   </p:cSld>
@@ -11583,8 +12223,12 @@
           <a:lstStyle/>
           <a:p>
             <a:r>
+              <a:rPr lang="en-US" dirty="0" err="1" smtClean="0"/>
+              <a:t>mutect.out</a:t>
+            </a:r>
+            <a:r>
               <a:rPr lang="en-US" dirty="0" smtClean="0"/>
-              <a:t>Annotation</a:t>
+              <a:t> file</a:t>
             </a:r>
             <a:endParaRPr lang="en-US" dirty="0"/>
           </a:p>
@@ -11602,13 +12246,13 @@
         </p:nvSpPr>
         <p:spPr>
           <a:xfrm>
-            <a:off x="1051997" y="1600200"/>
-            <a:ext cx="7500220" cy="4525963"/>
+            <a:off x="457200" y="1600200"/>
+            <a:ext cx="8229600" cy="5257800"/>
           </a:xfrm>
         </p:spPr>
         <p:txBody>
           <a:bodyPr>
-            <a:normAutofit/>
+            <a:normAutofit fontScale="40000" lnSpcReduction="20000"/>
           </a:bodyPr>
           <a:lstStyle/>
           <a:p>
@@ -11616,67 +12260,485 @@
               <a:buNone/>
             </a:pPr>
             <a:r>
-              <a:rPr lang="en-US" sz="2800" dirty="0" smtClean="0"/>
-              <a:t>Link detected variants to functional sites in the genome</a:t>
-            </a:r>
-          </a:p>
-          <a:p>
-            <a:r>
-              <a:rPr lang="en-US" sz="2800" dirty="0" smtClean="0"/>
-              <a:t>Protein coding exons</a:t>
-            </a:r>
-          </a:p>
-          <a:p>
-            <a:r>
-              <a:rPr lang="en-US" sz="2800" dirty="0" smtClean="0"/>
-              <a:t>UTR</a:t>
-            </a:r>
-          </a:p>
-          <a:p>
-            <a:r>
-              <a:rPr lang="en-US" sz="2800" dirty="0" smtClean="0"/>
-              <a:t>Regulatory regions</a:t>
-            </a:r>
-          </a:p>
-          <a:p>
-            <a:r>
-              <a:rPr lang="en-US" sz="2800" dirty="0" smtClean="0"/>
-              <a:t>Database of known variation</a:t>
-            </a:r>
-          </a:p>
-          <a:p>
-            <a:pPr lvl="1"/>
-            <a:r>
-              <a:rPr lang="en-US" sz="2400" dirty="0" err="1" smtClean="0"/>
-              <a:t>dbSNP</a:t>
-            </a:r>
-            <a:r>
-              <a:rPr lang="en-US" sz="2400" dirty="0" smtClean="0"/>
-              <a:t> / 1000 Genomes / </a:t>
-            </a:r>
-            <a:r>
-              <a:rPr lang="en-US" sz="2400" dirty="0" err="1" smtClean="0"/>
-              <a:t>ExAC</a:t>
-            </a:r>
-            <a:r>
-              <a:rPr lang="en-US" sz="2400" dirty="0" smtClean="0"/>
-              <a:t> for normal variants</a:t>
-            </a:r>
-          </a:p>
-          <a:p>
-            <a:pPr lvl="1"/>
-            <a:r>
-              <a:rPr lang="en-US" sz="2400" dirty="0" smtClean="0"/>
-              <a:t>Cosmic for cancer mutations</a:t>
-            </a:r>
-            <a:endParaRPr lang="en-US" sz="2400" dirty="0"/>
+              <a:rPr lang="en-US" sz="7000" dirty="0" smtClean="0"/>
+              <a:t>All statistics used in post-detection filtering</a:t>
+            </a:r>
+          </a:p>
+          <a:p>
+            <a:pPr marL="0" indent="0">
+              <a:buNone/>
+            </a:pPr>
+            <a:endParaRPr lang="en-US" dirty="0"/>
+          </a:p>
+          <a:p>
+            <a:pPr marL="0" indent="0">
+              <a:buNone/>
+            </a:pPr>
+            <a:r>
+              <a:rPr lang="en-US" sz="5000" dirty="0" smtClean="0"/>
+              <a:t>Columns:</a:t>
+            </a:r>
+          </a:p>
+          <a:p>
+            <a:pPr marL="0" indent="0">
+              <a:buNone/>
+            </a:pPr>
+            <a:r>
+              <a:rPr lang="en-US" dirty="0" err="1"/>
+              <a:t>contig</a:t>
+            </a:r>
+            <a:r>
+              <a:rPr lang="en-US" dirty="0"/>
+              <a:t>  position        context </a:t>
+            </a:r>
+            <a:r>
+              <a:rPr lang="en-US" dirty="0" err="1"/>
+              <a:t>ref_allele</a:t>
+            </a:r>
+            <a:r>
+              <a:rPr lang="en-US" dirty="0"/>
+              <a:t>      </a:t>
+            </a:r>
+            <a:r>
+              <a:rPr lang="en-US" dirty="0" err="1"/>
+              <a:t>alt_allele</a:t>
+            </a:r>
+            <a:r>
+              <a:rPr lang="en-US" dirty="0"/>
+              <a:t>      </a:t>
+            </a:r>
+            <a:r>
+              <a:rPr lang="en-US" dirty="0" err="1"/>
+              <a:t>tumor_name</a:t>
+            </a:r>
+            <a:r>
+              <a:rPr lang="en-US" dirty="0"/>
+              <a:t>      </a:t>
+            </a:r>
+            <a:r>
+              <a:rPr lang="en-US" dirty="0" err="1"/>
+              <a:t>normal_name</a:t>
+            </a:r>
+            <a:r>
+              <a:rPr lang="en-US" dirty="0"/>
+              <a:t>     score   </a:t>
+            </a:r>
+            <a:r>
+              <a:rPr lang="en-US" dirty="0" err="1"/>
+              <a:t>dbsnp_site</a:t>
+            </a:r>
+            <a:r>
+              <a:rPr lang="en-US" dirty="0"/>
+              <a:t>      covered</a:t>
+            </a:r>
+          </a:p>
+          <a:p>
+            <a:pPr marL="0" indent="0">
+              <a:buNone/>
+            </a:pPr>
+            <a:r>
+              <a:rPr lang="en-US" dirty="0"/>
+              <a:t>        power   </a:t>
+            </a:r>
+            <a:r>
+              <a:rPr lang="en-US" dirty="0" err="1"/>
+              <a:t>tumor_power</a:t>
+            </a:r>
+            <a:r>
+              <a:rPr lang="en-US" dirty="0"/>
+              <a:t>     </a:t>
+            </a:r>
+            <a:r>
+              <a:rPr lang="en-US" dirty="0" err="1"/>
+              <a:t>normal_power</a:t>
+            </a:r>
+            <a:r>
+              <a:rPr lang="en-US" dirty="0"/>
+              <a:t>    </a:t>
+            </a:r>
+            <a:r>
+              <a:rPr lang="en-US" dirty="0" err="1"/>
+              <a:t>normal_power_nsp</a:t>
+            </a:r>
+            <a:r>
+              <a:rPr lang="en-US" dirty="0"/>
+              <a:t>        </a:t>
+            </a:r>
+            <a:r>
+              <a:rPr lang="en-US" dirty="0" err="1"/>
+              <a:t>normal_power_wsp</a:t>
+            </a:r>
+            <a:r>
+              <a:rPr lang="en-US" dirty="0"/>
+              <a:t>        </a:t>
+            </a:r>
+            <a:r>
+              <a:rPr lang="en-US" dirty="0" err="1"/>
+              <a:t>total_reads</a:t>
+            </a:r>
+            <a:r>
+              <a:rPr lang="en-US" dirty="0"/>
+              <a:t>     map_Q0_reads  </a:t>
+            </a:r>
+            <a:r>
+              <a:rPr lang="en-US" dirty="0" err="1"/>
+              <a:t>init_t_lod</a:t>
+            </a:r>
+            <a:r>
+              <a:rPr lang="en-US" dirty="0"/>
+              <a:t>       </a:t>
+            </a:r>
+            <a:r>
+              <a:rPr lang="en-US" dirty="0" err="1"/>
+              <a:t>t_lod_fstar</a:t>
+            </a:r>
+            <a:r>
+              <a:rPr lang="en-US" dirty="0"/>
+              <a:t>     </a:t>
+            </a:r>
+            <a:r>
+              <a:rPr lang="en-US" dirty="0" err="1"/>
+              <a:t>t_lod_fstar_forward</a:t>
+            </a:r>
+            <a:r>
+              <a:rPr lang="en-US" dirty="0"/>
+              <a:t>     </a:t>
+            </a:r>
+            <a:r>
+              <a:rPr lang="en-US" dirty="0" err="1"/>
+              <a:t>t_lod_fstar_reverse</a:t>
+            </a:r>
+            <a:r>
+              <a:rPr lang="en-US" dirty="0"/>
+              <a:t>     </a:t>
+            </a:r>
+            <a:r>
+              <a:rPr lang="en-US" dirty="0" err="1"/>
+              <a:t>tumor_f</a:t>
+            </a:r>
+            <a:r>
+              <a:rPr lang="en-US" dirty="0"/>
+              <a:t> </a:t>
+            </a:r>
+            <a:r>
+              <a:rPr lang="en-US" dirty="0" err="1"/>
+              <a:t>contaminant_fraction</a:t>
+            </a:r>
+            <a:r>
+              <a:rPr lang="en-US" dirty="0"/>
+              <a:t>    </a:t>
+            </a:r>
+            <a:r>
+              <a:rPr lang="en-US" dirty="0" err="1"/>
+              <a:t>contaminant_lod</a:t>
+            </a:r>
+            <a:endParaRPr lang="en-US" dirty="0"/>
+          </a:p>
+          <a:p>
+            <a:pPr marL="0" indent="0">
+              <a:buNone/>
+            </a:pPr>
+            <a:r>
+              <a:rPr lang="en-US" dirty="0"/>
+              <a:t>        t_q20_count     </a:t>
+            </a:r>
+            <a:r>
+              <a:rPr lang="en-US" dirty="0" err="1"/>
+              <a:t>t_ref_count</a:t>
+            </a:r>
+            <a:r>
+              <a:rPr lang="en-US" dirty="0"/>
+              <a:t>     </a:t>
+            </a:r>
+            <a:r>
+              <a:rPr lang="en-US" dirty="0" err="1"/>
+              <a:t>t_alt_count</a:t>
+            </a:r>
+            <a:r>
+              <a:rPr lang="en-US" dirty="0"/>
+              <a:t>     </a:t>
+            </a:r>
+            <a:r>
+              <a:rPr lang="en-US" dirty="0" err="1"/>
+              <a:t>t_ref_sum</a:t>
+            </a:r>
+            <a:r>
+              <a:rPr lang="en-US" dirty="0"/>
+              <a:t>       </a:t>
+            </a:r>
+            <a:r>
+              <a:rPr lang="en-US" dirty="0" err="1"/>
+              <a:t>t_alt_sum</a:t>
+            </a:r>
+            <a:r>
+              <a:rPr lang="en-US" dirty="0"/>
+              <a:t>       </a:t>
+            </a:r>
+            <a:r>
+              <a:rPr lang="en-US" dirty="0" err="1"/>
+              <a:t>t_ref_max_mapq</a:t>
+            </a:r>
+            <a:r>
+              <a:rPr lang="en-US" dirty="0"/>
+              <a:t>  </a:t>
+            </a:r>
+            <a:r>
+              <a:rPr lang="en-US" dirty="0" err="1"/>
+              <a:t>t_alt_max_mapq</a:t>
+            </a:r>
+            <a:r>
+              <a:rPr lang="en-US" dirty="0"/>
+              <a:t>  </a:t>
+            </a:r>
+            <a:r>
+              <a:rPr lang="en-US" dirty="0" err="1"/>
+              <a:t>t_ins_c</a:t>
+            </a:r>
+            <a:endParaRPr lang="en-US" dirty="0"/>
+          </a:p>
+          <a:p>
+            <a:pPr marL="0" indent="0">
+              <a:buNone/>
+            </a:pPr>
+            <a:r>
+              <a:rPr lang="en-US" dirty="0" err="1"/>
+              <a:t>ount</a:t>
+            </a:r>
+            <a:r>
+              <a:rPr lang="en-US" dirty="0"/>
+              <a:t>    </a:t>
+            </a:r>
+            <a:r>
+              <a:rPr lang="en-US" dirty="0" err="1"/>
+              <a:t>t_del_count</a:t>
+            </a:r>
+            <a:r>
+              <a:rPr lang="en-US" dirty="0"/>
+              <a:t>     </a:t>
+            </a:r>
+            <a:r>
+              <a:rPr lang="en-US" dirty="0" err="1"/>
+              <a:t>normal_best_gt</a:t>
+            </a:r>
+            <a:r>
+              <a:rPr lang="en-US" dirty="0"/>
+              <a:t>  </a:t>
+            </a:r>
+            <a:r>
+              <a:rPr lang="en-US" dirty="0" err="1"/>
+              <a:t>init_n_lod</a:t>
+            </a:r>
+            <a:r>
+              <a:rPr lang="en-US" dirty="0"/>
+              <a:t>      </a:t>
+            </a:r>
+            <a:r>
+              <a:rPr lang="en-US" dirty="0" err="1"/>
+              <a:t>normal_f</a:t>
+            </a:r>
+            <a:r>
+              <a:rPr lang="en-US" dirty="0"/>
+              <a:t>        n_q20_count     </a:t>
+            </a:r>
+            <a:r>
+              <a:rPr lang="en-US" dirty="0" err="1"/>
+              <a:t>n_ref_count</a:t>
+            </a:r>
+            <a:r>
+              <a:rPr lang="en-US" dirty="0"/>
+              <a:t>     </a:t>
+            </a:r>
+            <a:r>
+              <a:rPr lang="en-US" dirty="0" err="1"/>
+              <a:t>n_alt_count</a:t>
+            </a:r>
+            <a:r>
+              <a:rPr lang="en-US" dirty="0"/>
+              <a:t>     </a:t>
+            </a:r>
+            <a:r>
+              <a:rPr lang="en-US" dirty="0" err="1"/>
+              <a:t>n_ref_s</a:t>
+            </a:r>
+            <a:endParaRPr lang="en-US" dirty="0"/>
+          </a:p>
+          <a:p>
+            <a:pPr marL="0" indent="0">
+              <a:buNone/>
+            </a:pPr>
+            <a:r>
+              <a:rPr lang="en-US" dirty="0"/>
+              <a:t>um      </a:t>
+            </a:r>
+            <a:r>
+              <a:rPr lang="en-US" dirty="0" err="1"/>
+              <a:t>n_alt_sum</a:t>
+            </a:r>
+            <a:r>
+              <a:rPr lang="en-US" dirty="0"/>
+              <a:t>       </a:t>
+            </a:r>
+            <a:r>
+              <a:rPr lang="en-US" dirty="0" err="1"/>
+              <a:t>power_to_detect_positive_strand_artifact</a:t>
+            </a:r>
+            <a:r>
+              <a:rPr lang="en-US" dirty="0"/>
+              <a:t>        </a:t>
+            </a:r>
+            <a:r>
+              <a:rPr lang="en-US" dirty="0" err="1"/>
+              <a:t>power_to_detect_negative_strand_artifact</a:t>
+            </a:r>
+            <a:r>
+              <a:rPr lang="en-US" dirty="0"/>
+              <a:t>        strand_</a:t>
+            </a:r>
+          </a:p>
+          <a:p>
+            <a:pPr marL="0" indent="0">
+              <a:buNone/>
+            </a:pPr>
+            <a:r>
+              <a:rPr lang="en-US" dirty="0" err="1"/>
+              <a:t>bias_counts</a:t>
+            </a:r>
+            <a:r>
+              <a:rPr lang="en-US" dirty="0"/>
+              <a:t>     </a:t>
+            </a:r>
+            <a:r>
+              <a:rPr lang="en-US" dirty="0" err="1"/>
+              <a:t>tumor_alt_fpir_median</a:t>
+            </a:r>
+            <a:r>
+              <a:rPr lang="en-US" dirty="0"/>
+              <a:t>   </a:t>
+            </a:r>
+            <a:r>
+              <a:rPr lang="en-US" dirty="0" err="1"/>
+              <a:t>tumor_alt_fpir_mad</a:t>
+            </a:r>
+            <a:r>
+              <a:rPr lang="en-US" dirty="0"/>
+              <a:t>      </a:t>
+            </a:r>
+            <a:r>
+              <a:rPr lang="en-US" dirty="0" err="1"/>
+              <a:t>tumor_alt_rpir_median</a:t>
+            </a:r>
+            <a:r>
+              <a:rPr lang="en-US" dirty="0"/>
+              <a:t>   </a:t>
+            </a:r>
+            <a:r>
+              <a:rPr lang="en-US" dirty="0" err="1"/>
+              <a:t>tumor_alt_rpir_mad</a:t>
+            </a:r>
+            <a:r>
+              <a:rPr lang="en-US" dirty="0"/>
+              <a:t>      </a:t>
+            </a:r>
+            <a:r>
+              <a:rPr lang="en-US" dirty="0" err="1"/>
+              <a:t>observed_in_nor</a:t>
+            </a:r>
+            <a:endParaRPr lang="en-US" dirty="0"/>
+          </a:p>
+          <a:p>
+            <a:pPr marL="0" indent="0">
+              <a:buNone/>
+            </a:pPr>
+            <a:r>
+              <a:rPr lang="en-US" dirty="0" err="1"/>
+              <a:t>mals_count</a:t>
+            </a:r>
+            <a:r>
+              <a:rPr lang="en-US" dirty="0"/>
+              <a:t>      </a:t>
+            </a:r>
+            <a:r>
+              <a:rPr lang="en-US" dirty="0" err="1"/>
+              <a:t>failure_reasons</a:t>
+            </a:r>
+            <a:r>
+              <a:rPr lang="en-US" dirty="0"/>
+              <a:t> </a:t>
+            </a:r>
+            <a:r>
+              <a:rPr lang="en-US" dirty="0" err="1" smtClean="0"/>
+              <a:t>judgement</a:t>
+            </a:r>
+            <a:endParaRPr lang="en-US" dirty="0" smtClean="0"/>
+          </a:p>
+          <a:p>
+            <a:pPr marL="0" indent="0">
+              <a:buNone/>
+            </a:pPr>
+            <a:endParaRPr lang="en-US" dirty="0" smtClean="0"/>
+          </a:p>
+          <a:p>
+            <a:pPr marL="0" indent="0">
+              <a:buNone/>
+            </a:pPr>
+            <a:r>
+              <a:rPr lang="en-US" sz="5000" dirty="0" smtClean="0"/>
+              <a:t>Example row:</a:t>
+            </a:r>
+            <a:endParaRPr lang="en-US" sz="5000" dirty="0"/>
+          </a:p>
+          <a:p>
+            <a:pPr marL="0" indent="0">
+              <a:buNone/>
+            </a:pPr>
+            <a:r>
+              <a:rPr lang="en-US" dirty="0"/>
+              <a:t>17      1001315 </a:t>
+            </a:r>
+            <a:r>
+              <a:rPr lang="en-US" dirty="0" err="1"/>
+              <a:t>TTTxTTT</a:t>
+            </a:r>
+            <a:r>
+              <a:rPr lang="en-US" dirty="0"/>
+              <a:t> C       T       HCC1143.tumor   HCC1143.normal  0       DBSNP   COVERED 0.954491        0.954491      11       1       103     0       -3.640633       2.499583        0       3.065049        0.064516        0.02    -0.4105</a:t>
+            </a:r>
+          </a:p>
+          <a:p>
+            <a:pPr marL="0" indent="0">
+              <a:buNone/>
+            </a:pPr>
+            <a:r>
+              <a:rPr lang="en-US" dirty="0"/>
+              <a:t>76      41      29      2       893     47      70      70      0       6       CC      5.640677        0.055556        47    51       3       1476    91      0.560361        0.544179        (15,14,0,2)     2.5     0.5     83.5    8.5     0       </a:t>
+            </a:r>
+            <a:r>
+              <a:rPr lang="en-US" dirty="0" err="1"/>
+              <a:t>fstar_t</a:t>
+            </a:r>
+            <a:endParaRPr lang="en-US" dirty="0"/>
+          </a:p>
+          <a:p>
+            <a:pPr marL="0" indent="0">
+              <a:buNone/>
+            </a:pPr>
+            <a:r>
+              <a:rPr lang="en-US" dirty="0"/>
+              <a:t>umor_lod,nearby_gap_events,possible_contamination,alt_allele_in_normal,clustered_read_position  REJECT</a:t>
+            </a:r>
+          </a:p>
+          <a:p>
+            <a:pPr marL="0" indent="0">
+              <a:buNone/>
+            </a:pPr>
+            <a:endParaRPr lang="en-US" dirty="0"/>
           </a:p>
         </p:txBody>
       </p:sp>
     </p:spTree>
     <p:extLst>
       <p:ext uri="{BB962C8B-B14F-4D97-AF65-F5344CB8AC3E}">
-        <p14:creationId xmlns:p14="http://schemas.microsoft.com/office/powerpoint/2010/main" val="2215716068"/>
+        <p14:creationId xmlns:p14="http://schemas.microsoft.com/office/powerpoint/2010/main" val="2398225781"/>
       </p:ext>
     </p:extLst>
   </p:cSld>
@@ -11722,6 +12784,149 @@
         </p:nvSpPr>
         <p:spPr/>
         <p:txBody>
+          <a:bodyPr/>
+          <a:lstStyle/>
+          <a:p>
+            <a:r>
+              <a:rPr lang="en-US" dirty="0" smtClean="0"/>
+              <a:t>Annotation</a:t>
+            </a:r>
+            <a:endParaRPr lang="en-US" dirty="0"/>
+          </a:p>
+        </p:txBody>
+      </p:sp>
+      <p:sp>
+        <p:nvSpPr>
+          <p:cNvPr id="3" name="Content Placeholder 2"/>
+          <p:cNvSpPr>
+            <a:spLocks noGrp="1"/>
+          </p:cNvSpPr>
+          <p:nvPr>
+            <p:ph idx="1"/>
+          </p:nvPr>
+        </p:nvSpPr>
+        <p:spPr>
+          <a:xfrm>
+            <a:off x="1051997" y="1600200"/>
+            <a:ext cx="7500220" cy="4525963"/>
+          </a:xfrm>
+        </p:spPr>
+        <p:txBody>
+          <a:bodyPr>
+            <a:normAutofit/>
+          </a:bodyPr>
+          <a:lstStyle/>
+          <a:p>
+            <a:pPr marL="0" indent="0">
+              <a:buNone/>
+            </a:pPr>
+            <a:r>
+              <a:rPr lang="en-US" sz="2800" dirty="0" smtClean="0"/>
+              <a:t>Link detected variants to functional sites in the genome</a:t>
+            </a:r>
+          </a:p>
+          <a:p>
+            <a:r>
+              <a:rPr lang="en-US" sz="2800" dirty="0" smtClean="0"/>
+              <a:t>Protein coding exons</a:t>
+            </a:r>
+          </a:p>
+          <a:p>
+            <a:r>
+              <a:rPr lang="en-US" sz="2800" dirty="0" smtClean="0"/>
+              <a:t>UTR</a:t>
+            </a:r>
+          </a:p>
+          <a:p>
+            <a:r>
+              <a:rPr lang="en-US" sz="2800" dirty="0" smtClean="0"/>
+              <a:t>Regulatory regions</a:t>
+            </a:r>
+          </a:p>
+          <a:p>
+            <a:r>
+              <a:rPr lang="en-US" sz="2800" dirty="0" smtClean="0"/>
+              <a:t>Database of known variation</a:t>
+            </a:r>
+          </a:p>
+          <a:p>
+            <a:pPr lvl="1"/>
+            <a:r>
+              <a:rPr lang="en-US" sz="2400" dirty="0" err="1" smtClean="0"/>
+              <a:t>dbSNP</a:t>
+            </a:r>
+            <a:r>
+              <a:rPr lang="en-US" sz="2400" dirty="0" smtClean="0"/>
+              <a:t> / 1000 Genomes / </a:t>
+            </a:r>
+            <a:r>
+              <a:rPr lang="en-US" sz="2400" dirty="0" err="1" smtClean="0"/>
+              <a:t>ExAC</a:t>
+            </a:r>
+            <a:r>
+              <a:rPr lang="en-US" sz="2400" dirty="0" smtClean="0"/>
+              <a:t> for normal variants</a:t>
+            </a:r>
+          </a:p>
+          <a:p>
+            <a:pPr lvl="1"/>
+            <a:r>
+              <a:rPr lang="en-US" sz="2400" dirty="0" smtClean="0"/>
+              <a:t>Cosmic for cancer mutations</a:t>
+            </a:r>
+            <a:endParaRPr lang="en-US" sz="2400" dirty="0"/>
+          </a:p>
+        </p:txBody>
+      </p:sp>
+    </p:spTree>
+    <p:extLst>
+      <p:ext uri="{BB962C8B-B14F-4D97-AF65-F5344CB8AC3E}">
+        <p14:creationId xmlns:p14="http://schemas.microsoft.com/office/powerpoint/2010/main" val="2215716068"/>
+      </p:ext>
+    </p:extLst>
+  </p:cSld>
+  <p:clrMapOvr>
+    <a:masterClrMapping/>
+  </p:clrMapOvr>
+  <p:timing>
+    <p:tnLst>
+      <p:par>
+        <p:cTn xmlns:p14="http://schemas.microsoft.com/office/powerpoint/2010/main" id="1" dur="indefinite" restart="never" nodeType="tmRoot"/>
+      </p:par>
+    </p:tnLst>
+  </p:timing>
+</p:sld>
+</file>
+
+<file path=ppt/slides/slide39.xml><?xml version="1.0" encoding="utf-8"?>
+<p:sld xmlns:a="http://schemas.openxmlformats.org/drawingml/2006/main" xmlns:r="http://schemas.openxmlformats.org/officeDocument/2006/relationships" xmlns:p="http://schemas.openxmlformats.org/presentationml/2006/main">
+  <p:cSld>
+    <p:spTree>
+      <p:nvGrpSpPr>
+        <p:cNvPr id="1" name=""/>
+        <p:cNvGrpSpPr/>
+        <p:nvPr/>
+      </p:nvGrpSpPr>
+      <p:grpSpPr>
+        <a:xfrm>
+          <a:off x="0" y="0"/>
+          <a:ext cx="0" cy="0"/>
+          <a:chOff x="0" y="0"/>
+          <a:chExt cx="0" cy="0"/>
+        </a:xfrm>
+      </p:grpSpPr>
+      <p:sp>
+        <p:nvSpPr>
+          <p:cNvPr id="2" name="Title 1"/>
+          <p:cNvSpPr>
+            <a:spLocks noGrp="1"/>
+          </p:cNvSpPr>
+          <p:nvPr>
+            <p:ph type="title"/>
+          </p:nvPr>
+        </p:nvSpPr>
+        <p:spPr/>
+        <p:txBody>
           <a:bodyPr>
             <a:normAutofit fontScale="90000"/>
           </a:bodyPr>
@@ -11881,7 +13086,159 @@
 </p:sld>
 </file>
 
-<file path=ppt/slides/slide39.xml><?xml version="1.0" encoding="utf-8"?>
+<file path=ppt/slides/slide4.xml><?xml version="1.0" encoding="utf-8"?>
+<p:sld xmlns:a="http://schemas.openxmlformats.org/drawingml/2006/main" xmlns:r="http://schemas.openxmlformats.org/officeDocument/2006/relationships" xmlns:p="http://schemas.openxmlformats.org/presentationml/2006/main">
+  <p:cSld>
+    <p:spTree>
+      <p:nvGrpSpPr>
+        <p:cNvPr id="1" name=""/>
+        <p:cNvGrpSpPr/>
+        <p:nvPr/>
+      </p:nvGrpSpPr>
+      <p:grpSpPr>
+        <a:xfrm>
+          <a:off x="0" y="0"/>
+          <a:ext cx="0" cy="0"/>
+          <a:chOff x="0" y="0"/>
+          <a:chExt cx="0" cy="0"/>
+        </a:xfrm>
+      </p:grpSpPr>
+      <p:sp>
+        <p:nvSpPr>
+          <p:cNvPr id="2" name="Title 1"/>
+          <p:cNvSpPr>
+            <a:spLocks noGrp="1"/>
+          </p:cNvSpPr>
+          <p:nvPr>
+            <p:ph type="title"/>
+          </p:nvPr>
+        </p:nvSpPr>
+        <p:spPr/>
+        <p:txBody>
+          <a:bodyPr/>
+          <a:lstStyle/>
+          <a:p>
+            <a:r>
+              <a:rPr lang="en-US" dirty="0" smtClean="0"/>
+              <a:t>Somatic </a:t>
+            </a:r>
+            <a:r>
+              <a:rPr lang="en-US" dirty="0" err="1" smtClean="0"/>
+              <a:t>vs</a:t>
+            </a:r>
+            <a:r>
+              <a:rPr lang="en-US" dirty="0" smtClean="0"/>
+              <a:t> </a:t>
+            </a:r>
+            <a:r>
+              <a:rPr lang="en-US" dirty="0" err="1" smtClean="0"/>
+              <a:t>germline</a:t>
+            </a:r>
+            <a:r>
+              <a:rPr lang="en-US" dirty="0" smtClean="0"/>
+              <a:t> mutations</a:t>
+            </a:r>
+            <a:endParaRPr lang="en-US" dirty="0"/>
+          </a:p>
+        </p:txBody>
+      </p:sp>
+      <p:pic>
+        <p:nvPicPr>
+          <p:cNvPr id="8" name="Picture 7" descr="hosp-misc-ipactr6-1101.gif"/>
+          <p:cNvPicPr>
+            <a:picLocks noChangeAspect="1"/>
+          </p:cNvPicPr>
+          <p:nvPr/>
+        </p:nvPicPr>
+        <p:blipFill>
+          <a:blip r:embed="rId2">
+            <a:extLst>
+              <a:ext uri="{28A0092B-C50C-407E-A947-70E740481C1C}">
+                <a14:useLocalDpi xmlns:a14="http://schemas.microsoft.com/office/drawing/2010/main" val="0"/>
+              </a:ext>
+            </a:extLst>
+          </a:blip>
+          <a:stretch>
+            <a:fillRect/>
+          </a:stretch>
+        </p:blipFill>
+        <p:spPr>
+          <a:xfrm>
+            <a:off x="1714500" y="1793909"/>
+            <a:ext cx="5715000" cy="4318000"/>
+          </a:xfrm>
+          <a:prstGeom prst="rect">
+            <a:avLst/>
+          </a:prstGeom>
+        </p:spPr>
+      </p:pic>
+      <p:sp>
+        <p:nvSpPr>
+          <p:cNvPr id="9" name="Rectangle 8"/>
+          <p:cNvSpPr/>
+          <p:nvPr/>
+        </p:nvSpPr>
+        <p:spPr>
+          <a:xfrm>
+            <a:off x="2572837" y="5955787"/>
+            <a:ext cx="4161693" cy="461665"/>
+          </a:xfrm>
+          <a:prstGeom prst="rect">
+            <a:avLst/>
+          </a:prstGeom>
+          <a:solidFill>
+            <a:schemeClr val="bg1"/>
+          </a:solidFill>
+        </p:spPr>
+        <p:txBody>
+          <a:bodyPr wrap="square">
+            <a:spAutoFit/>
+          </a:bodyPr>
+          <a:lstStyle/>
+          <a:p>
+            <a:endParaRPr lang="en-US" sz="1200" dirty="0" smtClean="0"/>
+          </a:p>
+          <a:p>
+            <a:r>
+              <a:rPr lang="en-US" sz="1200" dirty="0" smtClean="0"/>
+              <a:t>https</a:t>
+            </a:r>
+            <a:r>
+              <a:rPr lang="en-US" sz="1200" dirty="0"/>
+              <a:t>://</a:t>
+            </a:r>
+            <a:r>
+              <a:rPr lang="en-US" sz="1200" dirty="0" err="1"/>
+              <a:t>www.stjude.org</a:t>
+            </a:r>
+            <a:r>
+              <a:rPr lang="en-US" sz="1200" dirty="0"/>
+              <a:t>/Images/hosp-misc-ipactr6-1101.gif</a:t>
+            </a:r>
+          </a:p>
+        </p:txBody>
+      </p:sp>
+    </p:spTree>
+    <p:extLst>
+      <p:ext uri="{BB962C8B-B14F-4D97-AF65-F5344CB8AC3E}">
+        <p14:creationId xmlns:p14="http://schemas.microsoft.com/office/powerpoint/2010/main" val="385104364"/>
+      </p:ext>
+    </p:extLst>
+  </p:cSld>
+  <p:clrMapOvr>
+    <a:masterClrMapping/>
+  </p:clrMapOvr>
+  <p:timing>
+    <p:tnLst>
+      <p:par>
+        <p:cTn xmlns:p14="http://schemas.microsoft.com/office/powerpoint/2010/main" id="1" dur="indefinite" restart="never" nodeType="tmRoot"/>
+      </p:par>
+    </p:tnLst>
+  </p:timing>
+</p:sld>
+</file>
+
+<file path=ppt/slides/slide40.xml><?xml version="1.0" encoding="utf-8"?>
 <p:sld xmlns:a="http://schemas.openxmlformats.org/drawingml/2006/main" xmlns:r="http://schemas.openxmlformats.org/officeDocument/2006/relationships" xmlns:p="http://schemas.openxmlformats.org/presentationml/2006/main">
   <p:cSld>
     <p:spTree>
@@ -12228,159 +13585,7 @@
 </p:sld>
 </file>
 
-<file path=ppt/slides/slide4.xml><?xml version="1.0" encoding="utf-8"?>
-<p:sld xmlns:a="http://schemas.openxmlformats.org/drawingml/2006/main" xmlns:r="http://schemas.openxmlformats.org/officeDocument/2006/relationships" xmlns:p="http://schemas.openxmlformats.org/presentationml/2006/main">
-  <p:cSld>
-    <p:spTree>
-      <p:nvGrpSpPr>
-        <p:cNvPr id="1" name=""/>
-        <p:cNvGrpSpPr/>
-        <p:nvPr/>
-      </p:nvGrpSpPr>
-      <p:grpSpPr>
-        <a:xfrm>
-          <a:off x="0" y="0"/>
-          <a:ext cx="0" cy="0"/>
-          <a:chOff x="0" y="0"/>
-          <a:chExt cx="0" cy="0"/>
-        </a:xfrm>
-      </p:grpSpPr>
-      <p:sp>
-        <p:nvSpPr>
-          <p:cNvPr id="2" name="Title 1"/>
-          <p:cNvSpPr>
-            <a:spLocks noGrp="1"/>
-          </p:cNvSpPr>
-          <p:nvPr>
-            <p:ph type="title"/>
-          </p:nvPr>
-        </p:nvSpPr>
-        <p:spPr/>
-        <p:txBody>
-          <a:bodyPr/>
-          <a:lstStyle/>
-          <a:p>
-            <a:r>
-              <a:rPr lang="en-US" dirty="0" smtClean="0"/>
-              <a:t>Somatic </a:t>
-            </a:r>
-            <a:r>
-              <a:rPr lang="en-US" dirty="0" err="1" smtClean="0"/>
-              <a:t>vs</a:t>
-            </a:r>
-            <a:r>
-              <a:rPr lang="en-US" dirty="0" smtClean="0"/>
-              <a:t> </a:t>
-            </a:r>
-            <a:r>
-              <a:rPr lang="en-US" dirty="0" err="1" smtClean="0"/>
-              <a:t>germline</a:t>
-            </a:r>
-            <a:r>
-              <a:rPr lang="en-US" dirty="0" smtClean="0"/>
-              <a:t> mutations</a:t>
-            </a:r>
-            <a:endParaRPr lang="en-US" dirty="0"/>
-          </a:p>
-        </p:txBody>
-      </p:sp>
-      <p:pic>
-        <p:nvPicPr>
-          <p:cNvPr id="8" name="Picture 7" descr="hosp-misc-ipactr6-1101.gif"/>
-          <p:cNvPicPr>
-            <a:picLocks noChangeAspect="1"/>
-          </p:cNvPicPr>
-          <p:nvPr/>
-        </p:nvPicPr>
-        <p:blipFill>
-          <a:blip r:embed="rId2">
-            <a:extLst>
-              <a:ext uri="{28A0092B-C50C-407E-A947-70E740481C1C}">
-                <a14:useLocalDpi xmlns:a14="http://schemas.microsoft.com/office/drawing/2010/main" val="0"/>
-              </a:ext>
-            </a:extLst>
-          </a:blip>
-          <a:stretch>
-            <a:fillRect/>
-          </a:stretch>
-        </p:blipFill>
-        <p:spPr>
-          <a:xfrm>
-            <a:off x="1714500" y="1793909"/>
-            <a:ext cx="5715000" cy="4318000"/>
-          </a:xfrm>
-          <a:prstGeom prst="rect">
-            <a:avLst/>
-          </a:prstGeom>
-        </p:spPr>
-      </p:pic>
-      <p:sp>
-        <p:nvSpPr>
-          <p:cNvPr id="9" name="Rectangle 8"/>
-          <p:cNvSpPr/>
-          <p:nvPr/>
-        </p:nvSpPr>
-        <p:spPr>
-          <a:xfrm>
-            <a:off x="2572837" y="5955787"/>
-            <a:ext cx="4161693" cy="461665"/>
-          </a:xfrm>
-          <a:prstGeom prst="rect">
-            <a:avLst/>
-          </a:prstGeom>
-          <a:solidFill>
-            <a:schemeClr val="bg1"/>
-          </a:solidFill>
-        </p:spPr>
-        <p:txBody>
-          <a:bodyPr wrap="square">
-            <a:spAutoFit/>
-          </a:bodyPr>
-          <a:lstStyle/>
-          <a:p>
-            <a:endParaRPr lang="en-US" sz="1200" dirty="0" smtClean="0"/>
-          </a:p>
-          <a:p>
-            <a:r>
-              <a:rPr lang="en-US" sz="1200" dirty="0" smtClean="0"/>
-              <a:t>https</a:t>
-            </a:r>
-            <a:r>
-              <a:rPr lang="en-US" sz="1200" dirty="0"/>
-              <a:t>://</a:t>
-            </a:r>
-            <a:r>
-              <a:rPr lang="en-US" sz="1200" dirty="0" err="1"/>
-              <a:t>www.stjude.org</a:t>
-            </a:r>
-            <a:r>
-              <a:rPr lang="en-US" sz="1200" dirty="0"/>
-              <a:t>/Images/hosp-misc-ipactr6-1101.gif</a:t>
-            </a:r>
-          </a:p>
-        </p:txBody>
-      </p:sp>
-    </p:spTree>
-    <p:extLst>
-      <p:ext uri="{BB962C8B-B14F-4D97-AF65-F5344CB8AC3E}">
-        <p14:creationId xmlns:p14="http://schemas.microsoft.com/office/powerpoint/2010/main" val="385104364"/>
-      </p:ext>
-    </p:extLst>
-  </p:cSld>
-  <p:clrMapOvr>
-    <a:masterClrMapping/>
-  </p:clrMapOvr>
-  <p:timing>
-    <p:tnLst>
-      <p:par>
-        <p:cTn xmlns:p14="http://schemas.microsoft.com/office/powerpoint/2010/main" id="1" dur="indefinite" restart="never" nodeType="tmRoot"/>
-      </p:par>
-    </p:tnLst>
-  </p:timing>
-</p:sld>
-</file>
-
-<file path=ppt/slides/slide40.xml><?xml version="1.0" encoding="utf-8"?>
+<file path=ppt/slides/slide41.xml><?xml version="1.0" encoding="utf-8"?>
 <p:sld xmlns:a="http://schemas.openxmlformats.org/drawingml/2006/main" xmlns:r="http://schemas.openxmlformats.org/officeDocument/2006/relationships" xmlns:p="http://schemas.openxmlformats.org/presentationml/2006/main">
   <p:cSld>
     <p:spTree>
@@ -19697,7 +20902,7 @@
 </p:sld>
 </file>
 
-<file path=ppt/slides/slide41.xml><?xml version="1.0" encoding="utf-8"?>
+<file path=ppt/slides/slide42.xml><?xml version="1.0" encoding="utf-8"?>
 <p:sld xmlns:a="http://schemas.openxmlformats.org/drawingml/2006/main" xmlns:r="http://schemas.openxmlformats.org/officeDocument/2006/relationships" xmlns:p="http://schemas.openxmlformats.org/presentationml/2006/main">
   <p:cSld>
     <p:spTree>
@@ -19762,7 +20967,7 @@
 </p:sld>
 </file>
 
-<file path=ppt/slides/slide42.xml><?xml version="1.0" encoding="utf-8"?>
+<file path=ppt/slides/slide43.xml><?xml version="1.0" encoding="utf-8"?>
 <p:sld xmlns:a="http://schemas.openxmlformats.org/drawingml/2006/main" xmlns:r="http://schemas.openxmlformats.org/officeDocument/2006/relationships" xmlns:p="http://schemas.openxmlformats.org/presentationml/2006/main">
   <p:cSld>
     <p:spTree>
@@ -19983,6 +21188,167 @@
           <a:chExt cx="0" cy="0"/>
         </a:xfrm>
       </p:grpSpPr>
+      <p:pic>
+        <p:nvPicPr>
+          <p:cNvPr id="2" name="Picture 1"/>
+          <p:cNvPicPr>
+            <a:picLocks noChangeAspect="1"/>
+          </p:cNvPicPr>
+          <p:nvPr/>
+        </p:nvPicPr>
+        <p:blipFill>
+          <a:blip r:embed="rId2"/>
+          <a:stretch>
+            <a:fillRect/>
+          </a:stretch>
+        </p:blipFill>
+        <p:spPr>
+          <a:xfrm>
+            <a:off x="1549400" y="1803399"/>
+            <a:ext cx="5880100" cy="3538949"/>
+          </a:xfrm>
+          <a:prstGeom prst="rect">
+            <a:avLst/>
+          </a:prstGeom>
+        </p:spPr>
+      </p:pic>
+      <p:sp>
+        <p:nvSpPr>
+          <p:cNvPr id="3" name="TextBox 2"/>
+          <p:cNvSpPr txBox="1"/>
+          <p:nvPr/>
+        </p:nvSpPr>
+        <p:spPr>
+          <a:xfrm>
+            <a:off x="762000" y="5556250"/>
+            <a:ext cx="7531100" cy="1035050"/>
+          </a:xfrm>
+          <a:prstGeom prst="rect">
+            <a:avLst/>
+          </a:prstGeom>
+        </p:spPr>
+        <p:txBody>
+          <a:bodyPr/>
+          <a:lstStyle/>
+          <a:p>
+            <a:r>
+              <a:rPr lang="en-US" sz="1400" i="0" baseline="0" dirty="0" smtClean="0"/>
+              <a:t>The </a:t>
+            </a:r>
+            <a:r>
+              <a:rPr lang="en-US" sz="1400" i="0" baseline="0" dirty="0"/>
+              <a:t>Hallmarks of </a:t>
+            </a:r>
+            <a:r>
+              <a:rPr lang="en-US" sz="1400" i="0" baseline="0" dirty="0" err="1"/>
+              <a:t>CancerThis</a:t>
+            </a:r>
+            <a:r>
+              <a:rPr lang="en-US" sz="1400" i="0" baseline="0" dirty="0"/>
+              <a:t> illustration encompasses the six hallmark capabilities originally proposed in our 2000 perspective. The past decade has witnessed remarkable progress toward understanding the mechanistic underpinnings of each hallmark</a:t>
+            </a:r>
+            <a:r>
+              <a:rPr lang="en-US" sz="1400" i="0" baseline="0" dirty="0" smtClean="0"/>
+              <a:t>.</a:t>
+            </a:r>
+          </a:p>
+          <a:p>
+            <a:r>
+              <a:rPr lang="en-US" sz="1400" dirty="0" err="1"/>
+              <a:t>Hanahan</a:t>
+            </a:r>
+            <a:r>
+              <a:rPr lang="en-US" sz="1400" dirty="0"/>
+              <a:t> and Weinberg, Hallmarks of Cancer: The Next Generation, Cell 2011</a:t>
+            </a:r>
+          </a:p>
+          <a:p>
+            <a:endParaRPr lang="en-US" sz="1000" i="0" baseline="0" dirty="0">
+              <a:latin typeface="Arial"/>
+            </a:endParaRPr>
+          </a:p>
+        </p:txBody>
+      </p:sp>
+      <p:sp>
+        <p:nvSpPr>
+          <p:cNvPr id="8" name="Rectangle 7"/>
+          <p:cNvSpPr/>
+          <p:nvPr/>
+        </p:nvSpPr>
+        <p:spPr>
+          <a:xfrm>
+            <a:off x="1295400" y="6038166"/>
+            <a:ext cx="6299200" cy="369332"/>
+          </a:xfrm>
+          <a:prstGeom prst="rect">
+            <a:avLst/>
+          </a:prstGeom>
+        </p:spPr>
+        <p:txBody>
+          <a:bodyPr wrap="square">
+            <a:spAutoFit/>
+          </a:bodyPr>
+          <a:lstStyle/>
+          <a:p>
+            <a:endParaRPr lang="en-US" dirty="0"/>
+          </a:p>
+        </p:txBody>
+      </p:sp>
+      <p:sp>
+        <p:nvSpPr>
+          <p:cNvPr id="9" name="Title 8"/>
+          <p:cNvSpPr>
+            <a:spLocks noGrp="1"/>
+          </p:cNvSpPr>
+          <p:nvPr>
+            <p:ph type="title"/>
+          </p:nvPr>
+        </p:nvSpPr>
+        <p:spPr/>
+        <p:txBody>
+          <a:bodyPr/>
+          <a:lstStyle/>
+          <a:p>
+            <a:r>
+              <a:rPr lang="en-US" dirty="0" smtClean="0"/>
+              <a:t>Hallmarks of Cancer</a:t>
+            </a:r>
+            <a:endParaRPr lang="en-US" dirty="0"/>
+          </a:p>
+        </p:txBody>
+      </p:sp>
+    </p:spTree>
+  </p:cSld>
+  <p:clrMapOvr>
+    <a:masterClrMapping/>
+  </p:clrMapOvr>
+  <p:timing>
+    <p:tnLst>
+      <p:par>
+        <p:cTn xmlns:p14="http://schemas.microsoft.com/office/powerpoint/2010/main" id="1" dur="indefinite" restart="never" nodeType="tmRoot"/>
+      </p:par>
+    </p:tnLst>
+  </p:timing>
+</p:sld>
+</file>
+
+<file path=ppt/slides/slide7.xml><?xml version="1.0" encoding="utf-8"?>
+<p:sld xmlns:a="http://schemas.openxmlformats.org/drawingml/2006/main" xmlns:r="http://schemas.openxmlformats.org/officeDocument/2006/relationships" xmlns:p="http://schemas.openxmlformats.org/presentationml/2006/main">
+  <p:cSld>
+    <p:spTree>
+      <p:nvGrpSpPr>
+        <p:cNvPr id="1" name=""/>
+        <p:cNvGrpSpPr/>
+        <p:nvPr/>
+      </p:nvGrpSpPr>
+      <p:grpSpPr>
+        <a:xfrm>
+          <a:off x="0" y="0"/>
+          <a:ext cx="0" cy="0"/>
+          <a:chOff x="0" y="0"/>
+          <a:chExt cx="0" cy="0"/>
+        </a:xfrm>
+      </p:grpSpPr>
       <p:sp>
         <p:nvSpPr>
           <p:cNvPr id="2" name="Title 1"/>
@@ -20081,7 +21447,7 @@
 </p:sld>
 </file>
 
-<file path=ppt/slides/slide7.xml><?xml version="1.0" encoding="utf-8"?>
+<file path=ppt/slides/slide8.xml><?xml version="1.0" encoding="utf-8"?>
 <p:sld xmlns:a="http://schemas.openxmlformats.org/drawingml/2006/main" xmlns:r="http://schemas.openxmlformats.org/officeDocument/2006/relationships" xmlns:p="http://schemas.openxmlformats.org/presentationml/2006/main">
   <p:cSld>
     <p:spTree>
@@ -20213,7 +21579,7 @@
 </p:sld>
 </file>
 
-<file path=ppt/slides/slide8.xml><?xml version="1.0" encoding="utf-8"?>
+<file path=ppt/slides/slide9.xml><?xml version="1.0" encoding="utf-8"?>
 <p:sld xmlns:a="http://schemas.openxmlformats.org/drawingml/2006/main" xmlns:r="http://schemas.openxmlformats.org/officeDocument/2006/relationships" xmlns:p="http://schemas.openxmlformats.org/presentationml/2006/main">
   <p:cSld>
     <p:spTree>
@@ -20357,1202 +21723,6 @@
     <p:tnLst>
       <p:par>
         <p:cTn xmlns:p14="http://schemas.microsoft.com/office/powerpoint/2010/main" id="1" dur="indefinite" restart="never" nodeType="tmRoot"/>
-      </p:par>
-    </p:tnLst>
-  </p:timing>
-</p:sld>
-</file>
-
-<file path=ppt/slides/slide9.xml><?xml version="1.0" encoding="utf-8"?>
-<p:sld xmlns:a="http://schemas.openxmlformats.org/drawingml/2006/main" xmlns:r="http://schemas.openxmlformats.org/officeDocument/2006/relationships" xmlns:p="http://schemas.openxmlformats.org/presentationml/2006/main">
-  <p:cSld>
-    <p:spTree>
-      <p:nvGrpSpPr>
-        <p:cNvPr id="1" name=""/>
-        <p:cNvGrpSpPr/>
-        <p:nvPr/>
-      </p:nvGrpSpPr>
-      <p:grpSpPr>
-        <a:xfrm>
-          <a:off x="0" y="0"/>
-          <a:ext cx="0" cy="0"/>
-          <a:chOff x="0" y="0"/>
-          <a:chExt cx="0" cy="0"/>
-        </a:xfrm>
-      </p:grpSpPr>
-      <p:sp>
-        <p:nvSpPr>
-          <p:cNvPr id="3073" name="Text Box 1"/>
-          <p:cNvSpPr txBox="1">
-            <a:spLocks noChangeArrowheads="1"/>
-          </p:cNvSpPr>
-          <p:nvPr/>
-        </p:nvSpPr>
-        <p:spPr bwMode="auto">
-          <a:xfrm>
-            <a:off x="325440" y="381640"/>
-            <a:ext cx="8493120" cy="414764"/>
-          </a:xfrm>
-          <a:prstGeom prst="rect">
-            <a:avLst/>
-          </a:prstGeom>
-          <a:noFill/>
-          <a:ln>
-            <a:noFill/>
-          </a:ln>
-          <a:effectLst/>
-          <a:extLst>
-            <a:ext uri="{909E8E84-426E-40dd-AFC4-6F175D3DCCD1}">
-              <a14:hiddenFill xmlns:a14="http://schemas.microsoft.com/office/drawing/2010/main">
-                <a:solidFill>
-                  <a:srgbClr val="FFFFFF"/>
-                </a:solidFill>
-              </a14:hiddenFill>
-            </a:ext>
-            <a:ext uri="{91240B29-F687-4f45-9708-019B960494DF}">
-              <a14:hiddenLine xmlns:a14="http://schemas.microsoft.com/office/drawing/2010/main" w="9525">
-                <a:solidFill>
-                  <a:srgbClr val="FFFFFF"/>
-                </a:solidFill>
-                <a:round/>
-                <a:headEnd/>
-                <a:tailEnd/>
-              </a14:hiddenLine>
-            </a:ext>
-            <a:ext uri="{AF507438-7753-43e0-B8FC-AC1667EBCBE1}">
-              <a14:hiddenEffects xmlns:a14="http://schemas.microsoft.com/office/drawing/2010/main">
-                <a:effectLst>
-                  <a:outerShdw blurRad="63500" dist="38099" dir="2700000" algn="ctr" rotWithShape="0">
-                    <a:srgbClr val="000000">
-                      <a:alpha val="74998"/>
-                    </a:srgbClr>
-                  </a:outerShdw>
-                </a:effectLst>
-              </a14:hiddenEffects>
-            </a:ext>
-          </a:extLst>
-        </p:spPr>
-        <p:txBody>
-          <a:bodyPr lIns="0" tIns="0" rIns="0" bIns="0"/>
-          <a:lstStyle>
-            <a:lvl1pPr>
-              <a:tabLst>
-                <a:tab pos="723900" algn="l"/>
-                <a:tab pos="1447800" algn="l"/>
-                <a:tab pos="2171700" algn="l"/>
-                <a:tab pos="2895600" algn="l"/>
-                <a:tab pos="3619500" algn="l"/>
-                <a:tab pos="4343400" algn="l"/>
-                <a:tab pos="5067300" algn="l"/>
-                <a:tab pos="5791200" algn="l"/>
-                <a:tab pos="6515100" algn="l"/>
-                <a:tab pos="7239000" algn="l"/>
-                <a:tab pos="7962900" algn="l"/>
-                <a:tab pos="8686800" algn="l"/>
-              </a:tabLst>
-              <a:defRPr sz="2400">
-                <a:solidFill>
-                  <a:srgbClr val="000000"/>
-                </a:solidFill>
-                <a:latin typeface="Times New Roman" charset="0"/>
-                <a:ea typeface="ＭＳ Ｐゴシック" charset="0"/>
-                <a:cs typeface="msgothic" charset="0"/>
-              </a:defRPr>
-            </a:lvl1pPr>
-            <a:lvl2pPr>
-              <a:tabLst>
-                <a:tab pos="723900" algn="l"/>
-                <a:tab pos="1447800" algn="l"/>
-                <a:tab pos="2171700" algn="l"/>
-                <a:tab pos="2895600" algn="l"/>
-                <a:tab pos="3619500" algn="l"/>
-                <a:tab pos="4343400" algn="l"/>
-                <a:tab pos="5067300" algn="l"/>
-                <a:tab pos="5791200" algn="l"/>
-                <a:tab pos="6515100" algn="l"/>
-                <a:tab pos="7239000" algn="l"/>
-                <a:tab pos="7962900" algn="l"/>
-                <a:tab pos="8686800" algn="l"/>
-              </a:tabLst>
-              <a:defRPr sz="2400">
-                <a:solidFill>
-                  <a:srgbClr val="000000"/>
-                </a:solidFill>
-                <a:latin typeface="Times New Roman" charset="0"/>
-                <a:ea typeface="ＭＳ Ｐゴシック" charset="0"/>
-                <a:cs typeface="msgothic" charset="0"/>
-              </a:defRPr>
-            </a:lvl2pPr>
-            <a:lvl3pPr>
-              <a:tabLst>
-                <a:tab pos="723900" algn="l"/>
-                <a:tab pos="1447800" algn="l"/>
-                <a:tab pos="2171700" algn="l"/>
-                <a:tab pos="2895600" algn="l"/>
-                <a:tab pos="3619500" algn="l"/>
-                <a:tab pos="4343400" algn="l"/>
-                <a:tab pos="5067300" algn="l"/>
-                <a:tab pos="5791200" algn="l"/>
-                <a:tab pos="6515100" algn="l"/>
-                <a:tab pos="7239000" algn="l"/>
-                <a:tab pos="7962900" algn="l"/>
-                <a:tab pos="8686800" algn="l"/>
-              </a:tabLst>
-              <a:defRPr sz="2400">
-                <a:solidFill>
-                  <a:srgbClr val="000000"/>
-                </a:solidFill>
-                <a:latin typeface="Times New Roman" charset="0"/>
-                <a:ea typeface="ＭＳ Ｐゴシック" charset="0"/>
-                <a:cs typeface="msgothic" charset="0"/>
-              </a:defRPr>
-            </a:lvl3pPr>
-            <a:lvl4pPr>
-              <a:tabLst>
-                <a:tab pos="723900" algn="l"/>
-                <a:tab pos="1447800" algn="l"/>
-                <a:tab pos="2171700" algn="l"/>
-                <a:tab pos="2895600" algn="l"/>
-                <a:tab pos="3619500" algn="l"/>
-                <a:tab pos="4343400" algn="l"/>
-                <a:tab pos="5067300" algn="l"/>
-                <a:tab pos="5791200" algn="l"/>
-                <a:tab pos="6515100" algn="l"/>
-                <a:tab pos="7239000" algn="l"/>
-                <a:tab pos="7962900" algn="l"/>
-                <a:tab pos="8686800" algn="l"/>
-              </a:tabLst>
-              <a:defRPr sz="2400">
-                <a:solidFill>
-                  <a:srgbClr val="000000"/>
-                </a:solidFill>
-                <a:latin typeface="Times New Roman" charset="0"/>
-                <a:ea typeface="ＭＳ Ｐゴシック" charset="0"/>
-                <a:cs typeface="msgothic" charset="0"/>
-              </a:defRPr>
-            </a:lvl4pPr>
-            <a:lvl5pPr>
-              <a:tabLst>
-                <a:tab pos="723900" algn="l"/>
-                <a:tab pos="1447800" algn="l"/>
-                <a:tab pos="2171700" algn="l"/>
-                <a:tab pos="2895600" algn="l"/>
-                <a:tab pos="3619500" algn="l"/>
-                <a:tab pos="4343400" algn="l"/>
-                <a:tab pos="5067300" algn="l"/>
-                <a:tab pos="5791200" algn="l"/>
-                <a:tab pos="6515100" algn="l"/>
-                <a:tab pos="7239000" algn="l"/>
-                <a:tab pos="7962900" algn="l"/>
-                <a:tab pos="8686800" algn="l"/>
-              </a:tabLst>
-              <a:defRPr sz="2400">
-                <a:solidFill>
-                  <a:srgbClr val="000000"/>
-                </a:solidFill>
-                <a:latin typeface="Times New Roman" charset="0"/>
-                <a:ea typeface="ＭＳ Ｐゴシック" charset="0"/>
-                <a:cs typeface="msgothic" charset="0"/>
-              </a:defRPr>
-            </a:lvl5pPr>
-            <a:lvl6pPr marL="1536700" indent="-215900" fontAlgn="base" hangingPunct="0">
-              <a:lnSpc>
-                <a:spcPct val="93000"/>
-              </a:lnSpc>
-              <a:spcBef>
-                <a:spcPct val="0"/>
-              </a:spcBef>
-              <a:spcAft>
-                <a:spcPct val="0"/>
-              </a:spcAft>
-              <a:buClr>
-                <a:srgbClr val="000000"/>
-              </a:buClr>
-              <a:buSzPct val="45000"/>
-              <a:buFont typeface="Wingdings" charset="0"/>
-              <a:tabLst>
-                <a:tab pos="723900" algn="l"/>
-                <a:tab pos="1447800" algn="l"/>
-                <a:tab pos="2171700" algn="l"/>
-                <a:tab pos="2895600" algn="l"/>
-                <a:tab pos="3619500" algn="l"/>
-                <a:tab pos="4343400" algn="l"/>
-                <a:tab pos="5067300" algn="l"/>
-                <a:tab pos="5791200" algn="l"/>
-                <a:tab pos="6515100" algn="l"/>
-                <a:tab pos="7239000" algn="l"/>
-                <a:tab pos="7962900" algn="l"/>
-                <a:tab pos="8686800" algn="l"/>
-              </a:tabLst>
-              <a:defRPr sz="2400">
-                <a:solidFill>
-                  <a:srgbClr val="000000"/>
-                </a:solidFill>
-                <a:latin typeface="Times New Roman" charset="0"/>
-                <a:ea typeface="ＭＳ Ｐゴシック" charset="0"/>
-                <a:cs typeface="msgothic" charset="0"/>
-              </a:defRPr>
-            </a:lvl6pPr>
-            <a:lvl7pPr marL="1993900" indent="-215900" fontAlgn="base" hangingPunct="0">
-              <a:lnSpc>
-                <a:spcPct val="93000"/>
-              </a:lnSpc>
-              <a:spcBef>
-                <a:spcPct val="0"/>
-              </a:spcBef>
-              <a:spcAft>
-                <a:spcPct val="0"/>
-              </a:spcAft>
-              <a:buClr>
-                <a:srgbClr val="000000"/>
-              </a:buClr>
-              <a:buSzPct val="45000"/>
-              <a:buFont typeface="Wingdings" charset="0"/>
-              <a:tabLst>
-                <a:tab pos="723900" algn="l"/>
-                <a:tab pos="1447800" algn="l"/>
-                <a:tab pos="2171700" algn="l"/>
-                <a:tab pos="2895600" algn="l"/>
-                <a:tab pos="3619500" algn="l"/>
-                <a:tab pos="4343400" algn="l"/>
-                <a:tab pos="5067300" algn="l"/>
-                <a:tab pos="5791200" algn="l"/>
-                <a:tab pos="6515100" algn="l"/>
-                <a:tab pos="7239000" algn="l"/>
-                <a:tab pos="7962900" algn="l"/>
-                <a:tab pos="8686800" algn="l"/>
-              </a:tabLst>
-              <a:defRPr sz="2400">
-                <a:solidFill>
-                  <a:srgbClr val="000000"/>
-                </a:solidFill>
-                <a:latin typeface="Times New Roman" charset="0"/>
-                <a:ea typeface="ＭＳ Ｐゴシック" charset="0"/>
-                <a:cs typeface="msgothic" charset="0"/>
-              </a:defRPr>
-            </a:lvl7pPr>
-            <a:lvl8pPr marL="2451100" indent="-215900" fontAlgn="base" hangingPunct="0">
-              <a:lnSpc>
-                <a:spcPct val="93000"/>
-              </a:lnSpc>
-              <a:spcBef>
-                <a:spcPct val="0"/>
-              </a:spcBef>
-              <a:spcAft>
-                <a:spcPct val="0"/>
-              </a:spcAft>
-              <a:buClr>
-                <a:srgbClr val="000000"/>
-              </a:buClr>
-              <a:buSzPct val="45000"/>
-              <a:buFont typeface="Wingdings" charset="0"/>
-              <a:tabLst>
-                <a:tab pos="723900" algn="l"/>
-                <a:tab pos="1447800" algn="l"/>
-                <a:tab pos="2171700" algn="l"/>
-                <a:tab pos="2895600" algn="l"/>
-                <a:tab pos="3619500" algn="l"/>
-                <a:tab pos="4343400" algn="l"/>
-                <a:tab pos="5067300" algn="l"/>
-                <a:tab pos="5791200" algn="l"/>
-                <a:tab pos="6515100" algn="l"/>
-                <a:tab pos="7239000" algn="l"/>
-                <a:tab pos="7962900" algn="l"/>
-                <a:tab pos="8686800" algn="l"/>
-              </a:tabLst>
-              <a:defRPr sz="2400">
-                <a:solidFill>
-                  <a:srgbClr val="000000"/>
-                </a:solidFill>
-                <a:latin typeface="Times New Roman" charset="0"/>
-                <a:ea typeface="ＭＳ Ｐゴシック" charset="0"/>
-                <a:cs typeface="msgothic" charset="0"/>
-              </a:defRPr>
-            </a:lvl8pPr>
-            <a:lvl9pPr marL="2908300" indent="-215900" fontAlgn="base" hangingPunct="0">
-              <a:lnSpc>
-                <a:spcPct val="93000"/>
-              </a:lnSpc>
-              <a:spcBef>
-                <a:spcPct val="0"/>
-              </a:spcBef>
-              <a:spcAft>
-                <a:spcPct val="0"/>
-              </a:spcAft>
-              <a:buClr>
-                <a:srgbClr val="000000"/>
-              </a:buClr>
-              <a:buSzPct val="45000"/>
-              <a:buFont typeface="Wingdings" charset="0"/>
-              <a:tabLst>
-                <a:tab pos="723900" algn="l"/>
-                <a:tab pos="1447800" algn="l"/>
-                <a:tab pos="2171700" algn="l"/>
-                <a:tab pos="2895600" algn="l"/>
-                <a:tab pos="3619500" algn="l"/>
-                <a:tab pos="4343400" algn="l"/>
-                <a:tab pos="5067300" algn="l"/>
-                <a:tab pos="5791200" algn="l"/>
-                <a:tab pos="6515100" algn="l"/>
-                <a:tab pos="7239000" algn="l"/>
-                <a:tab pos="7962900" algn="l"/>
-                <a:tab pos="8686800" algn="l"/>
-              </a:tabLst>
-              <a:defRPr sz="2400">
-                <a:solidFill>
-                  <a:srgbClr val="000000"/>
-                </a:solidFill>
-                <a:latin typeface="Times New Roman" charset="0"/>
-                <a:ea typeface="ＭＳ Ｐゴシック" charset="0"/>
-                <a:cs typeface="msgothic" charset="0"/>
-              </a:defRPr>
-            </a:lvl9pPr>
-          </a:lstStyle>
-          <a:p>
-            <a:pPr algn="ctr"/>
-            <a:r>
-              <a:rPr lang="en-GB" sz="1500" b="1" dirty="0" smtClean="0">
-                <a:latin typeface="Arial" charset="0"/>
-              </a:rPr>
-              <a:t>Genetic </a:t>
-            </a:r>
-            <a:r>
-              <a:rPr lang="en-GB" sz="1500" b="1" dirty="0">
-                <a:latin typeface="Arial" charset="0"/>
-              </a:rPr>
-              <a:t>alterations and the progression of colorectal cancer. </a:t>
-            </a:r>
-          </a:p>
-        </p:txBody>
-      </p:sp>
-      <p:pic>
-        <p:nvPicPr>
-          <p:cNvPr id="3074" name="Picture 2"/>
-          <p:cNvPicPr>
-            <a:picLocks noChangeAspect="1" noChangeArrowheads="1"/>
-          </p:cNvPicPr>
-          <p:nvPr/>
-        </p:nvPicPr>
-        <p:blipFill>
-          <a:blip r:embed="rId3">
-            <a:extLst>
-              <a:ext uri="{28A0092B-C50C-407E-A947-70E740481C1C}">
-                <a14:useLocalDpi xmlns:a14="http://schemas.microsoft.com/office/drawing/2010/main" val="0"/>
-              </a:ext>
-            </a:extLst>
-          </a:blip>
-          <a:srcRect/>
-          <a:stretch>
-            <a:fillRect/>
-          </a:stretch>
-        </p:blipFill>
-        <p:spPr bwMode="auto">
-          <a:xfrm>
-            <a:off x="7729920" y="5943505"/>
-            <a:ext cx="1226880" cy="652388"/>
-          </a:xfrm>
-          <a:prstGeom prst="rect">
-            <a:avLst/>
-          </a:prstGeom>
-          <a:noFill/>
-          <a:ln>
-            <a:noFill/>
-          </a:ln>
-          <a:effectLst/>
-          <a:extLst>
-            <a:ext uri="{909E8E84-426E-40dd-AFC4-6F175D3DCCD1}">
-              <a14:hiddenFill xmlns:a14="http://schemas.microsoft.com/office/drawing/2010/main">
-                <a:blipFill dpi="0" rotWithShape="0">
-                  <a:blip/>
-                  <a:srcRect/>
-                  <a:stretch>
-                    <a:fillRect/>
-                  </a:stretch>
-                </a:blipFill>
-              </a14:hiddenFill>
-            </a:ext>
-            <a:ext uri="{91240B29-F687-4f45-9708-019B960494DF}">
-              <a14:hiddenLine xmlns:a14="http://schemas.microsoft.com/office/drawing/2010/main" w="9525">
-                <a:solidFill>
-                  <a:srgbClr val="FFFFFF"/>
-                </a:solidFill>
-                <a:round/>
-                <a:headEnd/>
-                <a:tailEnd/>
-              </a14:hiddenLine>
-            </a:ext>
-            <a:ext uri="{AF507438-7753-43e0-B8FC-AC1667EBCBE1}">
-              <a14:hiddenEffects xmlns:a14="http://schemas.microsoft.com/office/drawing/2010/main">
-                <a:effectLst>
-                  <a:outerShdw blurRad="63500" dist="38099" dir="2700000" algn="ctr" rotWithShape="0">
-                    <a:srgbClr val="000000">
-                      <a:alpha val="74998"/>
-                    </a:srgbClr>
-                  </a:outerShdw>
-                </a:effectLst>
-              </a14:hiddenEffects>
-            </a:ext>
-          </a:extLst>
-        </p:spPr>
-      </p:pic>
-      <p:pic>
-        <p:nvPicPr>
-          <p:cNvPr id="3075" name="Picture 3"/>
-          <p:cNvPicPr>
-            <a:picLocks noChangeAspect="1" noChangeArrowheads="1"/>
-          </p:cNvPicPr>
-          <p:nvPr/>
-        </p:nvPicPr>
-        <p:blipFill>
-          <a:blip r:embed="rId4">
-            <a:extLst>
-              <a:ext uri="{28A0092B-C50C-407E-A947-70E740481C1C}">
-                <a14:useLocalDpi xmlns:a14="http://schemas.microsoft.com/office/drawing/2010/main" val="0"/>
-              </a:ext>
-            </a:extLst>
-          </a:blip>
-          <a:srcRect/>
-          <a:stretch>
-            <a:fillRect/>
-          </a:stretch>
-        </p:blipFill>
-        <p:spPr bwMode="auto">
-          <a:xfrm>
-            <a:off x="671040" y="2394972"/>
-            <a:ext cx="7804800" cy="2060856"/>
-          </a:xfrm>
-          <a:prstGeom prst="rect">
-            <a:avLst/>
-          </a:prstGeom>
-          <a:noFill/>
-          <a:ln>
-            <a:noFill/>
-          </a:ln>
-          <a:effectLst/>
-          <a:extLst>
-            <a:ext uri="{909E8E84-426E-40dd-AFC4-6F175D3DCCD1}">
-              <a14:hiddenFill xmlns:a14="http://schemas.microsoft.com/office/drawing/2010/main">
-                <a:blipFill dpi="0" rotWithShape="0">
-                  <a:blip/>
-                  <a:srcRect/>
-                  <a:stretch>
-                    <a:fillRect/>
-                  </a:stretch>
-                </a:blipFill>
-              </a14:hiddenFill>
-            </a:ext>
-            <a:ext uri="{91240B29-F687-4f45-9708-019B960494DF}">
-              <a14:hiddenLine xmlns:a14="http://schemas.microsoft.com/office/drawing/2010/main" w="9525">
-                <a:solidFill>
-                  <a:srgbClr val="FFFFFF"/>
-                </a:solidFill>
-                <a:round/>
-                <a:headEnd/>
-                <a:tailEnd/>
-              </a14:hiddenLine>
-            </a:ext>
-            <a:ext uri="{AF507438-7753-43e0-B8FC-AC1667EBCBE1}">
-              <a14:hiddenEffects xmlns:a14="http://schemas.microsoft.com/office/drawing/2010/main">
-                <a:effectLst>
-                  <a:outerShdw blurRad="63500" dist="38099" dir="2700000" algn="ctr" rotWithShape="0">
-                    <a:srgbClr val="000000">
-                      <a:alpha val="74998"/>
-                    </a:srgbClr>
-                  </a:outerShdw>
-                </a:effectLst>
-              </a14:hiddenEffects>
-            </a:ext>
-          </a:extLst>
-        </p:spPr>
-      </p:pic>
-      <p:sp>
-        <p:nvSpPr>
-          <p:cNvPr id="3076" name="Text Box 4"/>
-          <p:cNvSpPr txBox="1">
-            <a:spLocks noChangeArrowheads="1"/>
-          </p:cNvSpPr>
-          <p:nvPr/>
-        </p:nvSpPr>
-        <p:spPr bwMode="auto">
-          <a:xfrm>
-            <a:off x="671040" y="5972308"/>
-            <a:ext cx="3918240" cy="231864"/>
-          </a:xfrm>
-          <a:prstGeom prst="rect">
-            <a:avLst/>
-          </a:prstGeom>
-          <a:noFill/>
-          <a:ln>
-            <a:noFill/>
-          </a:ln>
-          <a:effectLst/>
-          <a:extLst>
-            <a:ext uri="{909E8E84-426E-40dd-AFC4-6F175D3DCCD1}">
-              <a14:hiddenFill xmlns:a14="http://schemas.microsoft.com/office/drawing/2010/main">
-                <a:solidFill>
-                  <a:srgbClr val="FFFFFF"/>
-                </a:solidFill>
-              </a14:hiddenFill>
-            </a:ext>
-            <a:ext uri="{91240B29-F687-4f45-9708-019B960494DF}">
-              <a14:hiddenLine xmlns:a14="http://schemas.microsoft.com/office/drawing/2010/main" w="9525">
-                <a:solidFill>
-                  <a:srgbClr val="FFFFFF"/>
-                </a:solidFill>
-                <a:round/>
-                <a:headEnd/>
-                <a:tailEnd/>
-              </a14:hiddenLine>
-            </a:ext>
-            <a:ext uri="{AF507438-7753-43e0-B8FC-AC1667EBCBE1}">
-              <a14:hiddenEffects xmlns:a14="http://schemas.microsoft.com/office/drawing/2010/main">
-                <a:effectLst>
-                  <a:outerShdw blurRad="63500" dist="38099" dir="2700000" algn="ctr" rotWithShape="0">
-                    <a:srgbClr val="000000">
-                      <a:alpha val="74998"/>
-                    </a:srgbClr>
-                  </a:outerShdw>
-                </a:effectLst>
-              </a14:hiddenEffects>
-            </a:ext>
-          </a:extLst>
-        </p:spPr>
-        <p:txBody>
-          <a:bodyPr lIns="0" tIns="0" rIns="0" bIns="0"/>
-          <a:lstStyle>
-            <a:lvl1pPr>
-              <a:tabLst>
-                <a:tab pos="723900" algn="l"/>
-                <a:tab pos="1447800" algn="l"/>
-                <a:tab pos="2171700" algn="l"/>
-                <a:tab pos="2895600" algn="l"/>
-                <a:tab pos="3619500" algn="l"/>
-              </a:tabLst>
-              <a:defRPr sz="2400">
-                <a:solidFill>
-                  <a:srgbClr val="000000"/>
-                </a:solidFill>
-                <a:latin typeface="Times New Roman" charset="0"/>
-                <a:ea typeface="ＭＳ Ｐゴシック" charset="0"/>
-                <a:cs typeface="msgothic" charset="0"/>
-              </a:defRPr>
-            </a:lvl1pPr>
-            <a:lvl2pPr>
-              <a:tabLst>
-                <a:tab pos="723900" algn="l"/>
-                <a:tab pos="1447800" algn="l"/>
-                <a:tab pos="2171700" algn="l"/>
-                <a:tab pos="2895600" algn="l"/>
-                <a:tab pos="3619500" algn="l"/>
-              </a:tabLst>
-              <a:defRPr sz="2400">
-                <a:solidFill>
-                  <a:srgbClr val="000000"/>
-                </a:solidFill>
-                <a:latin typeface="Times New Roman" charset="0"/>
-                <a:ea typeface="ＭＳ Ｐゴシック" charset="0"/>
-                <a:cs typeface="msgothic" charset="0"/>
-              </a:defRPr>
-            </a:lvl2pPr>
-            <a:lvl3pPr>
-              <a:tabLst>
-                <a:tab pos="723900" algn="l"/>
-                <a:tab pos="1447800" algn="l"/>
-                <a:tab pos="2171700" algn="l"/>
-                <a:tab pos="2895600" algn="l"/>
-                <a:tab pos="3619500" algn="l"/>
-              </a:tabLst>
-              <a:defRPr sz="2400">
-                <a:solidFill>
-                  <a:srgbClr val="000000"/>
-                </a:solidFill>
-                <a:latin typeface="Times New Roman" charset="0"/>
-                <a:ea typeface="ＭＳ Ｐゴシック" charset="0"/>
-                <a:cs typeface="msgothic" charset="0"/>
-              </a:defRPr>
-            </a:lvl3pPr>
-            <a:lvl4pPr>
-              <a:tabLst>
-                <a:tab pos="723900" algn="l"/>
-                <a:tab pos="1447800" algn="l"/>
-                <a:tab pos="2171700" algn="l"/>
-                <a:tab pos="2895600" algn="l"/>
-                <a:tab pos="3619500" algn="l"/>
-              </a:tabLst>
-              <a:defRPr sz="2400">
-                <a:solidFill>
-                  <a:srgbClr val="000000"/>
-                </a:solidFill>
-                <a:latin typeface="Times New Roman" charset="0"/>
-                <a:ea typeface="ＭＳ Ｐゴシック" charset="0"/>
-                <a:cs typeface="msgothic" charset="0"/>
-              </a:defRPr>
-            </a:lvl4pPr>
-            <a:lvl5pPr>
-              <a:tabLst>
-                <a:tab pos="723900" algn="l"/>
-                <a:tab pos="1447800" algn="l"/>
-                <a:tab pos="2171700" algn="l"/>
-                <a:tab pos="2895600" algn="l"/>
-                <a:tab pos="3619500" algn="l"/>
-              </a:tabLst>
-              <a:defRPr sz="2400">
-                <a:solidFill>
-                  <a:srgbClr val="000000"/>
-                </a:solidFill>
-                <a:latin typeface="Times New Roman" charset="0"/>
-                <a:ea typeface="ＭＳ Ｐゴシック" charset="0"/>
-                <a:cs typeface="msgothic" charset="0"/>
-              </a:defRPr>
-            </a:lvl5pPr>
-            <a:lvl6pPr marL="1536700" indent="-215900" fontAlgn="base" hangingPunct="0">
-              <a:lnSpc>
-                <a:spcPct val="93000"/>
-              </a:lnSpc>
-              <a:spcBef>
-                <a:spcPct val="0"/>
-              </a:spcBef>
-              <a:spcAft>
-                <a:spcPct val="0"/>
-              </a:spcAft>
-              <a:buClr>
-                <a:srgbClr val="000000"/>
-              </a:buClr>
-              <a:buSzPct val="45000"/>
-              <a:buFont typeface="Wingdings" charset="0"/>
-              <a:tabLst>
-                <a:tab pos="723900" algn="l"/>
-                <a:tab pos="1447800" algn="l"/>
-                <a:tab pos="2171700" algn="l"/>
-                <a:tab pos="2895600" algn="l"/>
-                <a:tab pos="3619500" algn="l"/>
-              </a:tabLst>
-              <a:defRPr sz="2400">
-                <a:solidFill>
-                  <a:srgbClr val="000000"/>
-                </a:solidFill>
-                <a:latin typeface="Times New Roman" charset="0"/>
-                <a:ea typeface="ＭＳ Ｐゴシック" charset="0"/>
-                <a:cs typeface="msgothic" charset="0"/>
-              </a:defRPr>
-            </a:lvl6pPr>
-            <a:lvl7pPr marL="1993900" indent="-215900" fontAlgn="base" hangingPunct="0">
-              <a:lnSpc>
-                <a:spcPct val="93000"/>
-              </a:lnSpc>
-              <a:spcBef>
-                <a:spcPct val="0"/>
-              </a:spcBef>
-              <a:spcAft>
-                <a:spcPct val="0"/>
-              </a:spcAft>
-              <a:buClr>
-                <a:srgbClr val="000000"/>
-              </a:buClr>
-              <a:buSzPct val="45000"/>
-              <a:buFont typeface="Wingdings" charset="0"/>
-              <a:tabLst>
-                <a:tab pos="723900" algn="l"/>
-                <a:tab pos="1447800" algn="l"/>
-                <a:tab pos="2171700" algn="l"/>
-                <a:tab pos="2895600" algn="l"/>
-                <a:tab pos="3619500" algn="l"/>
-              </a:tabLst>
-              <a:defRPr sz="2400">
-                <a:solidFill>
-                  <a:srgbClr val="000000"/>
-                </a:solidFill>
-                <a:latin typeface="Times New Roman" charset="0"/>
-                <a:ea typeface="ＭＳ Ｐゴシック" charset="0"/>
-                <a:cs typeface="msgothic" charset="0"/>
-              </a:defRPr>
-            </a:lvl7pPr>
-            <a:lvl8pPr marL="2451100" indent="-215900" fontAlgn="base" hangingPunct="0">
-              <a:lnSpc>
-                <a:spcPct val="93000"/>
-              </a:lnSpc>
-              <a:spcBef>
-                <a:spcPct val="0"/>
-              </a:spcBef>
-              <a:spcAft>
-                <a:spcPct val="0"/>
-              </a:spcAft>
-              <a:buClr>
-                <a:srgbClr val="000000"/>
-              </a:buClr>
-              <a:buSzPct val="45000"/>
-              <a:buFont typeface="Wingdings" charset="0"/>
-              <a:tabLst>
-                <a:tab pos="723900" algn="l"/>
-                <a:tab pos="1447800" algn="l"/>
-                <a:tab pos="2171700" algn="l"/>
-                <a:tab pos="2895600" algn="l"/>
-                <a:tab pos="3619500" algn="l"/>
-              </a:tabLst>
-              <a:defRPr sz="2400">
-                <a:solidFill>
-                  <a:srgbClr val="000000"/>
-                </a:solidFill>
-                <a:latin typeface="Times New Roman" charset="0"/>
-                <a:ea typeface="ＭＳ Ｐゴシック" charset="0"/>
-                <a:cs typeface="msgothic" charset="0"/>
-              </a:defRPr>
-            </a:lvl8pPr>
-            <a:lvl9pPr marL="2908300" indent="-215900" fontAlgn="base" hangingPunct="0">
-              <a:lnSpc>
-                <a:spcPct val="93000"/>
-              </a:lnSpc>
-              <a:spcBef>
-                <a:spcPct val="0"/>
-              </a:spcBef>
-              <a:spcAft>
-                <a:spcPct val="0"/>
-              </a:spcAft>
-              <a:buClr>
-                <a:srgbClr val="000000"/>
-              </a:buClr>
-              <a:buSzPct val="45000"/>
-              <a:buFont typeface="Wingdings" charset="0"/>
-              <a:tabLst>
-                <a:tab pos="723900" algn="l"/>
-                <a:tab pos="1447800" algn="l"/>
-                <a:tab pos="2171700" algn="l"/>
-                <a:tab pos="2895600" algn="l"/>
-                <a:tab pos="3619500" algn="l"/>
-              </a:tabLst>
-              <a:defRPr sz="2400">
-                <a:solidFill>
-                  <a:srgbClr val="000000"/>
-                </a:solidFill>
-                <a:latin typeface="Times New Roman" charset="0"/>
-                <a:ea typeface="ＭＳ Ｐゴシック" charset="0"/>
-                <a:cs typeface="msgothic" charset="0"/>
-              </a:defRPr>
-            </a:lvl9pPr>
-          </a:lstStyle>
-          <a:p>
-            <a:r>
-              <a:rPr lang="en-GB" sz="1100" b="1">
-                <a:latin typeface="Arial" charset="0"/>
-              </a:rPr>
-              <a:t>Bert Vogelstein et al. Science 2013;339:1546-1558</a:t>
-            </a:r>
-          </a:p>
-        </p:txBody>
-      </p:sp>
-      <p:sp>
-        <p:nvSpPr>
-          <p:cNvPr id="3077" name="Text Box 5"/>
-          <p:cNvSpPr txBox="1">
-            <a:spLocks noChangeArrowheads="1"/>
-          </p:cNvSpPr>
-          <p:nvPr/>
-        </p:nvSpPr>
-        <p:spPr bwMode="auto">
-          <a:xfrm>
-            <a:off x="97920" y="6613175"/>
-            <a:ext cx="4930560" cy="3470764"/>
-          </a:xfrm>
-          <a:prstGeom prst="rect">
-            <a:avLst/>
-          </a:prstGeom>
-          <a:noFill/>
-          <a:ln>
-            <a:noFill/>
-          </a:ln>
-          <a:effectLst/>
-          <a:extLst>
-            <a:ext uri="{909E8E84-426E-40dd-AFC4-6F175D3DCCD1}">
-              <a14:hiddenFill xmlns:a14="http://schemas.microsoft.com/office/drawing/2010/main">
-                <a:solidFill>
-                  <a:srgbClr val="FFFFFF"/>
-                </a:solidFill>
-              </a14:hiddenFill>
-            </a:ext>
-            <a:ext uri="{91240B29-F687-4f45-9708-019B960494DF}">
-              <a14:hiddenLine xmlns:a14="http://schemas.microsoft.com/office/drawing/2010/main" w="9525">
-                <a:solidFill>
-                  <a:srgbClr val="000000"/>
-                </a:solidFill>
-                <a:round/>
-                <a:headEnd/>
-                <a:tailEnd/>
-              </a14:hiddenLine>
-            </a:ext>
-            <a:ext uri="{AF507438-7753-43e0-B8FC-AC1667EBCBE1}">
-              <a14:hiddenEffects xmlns:a14="http://schemas.microsoft.com/office/drawing/2010/main">
-                <a:effectLst>
-                  <a:outerShdw blurRad="63500" dist="38099" dir="2700000" algn="ctr" rotWithShape="0">
-                    <a:srgbClr val="000000">
-                      <a:alpha val="74998"/>
-                    </a:srgbClr>
-                  </a:outerShdw>
-                </a:effectLst>
-              </a14:hiddenEffects>
-            </a:ext>
-          </a:extLst>
-        </p:spPr>
-        <p:txBody>
-          <a:bodyPr lIns="0" tIns="0" rIns="0" bIns="0"/>
-          <a:lstStyle>
-            <a:lvl1pPr marL="85725" indent="-85725">
-              <a:tabLst>
-                <a:tab pos="723900" algn="l"/>
-                <a:tab pos="1447800" algn="l"/>
-                <a:tab pos="2171700" algn="l"/>
-                <a:tab pos="2895600" algn="l"/>
-                <a:tab pos="3619500" algn="l"/>
-                <a:tab pos="4343400" algn="l"/>
-                <a:tab pos="5067300" algn="l"/>
-              </a:tabLst>
-              <a:defRPr sz="2400">
-                <a:solidFill>
-                  <a:srgbClr val="000000"/>
-                </a:solidFill>
-                <a:latin typeface="Times New Roman" charset="0"/>
-                <a:ea typeface="ＭＳ Ｐゴシック" charset="0"/>
-                <a:cs typeface="msgothic" charset="0"/>
-              </a:defRPr>
-            </a:lvl1pPr>
-            <a:lvl2pPr>
-              <a:tabLst>
-                <a:tab pos="723900" algn="l"/>
-                <a:tab pos="1447800" algn="l"/>
-                <a:tab pos="2171700" algn="l"/>
-                <a:tab pos="2895600" algn="l"/>
-                <a:tab pos="3619500" algn="l"/>
-                <a:tab pos="4343400" algn="l"/>
-                <a:tab pos="5067300" algn="l"/>
-              </a:tabLst>
-              <a:defRPr sz="2400">
-                <a:solidFill>
-                  <a:srgbClr val="000000"/>
-                </a:solidFill>
-                <a:latin typeface="Times New Roman" charset="0"/>
-                <a:ea typeface="ＭＳ Ｐゴシック" charset="0"/>
-                <a:cs typeface="msgothic" charset="0"/>
-              </a:defRPr>
-            </a:lvl2pPr>
-            <a:lvl3pPr>
-              <a:tabLst>
-                <a:tab pos="723900" algn="l"/>
-                <a:tab pos="1447800" algn="l"/>
-                <a:tab pos="2171700" algn="l"/>
-                <a:tab pos="2895600" algn="l"/>
-                <a:tab pos="3619500" algn="l"/>
-                <a:tab pos="4343400" algn="l"/>
-                <a:tab pos="5067300" algn="l"/>
-              </a:tabLst>
-              <a:defRPr sz="2400">
-                <a:solidFill>
-                  <a:srgbClr val="000000"/>
-                </a:solidFill>
-                <a:latin typeface="Times New Roman" charset="0"/>
-                <a:ea typeface="ＭＳ Ｐゴシック" charset="0"/>
-                <a:cs typeface="msgothic" charset="0"/>
-              </a:defRPr>
-            </a:lvl3pPr>
-            <a:lvl4pPr>
-              <a:tabLst>
-                <a:tab pos="723900" algn="l"/>
-                <a:tab pos="1447800" algn="l"/>
-                <a:tab pos="2171700" algn="l"/>
-                <a:tab pos="2895600" algn="l"/>
-                <a:tab pos="3619500" algn="l"/>
-                <a:tab pos="4343400" algn="l"/>
-                <a:tab pos="5067300" algn="l"/>
-              </a:tabLst>
-              <a:defRPr sz="2400">
-                <a:solidFill>
-                  <a:srgbClr val="000000"/>
-                </a:solidFill>
-                <a:latin typeface="Times New Roman" charset="0"/>
-                <a:ea typeface="ＭＳ Ｐゴシック" charset="0"/>
-                <a:cs typeface="msgothic" charset="0"/>
-              </a:defRPr>
-            </a:lvl4pPr>
-            <a:lvl5pPr>
-              <a:tabLst>
-                <a:tab pos="723900" algn="l"/>
-                <a:tab pos="1447800" algn="l"/>
-                <a:tab pos="2171700" algn="l"/>
-                <a:tab pos="2895600" algn="l"/>
-                <a:tab pos="3619500" algn="l"/>
-                <a:tab pos="4343400" algn="l"/>
-                <a:tab pos="5067300" algn="l"/>
-              </a:tabLst>
-              <a:defRPr sz="2400">
-                <a:solidFill>
-                  <a:srgbClr val="000000"/>
-                </a:solidFill>
-                <a:latin typeface="Times New Roman" charset="0"/>
-                <a:ea typeface="ＭＳ Ｐゴシック" charset="0"/>
-                <a:cs typeface="msgothic" charset="0"/>
-              </a:defRPr>
-            </a:lvl5pPr>
-            <a:lvl6pPr marL="1536700" indent="-215900" fontAlgn="base" hangingPunct="0">
-              <a:lnSpc>
-                <a:spcPct val="93000"/>
-              </a:lnSpc>
-              <a:spcBef>
-                <a:spcPct val="0"/>
-              </a:spcBef>
-              <a:spcAft>
-                <a:spcPct val="0"/>
-              </a:spcAft>
-              <a:buClr>
-                <a:srgbClr val="000000"/>
-              </a:buClr>
-              <a:buSzPct val="45000"/>
-              <a:buFont typeface="Wingdings" charset="0"/>
-              <a:tabLst>
-                <a:tab pos="723900" algn="l"/>
-                <a:tab pos="1447800" algn="l"/>
-                <a:tab pos="2171700" algn="l"/>
-                <a:tab pos="2895600" algn="l"/>
-                <a:tab pos="3619500" algn="l"/>
-                <a:tab pos="4343400" algn="l"/>
-                <a:tab pos="5067300" algn="l"/>
-              </a:tabLst>
-              <a:defRPr sz="2400">
-                <a:solidFill>
-                  <a:srgbClr val="000000"/>
-                </a:solidFill>
-                <a:latin typeface="Times New Roman" charset="0"/>
-                <a:ea typeface="ＭＳ Ｐゴシック" charset="0"/>
-                <a:cs typeface="msgothic" charset="0"/>
-              </a:defRPr>
-            </a:lvl6pPr>
-            <a:lvl7pPr marL="1993900" indent="-215900" fontAlgn="base" hangingPunct="0">
-              <a:lnSpc>
-                <a:spcPct val="93000"/>
-              </a:lnSpc>
-              <a:spcBef>
-                <a:spcPct val="0"/>
-              </a:spcBef>
-              <a:spcAft>
-                <a:spcPct val="0"/>
-              </a:spcAft>
-              <a:buClr>
-                <a:srgbClr val="000000"/>
-              </a:buClr>
-              <a:buSzPct val="45000"/>
-              <a:buFont typeface="Wingdings" charset="0"/>
-              <a:tabLst>
-                <a:tab pos="723900" algn="l"/>
-                <a:tab pos="1447800" algn="l"/>
-                <a:tab pos="2171700" algn="l"/>
-                <a:tab pos="2895600" algn="l"/>
-                <a:tab pos="3619500" algn="l"/>
-                <a:tab pos="4343400" algn="l"/>
-                <a:tab pos="5067300" algn="l"/>
-              </a:tabLst>
-              <a:defRPr sz="2400">
-                <a:solidFill>
-                  <a:srgbClr val="000000"/>
-                </a:solidFill>
-                <a:latin typeface="Times New Roman" charset="0"/>
-                <a:ea typeface="ＭＳ Ｐゴシック" charset="0"/>
-                <a:cs typeface="msgothic" charset="0"/>
-              </a:defRPr>
-            </a:lvl7pPr>
-            <a:lvl8pPr marL="2451100" indent="-215900" fontAlgn="base" hangingPunct="0">
-              <a:lnSpc>
-                <a:spcPct val="93000"/>
-              </a:lnSpc>
-              <a:spcBef>
-                <a:spcPct val="0"/>
-              </a:spcBef>
-              <a:spcAft>
-                <a:spcPct val="0"/>
-              </a:spcAft>
-              <a:buClr>
-                <a:srgbClr val="000000"/>
-              </a:buClr>
-              <a:buSzPct val="45000"/>
-              <a:buFont typeface="Wingdings" charset="0"/>
-              <a:tabLst>
-                <a:tab pos="723900" algn="l"/>
-                <a:tab pos="1447800" algn="l"/>
-                <a:tab pos="2171700" algn="l"/>
-                <a:tab pos="2895600" algn="l"/>
-                <a:tab pos="3619500" algn="l"/>
-                <a:tab pos="4343400" algn="l"/>
-                <a:tab pos="5067300" algn="l"/>
-              </a:tabLst>
-              <a:defRPr sz="2400">
-                <a:solidFill>
-                  <a:srgbClr val="000000"/>
-                </a:solidFill>
-                <a:latin typeface="Times New Roman" charset="0"/>
-                <a:ea typeface="ＭＳ Ｐゴシック" charset="0"/>
-                <a:cs typeface="msgothic" charset="0"/>
-              </a:defRPr>
-            </a:lvl8pPr>
-            <a:lvl9pPr marL="2908300" indent="-215900" fontAlgn="base" hangingPunct="0">
-              <a:lnSpc>
-                <a:spcPct val="93000"/>
-              </a:lnSpc>
-              <a:spcBef>
-                <a:spcPct val="0"/>
-              </a:spcBef>
-              <a:spcAft>
-                <a:spcPct val="0"/>
-              </a:spcAft>
-              <a:buClr>
-                <a:srgbClr val="000000"/>
-              </a:buClr>
-              <a:buSzPct val="45000"/>
-              <a:buFont typeface="Wingdings" charset="0"/>
-              <a:tabLst>
-                <a:tab pos="723900" algn="l"/>
-                <a:tab pos="1447800" algn="l"/>
-                <a:tab pos="2171700" algn="l"/>
-                <a:tab pos="2895600" algn="l"/>
-                <a:tab pos="3619500" algn="l"/>
-                <a:tab pos="4343400" algn="l"/>
-                <a:tab pos="5067300" algn="l"/>
-              </a:tabLst>
-              <a:defRPr sz="2400">
-                <a:solidFill>
-                  <a:srgbClr val="000000"/>
-                </a:solidFill>
-                <a:latin typeface="Times New Roman" charset="0"/>
-                <a:ea typeface="ＭＳ Ｐゴシック" charset="0"/>
-                <a:cs typeface="msgothic" charset="0"/>
-              </a:defRPr>
-            </a:lvl9pPr>
-          </a:lstStyle>
-          <a:p>
-            <a:r>
-              <a:rPr lang="en-GB" sz="900">
-                <a:latin typeface="Arial" charset="0"/>
-              </a:rPr>
-              <a:t>Published by AAAS</a:t>
-            </a:r>
-          </a:p>
-        </p:txBody>
-      </p:sp>
-      <p:sp>
-        <p:nvSpPr>
-          <p:cNvPr id="2" name="TextBox 1"/>
-          <p:cNvSpPr txBox="1"/>
-          <p:nvPr/>
-        </p:nvSpPr>
-        <p:spPr>
-          <a:xfrm rot="19584960">
-            <a:off x="2444955" y="1534922"/>
-            <a:ext cx="2379490" cy="369332"/>
-          </a:xfrm>
-          <a:prstGeom prst="rect">
-            <a:avLst/>
-          </a:prstGeom>
-          <a:noFill/>
-        </p:spPr>
-        <p:txBody>
-          <a:bodyPr wrap="none" rtlCol="0">
-            <a:spAutoFit/>
-          </a:bodyPr>
-          <a:lstStyle/>
-          <a:p>
-            <a:r>
-              <a:rPr lang="en-US" dirty="0" smtClean="0"/>
-              <a:t>Gatekeeping mutation</a:t>
-            </a:r>
-            <a:endParaRPr lang="en-US" dirty="0"/>
-          </a:p>
-        </p:txBody>
-      </p:sp>
-      <p:sp>
-        <p:nvSpPr>
-          <p:cNvPr id="8" name="TextBox 7"/>
-          <p:cNvSpPr txBox="1"/>
-          <p:nvPr/>
-        </p:nvSpPr>
-        <p:spPr>
-          <a:xfrm rot="19584960">
-            <a:off x="4331659" y="1534923"/>
-            <a:ext cx="2391325" cy="369332"/>
-          </a:xfrm>
-          <a:prstGeom prst="rect">
-            <a:avLst/>
-          </a:prstGeom>
-          <a:noFill/>
-        </p:spPr>
-        <p:txBody>
-          <a:bodyPr wrap="none" rtlCol="0">
-            <a:spAutoFit/>
-          </a:bodyPr>
-          <a:lstStyle/>
-          <a:p>
-            <a:r>
-              <a:rPr lang="en-US" dirty="0" smtClean="0"/>
-              <a:t>Second driver mutation</a:t>
-            </a:r>
-            <a:endParaRPr lang="en-US" dirty="0"/>
-          </a:p>
-        </p:txBody>
-      </p:sp>
-      <p:sp>
-        <p:nvSpPr>
-          <p:cNvPr id="10" name="TextBox 9"/>
-          <p:cNvSpPr txBox="1"/>
-          <p:nvPr/>
-        </p:nvSpPr>
-        <p:spPr>
-          <a:xfrm rot="19584960">
-            <a:off x="6392277" y="1474727"/>
-            <a:ext cx="2161845" cy="369332"/>
-          </a:xfrm>
-          <a:prstGeom prst="rect">
-            <a:avLst/>
-          </a:prstGeom>
-          <a:noFill/>
-        </p:spPr>
-        <p:txBody>
-          <a:bodyPr wrap="none" rtlCol="0">
-            <a:spAutoFit/>
-          </a:bodyPr>
-          <a:lstStyle/>
-          <a:p>
-            <a:r>
-              <a:rPr lang="en-US" dirty="0" smtClean="0"/>
-              <a:t>third driver mutation</a:t>
-            </a:r>
-            <a:endParaRPr lang="en-US" dirty="0"/>
-          </a:p>
-        </p:txBody>
-      </p:sp>
-    </p:spTree>
-  </p:cSld>
-  <p:clrMapOvr>
-    <a:masterClrMapping/>
-  </p:clrMapOvr>
-  <p:transition xmlns:p14="http://schemas.microsoft.com/office/powerpoint/2010/main" spd="med"/>
-  <p:timing>
-    <p:tnLst>
-      <p:par>
-        <p:cTn xmlns:p14="http://schemas.microsoft.com/office/powerpoint/2010/main" id="1" dur="indefinite" restart="never" nodeType="tmRoot">
-          <p:childTnLst>
-            <p:seq concurrent="1" nextAc="seek">
-              <p:cTn id="2" dur="0" nodeType="mainSeq"/>
-              <p:prevCondLst>
-                <p:cond evt="onPrev" delay="0">
-                  <p:tgtEl>
-                    <p:sldTgt/>
-                  </p:tgtEl>
-                </p:cond>
-              </p:prevCondLst>
-              <p:nextCondLst>
-                <p:cond evt="onNext" delay="0">
-                  <p:tgtEl>
-                    <p:sldTgt/>
-                  </p:tgtEl>
-                </p:cond>
-              </p:nextCondLst>
-            </p:seq>
-          </p:childTnLst>
-        </p:cTn>
       </p:par>
     </p:tnLst>
   </p:timing>
